--- a/a-star-I.pptx
+++ b/a-star-I.pptx
@@ -5,7 +5,7 @@
     <p:sldMasterId id="2147483648" r:id="rId1"/>
   </p:sldMasterIdLst>
   <p:notesMasterIdLst>
-    <p:notesMasterId r:id="rId39"/>
+    <p:notesMasterId r:id="rId41"/>
   </p:notesMasterIdLst>
   <p:sldIdLst>
     <p:sldId id="398" r:id="rId2"/>
@@ -17,34 +17,36 @@
     <p:sldId id="304" r:id="rId8"/>
     <p:sldId id="303" r:id="rId9"/>
     <p:sldId id="305" r:id="rId10"/>
-    <p:sldId id="306" r:id="rId11"/>
-    <p:sldId id="378" r:id="rId12"/>
-    <p:sldId id="379" r:id="rId13"/>
-    <p:sldId id="382" r:id="rId14"/>
-    <p:sldId id="380" r:id="rId15"/>
-    <p:sldId id="381" r:id="rId16"/>
-    <p:sldId id="383" r:id="rId17"/>
-    <p:sldId id="384" r:id="rId18"/>
-    <p:sldId id="385" r:id="rId19"/>
-    <p:sldId id="409" r:id="rId20"/>
-    <p:sldId id="386" r:id="rId21"/>
-    <p:sldId id="387" r:id="rId22"/>
-    <p:sldId id="388" r:id="rId23"/>
-    <p:sldId id="389" r:id="rId24"/>
-    <p:sldId id="390" r:id="rId25"/>
-    <p:sldId id="391" r:id="rId26"/>
-    <p:sldId id="392" r:id="rId27"/>
-    <p:sldId id="396" r:id="rId28"/>
-    <p:sldId id="400" r:id="rId29"/>
-    <p:sldId id="401" r:id="rId30"/>
-    <p:sldId id="402" r:id="rId31"/>
-    <p:sldId id="403" r:id="rId32"/>
-    <p:sldId id="404" r:id="rId33"/>
-    <p:sldId id="405" r:id="rId34"/>
-    <p:sldId id="406" r:id="rId35"/>
-    <p:sldId id="407" r:id="rId36"/>
-    <p:sldId id="408" r:id="rId37"/>
-    <p:sldId id="397" r:id="rId38"/>
+    <p:sldId id="410" r:id="rId11"/>
+    <p:sldId id="411" r:id="rId12"/>
+    <p:sldId id="378" r:id="rId13"/>
+    <p:sldId id="379" r:id="rId14"/>
+    <p:sldId id="382" r:id="rId15"/>
+    <p:sldId id="380" r:id="rId16"/>
+    <p:sldId id="412" r:id="rId17"/>
+    <p:sldId id="381" r:id="rId18"/>
+    <p:sldId id="383" r:id="rId19"/>
+    <p:sldId id="384" r:id="rId20"/>
+    <p:sldId id="385" r:id="rId21"/>
+    <p:sldId id="409" r:id="rId22"/>
+    <p:sldId id="386" r:id="rId23"/>
+    <p:sldId id="387" r:id="rId24"/>
+    <p:sldId id="388" r:id="rId25"/>
+    <p:sldId id="389" r:id="rId26"/>
+    <p:sldId id="390" r:id="rId27"/>
+    <p:sldId id="391" r:id="rId28"/>
+    <p:sldId id="392" r:id="rId29"/>
+    <p:sldId id="396" r:id="rId30"/>
+    <p:sldId id="400" r:id="rId31"/>
+    <p:sldId id="401" r:id="rId32"/>
+    <p:sldId id="402" r:id="rId33"/>
+    <p:sldId id="403" r:id="rId34"/>
+    <p:sldId id="404" r:id="rId35"/>
+    <p:sldId id="405" r:id="rId36"/>
+    <p:sldId id="406" r:id="rId37"/>
+    <p:sldId id="407" r:id="rId38"/>
+    <p:sldId id="408" r:id="rId39"/>
+    <p:sldId id="397" r:id="rId40"/>
   </p:sldIdLst>
   <p:sldSz cx="9144000" cy="6858000" type="screen4x3"/>
   <p:notesSz cx="6858000" cy="9144000"/>
@@ -646,6 +648,88 @@
               <a:rPr lang="ar-EG" smtClean="0"/>
               <a:pPr/>
               <a:t>10</a:t>
+            </a:fld>
+            <a:endParaRPr lang="ar-EG"/>
+          </a:p>
+        </p:txBody>
+      </p:sp>
+    </p:spTree>
+  </p:cSld>
+  <p:clrMapOvr>
+    <a:masterClrMapping/>
+  </p:clrMapOvr>
+</p:notes>
+</file>
+
+<file path=ppt/notesSlides/notesSlide3.xml><?xml version="1.0" encoding="utf-8"?>
+<p:notes xmlns:a="http://schemas.openxmlformats.org/drawingml/2006/main" xmlns:r="http://schemas.openxmlformats.org/officeDocument/2006/relationships" xmlns:p="http://schemas.openxmlformats.org/presentationml/2006/main">
+  <p:cSld>
+    <p:spTree>
+      <p:nvGrpSpPr>
+        <p:cNvPr id="1" name=""/>
+        <p:cNvGrpSpPr/>
+        <p:nvPr/>
+      </p:nvGrpSpPr>
+      <p:grpSpPr>
+        <a:xfrm>
+          <a:off x="0" y="0"/>
+          <a:ext cx="0" cy="0"/>
+          <a:chOff x="0" y="0"/>
+          <a:chExt cx="0" cy="0"/>
+        </a:xfrm>
+      </p:grpSpPr>
+      <p:sp>
+        <p:nvSpPr>
+          <p:cNvPr id="2" name="Slide Image Placeholder 1"/>
+          <p:cNvSpPr>
+            <a:spLocks noGrp="1" noRot="1" noChangeAspect="1"/>
+          </p:cNvSpPr>
+          <p:nvPr>
+            <p:ph type="sldImg"/>
+          </p:nvPr>
+        </p:nvSpPr>
+        <p:spPr/>
+      </p:sp>
+      <p:sp>
+        <p:nvSpPr>
+          <p:cNvPr id="3" name="Notes Placeholder 2"/>
+          <p:cNvSpPr>
+            <a:spLocks noGrp="1"/>
+          </p:cNvSpPr>
+          <p:nvPr>
+            <p:ph type="body" idx="1"/>
+          </p:nvPr>
+        </p:nvSpPr>
+        <p:spPr/>
+        <p:txBody>
+          <a:bodyPr>
+            <a:normAutofit/>
+          </a:bodyPr>
+          <a:lstStyle/>
+          <a:p>
+            <a:endParaRPr lang="ar-EG" dirty="0"/>
+          </a:p>
+        </p:txBody>
+      </p:sp>
+      <p:sp>
+        <p:nvSpPr>
+          <p:cNvPr id="4" name="Slide Number Placeholder 3"/>
+          <p:cNvSpPr>
+            <a:spLocks noGrp="1"/>
+          </p:cNvSpPr>
+          <p:nvPr>
+            <p:ph type="sldNum" sz="quarter" idx="10"/>
+          </p:nvPr>
+        </p:nvSpPr>
+        <p:spPr/>
+        <p:txBody>
+          <a:bodyPr/>
+          <a:lstStyle/>
+          <a:p>
+            <a:fld id="{292D4BBE-CF61-441D-BB81-7CC5DED86FE0}" type="slidenum">
+              <a:rPr lang="ar-EG" smtClean="0"/>
+              <a:pPr/>
+              <a:t>11</a:t>
             </a:fld>
             <a:endParaRPr lang="ar-EG"/>
           </a:p>
@@ -3813,7 +3897,7 @@
         <p:spPr>
           <a:xfrm>
             <a:off x="457200" y="1219200"/>
-            <a:ext cx="4114800" cy="2590800"/>
+            <a:ext cx="4114800" cy="1676400"/>
           </a:xfrm>
         </p:spPr>
         <p:txBody>
@@ -3976,9 +4060,165 @@
           </a:p>
         </p:txBody>
       </p:sp>
+      <p:sp>
+        <p:nvSpPr>
+          <p:cNvPr id="12" name="Content Placeholder 2"/>
+          <p:cNvSpPr txBox="1">
+            <a:spLocks/>
+          </p:cNvSpPr>
+          <p:nvPr/>
+        </p:nvSpPr>
+        <p:spPr>
+          <a:xfrm>
+            <a:off x="5257800" y="3505200"/>
+            <a:ext cx="2743200" cy="533400"/>
+          </a:xfrm>
+          <a:prstGeom prst="rect">
+            <a:avLst/>
+          </a:prstGeom>
+        </p:spPr>
+        <p:txBody>
+          <a:bodyPr vert="horz" lIns="91440" tIns="45720" rIns="91440" bIns="45720" rtlCol="0">
+            <a:normAutofit/>
+          </a:bodyPr>
+          <a:lstStyle/>
+          <a:p>
+            <a:pPr marL="342900" marR="0" lvl="0" indent="-342900" algn="l" defTabSz="914400" rtl="0" eaLnBrk="1" fontAlgn="auto" latinLnBrk="0" hangingPunct="1">
+              <a:lnSpc>
+                <a:spcPct val="100000"/>
+              </a:lnSpc>
+              <a:spcBef>
+                <a:spcPct val="20000"/>
+              </a:spcBef>
+              <a:spcAft>
+                <a:spcPts val="0"/>
+              </a:spcAft>
+              <a:buClrTx/>
+              <a:buSzTx/>
+              <a:tabLst/>
+              <a:defRPr/>
+            </a:pPr>
+            <a:r>
+              <a:rPr kumimoji="0" lang="en-US" sz="2800" b="1" i="0" u="none" strike="noStrike" kern="1200" cap="none" spc="0" normalizeH="0" baseline="0" noProof="0" dirty="0" smtClean="0">
+                <a:ln>
+                  <a:noFill/>
+                </a:ln>
+                <a:solidFill>
+                  <a:schemeClr val="tx1"/>
+                </a:solidFill>
+                <a:effectLst/>
+                <a:uLnTx/>
+                <a:uFillTx/>
+                <a:latin typeface="+mn-lt"/>
+                <a:ea typeface="+mn-ea"/>
+                <a:cs typeface="+mn-cs"/>
+              </a:rPr>
+              <a:t>Expansion</a:t>
+            </a:r>
+            <a:r>
+              <a:rPr lang="en-US" sz="2800" b="1" dirty="0" smtClean="0"/>
+              <a:t> </a:t>
+            </a:r>
+            <a:r>
+              <a:rPr lang="en-US" sz="2800" b="1" dirty="0" smtClean="0"/>
+              <a:t>order:</a:t>
+            </a:r>
+            <a:endParaRPr kumimoji="0" lang="en-US" sz="2800" b="1" i="0" u="none" strike="noStrike" kern="1200" cap="none" spc="0" normalizeH="0" baseline="0" noProof="0" dirty="0" smtClean="0">
+              <a:ln>
+                <a:noFill/>
+              </a:ln>
+              <a:solidFill>
+                <a:schemeClr val="tx1"/>
+              </a:solidFill>
+              <a:effectLst/>
+              <a:uLnTx/>
+              <a:uFillTx/>
+              <a:latin typeface="+mn-lt"/>
+              <a:ea typeface="+mn-ea"/>
+              <a:cs typeface="+mn-cs"/>
+            </a:endParaRPr>
+          </a:p>
+        </p:txBody>
+      </p:sp>
+      <p:sp>
+        <p:nvSpPr>
+          <p:cNvPr id="13" name="Content Placeholder 2"/>
+          <p:cNvSpPr txBox="1">
+            <a:spLocks/>
+          </p:cNvSpPr>
+          <p:nvPr/>
+        </p:nvSpPr>
+        <p:spPr>
+          <a:xfrm>
+            <a:off x="5257800" y="304800"/>
+            <a:ext cx="2743200" cy="533400"/>
+          </a:xfrm>
+          <a:prstGeom prst="rect">
+            <a:avLst/>
+          </a:prstGeom>
+        </p:spPr>
+        <p:txBody>
+          <a:bodyPr vert="horz" lIns="91440" tIns="45720" rIns="91440" bIns="45720" rtlCol="0">
+            <a:normAutofit/>
+          </a:bodyPr>
+          <a:lstStyle/>
+          <a:p>
+            <a:pPr marL="342900" marR="0" lvl="0" indent="-342900" algn="l" defTabSz="914400" rtl="0" eaLnBrk="1" fontAlgn="auto" latinLnBrk="0" hangingPunct="1">
+              <a:lnSpc>
+                <a:spcPct val="100000"/>
+              </a:lnSpc>
+              <a:spcBef>
+                <a:spcPct val="20000"/>
+              </a:spcBef>
+              <a:spcAft>
+                <a:spcPts val="0"/>
+              </a:spcAft>
+              <a:buClrTx/>
+              <a:buSzTx/>
+              <a:tabLst/>
+              <a:defRPr/>
+            </a:pPr>
+            <a:r>
+              <a:rPr kumimoji="0" lang="en-US" sz="2800" b="1" i="0" u="none" strike="noStrike" kern="1200" cap="none" spc="0" normalizeH="0" baseline="0" noProof="0" dirty="0" smtClean="0">
+                <a:ln>
+                  <a:noFill/>
+                </a:ln>
+                <a:solidFill>
+                  <a:schemeClr val="tx1"/>
+                </a:solidFill>
+                <a:effectLst/>
+                <a:uLnTx/>
+                <a:uFillTx/>
+                <a:latin typeface="+mn-lt"/>
+                <a:ea typeface="+mn-ea"/>
+                <a:cs typeface="+mn-cs"/>
+              </a:rPr>
+              <a:t>G-value </a:t>
+            </a:r>
+            <a:r>
+              <a:rPr lang="en-US" sz="2800" b="1" dirty="0" smtClean="0"/>
+              <a:t>matrix:</a:t>
+            </a:r>
+            <a:endParaRPr kumimoji="0" lang="en-US" sz="2800" b="1" i="0" u="none" strike="noStrike" kern="1200" cap="none" spc="0" normalizeH="0" baseline="0" noProof="0" dirty="0" smtClean="0">
+              <a:ln>
+                <a:noFill/>
+              </a:ln>
+              <a:solidFill>
+                <a:schemeClr val="tx1"/>
+              </a:solidFill>
+              <a:effectLst/>
+              <a:uLnTx/>
+              <a:uFillTx/>
+              <a:latin typeface="+mn-lt"/>
+              <a:ea typeface="+mn-ea"/>
+              <a:cs typeface="+mn-cs"/>
+            </a:endParaRPr>
+          </a:p>
+        </p:txBody>
+      </p:sp>
       <p:pic>
         <p:nvPicPr>
-          <p:cNvPr id="10" name="Picture 4"/>
+          <p:cNvPr id="1026" name="Picture 2"/>
           <p:cNvPicPr>
             <a:picLocks noChangeAspect="1" noChangeArrowheads="1"/>
           </p:cNvPicPr>
@@ -3993,8 +4233,8 @@
         </p:blipFill>
         <p:spPr bwMode="auto">
           <a:xfrm>
-            <a:off x="4800600" y="3657600"/>
-            <a:ext cx="4100423" cy="2362200"/>
+            <a:off x="5334000" y="762000"/>
+            <a:ext cx="3154416" cy="2666999"/>
           </a:xfrm>
           <a:prstGeom prst="rect">
             <a:avLst/>
@@ -4011,7 +4251,7 @@
       </p:pic>
       <p:pic>
         <p:nvPicPr>
-          <p:cNvPr id="11" name="Picture 5"/>
+          <p:cNvPr id="1027" name="Picture 3"/>
           <p:cNvPicPr>
             <a:picLocks noChangeAspect="1" noChangeArrowheads="1"/>
           </p:cNvPicPr>
@@ -4026,8 +4266,8 @@
         </p:blipFill>
         <p:spPr bwMode="auto">
           <a:xfrm>
-            <a:off x="5486400" y="381000"/>
-            <a:ext cx="3305175" cy="2828925"/>
+            <a:off x="5324475" y="3981450"/>
+            <a:ext cx="3209925" cy="2724150"/>
           </a:xfrm>
           <a:prstGeom prst="rect">
             <a:avLst/>
@@ -4096,15 +4336,19 @@
                   <a:srgbClr val="0070C0"/>
                 </a:solidFill>
               </a:rPr>
-              <a:t>A star (Heuristic Fn)</a:t>
-            </a:r>
-            <a:endParaRPr lang="ar-EG" dirty="0"/>
-          </a:p>
-        </p:txBody>
-      </p:sp>
-      <p:sp>
-        <p:nvSpPr>
-          <p:cNvPr id="3" name="Content Placeholder 2"/>
+              <a:t>Get g-value</a:t>
+            </a:r>
+            <a:endParaRPr lang="ar-EG" b="1" dirty="0">
+              <a:solidFill>
+                <a:srgbClr val="0070C0"/>
+              </a:solidFill>
+            </a:endParaRPr>
+          </a:p>
+        </p:txBody>
+      </p:sp>
+      <p:sp>
+        <p:nvSpPr>
+          <p:cNvPr id="8" name="Content Placeholder 2"/>
           <p:cNvSpPr>
             <a:spLocks noGrp="1"/>
           </p:cNvSpPr>
@@ -4114,57 +4358,243 @@
         </p:nvSpPr>
         <p:spPr>
           <a:xfrm>
-            <a:off x="457200" y="1600200"/>
-            <a:ext cx="4267200" cy="4495800"/>
+            <a:off x="457200" y="1295400"/>
+            <a:ext cx="8229600" cy="1676400"/>
           </a:xfrm>
         </p:spPr>
         <p:txBody>
           <a:bodyPr>
+            <a:normAutofit fontScale="92500" lnSpcReduction="10000"/>
+          </a:bodyPr>
+          <a:lstStyle/>
+          <a:p>
+            <a:r>
+              <a:rPr lang="en-US" sz="2800" dirty="0" smtClean="0"/>
+              <a:t>Container: [g, (x, y), [path]]</a:t>
+            </a:r>
+          </a:p>
+          <a:p>
+            <a:pPr lvl="1"/>
+            <a:r>
+              <a:rPr lang="en-US" sz="2400" dirty="0" smtClean="0"/>
+              <a:t>[[</a:t>
+            </a:r>
+            <a:r>
+              <a:rPr lang="en-US" sz="2400" dirty="0" smtClean="0"/>
+              <a:t>0, (0, 0), [(0, 0</a:t>
+            </a:r>
+            <a:r>
+              <a:rPr lang="en-US" sz="2400" dirty="0" smtClean="0"/>
+              <a:t>)]]]</a:t>
+            </a:r>
+            <a:endParaRPr lang="en-US" sz="2400" dirty="0" smtClean="0"/>
+          </a:p>
+          <a:p>
+            <a:pPr lvl="1"/>
+            <a:r>
+              <a:rPr lang="en-US" sz="2400" dirty="0" smtClean="0"/>
+              <a:t>[[1, (1, 0), [(0, 0), (1, 0)]], [1, (0, 1), [(0, 0), (0, 1)]]]</a:t>
+            </a:r>
+          </a:p>
+          <a:p>
+            <a:pPr lvl="1"/>
+            <a:r>
+              <a:rPr lang="en-US" sz="2400" dirty="0" smtClean="0"/>
+              <a:t>[[1, (1, 0), [(0, 0), (1, 0)]], [2, (1, 1), [(0, 0), (0, 1), (1, 1)]]]</a:t>
+            </a:r>
+            <a:endParaRPr lang="en-US" sz="2400" dirty="0" smtClean="0"/>
+          </a:p>
+        </p:txBody>
+      </p:sp>
+      <p:sp>
+        <p:nvSpPr>
+          <p:cNvPr id="9" name="Footer Placeholder 8"/>
+          <p:cNvSpPr>
+            <a:spLocks noGrp="1"/>
+          </p:cNvSpPr>
+          <p:nvPr>
+            <p:ph type="ftr" sz="quarter" idx="11"/>
+          </p:nvPr>
+        </p:nvSpPr>
+        <p:spPr/>
+        <p:txBody>
+          <a:bodyPr/>
+          <a:lstStyle/>
+          <a:p>
+            <a:r>
+              <a:rPr lang="en-US" smtClean="0"/>
+              <a:t>By Eng. Ahmed Tarik</a:t>
+            </a:r>
+            <a:endParaRPr lang="en-US"/>
+          </a:p>
+        </p:txBody>
+      </p:sp>
+      <p:sp>
+        <p:nvSpPr>
+          <p:cNvPr id="12" name="Content Placeholder 2"/>
+          <p:cNvSpPr txBox="1">
+            <a:spLocks/>
+          </p:cNvSpPr>
+          <p:nvPr/>
+        </p:nvSpPr>
+        <p:spPr>
+          <a:xfrm>
+            <a:off x="4343400" y="2971800"/>
+            <a:ext cx="4572000" cy="533400"/>
+          </a:xfrm>
+          <a:prstGeom prst="rect">
+            <a:avLst/>
+          </a:prstGeom>
+        </p:spPr>
+        <p:txBody>
+          <a:bodyPr vert="horz" lIns="91440" tIns="45720" rIns="91440" bIns="45720" rtlCol="0">
             <a:normAutofit/>
           </a:bodyPr>
           <a:lstStyle/>
           <a:p>
-            <a:r>
-              <a:rPr lang="en-US" sz="2800" dirty="0" smtClean="0"/>
-              <a:t>A-star uses a so called heuristic function.</a:t>
-            </a:r>
-          </a:p>
-          <a:p>
-            <a:r>
-              <a:rPr lang="en-US" sz="2800" dirty="0" smtClean="0"/>
-              <a:t>If we call the heuristic function h, then for each cell it results into a value.</a:t>
-            </a:r>
-          </a:p>
-          <a:p>
-            <a:r>
-              <a:rPr lang="en-US" sz="2800" dirty="0" smtClean="0"/>
-              <a:t>Here is one: It is the </a:t>
-            </a:r>
-            <a:r>
-              <a:rPr lang="en-US" sz="2800" dirty="0" smtClean="0">
-                <a:solidFill>
-                  <a:srgbClr val="0070C0"/>
-                </a:solidFill>
+            <a:pPr marL="342900" marR="0" lvl="0" indent="-342900" algn="l" defTabSz="914400" rtl="0" eaLnBrk="1" fontAlgn="auto" latinLnBrk="0" hangingPunct="1">
+              <a:lnSpc>
+                <a:spcPct val="100000"/>
+              </a:lnSpc>
+              <a:spcBef>
+                <a:spcPct val="20000"/>
+              </a:spcBef>
+              <a:spcAft>
+                <a:spcPts val="0"/>
+              </a:spcAft>
+              <a:buClrTx/>
+              <a:buSzTx/>
+              <a:tabLst/>
+              <a:defRPr/>
+            </a:pPr>
+            <a:r>
+              <a:rPr kumimoji="0" lang="en-US" sz="2800" b="1" i="0" u="none" strike="noStrike" kern="1200" cap="none" spc="0" normalizeH="0" baseline="0" noProof="0" dirty="0" smtClean="0">
+                <a:ln>
+                  <a:noFill/>
+                </a:ln>
+                <a:solidFill>
+                  <a:schemeClr val="tx1"/>
+                </a:solidFill>
+                <a:effectLst/>
+                <a:uLnTx/>
+                <a:uFillTx/>
+                <a:latin typeface="+mn-lt"/>
+                <a:ea typeface="+mn-ea"/>
+                <a:cs typeface="+mn-cs"/>
               </a:rPr>
-              <a:t>number of steps it takes to the goal if there were no obstacles</a:t>
-            </a:r>
-            <a:r>
-              <a:rPr lang="en-US" sz="2800" dirty="0" smtClean="0"/>
-              <a:t>.</a:t>
-            </a:r>
+              <a:t>Expansion</a:t>
+            </a:r>
+            <a:r>
+              <a:rPr lang="en-US" sz="2800" b="1" dirty="0" smtClean="0"/>
+              <a:t> </a:t>
+            </a:r>
+            <a:r>
+              <a:rPr lang="en-US" sz="2800" b="1" dirty="0" smtClean="0"/>
+              <a:t>order: (pop order)</a:t>
+            </a:r>
+            <a:endParaRPr kumimoji="0" lang="en-US" sz="2800" b="1" i="0" u="none" strike="noStrike" kern="1200" cap="none" spc="0" normalizeH="0" baseline="0" noProof="0" dirty="0" smtClean="0">
+              <a:ln>
+                <a:noFill/>
+              </a:ln>
+              <a:solidFill>
+                <a:schemeClr val="tx1"/>
+              </a:solidFill>
+              <a:effectLst/>
+              <a:uLnTx/>
+              <a:uFillTx/>
+              <a:latin typeface="+mn-lt"/>
+              <a:ea typeface="+mn-ea"/>
+              <a:cs typeface="+mn-cs"/>
+            </a:endParaRPr>
+          </a:p>
+        </p:txBody>
+      </p:sp>
+      <p:sp>
+        <p:nvSpPr>
+          <p:cNvPr id="13" name="Content Placeholder 2"/>
+          <p:cNvSpPr txBox="1">
+            <a:spLocks/>
+          </p:cNvSpPr>
+          <p:nvPr/>
+        </p:nvSpPr>
+        <p:spPr>
+          <a:xfrm>
+            <a:off x="685800" y="2971800"/>
+            <a:ext cx="2743200" cy="533400"/>
+          </a:xfrm>
+          <a:prstGeom prst="rect">
+            <a:avLst/>
+          </a:prstGeom>
+        </p:spPr>
+        <p:txBody>
+          <a:bodyPr vert="horz" lIns="91440" tIns="45720" rIns="91440" bIns="45720" rtlCol="0">
+            <a:normAutofit/>
+          </a:bodyPr>
+          <a:lstStyle/>
+          <a:p>
+            <a:pPr marL="342900" marR="0" lvl="0" indent="-342900" algn="l" defTabSz="914400" rtl="0" eaLnBrk="1" fontAlgn="auto" latinLnBrk="0" hangingPunct="1">
+              <a:lnSpc>
+                <a:spcPct val="100000"/>
+              </a:lnSpc>
+              <a:spcBef>
+                <a:spcPct val="20000"/>
+              </a:spcBef>
+              <a:spcAft>
+                <a:spcPts val="0"/>
+              </a:spcAft>
+              <a:buClrTx/>
+              <a:buSzTx/>
+              <a:tabLst/>
+              <a:defRPr/>
+            </a:pPr>
+            <a:r>
+              <a:rPr kumimoji="0" lang="en-US" sz="2800" b="1" i="0" u="none" strike="noStrike" kern="1200" cap="none" spc="0" normalizeH="0" baseline="0" noProof="0" dirty="0" smtClean="0">
+                <a:ln>
+                  <a:noFill/>
+                </a:ln>
+                <a:solidFill>
+                  <a:schemeClr val="tx1"/>
+                </a:solidFill>
+                <a:effectLst/>
+                <a:uLnTx/>
+                <a:uFillTx/>
+                <a:latin typeface="+mn-lt"/>
+                <a:ea typeface="+mn-ea"/>
+                <a:cs typeface="+mn-cs"/>
+              </a:rPr>
+              <a:t>Path to Goal</a:t>
+            </a:r>
+            <a:r>
+              <a:rPr lang="en-US" sz="2800" b="1" dirty="0" smtClean="0"/>
+              <a:t>:</a:t>
+            </a:r>
+            <a:endParaRPr kumimoji="0" lang="en-US" sz="2800" b="1" i="0" u="none" strike="noStrike" kern="1200" cap="none" spc="0" normalizeH="0" baseline="0" noProof="0" dirty="0" smtClean="0">
+              <a:ln>
+                <a:noFill/>
+              </a:ln>
+              <a:solidFill>
+                <a:schemeClr val="tx1"/>
+              </a:solidFill>
+              <a:effectLst/>
+              <a:uLnTx/>
+              <a:uFillTx/>
+              <a:latin typeface="+mn-lt"/>
+              <a:ea typeface="+mn-ea"/>
+              <a:cs typeface="+mn-cs"/>
+            </a:endParaRPr>
           </a:p>
         </p:txBody>
       </p:sp>
       <p:pic>
         <p:nvPicPr>
-          <p:cNvPr id="21505" name="Picture 1"/>
+          <p:cNvPr id="1027" name="Picture 3"/>
           <p:cNvPicPr>
             <a:picLocks noChangeAspect="1" noChangeArrowheads="1"/>
           </p:cNvPicPr>
           <p:nvPr/>
         </p:nvPicPr>
         <p:blipFill>
-          <a:blip r:embed="rId2"/>
+          <a:blip r:embed="rId3"/>
           <a:srcRect/>
           <a:stretch>
             <a:fillRect/>
@@ -4172,8 +4602,8 @@
         </p:blipFill>
         <p:spPr bwMode="auto">
           <a:xfrm>
-            <a:off x="4800600" y="1447800"/>
-            <a:ext cx="4115320" cy="3505200"/>
+            <a:off x="4486275" y="3505200"/>
+            <a:ext cx="3209925" cy="2724150"/>
           </a:xfrm>
           <a:prstGeom prst="rect">
             <a:avLst/>
@@ -4188,29 +4618,39 @@
           <a:effectLst/>
         </p:spPr>
       </p:pic>
-      <p:sp>
-        <p:nvSpPr>
-          <p:cNvPr id="5" name="Footer Placeholder 4"/>
-          <p:cNvSpPr>
-            <a:spLocks noGrp="1"/>
-          </p:cNvSpPr>
-          <p:nvPr>
-            <p:ph type="ftr" sz="quarter" idx="11"/>
-          </p:nvPr>
-        </p:nvSpPr>
-        <p:spPr/>
-        <p:txBody>
-          <a:bodyPr/>
-          <a:lstStyle/>
-          <a:p>
-            <a:r>
-              <a:rPr lang="en-US" smtClean="0"/>
-              <a:t>By Eng. Ahmed Tarik</a:t>
-            </a:r>
-            <a:endParaRPr lang="en-US"/>
-          </a:p>
-        </p:txBody>
-      </p:sp>
+      <p:pic>
+        <p:nvPicPr>
+          <p:cNvPr id="1028" name="Picture 4"/>
+          <p:cNvPicPr>
+            <a:picLocks noChangeAspect="1" noChangeArrowheads="1"/>
+          </p:cNvPicPr>
+          <p:nvPr/>
+        </p:nvPicPr>
+        <p:blipFill>
+          <a:blip r:embed="rId4"/>
+          <a:srcRect/>
+          <a:stretch>
+            <a:fillRect/>
+          </a:stretch>
+        </p:blipFill>
+        <p:spPr bwMode="auto">
+          <a:xfrm>
+            <a:off x="647700" y="3505200"/>
+            <a:ext cx="3238500" cy="2695575"/>
+          </a:xfrm>
+          <a:prstGeom prst="rect">
+            <a:avLst/>
+          </a:prstGeom>
+          <a:noFill/>
+          <a:ln w="9525">
+            <a:noFill/>
+            <a:miter lim="800000"/>
+            <a:headEnd/>
+            <a:tailEnd/>
+          </a:ln>
+          <a:effectLst/>
+        </p:spPr>
+      </p:pic>
     </p:spTree>
   </p:cSld>
   <p:clrMapOvr>
@@ -4265,7 +4705,7 @@
                   <a:srgbClr val="0070C0"/>
                 </a:solidFill>
               </a:rPr>
-              <a:t>Heuristic Function</a:t>
+              <a:t>A star (Heuristic Fn)</a:t>
             </a:r>
             <a:endParaRPr lang="ar-EG" dirty="0"/>
           </a:p>
@@ -4284,37 +4724,42 @@
         <p:spPr>
           <a:xfrm>
             <a:off x="457200" y="1600200"/>
-            <a:ext cx="4267200" cy="4191000"/>
+            <a:ext cx="4267200" cy="4495800"/>
           </a:xfrm>
         </p:spPr>
         <p:txBody>
           <a:bodyPr>
-            <a:noAutofit/>
+            <a:normAutofit/>
           </a:bodyPr>
           <a:lstStyle/>
           <a:p>
-            <a:pPr lvl="0"/>
             <a:r>
               <a:rPr lang="en-US" sz="2800" dirty="0" smtClean="0"/>
-              <a:t>The heuristic function doesn't have to be accurate. </a:t>
-            </a:r>
-          </a:p>
-          <a:p>
-            <a:pPr lvl="0"/>
+              <a:t>A-star uses a so called heuristic function.</a:t>
+            </a:r>
+          </a:p>
+          <a:p>
+            <a:r>
+              <a:rPr lang="en-US" sz="2800" dirty="0" smtClean="0"/>
+              <a:t>If we call the heuristic function h, then for each cell it results into a value.</a:t>
+            </a:r>
+          </a:p>
+          <a:p>
+            <a:r>
+              <a:rPr lang="en-US" sz="2800" dirty="0" smtClean="0"/>
+              <a:t>Here is one: It is the </a:t>
+            </a:r>
             <a:r>
               <a:rPr lang="en-US" sz="2800" dirty="0" smtClean="0">
                 <a:solidFill>
                   <a:srgbClr val="0070C0"/>
                 </a:solidFill>
               </a:rPr>
-              <a:t>If it was accurate, you already solved the planning problem and no need for search.</a:t>
-            </a:r>
-          </a:p>
-          <a:p>
-            <a:pPr lvl="0"/>
+              <a:t>number of steps it takes to the goal if there were no obstacles</a:t>
+            </a:r>
             <a:r>
               <a:rPr lang="en-US" sz="2800" dirty="0" smtClean="0"/>
-              <a:t>You can use two heuristic functions in one problem. </a:t>
+              <a:t>.</a:t>
             </a:r>
           </a:p>
         </p:txBody>
@@ -4448,7 +4893,7 @@
         <p:spPr>
           <a:xfrm>
             <a:off x="457200" y="1600200"/>
-            <a:ext cx="8153400" cy="4114800"/>
+            <a:ext cx="4267200" cy="4191000"/>
           </a:xfrm>
         </p:spPr>
         <p:txBody>
@@ -4457,51 +4902,68 @@
           </a:bodyPr>
           <a:lstStyle/>
           <a:p>
+            <a:pPr lvl="0"/>
             <a:r>
               <a:rPr lang="en-US" sz="2800" dirty="0" smtClean="0"/>
-              <a:t>The heuristic function is an idea more than a static formula.</a:t>
-            </a:r>
-          </a:p>
-          <a:p>
-            <a:endParaRPr lang="en-US" sz="2800" dirty="0" smtClean="0"/>
-          </a:p>
-          <a:p>
+              <a:t>The heuristic function doesn't have to be accurate. </a:t>
+            </a:r>
+          </a:p>
+          <a:p>
+            <a:pPr lvl="0"/>
+            <a:r>
+              <a:rPr lang="en-US" sz="2800" dirty="0" smtClean="0">
+                <a:solidFill>
+                  <a:srgbClr val="0070C0"/>
+                </a:solidFill>
+              </a:rPr>
+              <a:t>If it was accurate, you already solved the planning problem and no need for search.</a:t>
+            </a:r>
+          </a:p>
+          <a:p>
+            <a:pPr lvl="0"/>
             <a:r>
               <a:rPr lang="en-US" sz="2800" dirty="0" smtClean="0"/>
-              <a:t>In Maze Search Example:</a:t>
-            </a:r>
-          </a:p>
-          <a:p>
-            <a:pPr lvl="1"/>
-            <a:r>
-              <a:rPr lang="en-US" sz="2400" dirty="0" smtClean="0"/>
-              <a:t>f = g + h.</a:t>
-            </a:r>
-          </a:p>
-          <a:p>
-            <a:pPr lvl="1"/>
-            <a:r>
-              <a:rPr lang="en-US" sz="2400" dirty="0" smtClean="0"/>
-              <a:t>g is G-value.</a:t>
-            </a:r>
-          </a:p>
-          <a:p>
-            <a:pPr lvl="1"/>
-            <a:r>
-              <a:rPr lang="en-US" sz="2400" dirty="0" smtClean="0"/>
-              <a:t>h is </a:t>
-            </a:r>
-            <a:r>
-              <a:rPr lang="en-US" sz="2400" smtClean="0"/>
-              <a:t>Heuristic value.</a:t>
-            </a:r>
-            <a:endParaRPr lang="ar-EG" sz="2400" dirty="0"/>
-          </a:p>
-        </p:txBody>
-      </p:sp>
-      <p:sp>
-        <p:nvSpPr>
-          <p:cNvPr id="4" name="Footer Placeholder 3"/>
+              <a:t>You can use two heuristic functions in one problem. </a:t>
+            </a:r>
+          </a:p>
+        </p:txBody>
+      </p:sp>
+      <p:pic>
+        <p:nvPicPr>
+          <p:cNvPr id="21505" name="Picture 1"/>
+          <p:cNvPicPr>
+            <a:picLocks noChangeAspect="1" noChangeArrowheads="1"/>
+          </p:cNvPicPr>
+          <p:nvPr/>
+        </p:nvPicPr>
+        <p:blipFill>
+          <a:blip r:embed="rId2"/>
+          <a:srcRect/>
+          <a:stretch>
+            <a:fillRect/>
+          </a:stretch>
+        </p:blipFill>
+        <p:spPr bwMode="auto">
+          <a:xfrm>
+            <a:off x="4800600" y="1447800"/>
+            <a:ext cx="4115320" cy="3505200"/>
+          </a:xfrm>
+          <a:prstGeom prst="rect">
+            <a:avLst/>
+          </a:prstGeom>
+          <a:noFill/>
+          <a:ln w="9525">
+            <a:noFill/>
+            <a:miter lim="800000"/>
+            <a:headEnd/>
+            <a:tailEnd/>
+          </a:ln>
+          <a:effectLst/>
+        </p:spPr>
+      </p:pic>
+      <p:sp>
+        <p:nvSpPr>
+          <p:cNvPr id="5" name="Footer Placeholder 4"/>
           <p:cNvSpPr>
             <a:spLocks noGrp="1"/>
           </p:cNvSpPr>
@@ -4564,170 +5026,91 @@
             <p:ph type="title"/>
           </p:nvPr>
         </p:nvSpPr>
+        <p:spPr/>
+        <p:txBody>
+          <a:bodyPr/>
+          <a:lstStyle/>
+          <a:p>
+            <a:pPr algn="l"/>
+            <a:r>
+              <a:rPr lang="en-US" b="1" dirty="0" smtClean="0">
+                <a:solidFill>
+                  <a:srgbClr val="0070C0"/>
+                </a:solidFill>
+              </a:rPr>
+              <a:t>Heuristic Function</a:t>
+            </a:r>
+            <a:endParaRPr lang="ar-EG" dirty="0"/>
+          </a:p>
+        </p:txBody>
+      </p:sp>
+      <p:sp>
+        <p:nvSpPr>
+          <p:cNvPr id="3" name="Content Placeholder 2"/>
+          <p:cNvSpPr>
+            <a:spLocks noGrp="1"/>
+          </p:cNvSpPr>
+          <p:nvPr>
+            <p:ph idx="1"/>
+          </p:nvPr>
+        </p:nvSpPr>
         <p:spPr>
           <a:xfrm>
-            <a:off x="457200" y="0"/>
-            <a:ext cx="8229600" cy="1143000"/>
-          </a:xfrm>
-        </p:spPr>
-        <p:txBody>
-          <a:bodyPr/>
-          <a:lstStyle/>
-          <a:p>
-            <a:pPr algn="l"/>
-            <a:r>
-              <a:rPr lang="en-US" b="1" dirty="0" smtClean="0">
-                <a:solidFill>
-                  <a:srgbClr val="0070C0"/>
-                </a:solidFill>
-              </a:rPr>
-              <a:t>A star (Maze Search)</a:t>
-            </a:r>
-            <a:endParaRPr lang="ar-EG" b="1" dirty="0">
-              <a:solidFill>
-                <a:srgbClr val="0070C0"/>
-              </a:solidFill>
-            </a:endParaRPr>
-          </a:p>
-        </p:txBody>
-      </p:sp>
-      <p:pic>
-        <p:nvPicPr>
-          <p:cNvPr id="66562" name="Picture 2"/>
-          <p:cNvPicPr>
-            <a:picLocks noGrp="1" noChangeAspect="1" noChangeArrowheads="1"/>
-          </p:cNvPicPr>
-          <p:nvPr>
-            <p:ph idx="1"/>
-          </p:nvPr>
-        </p:nvPicPr>
-        <p:blipFill>
-          <a:blip r:embed="rId2"/>
-          <a:srcRect/>
-          <a:stretch>
-            <a:fillRect/>
-          </a:stretch>
-        </p:blipFill>
-        <p:spPr bwMode="auto">
-          <a:xfrm>
-            <a:off x="304800" y="1371600"/>
-            <a:ext cx="4558937" cy="2057400"/>
-          </a:xfrm>
-          <a:prstGeom prst="rect">
-            <a:avLst/>
-          </a:prstGeom>
-          <a:noFill/>
-          <a:ln w="9525">
-            <a:noFill/>
-            <a:miter lim="800000"/>
-            <a:headEnd/>
-            <a:tailEnd/>
-          </a:ln>
-          <a:effectLst/>
-        </p:spPr>
-      </p:pic>
-      <p:pic>
-        <p:nvPicPr>
-          <p:cNvPr id="66563" name="Picture 3"/>
-          <p:cNvPicPr>
-            <a:picLocks noChangeAspect="1" noChangeArrowheads="1"/>
-          </p:cNvPicPr>
-          <p:nvPr/>
-        </p:nvPicPr>
-        <p:blipFill>
-          <a:blip r:embed="rId3"/>
-          <a:srcRect/>
-          <a:stretch>
-            <a:fillRect/>
-          </a:stretch>
-        </p:blipFill>
-        <p:spPr bwMode="auto">
-          <a:xfrm>
-            <a:off x="609600" y="4191000"/>
-            <a:ext cx="4224737" cy="2057400"/>
-          </a:xfrm>
-          <a:prstGeom prst="rect">
-            <a:avLst/>
-          </a:prstGeom>
-          <a:noFill/>
-          <a:ln w="9525">
-            <a:noFill/>
-            <a:miter lim="800000"/>
-            <a:headEnd/>
-            <a:tailEnd/>
-          </a:ln>
-          <a:effectLst/>
-        </p:spPr>
-      </p:pic>
-      <p:pic>
-        <p:nvPicPr>
-          <p:cNvPr id="66564" name="Picture 4"/>
-          <p:cNvPicPr>
-            <a:picLocks noChangeAspect="1" noChangeArrowheads="1"/>
-          </p:cNvPicPr>
-          <p:nvPr/>
-        </p:nvPicPr>
-        <p:blipFill>
-          <a:blip r:embed="rId4"/>
-          <a:srcRect/>
-          <a:stretch>
-            <a:fillRect/>
-          </a:stretch>
-        </p:blipFill>
-        <p:spPr bwMode="auto">
-          <a:xfrm>
-            <a:off x="5048250" y="3905250"/>
-            <a:ext cx="3181350" cy="2800350"/>
-          </a:xfrm>
-          <a:prstGeom prst="rect">
-            <a:avLst/>
-          </a:prstGeom>
-          <a:noFill/>
-          <a:ln w="9525">
-            <a:noFill/>
-            <a:miter lim="800000"/>
-            <a:headEnd/>
-            <a:tailEnd/>
-          </a:ln>
-          <a:effectLst/>
-        </p:spPr>
-      </p:pic>
-      <p:pic>
-        <p:nvPicPr>
-          <p:cNvPr id="66565" name="Picture 5"/>
-          <p:cNvPicPr>
-            <a:picLocks noChangeAspect="1" noChangeArrowheads="1"/>
-          </p:cNvPicPr>
-          <p:nvPr/>
-        </p:nvPicPr>
-        <p:blipFill>
-          <a:blip r:embed="rId5"/>
-          <a:srcRect/>
-          <a:stretch>
-            <a:fillRect/>
-          </a:stretch>
-        </p:blipFill>
-        <p:spPr bwMode="auto">
-          <a:xfrm>
-            <a:off x="5105400" y="1009650"/>
-            <a:ext cx="3200400" cy="2724150"/>
-          </a:xfrm>
-          <a:prstGeom prst="rect">
-            <a:avLst/>
-          </a:prstGeom>
-          <a:noFill/>
-          <a:ln w="9525">
-            <a:noFill/>
-            <a:miter lim="800000"/>
-            <a:headEnd/>
-            <a:tailEnd/>
-          </a:ln>
-          <a:effectLst/>
-        </p:spPr>
-      </p:pic>
-      <p:sp>
-        <p:nvSpPr>
-          <p:cNvPr id="7" name="Footer Placeholder 6"/>
+            <a:off x="457200" y="1600200"/>
+            <a:ext cx="8153400" cy="4114800"/>
+          </a:xfrm>
+        </p:spPr>
+        <p:txBody>
+          <a:bodyPr>
+            <a:noAutofit/>
+          </a:bodyPr>
+          <a:lstStyle/>
+          <a:p>
+            <a:r>
+              <a:rPr lang="en-US" sz="2800" dirty="0" smtClean="0"/>
+              <a:t>The heuristic function is an idea more than a static formula.</a:t>
+            </a:r>
+          </a:p>
+          <a:p>
+            <a:endParaRPr lang="en-US" sz="2800" dirty="0" smtClean="0"/>
+          </a:p>
+          <a:p>
+            <a:r>
+              <a:rPr lang="en-US" sz="2800" dirty="0" smtClean="0"/>
+              <a:t>In Maze Search Example:</a:t>
+            </a:r>
+          </a:p>
+          <a:p>
+            <a:pPr lvl="1"/>
+            <a:r>
+              <a:rPr lang="en-US" sz="2400" dirty="0" smtClean="0"/>
+              <a:t>f = g + h.</a:t>
+            </a:r>
+          </a:p>
+          <a:p>
+            <a:pPr lvl="1"/>
+            <a:r>
+              <a:rPr lang="en-US" sz="2400" dirty="0" smtClean="0"/>
+              <a:t>g is G-value.</a:t>
+            </a:r>
+          </a:p>
+          <a:p>
+            <a:pPr lvl="1"/>
+            <a:r>
+              <a:rPr lang="en-US" sz="2400" dirty="0" smtClean="0"/>
+              <a:t>h is </a:t>
+            </a:r>
+            <a:r>
+              <a:rPr lang="en-US" sz="2400" smtClean="0"/>
+              <a:t>Heuristic value.</a:t>
+            </a:r>
+            <a:endParaRPr lang="ar-EG" sz="2400" dirty="0"/>
+          </a:p>
+        </p:txBody>
+      </p:sp>
+      <p:sp>
+        <p:nvSpPr>
+          <p:cNvPr id="4" name="Footer Placeholder 3"/>
           <p:cNvSpPr>
             <a:spLocks noGrp="1"/>
           </p:cNvSpPr>
@@ -4807,7 +5190,7 @@
                   <a:srgbClr val="0070C0"/>
                 </a:solidFill>
               </a:rPr>
-              <a:t>Without Heuristic</a:t>
+              <a:t>A star (Maze Search)</a:t>
             </a:r>
             <a:endParaRPr lang="ar-EG" b="1" dirty="0">
               <a:solidFill>
@@ -4817,9 +5200,32 @@
           </a:p>
         </p:txBody>
       </p:sp>
+      <p:sp>
+        <p:nvSpPr>
+          <p:cNvPr id="7" name="Footer Placeholder 6"/>
+          <p:cNvSpPr>
+            <a:spLocks noGrp="1"/>
+          </p:cNvSpPr>
+          <p:nvPr>
+            <p:ph type="ftr" sz="quarter" idx="11"/>
+          </p:nvPr>
+        </p:nvSpPr>
+        <p:spPr/>
+        <p:txBody>
+          <a:bodyPr/>
+          <a:lstStyle/>
+          <a:p>
+            <a:r>
+              <a:rPr lang="en-US" smtClean="0"/>
+              <a:t>By Eng. Ahmed Tarik</a:t>
+            </a:r>
+            <a:endParaRPr lang="en-US"/>
+          </a:p>
+        </p:txBody>
+      </p:sp>
       <p:pic>
         <p:nvPicPr>
-          <p:cNvPr id="67586" name="Picture 2"/>
+          <p:cNvPr id="2050" name="Picture 2"/>
           <p:cNvPicPr>
             <a:picLocks noChangeAspect="1" noChangeArrowheads="1"/>
           </p:cNvPicPr>
@@ -4834,8 +5240,8 @@
         </p:blipFill>
         <p:spPr bwMode="auto">
           <a:xfrm>
-            <a:off x="5029200" y="1295400"/>
-            <a:ext cx="3200400" cy="2800350"/>
+            <a:off x="5686425" y="647700"/>
+            <a:ext cx="3228975" cy="2781300"/>
           </a:xfrm>
           <a:prstGeom prst="rect">
             <a:avLst/>
@@ -4850,9 +5256,85 @@
           <a:effectLst/>
         </p:spPr>
       </p:pic>
+      <p:sp>
+        <p:nvSpPr>
+          <p:cNvPr id="12" name="Content Placeholder 2"/>
+          <p:cNvSpPr txBox="1">
+            <a:spLocks/>
+          </p:cNvSpPr>
+          <p:nvPr/>
+        </p:nvSpPr>
+        <p:spPr>
+          <a:xfrm>
+            <a:off x="5686425" y="190500"/>
+            <a:ext cx="2743200" cy="533400"/>
+          </a:xfrm>
+          <a:prstGeom prst="rect">
+            <a:avLst/>
+          </a:prstGeom>
+        </p:spPr>
+        <p:txBody>
+          <a:bodyPr vert="horz" lIns="91440" tIns="45720" rIns="91440" bIns="45720" rtlCol="0">
+            <a:normAutofit/>
+          </a:bodyPr>
+          <a:lstStyle/>
+          <a:p>
+            <a:pPr marL="342900" marR="0" lvl="0" indent="-342900" algn="l" defTabSz="914400" rtl="0" eaLnBrk="1" fontAlgn="auto" latinLnBrk="0" hangingPunct="1">
+              <a:lnSpc>
+                <a:spcPct val="100000"/>
+              </a:lnSpc>
+              <a:spcBef>
+                <a:spcPct val="20000"/>
+              </a:spcBef>
+              <a:spcAft>
+                <a:spcPts val="0"/>
+              </a:spcAft>
+              <a:buClrTx/>
+              <a:buSzTx/>
+              <a:tabLst/>
+              <a:defRPr/>
+            </a:pPr>
+            <a:r>
+              <a:rPr kumimoji="0" lang="en-US" sz="2800" b="1" i="0" u="none" strike="noStrike" kern="1200" cap="none" spc="0" normalizeH="0" baseline="0" noProof="0" dirty="0" smtClean="0">
+                <a:ln>
+                  <a:noFill/>
+                </a:ln>
+                <a:solidFill>
+                  <a:schemeClr val="tx1"/>
+                </a:solidFill>
+                <a:effectLst/>
+                <a:uLnTx/>
+                <a:uFillTx/>
+                <a:latin typeface="+mn-lt"/>
+                <a:ea typeface="+mn-ea"/>
+                <a:cs typeface="+mn-cs"/>
+              </a:rPr>
+              <a:t>G-value </a:t>
+            </a:r>
+            <a:r>
+              <a:rPr lang="en-US" sz="2800" b="1" dirty="0" smtClean="0"/>
+              <a:t>matrix:</a:t>
+            </a:r>
+            <a:endParaRPr kumimoji="0" lang="en-US" sz="2800" b="1" i="0" u="none" strike="noStrike" kern="1200" cap="none" spc="0" normalizeH="0" baseline="0" noProof="0" dirty="0" smtClean="0">
+              <a:ln>
+                <a:noFill/>
+              </a:ln>
+              <a:solidFill>
+                <a:schemeClr val="tx1"/>
+              </a:solidFill>
+              <a:effectLst/>
+              <a:uLnTx/>
+              <a:uFillTx/>
+              <a:latin typeface="+mn-lt"/>
+              <a:ea typeface="+mn-ea"/>
+              <a:cs typeface="+mn-cs"/>
+            </a:endParaRPr>
+          </a:p>
+        </p:txBody>
+      </p:sp>
       <p:pic>
         <p:nvPicPr>
-          <p:cNvPr id="67587" name="Picture 3"/>
+          <p:cNvPr id="13" name="Picture 1"/>
           <p:cNvPicPr>
             <a:picLocks noChangeAspect="1" noChangeArrowheads="1"/>
           </p:cNvPicPr>
@@ -4867,8 +5349,8 @@
         </p:blipFill>
         <p:spPr bwMode="auto">
           <a:xfrm>
-            <a:off x="533400" y="1524000"/>
-            <a:ext cx="4177621" cy="2057400"/>
+            <a:off x="5694715" y="3886200"/>
+            <a:ext cx="3220685" cy="2743200"/>
           </a:xfrm>
           <a:prstGeom prst="rect">
             <a:avLst/>
@@ -4885,24 +5367,276 @@
       </p:pic>
       <p:sp>
         <p:nvSpPr>
-          <p:cNvPr id="5" name="Footer Placeholder 4"/>
-          <p:cNvSpPr>
-            <a:spLocks noGrp="1"/>
-          </p:cNvSpPr>
-          <p:nvPr>
-            <p:ph type="ftr" sz="quarter" idx="11"/>
-          </p:nvPr>
-        </p:nvSpPr>
-        <p:spPr/>
-        <p:txBody>
-          <a:bodyPr/>
-          <a:lstStyle/>
-          <a:p>
-            <a:r>
-              <a:rPr lang="en-US" smtClean="0"/>
-              <a:t>By Eng. Ahmed Tarik</a:t>
-            </a:r>
-            <a:endParaRPr lang="en-US"/>
+          <p:cNvPr id="14" name="Content Placeholder 2"/>
+          <p:cNvSpPr txBox="1">
+            <a:spLocks/>
+          </p:cNvSpPr>
+          <p:nvPr/>
+        </p:nvSpPr>
+        <p:spPr>
+          <a:xfrm>
+            <a:off x="5694715" y="3429000"/>
+            <a:ext cx="2743200" cy="533400"/>
+          </a:xfrm>
+          <a:prstGeom prst="rect">
+            <a:avLst/>
+          </a:prstGeom>
+        </p:spPr>
+        <p:txBody>
+          <a:bodyPr vert="horz" lIns="91440" tIns="45720" rIns="91440" bIns="45720" rtlCol="0">
+            <a:normAutofit/>
+          </a:bodyPr>
+          <a:lstStyle/>
+          <a:p>
+            <a:pPr marL="342900" marR="0" lvl="0" indent="-342900" algn="l" defTabSz="914400" rtl="0" eaLnBrk="1" fontAlgn="auto" latinLnBrk="0" hangingPunct="1">
+              <a:lnSpc>
+                <a:spcPct val="100000"/>
+              </a:lnSpc>
+              <a:spcBef>
+                <a:spcPct val="20000"/>
+              </a:spcBef>
+              <a:spcAft>
+                <a:spcPts val="0"/>
+              </a:spcAft>
+              <a:buClrTx/>
+              <a:buSzTx/>
+              <a:tabLst/>
+              <a:defRPr/>
+            </a:pPr>
+            <a:r>
+              <a:rPr kumimoji="0" lang="en-US" sz="2800" b="1" i="0" u="none" strike="noStrike" kern="1200" cap="none" spc="0" normalizeH="0" baseline="0" noProof="0" dirty="0" smtClean="0">
+                <a:ln>
+                  <a:noFill/>
+                </a:ln>
+                <a:solidFill>
+                  <a:schemeClr val="tx1"/>
+                </a:solidFill>
+                <a:effectLst/>
+                <a:uLnTx/>
+                <a:uFillTx/>
+                <a:latin typeface="+mn-lt"/>
+                <a:ea typeface="+mn-ea"/>
+                <a:cs typeface="+mn-cs"/>
+              </a:rPr>
+              <a:t>H-value </a:t>
+            </a:r>
+            <a:r>
+              <a:rPr lang="en-US" sz="2800" b="1" dirty="0" smtClean="0"/>
+              <a:t>matrix:</a:t>
+            </a:r>
+            <a:endParaRPr kumimoji="0" lang="en-US" sz="2800" b="1" i="0" u="none" strike="noStrike" kern="1200" cap="none" spc="0" normalizeH="0" baseline="0" noProof="0" dirty="0" smtClean="0">
+              <a:ln>
+                <a:noFill/>
+              </a:ln>
+              <a:solidFill>
+                <a:schemeClr val="tx1"/>
+              </a:solidFill>
+              <a:effectLst/>
+              <a:uLnTx/>
+              <a:uFillTx/>
+              <a:latin typeface="+mn-lt"/>
+              <a:ea typeface="+mn-ea"/>
+              <a:cs typeface="+mn-cs"/>
+            </a:endParaRPr>
+          </a:p>
+        </p:txBody>
+      </p:sp>
+      <p:sp>
+        <p:nvSpPr>
+          <p:cNvPr id="15" name="Content Placeholder 2"/>
+          <p:cNvSpPr txBox="1">
+            <a:spLocks/>
+          </p:cNvSpPr>
+          <p:nvPr/>
+        </p:nvSpPr>
+        <p:spPr>
+          <a:xfrm>
+            <a:off x="1065159" y="838200"/>
+            <a:ext cx="2743200" cy="533400"/>
+          </a:xfrm>
+          <a:prstGeom prst="rect">
+            <a:avLst/>
+          </a:prstGeom>
+        </p:spPr>
+        <p:txBody>
+          <a:bodyPr vert="horz" lIns="91440" tIns="45720" rIns="91440" bIns="45720" rtlCol="0">
+            <a:normAutofit/>
+          </a:bodyPr>
+          <a:lstStyle/>
+          <a:p>
+            <a:pPr marL="342900" marR="0" lvl="0" indent="-342900" algn="l" defTabSz="914400" rtl="0" eaLnBrk="1" fontAlgn="auto" latinLnBrk="0" hangingPunct="1">
+              <a:lnSpc>
+                <a:spcPct val="100000"/>
+              </a:lnSpc>
+              <a:spcBef>
+                <a:spcPct val="20000"/>
+              </a:spcBef>
+              <a:spcAft>
+                <a:spcPts val="0"/>
+              </a:spcAft>
+              <a:buClrTx/>
+              <a:buSzTx/>
+              <a:tabLst/>
+              <a:defRPr/>
+            </a:pPr>
+            <a:r>
+              <a:rPr kumimoji="0" lang="en-US" sz="2800" b="1" i="0" u="none" strike="noStrike" kern="1200" cap="none" spc="0" normalizeH="0" baseline="0" noProof="0" dirty="0" smtClean="0">
+                <a:ln>
+                  <a:noFill/>
+                </a:ln>
+                <a:solidFill>
+                  <a:schemeClr val="tx1"/>
+                </a:solidFill>
+                <a:effectLst/>
+                <a:uLnTx/>
+                <a:uFillTx/>
+                <a:latin typeface="+mn-lt"/>
+                <a:ea typeface="+mn-ea"/>
+                <a:cs typeface="+mn-cs"/>
+              </a:rPr>
+              <a:t>f-value </a:t>
+            </a:r>
+            <a:r>
+              <a:rPr lang="en-US" sz="2800" b="1" dirty="0" smtClean="0"/>
+              <a:t>matrix:</a:t>
+            </a:r>
+            <a:endParaRPr kumimoji="0" lang="en-US" sz="2800" b="1" i="0" u="none" strike="noStrike" kern="1200" cap="none" spc="0" normalizeH="0" baseline="0" noProof="0" dirty="0" smtClean="0">
+              <a:ln>
+                <a:noFill/>
+              </a:ln>
+              <a:solidFill>
+                <a:schemeClr val="tx1"/>
+              </a:solidFill>
+              <a:effectLst/>
+              <a:uLnTx/>
+              <a:uFillTx/>
+              <a:latin typeface="+mn-lt"/>
+              <a:ea typeface="+mn-ea"/>
+              <a:cs typeface="+mn-cs"/>
+            </a:endParaRPr>
+          </a:p>
+        </p:txBody>
+      </p:sp>
+      <p:pic>
+        <p:nvPicPr>
+          <p:cNvPr id="2051" name="Picture 3"/>
+          <p:cNvPicPr>
+            <a:picLocks noChangeAspect="1" noChangeArrowheads="1"/>
+          </p:cNvPicPr>
+          <p:nvPr/>
+        </p:nvPicPr>
+        <p:blipFill>
+          <a:blip r:embed="rId4"/>
+          <a:srcRect/>
+          <a:stretch>
+            <a:fillRect/>
+          </a:stretch>
+        </p:blipFill>
+        <p:spPr bwMode="auto">
+          <a:xfrm>
+            <a:off x="1095375" y="1371600"/>
+            <a:ext cx="3248025" cy="2819400"/>
+          </a:xfrm>
+          <a:prstGeom prst="rect">
+            <a:avLst/>
+          </a:prstGeom>
+          <a:noFill/>
+          <a:ln w="9525">
+            <a:noFill/>
+            <a:miter lim="800000"/>
+            <a:headEnd/>
+            <a:tailEnd/>
+          </a:ln>
+          <a:effectLst/>
+        </p:spPr>
+      </p:pic>
+      <p:sp>
+        <p:nvSpPr>
+          <p:cNvPr id="18" name="Content Placeholder 2"/>
+          <p:cNvSpPr>
+            <a:spLocks noGrp="1"/>
+          </p:cNvSpPr>
+          <p:nvPr>
+            <p:ph idx="1"/>
+          </p:nvPr>
+        </p:nvSpPr>
+        <p:spPr>
+          <a:xfrm>
+            <a:off x="457200" y="4419600"/>
+            <a:ext cx="4572000" cy="1828800"/>
+          </a:xfrm>
+        </p:spPr>
+        <p:txBody>
+          <a:bodyPr>
+            <a:normAutofit lnSpcReduction="10000"/>
+          </a:bodyPr>
+          <a:lstStyle/>
+          <a:p>
+            <a:r>
+              <a:rPr lang="en-US" sz="2800" dirty="0" smtClean="0"/>
+              <a:t>Container: [f, g, (x, y)]</a:t>
+            </a:r>
+          </a:p>
+          <a:p>
+            <a:pPr lvl="1"/>
+            <a:r>
+              <a:rPr lang="en-US" sz="2400" dirty="0" smtClean="0"/>
+              <a:t>[[</a:t>
+            </a:r>
+            <a:r>
+              <a:rPr lang="en-US" sz="2400" dirty="0" smtClean="0"/>
+              <a:t>9, 6, (4, 2</a:t>
+            </a:r>
+            <a:r>
+              <a:rPr lang="en-US" sz="2400" dirty="0" smtClean="0"/>
+              <a:t>)] ]</a:t>
+            </a:r>
+          </a:p>
+          <a:p>
+            <a:pPr lvl="1"/>
+            <a:r>
+              <a:rPr lang="en-US" sz="2400" dirty="0" smtClean="0"/>
+              <a:t>[[</a:t>
+            </a:r>
+            <a:r>
+              <a:rPr lang="en-US" sz="2400" dirty="0" smtClean="0"/>
+              <a:t>11, 7, (3, 2</a:t>
+            </a:r>
+            <a:r>
+              <a:rPr lang="en-US" sz="2400" dirty="0" smtClean="0"/>
+              <a:t>)], </a:t>
+            </a:r>
+            <a:r>
+              <a:rPr lang="en-US" sz="2400" dirty="0" smtClean="0"/>
+              <a:t>[9, 7, (4, 3</a:t>
+            </a:r>
+            <a:r>
+              <a:rPr lang="en-US" sz="2400" dirty="0" smtClean="0"/>
+              <a:t>)] ]</a:t>
+            </a:r>
+          </a:p>
+          <a:p>
+            <a:pPr lvl="1"/>
+            <a:r>
+              <a:rPr lang="en-US" sz="2400" dirty="0" smtClean="0"/>
+              <a:t>[[</a:t>
+            </a:r>
+            <a:r>
+              <a:rPr lang="en-US" sz="2400" dirty="0" smtClean="0"/>
+              <a:t>11, 7, (3, 2</a:t>
+            </a:r>
+            <a:r>
+              <a:rPr lang="en-US" sz="2400" dirty="0" smtClean="0"/>
+              <a:t>)], </a:t>
+            </a:r>
+            <a:r>
+              <a:rPr lang="en-US" sz="2400" dirty="0" smtClean="0"/>
+              <a:t>[11, 8, (3, 3</a:t>
+            </a:r>
+            <a:r>
+              <a:rPr lang="en-US" sz="2400" dirty="0" smtClean="0"/>
+              <a:t>)] ]</a:t>
+            </a:r>
           </a:p>
         </p:txBody>
       </p:sp>
@@ -4940,128 +5674,275 @@
       </p:grpSpPr>
       <p:sp>
         <p:nvSpPr>
-          <p:cNvPr id="4" name="Rectangle 3"/>
-          <p:cNvSpPr/>
-          <p:nvPr/>
+          <p:cNvPr id="2" name="Title 1"/>
+          <p:cNvSpPr>
+            <a:spLocks noGrp="1"/>
+          </p:cNvSpPr>
+          <p:nvPr>
+            <p:ph type="title"/>
+          </p:nvPr>
         </p:nvSpPr>
         <p:spPr>
           <a:xfrm>
-            <a:off x="533400" y="2590800"/>
-            <a:ext cx="8001000" cy="1754326"/>
+            <a:off x="457200" y="0"/>
+            <a:ext cx="8229600" cy="1143000"/>
+          </a:xfrm>
+        </p:spPr>
+        <p:txBody>
+          <a:bodyPr/>
+          <a:lstStyle/>
+          <a:p>
+            <a:pPr algn="l"/>
+            <a:r>
+              <a:rPr lang="en-US" b="1" dirty="0" smtClean="0">
+                <a:solidFill>
+                  <a:srgbClr val="0070C0"/>
+                </a:solidFill>
+              </a:rPr>
+              <a:t>A star (Maze Search)</a:t>
+            </a:r>
+            <a:endParaRPr lang="ar-EG" b="1" dirty="0">
+              <a:solidFill>
+                <a:srgbClr val="0070C0"/>
+              </a:solidFill>
+            </a:endParaRPr>
+          </a:p>
+        </p:txBody>
+      </p:sp>
+      <p:pic>
+        <p:nvPicPr>
+          <p:cNvPr id="66562" name="Picture 2"/>
+          <p:cNvPicPr>
+            <a:picLocks noGrp="1" noChangeAspect="1" noChangeArrowheads="1"/>
+          </p:cNvPicPr>
+          <p:nvPr>
+            <p:ph idx="1"/>
+          </p:nvPr>
+        </p:nvPicPr>
+        <p:blipFill>
+          <a:blip r:embed="rId2"/>
+          <a:srcRect/>
+          <a:stretch>
+            <a:fillRect/>
+          </a:stretch>
+        </p:blipFill>
+        <p:spPr bwMode="auto">
+          <a:xfrm>
+            <a:off x="304800" y="1371600"/>
+            <a:ext cx="4558937" cy="2057400"/>
           </a:xfrm>
           <a:prstGeom prst="rect">
             <a:avLst/>
           </a:prstGeom>
           <a:noFill/>
-        </p:spPr>
-        <p:txBody>
-          <a:bodyPr wrap="square" lIns="91440" tIns="45720" rIns="91440" bIns="45720">
-            <a:spAutoFit/>
+          <a:ln w="9525">
+            <a:noFill/>
+            <a:miter lim="800000"/>
+            <a:headEnd/>
+            <a:tailEnd/>
+          </a:ln>
+          <a:effectLst/>
+        </p:spPr>
+      </p:pic>
+      <p:pic>
+        <p:nvPicPr>
+          <p:cNvPr id="66563" name="Picture 3"/>
+          <p:cNvPicPr>
+            <a:picLocks noChangeAspect="1" noChangeArrowheads="1"/>
+          </p:cNvPicPr>
+          <p:nvPr/>
+        </p:nvPicPr>
+        <p:blipFill>
+          <a:blip r:embed="rId3"/>
+          <a:srcRect/>
+          <a:stretch>
+            <a:fillRect/>
+          </a:stretch>
+        </p:blipFill>
+        <p:spPr bwMode="auto">
+          <a:xfrm>
+            <a:off x="609600" y="4343400"/>
+            <a:ext cx="4224737" cy="2057400"/>
+          </a:xfrm>
+          <a:prstGeom prst="rect">
+            <a:avLst/>
+          </a:prstGeom>
+          <a:noFill/>
+          <a:ln w="9525">
+            <a:noFill/>
+            <a:miter lim="800000"/>
+            <a:headEnd/>
+            <a:tailEnd/>
+          </a:ln>
+          <a:effectLst/>
+        </p:spPr>
+      </p:pic>
+      <p:pic>
+        <p:nvPicPr>
+          <p:cNvPr id="66564" name="Picture 4"/>
+          <p:cNvPicPr>
+            <a:picLocks noChangeAspect="1" noChangeArrowheads="1"/>
+          </p:cNvPicPr>
+          <p:nvPr/>
+        </p:nvPicPr>
+        <p:blipFill>
+          <a:blip r:embed="rId4"/>
+          <a:srcRect/>
+          <a:stretch>
+            <a:fillRect/>
+          </a:stretch>
+        </p:blipFill>
+        <p:spPr bwMode="auto">
+          <a:xfrm>
+            <a:off x="5048250" y="3905250"/>
+            <a:ext cx="3181350" cy="2800350"/>
+          </a:xfrm>
+          <a:prstGeom prst="rect">
+            <a:avLst/>
+          </a:prstGeom>
+          <a:noFill/>
+          <a:ln w="9525">
+            <a:noFill/>
+            <a:miter lim="800000"/>
+            <a:headEnd/>
+            <a:tailEnd/>
+          </a:ln>
+          <a:effectLst/>
+        </p:spPr>
+      </p:pic>
+      <p:pic>
+        <p:nvPicPr>
+          <p:cNvPr id="66565" name="Picture 5"/>
+          <p:cNvPicPr>
+            <a:picLocks noChangeAspect="1" noChangeArrowheads="1"/>
+          </p:cNvPicPr>
+          <p:nvPr/>
+        </p:nvPicPr>
+        <p:blipFill>
+          <a:blip r:embed="rId5"/>
+          <a:srcRect/>
+          <a:stretch>
+            <a:fillRect/>
+          </a:stretch>
+        </p:blipFill>
+        <p:spPr bwMode="auto">
+          <a:xfrm>
+            <a:off x="5105400" y="1009650"/>
+            <a:ext cx="3200400" cy="2724150"/>
+          </a:xfrm>
+          <a:prstGeom prst="rect">
+            <a:avLst/>
+          </a:prstGeom>
+          <a:noFill/>
+          <a:ln w="9525">
+            <a:noFill/>
+            <a:miter lim="800000"/>
+            <a:headEnd/>
+            <a:tailEnd/>
+          </a:ln>
+          <a:effectLst/>
+        </p:spPr>
+      </p:pic>
+      <p:sp>
+        <p:nvSpPr>
+          <p:cNvPr id="7" name="Footer Placeholder 6"/>
+          <p:cNvSpPr>
+            <a:spLocks noGrp="1"/>
+          </p:cNvSpPr>
+          <p:nvPr>
+            <p:ph type="ftr" sz="quarter" idx="11"/>
+          </p:nvPr>
+        </p:nvSpPr>
+        <p:spPr/>
+        <p:txBody>
+          <a:bodyPr/>
+          <a:lstStyle/>
+          <a:p>
+            <a:r>
+              <a:rPr lang="en-US" smtClean="0"/>
+              <a:t>By Eng. Ahmed Tarik</a:t>
+            </a:r>
+            <a:endParaRPr lang="en-US"/>
+          </a:p>
+        </p:txBody>
+      </p:sp>
+      <p:sp>
+        <p:nvSpPr>
+          <p:cNvPr id="8" name="Content Placeholder 2"/>
+          <p:cNvSpPr txBox="1">
+            <a:spLocks/>
+          </p:cNvSpPr>
+          <p:nvPr/>
+        </p:nvSpPr>
+        <p:spPr>
+          <a:xfrm>
+            <a:off x="609600" y="3886200"/>
+            <a:ext cx="4572000" cy="533400"/>
+          </a:xfrm>
+          <a:prstGeom prst="rect">
+            <a:avLst/>
+          </a:prstGeom>
+        </p:spPr>
+        <p:txBody>
+          <a:bodyPr vert="horz" lIns="91440" tIns="45720" rIns="91440" bIns="45720" rtlCol="0">
+            <a:normAutofit/>
           </a:bodyPr>
           <a:lstStyle/>
           <a:p>
-            <a:pPr algn="ctr"/>
-            <a:r>
-              <a:rPr lang="en-US" sz="5400" b="1" dirty="0" smtClean="0">
-                <a:ln w="12700">
-                  <a:solidFill>
-                    <a:schemeClr val="tx2">
-                      <a:satMod val="155000"/>
-                    </a:schemeClr>
-                  </a:solidFill>
-                  <a:prstDash val="solid"/>
+            <a:pPr marL="342900" marR="0" lvl="0" indent="-342900" algn="l" defTabSz="914400" rtl="0" eaLnBrk="1" fontAlgn="auto" latinLnBrk="0" hangingPunct="1">
+              <a:lnSpc>
+                <a:spcPct val="100000"/>
+              </a:lnSpc>
+              <a:spcBef>
+                <a:spcPct val="20000"/>
+              </a:spcBef>
+              <a:spcAft>
+                <a:spcPts val="0"/>
+              </a:spcAft>
+              <a:buClrTx/>
+              <a:buSzTx/>
+              <a:tabLst/>
+              <a:defRPr/>
+            </a:pPr>
+            <a:r>
+              <a:rPr kumimoji="0" lang="en-US" sz="2800" b="1" i="0" u="none" strike="noStrike" kern="1200" cap="none" spc="0" normalizeH="0" baseline="0" noProof="0" dirty="0" smtClean="0">
+                <a:ln>
+                  <a:noFill/>
                 </a:ln>
                 <a:solidFill>
-                  <a:schemeClr val="bg2">
-                    <a:tint val="85000"/>
-                    <a:satMod val="155000"/>
-                  </a:schemeClr>
-                </a:solidFill>
-                <a:effectLst>
-                  <a:outerShdw blurRad="41275" dist="20320" dir="1800000" algn="tl" rotWithShape="0">
-                    <a:srgbClr val="000000">
-                      <a:alpha val="40000"/>
-                    </a:srgbClr>
-                  </a:outerShdw>
-                </a:effectLst>
+                  <a:schemeClr val="tx1"/>
+                </a:solidFill>
+                <a:effectLst/>
+                <a:uLnTx/>
+                <a:uFillTx/>
+                <a:latin typeface="+mn-lt"/>
+                <a:ea typeface="+mn-ea"/>
+                <a:cs typeface="+mn-cs"/>
               </a:rPr>
-              <a:t>Sudoku Game</a:t>
-            </a:r>
-          </a:p>
-          <a:p>
-            <a:pPr algn="ctr"/>
-            <a:r>
-              <a:rPr lang="en-US" sz="5400" b="1" dirty="0" smtClean="0">
-                <a:ln w="12700">
-                  <a:solidFill>
-                    <a:schemeClr val="tx2">
-                      <a:satMod val="155000"/>
-                    </a:schemeClr>
-                  </a:solidFill>
-                  <a:prstDash val="solid"/>
-                </a:ln>
-                <a:solidFill>
-                  <a:schemeClr val="bg2">
-                    <a:tint val="85000"/>
-                    <a:satMod val="155000"/>
-                  </a:schemeClr>
-                </a:solidFill>
-                <a:effectLst>
-                  <a:outerShdw blurRad="41275" dist="20320" dir="1800000" algn="tl" rotWithShape="0">
-                    <a:srgbClr val="000000">
-                      <a:alpha val="40000"/>
-                    </a:srgbClr>
-                  </a:outerShdw>
-                </a:effectLst>
-              </a:rPr>
-              <a:t>(Using A star)</a:t>
-            </a:r>
-            <a:endParaRPr lang="en-US" sz="5400" b="1" cap="none" spc="0" dirty="0">
-              <a:ln w="12700">
-                <a:solidFill>
-                  <a:schemeClr val="tx2">
-                    <a:satMod val="155000"/>
-                  </a:schemeClr>
-                </a:solidFill>
-                <a:prstDash val="solid"/>
+              <a:t>Expansion</a:t>
+            </a:r>
+            <a:r>
+              <a:rPr lang="en-US" sz="2800" b="1" dirty="0" smtClean="0"/>
+              <a:t> </a:t>
+            </a:r>
+            <a:r>
+              <a:rPr lang="en-US" sz="2800" b="1" dirty="0" smtClean="0"/>
+              <a:t>order: (pop order)</a:t>
+            </a:r>
+            <a:endParaRPr kumimoji="0" lang="en-US" sz="2800" b="1" i="0" u="none" strike="noStrike" kern="1200" cap="none" spc="0" normalizeH="0" baseline="0" noProof="0" dirty="0" smtClean="0">
+              <a:ln>
+                <a:noFill/>
               </a:ln>
               <a:solidFill>
-                <a:schemeClr val="bg2">
-                  <a:tint val="85000"/>
-                  <a:satMod val="155000"/>
-                </a:schemeClr>
+                <a:schemeClr val="tx1"/>
               </a:solidFill>
-              <a:effectLst>
-                <a:outerShdw blurRad="41275" dist="20320" dir="1800000" algn="tl" rotWithShape="0">
-                  <a:srgbClr val="000000">
-                    <a:alpha val="40000"/>
-                  </a:srgbClr>
-                </a:outerShdw>
-              </a:effectLst>
+              <a:effectLst/>
+              <a:uLnTx/>
+              <a:uFillTx/>
+              <a:latin typeface="+mn-lt"/>
+              <a:ea typeface="+mn-ea"/>
+              <a:cs typeface="+mn-cs"/>
             </a:endParaRPr>
-          </a:p>
-        </p:txBody>
-      </p:sp>
-      <p:sp>
-        <p:nvSpPr>
-          <p:cNvPr id="5" name="Footer Placeholder 4"/>
-          <p:cNvSpPr>
-            <a:spLocks noGrp="1"/>
-          </p:cNvSpPr>
-          <p:nvPr>
-            <p:ph type="ftr" sz="quarter" idx="11"/>
-          </p:nvPr>
-        </p:nvSpPr>
-        <p:spPr/>
-        <p:txBody>
-          <a:bodyPr/>
-          <a:lstStyle/>
-          <a:p>
-            <a:r>
-              <a:rPr lang="en-US" smtClean="0"/>
-              <a:t>By Eng. Ahmed Tarik</a:t>
-            </a:r>
-            <a:endParaRPr lang="en-US"/>
           </a:p>
         </p:txBody>
       </p:sp>
@@ -5124,7 +6005,7 @@
                   <a:srgbClr val="0070C0"/>
                 </a:solidFill>
               </a:rPr>
-              <a:t>A star (Sudoku game)</a:t>
+              <a:t>Without Heuristic</a:t>
             </a:r>
             <a:endParaRPr lang="ar-EG" b="1" dirty="0">
               <a:solidFill>
@@ -5134,41 +6015,9 @@
           </a:p>
         </p:txBody>
       </p:sp>
-      <p:sp>
-        <p:nvSpPr>
-          <p:cNvPr id="11" name="Content Placeholder 2"/>
-          <p:cNvSpPr>
-            <a:spLocks noGrp="1"/>
-          </p:cNvSpPr>
-          <p:nvPr>
-            <p:ph idx="1"/>
-          </p:nvPr>
-        </p:nvSpPr>
-        <p:spPr>
-          <a:xfrm>
-            <a:off x="533400" y="1600200"/>
-            <a:ext cx="2895600" cy="533399"/>
-          </a:xfrm>
-        </p:spPr>
-        <p:txBody>
-          <a:bodyPr>
-            <a:normAutofit/>
-          </a:bodyPr>
-          <a:lstStyle/>
-          <a:p>
-            <a:pPr algn="ctr">
-              <a:buNone/>
-            </a:pPr>
-            <a:r>
-              <a:rPr lang="en-US" sz="2400" b="1" dirty="0" smtClean="0"/>
-              <a:t>9*9 Sudoku game</a:t>
-            </a:r>
-          </a:p>
-        </p:txBody>
-      </p:sp>
       <p:pic>
         <p:nvPicPr>
-          <p:cNvPr id="9218" name="Picture 2"/>
+          <p:cNvPr id="67586" name="Picture 2"/>
           <p:cNvPicPr>
             <a:picLocks noChangeAspect="1" noChangeArrowheads="1"/>
           </p:cNvPicPr>
@@ -5183,8 +6032,8 @@
         </p:blipFill>
         <p:spPr bwMode="auto">
           <a:xfrm>
-            <a:off x="304801" y="2514600"/>
-            <a:ext cx="3898670" cy="3200400"/>
+            <a:off x="5029200" y="1466850"/>
+            <a:ext cx="3200400" cy="2800350"/>
           </a:xfrm>
           <a:prstGeom prst="rect">
             <a:avLst/>
@@ -5199,69 +6048,9 @@
           <a:effectLst/>
         </p:spPr>
       </p:pic>
-      <p:sp>
-        <p:nvSpPr>
-          <p:cNvPr id="15" name="Content Placeholder 2"/>
-          <p:cNvSpPr txBox="1">
-            <a:spLocks/>
-          </p:cNvSpPr>
-          <p:nvPr/>
-        </p:nvSpPr>
-        <p:spPr>
-          <a:xfrm>
-            <a:off x="5029200" y="1600200"/>
-            <a:ext cx="2895600" cy="533399"/>
-          </a:xfrm>
-          <a:prstGeom prst="rect">
-            <a:avLst/>
-          </a:prstGeom>
-        </p:spPr>
-        <p:txBody>
-          <a:bodyPr vert="horz" lIns="91440" tIns="45720" rIns="91440" bIns="45720" rtlCol="0">
-            <a:normAutofit/>
-          </a:bodyPr>
-          <a:lstStyle/>
-          <a:p>
-            <a:pPr marL="342900" marR="0" lvl="0" indent="-342900" algn="ctr" defTabSz="914400" rtl="0" eaLnBrk="1" fontAlgn="auto" latinLnBrk="0" hangingPunct="1">
-              <a:lnSpc>
-                <a:spcPct val="100000"/>
-              </a:lnSpc>
-              <a:spcBef>
-                <a:spcPct val="20000"/>
-              </a:spcBef>
-              <a:spcAft>
-                <a:spcPts val="0"/>
-              </a:spcAft>
-              <a:buClrTx/>
-              <a:buSzTx/>
-              <a:buFont typeface="Arial" pitchFamily="34" charset="0"/>
-              <a:buNone/>
-              <a:tabLst/>
-              <a:defRPr/>
-            </a:pPr>
-            <a:r>
-              <a:rPr kumimoji="0" lang="en-US" sz="2400" b="1" i="0" u="none" strike="noStrike" kern="1200" cap="none" spc="0" normalizeH="0" baseline="0" noProof="0" dirty="0" smtClean="0">
-                <a:ln>
-                  <a:noFill/>
-                </a:ln>
-                <a:solidFill>
-                  <a:schemeClr val="tx1"/>
-                </a:solidFill>
-                <a:effectLst/>
-                <a:uLnTx/>
-                <a:uFillTx/>
-                <a:latin typeface="+mn-lt"/>
-                <a:ea typeface="+mn-ea"/>
-                <a:cs typeface="+mn-cs"/>
-              </a:rPr>
-              <a:t>Solution</a:t>
-            </a:r>
-          </a:p>
-        </p:txBody>
-      </p:sp>
       <p:pic>
         <p:nvPicPr>
-          <p:cNvPr id="9219" name="Picture 3"/>
+          <p:cNvPr id="67587" name="Picture 3"/>
           <p:cNvPicPr>
             <a:picLocks noChangeAspect="1" noChangeArrowheads="1"/>
           </p:cNvPicPr>
@@ -5276,8 +6065,8 @@
         </p:blipFill>
         <p:spPr bwMode="auto">
           <a:xfrm>
-            <a:off x="4876800" y="2514600"/>
-            <a:ext cx="3810000" cy="3148383"/>
+            <a:off x="533400" y="1752600"/>
+            <a:ext cx="4177621" cy="2057400"/>
           </a:xfrm>
           <a:prstGeom prst="rect">
             <a:avLst/>
@@ -5294,7 +6083,7 @@
       </p:pic>
       <p:sp>
         <p:nvSpPr>
-          <p:cNvPr id="7" name="Footer Placeholder 6"/>
+          <p:cNvPr id="5" name="Footer Placeholder 4"/>
           <p:cNvSpPr>
             <a:spLocks noGrp="1"/>
           </p:cNvSpPr>
@@ -5312,6 +6101,86 @@
               <a:t>By Eng. Ahmed Tarik</a:t>
             </a:r>
             <a:endParaRPr lang="en-US"/>
+          </a:p>
+        </p:txBody>
+      </p:sp>
+      <p:sp>
+        <p:nvSpPr>
+          <p:cNvPr id="6" name="Content Placeholder 2"/>
+          <p:cNvSpPr txBox="1">
+            <a:spLocks/>
+          </p:cNvSpPr>
+          <p:nvPr/>
+        </p:nvSpPr>
+        <p:spPr>
+          <a:xfrm>
+            <a:off x="533400" y="1295400"/>
+            <a:ext cx="4572000" cy="533400"/>
+          </a:xfrm>
+          <a:prstGeom prst="rect">
+            <a:avLst/>
+          </a:prstGeom>
+        </p:spPr>
+        <p:txBody>
+          <a:bodyPr vert="horz" lIns="91440" tIns="45720" rIns="91440" bIns="45720" rtlCol="0">
+            <a:normAutofit/>
+          </a:bodyPr>
+          <a:lstStyle/>
+          <a:p>
+            <a:pPr marL="342900" marR="0" lvl="0" indent="-342900" algn="l" defTabSz="914400" rtl="0" eaLnBrk="1" fontAlgn="auto" latinLnBrk="0" hangingPunct="1">
+              <a:lnSpc>
+                <a:spcPct val="100000"/>
+              </a:lnSpc>
+              <a:spcBef>
+                <a:spcPct val="20000"/>
+              </a:spcBef>
+              <a:spcAft>
+                <a:spcPts val="0"/>
+              </a:spcAft>
+              <a:buClrTx/>
+              <a:buSzTx/>
+              <a:tabLst/>
+              <a:defRPr/>
+            </a:pPr>
+            <a:r>
+              <a:rPr kumimoji="0" lang="en-US" sz="2800" b="1" i="0" u="none" strike="noStrike" kern="1200" cap="none" spc="0" normalizeH="0" baseline="0" noProof="0" dirty="0" smtClean="0">
+                <a:ln>
+                  <a:noFill/>
+                </a:ln>
+                <a:solidFill>
+                  <a:schemeClr val="tx1"/>
+                </a:solidFill>
+                <a:effectLst/>
+                <a:uLnTx/>
+                <a:uFillTx/>
+                <a:latin typeface="+mn-lt"/>
+                <a:ea typeface="+mn-ea"/>
+                <a:cs typeface="+mn-cs"/>
+              </a:rPr>
+              <a:t>Expansion</a:t>
+            </a:r>
+            <a:r>
+              <a:rPr lang="en-US" sz="2800" b="1" dirty="0" smtClean="0"/>
+              <a:t> </a:t>
+            </a:r>
+            <a:r>
+              <a:rPr lang="en-US" sz="2800" b="1" dirty="0" smtClean="0"/>
+              <a:t>order: (pop order)</a:t>
+            </a:r>
+            <a:endParaRPr kumimoji="0" lang="en-US" sz="2800" b="1" i="0" u="none" strike="noStrike" kern="1200" cap="none" spc="0" normalizeH="0" baseline="0" noProof="0" dirty="0" smtClean="0">
+              <a:ln>
+                <a:noFill/>
+              </a:ln>
+              <a:solidFill>
+                <a:schemeClr val="tx1"/>
+              </a:solidFill>
+              <a:effectLst/>
+              <a:uLnTx/>
+              <a:uFillTx/>
+              <a:latin typeface="+mn-lt"/>
+              <a:ea typeface="+mn-ea"/>
+              <a:cs typeface="+mn-cs"/>
+            </a:endParaRPr>
           </a:p>
         </p:txBody>
       </p:sp>
@@ -5349,190 +6218,131 @@
       </p:grpSpPr>
       <p:sp>
         <p:nvSpPr>
-          <p:cNvPr id="2" name="Title 1"/>
-          <p:cNvSpPr>
-            <a:spLocks noGrp="1"/>
-          </p:cNvSpPr>
-          <p:nvPr>
-            <p:ph type="title"/>
-          </p:nvPr>
+          <p:cNvPr id="4" name="Rectangle 3"/>
+          <p:cNvSpPr/>
+          <p:nvPr/>
         </p:nvSpPr>
         <p:spPr>
           <a:xfrm>
-            <a:off x="457200" y="76200"/>
-            <a:ext cx="8229600" cy="1143000"/>
-          </a:xfrm>
-        </p:spPr>
-        <p:txBody>
-          <a:bodyPr/>
-          <a:lstStyle/>
-          <a:p>
-            <a:pPr algn="l"/>
-            <a:r>
-              <a:rPr lang="en-US" b="1" dirty="0" smtClean="0">
-                <a:solidFill>
-                  <a:srgbClr val="0070C0"/>
-                </a:solidFill>
-              </a:rPr>
-              <a:t>Python (key=lambda)</a:t>
-            </a:r>
-            <a:endParaRPr lang="ar-EG" b="1" dirty="0">
-              <a:solidFill>
-                <a:srgbClr val="0070C0"/>
-              </a:solidFill>
-            </a:endParaRPr>
-          </a:p>
-        </p:txBody>
-      </p:sp>
-      <p:sp>
-        <p:nvSpPr>
-          <p:cNvPr id="6" name="Content Placeholder 5"/>
-          <p:cNvSpPr>
-            <a:spLocks noGrp="1"/>
-          </p:cNvSpPr>
-          <p:nvPr>
-            <p:ph idx="1"/>
-          </p:nvPr>
-        </p:nvSpPr>
-        <p:spPr>
-          <a:xfrm>
-            <a:off x="533400" y="1219200"/>
-            <a:ext cx="7696200" cy="2362200"/>
-          </a:xfrm>
-        </p:spPr>
-        <p:txBody>
-          <a:bodyPr>
-            <a:noAutofit/>
-          </a:bodyPr>
-          <a:lstStyle/>
-          <a:p>
-            <a:pPr>
-              <a:buNone/>
-            </a:pPr>
-            <a:r>
-              <a:rPr lang="en-US" sz="2400" dirty="0" smtClean="0"/>
-              <a:t>&gt;&gt;&gt; </a:t>
-            </a:r>
-            <a:r>
-              <a:rPr lang="en-US" sz="2400" dirty="0" err="1" smtClean="0"/>
-              <a:t>dict</a:t>
-            </a:r>
-            <a:r>
-              <a:rPr lang="en-US" sz="2400" dirty="0" smtClean="0"/>
-              <a:t> = {'a':20,'b':30,'c':10,'d':40}</a:t>
-            </a:r>
-          </a:p>
-          <a:p>
-            <a:pPr>
-              <a:buNone/>
-            </a:pPr>
-            <a:r>
-              <a:rPr lang="en-US" sz="2400" dirty="0" smtClean="0"/>
-              <a:t>&gt;&gt;&gt; min(</a:t>
-            </a:r>
-            <a:r>
-              <a:rPr lang="en-US" sz="2400" dirty="0" err="1" smtClean="0"/>
-              <a:t>dict</a:t>
-            </a:r>
-            <a:r>
-              <a:rPr lang="en-US" sz="2400" dirty="0" smtClean="0"/>
-              <a:t>)</a:t>
-            </a:r>
-          </a:p>
-          <a:p>
-            <a:pPr>
-              <a:buNone/>
-            </a:pPr>
-            <a:r>
-              <a:rPr lang="en-US" sz="2400" dirty="0" smtClean="0"/>
-              <a:t>'a'</a:t>
-            </a:r>
-          </a:p>
-          <a:p>
-            <a:pPr>
-              <a:buNone/>
-            </a:pPr>
-            <a:r>
-              <a:rPr lang="en-US" sz="2400" dirty="0" smtClean="0"/>
-              <a:t>&gt;&gt;&gt; min(</a:t>
-            </a:r>
-            <a:r>
-              <a:rPr lang="en-US" sz="2400" dirty="0" err="1" smtClean="0"/>
-              <a:t>dict</a:t>
-            </a:r>
-            <a:r>
-              <a:rPr lang="en-US" sz="2400" dirty="0" smtClean="0"/>
-              <a:t>, key=lambda p:dict[p])</a:t>
-            </a:r>
-          </a:p>
-          <a:p>
-            <a:pPr>
-              <a:buNone/>
-            </a:pPr>
-            <a:r>
-              <a:rPr lang="en-US" sz="2400" dirty="0" smtClean="0"/>
-              <a:t>'c'</a:t>
-            </a:r>
-            <a:endParaRPr lang="ar-EG" sz="2400" dirty="0"/>
-          </a:p>
-        </p:txBody>
-      </p:sp>
-      <p:sp>
-        <p:nvSpPr>
-          <p:cNvPr id="7" name="Footer Placeholder 6"/>
-          <p:cNvSpPr>
-            <a:spLocks noGrp="1"/>
-          </p:cNvSpPr>
-          <p:nvPr>
-            <p:ph type="ftr" sz="quarter" idx="11"/>
-          </p:nvPr>
-        </p:nvSpPr>
-        <p:spPr/>
-        <p:txBody>
-          <a:bodyPr/>
-          <a:lstStyle/>
-          <a:p>
-            <a:r>
-              <a:rPr lang="en-US" smtClean="0"/>
-              <a:t>By Eng. Ahmed Tarik</a:t>
-            </a:r>
-            <a:endParaRPr lang="en-US"/>
-          </a:p>
-        </p:txBody>
-      </p:sp>
-      <p:pic>
-        <p:nvPicPr>
-          <p:cNvPr id="1026" name="Picture 2"/>
-          <p:cNvPicPr>
-            <a:picLocks noChangeAspect="1" noChangeArrowheads="1"/>
-          </p:cNvPicPr>
-          <p:nvPr/>
-        </p:nvPicPr>
-        <p:blipFill>
-          <a:blip r:embed="rId2"/>
-          <a:srcRect/>
-          <a:stretch>
-            <a:fillRect/>
-          </a:stretch>
-        </p:blipFill>
-        <p:spPr bwMode="auto">
-          <a:xfrm>
-            <a:off x="685800" y="3733800"/>
-            <a:ext cx="6696075" cy="1543050"/>
+            <a:off x="533400" y="2590800"/>
+            <a:ext cx="8001000" cy="1754326"/>
           </a:xfrm>
           <a:prstGeom prst="rect">
             <a:avLst/>
           </a:prstGeom>
           <a:noFill/>
-          <a:ln w="9525">
-            <a:noFill/>
-            <a:miter lim="800000"/>
-            <a:headEnd/>
-            <a:tailEnd/>
-          </a:ln>
-          <a:effectLst/>
-        </p:spPr>
-      </p:pic>
+        </p:spPr>
+        <p:txBody>
+          <a:bodyPr wrap="square" lIns="91440" tIns="45720" rIns="91440" bIns="45720">
+            <a:spAutoFit/>
+          </a:bodyPr>
+          <a:lstStyle/>
+          <a:p>
+            <a:pPr algn="ctr"/>
+            <a:r>
+              <a:rPr lang="en-US" sz="5400" b="1" dirty="0" smtClean="0">
+                <a:ln w="12700">
+                  <a:solidFill>
+                    <a:schemeClr val="tx2">
+                      <a:satMod val="155000"/>
+                    </a:schemeClr>
+                  </a:solidFill>
+                  <a:prstDash val="solid"/>
+                </a:ln>
+                <a:solidFill>
+                  <a:schemeClr val="bg2">
+                    <a:tint val="85000"/>
+                    <a:satMod val="155000"/>
+                  </a:schemeClr>
+                </a:solidFill>
+                <a:effectLst>
+                  <a:outerShdw blurRad="41275" dist="20320" dir="1800000" algn="tl" rotWithShape="0">
+                    <a:srgbClr val="000000">
+                      <a:alpha val="40000"/>
+                    </a:srgbClr>
+                  </a:outerShdw>
+                </a:effectLst>
+              </a:rPr>
+              <a:t>Sudoku Game</a:t>
+            </a:r>
+          </a:p>
+          <a:p>
+            <a:pPr algn="ctr"/>
+            <a:r>
+              <a:rPr lang="en-US" sz="5400" b="1" dirty="0" smtClean="0">
+                <a:ln w="12700">
+                  <a:solidFill>
+                    <a:schemeClr val="tx2">
+                      <a:satMod val="155000"/>
+                    </a:schemeClr>
+                  </a:solidFill>
+                  <a:prstDash val="solid"/>
+                </a:ln>
+                <a:solidFill>
+                  <a:schemeClr val="bg2">
+                    <a:tint val="85000"/>
+                    <a:satMod val="155000"/>
+                  </a:schemeClr>
+                </a:solidFill>
+                <a:effectLst>
+                  <a:outerShdw blurRad="41275" dist="20320" dir="1800000" algn="tl" rotWithShape="0">
+                    <a:srgbClr val="000000">
+                      <a:alpha val="40000"/>
+                    </a:srgbClr>
+                  </a:outerShdw>
+                </a:effectLst>
+              </a:rPr>
+              <a:t>(Using A star)</a:t>
+            </a:r>
+            <a:endParaRPr lang="en-US" sz="5400" b="1" cap="none" spc="0" dirty="0">
+              <a:ln w="12700">
+                <a:solidFill>
+                  <a:schemeClr val="tx2">
+                    <a:satMod val="155000"/>
+                  </a:schemeClr>
+                </a:solidFill>
+                <a:prstDash val="solid"/>
+              </a:ln>
+              <a:solidFill>
+                <a:schemeClr val="bg2">
+                  <a:tint val="85000"/>
+                  <a:satMod val="155000"/>
+                </a:schemeClr>
+              </a:solidFill>
+              <a:effectLst>
+                <a:outerShdw blurRad="41275" dist="20320" dir="1800000" algn="tl" rotWithShape="0">
+                  <a:srgbClr val="000000">
+                    <a:alpha val="40000"/>
+                  </a:srgbClr>
+                </a:outerShdw>
+              </a:effectLst>
+            </a:endParaRPr>
+          </a:p>
+        </p:txBody>
+      </p:sp>
+      <p:sp>
+        <p:nvSpPr>
+          <p:cNvPr id="5" name="Footer Placeholder 4"/>
+          <p:cNvSpPr>
+            <a:spLocks noGrp="1"/>
+          </p:cNvSpPr>
+          <p:nvPr>
+            <p:ph type="ftr" sz="quarter" idx="11"/>
+          </p:nvPr>
+        </p:nvSpPr>
+        <p:spPr/>
+        <p:txBody>
+          <a:bodyPr/>
+          <a:lstStyle/>
+          <a:p>
+            <a:r>
+              <a:rPr lang="en-US" smtClean="0"/>
+              <a:t>By Eng. Ahmed Tarik</a:t>
+            </a:r>
+            <a:endParaRPr lang="en-US"/>
+          </a:p>
+        </p:txBody>
+      </p:sp>
     </p:spTree>
   </p:cSld>
   <p:clrMapOvr>
@@ -5577,7 +6387,7 @@
         </p:nvSpPr>
         <p:spPr>
           <a:xfrm>
-            <a:off x="457200" y="76200"/>
+            <a:off x="457200" y="0"/>
             <a:ext cx="8229600" cy="1143000"/>
           </a:xfrm>
         </p:spPr>
@@ -5604,7 +6414,7 @@
       </p:sp>
       <p:sp>
         <p:nvSpPr>
-          <p:cNvPr id="6" name="Content Placeholder 5"/>
+          <p:cNvPr id="11" name="Content Placeholder 2"/>
           <p:cNvSpPr>
             <a:spLocks noGrp="1"/>
           </p:cNvSpPr>
@@ -5614,135 +6424,29 @@
         </p:nvSpPr>
         <p:spPr>
           <a:xfrm>
-            <a:off x="457200" y="1219200"/>
-            <a:ext cx="8229600" cy="5410200"/>
-          </a:xfrm>
-        </p:spPr>
-        <p:txBody>
-          <a:bodyPr/>
-          <a:lstStyle/>
-          <a:p>
-            <a:pPr>
-              <a:buNone/>
-            </a:pPr>
-            <a:r>
-              <a:rPr lang="en-US" sz="2000" dirty="0" smtClean="0"/>
-              <a:t>from copy import </a:t>
-            </a:r>
-            <a:r>
-              <a:rPr lang="en-US" sz="2000" dirty="0" err="1" smtClean="0"/>
-              <a:t>deepcopy</a:t>
-            </a:r>
-            <a:endParaRPr lang="en-US" sz="2000" dirty="0" smtClean="0"/>
-          </a:p>
-          <a:p>
-            <a:pPr>
-              <a:buNone/>
-            </a:pPr>
-            <a:endParaRPr lang="en-US" sz="2000" dirty="0" smtClean="0"/>
-          </a:p>
-          <a:p>
-            <a:pPr>
-              <a:buNone/>
-            </a:pPr>
-            <a:r>
-              <a:rPr lang="en-US" sz="2000" dirty="0" smtClean="0"/>
-              <a:t>Grid = [['4', '.', '7',     '3', '.', '9',      '8', '.', '5'],</a:t>
-            </a:r>
-          </a:p>
-          <a:p>
-            <a:pPr>
-              <a:buNone/>
-            </a:pPr>
-            <a:r>
-              <a:rPr lang="en-US" sz="2000" dirty="0" smtClean="0"/>
-              <a:t>             ['.', '3', '.',     '.', '.', '.',      '.', '.', '.'],</a:t>
-            </a:r>
-          </a:p>
-          <a:p>
-            <a:pPr>
-              <a:buNone/>
-            </a:pPr>
-            <a:r>
-              <a:rPr lang="en-US" sz="2000" dirty="0" smtClean="0"/>
-              <a:t>             ['.', '.', '.',     '7', '.', '.',      '.', '.', '.'],</a:t>
-            </a:r>
-          </a:p>
-          <a:p>
-            <a:pPr>
-              <a:buNone/>
-            </a:pPr>
-            <a:r>
-              <a:rPr lang="en-US" sz="2000" dirty="0" smtClean="0"/>
-              <a:t>        </a:t>
-            </a:r>
-          </a:p>
-          <a:p>
-            <a:pPr>
-              <a:buNone/>
-            </a:pPr>
-            <a:r>
-              <a:rPr lang="en-US" sz="2000" dirty="0" smtClean="0"/>
-              <a:t>             ['.', '2', '.',     '.', '.', '.',      '.', '6', '.'],</a:t>
-            </a:r>
-          </a:p>
-          <a:p>
-            <a:pPr>
-              <a:buNone/>
-            </a:pPr>
-            <a:r>
-              <a:rPr lang="en-US" sz="2000" dirty="0" smtClean="0"/>
-              <a:t>             ['.', '.', '.',     '.', '8', '.',      '4', '.', '.'],</a:t>
-            </a:r>
-          </a:p>
-          <a:p>
-            <a:pPr>
-              <a:buNone/>
-            </a:pPr>
-            <a:r>
-              <a:rPr lang="en-US" sz="2000" dirty="0" smtClean="0"/>
-              <a:t>             ['.', '.', '.',     '.', '1', '.',      '.', '.', '.'],</a:t>
-            </a:r>
-          </a:p>
-          <a:p>
-            <a:pPr>
-              <a:buNone/>
-            </a:pPr>
-            <a:endParaRPr lang="en-US" sz="2000" dirty="0" smtClean="0"/>
-          </a:p>
-          <a:p>
-            <a:pPr>
-              <a:buNone/>
-            </a:pPr>
-            <a:r>
-              <a:rPr lang="en-US" sz="2000" dirty="0" smtClean="0"/>
-              <a:t>             ['.', '.', '.',     '6', '.', '3',      '.', '7', '.'],</a:t>
-            </a:r>
-          </a:p>
-          <a:p>
-            <a:pPr>
-              <a:buNone/>
-            </a:pPr>
-            <a:r>
-              <a:rPr lang="en-US" sz="2000" dirty="0" smtClean="0"/>
-              <a:t>             ['5', '.', '.',     '2', '.', '.',      '.', '.', '.'],</a:t>
-            </a:r>
-          </a:p>
-          <a:p>
-            <a:pPr>
-              <a:buNone/>
-            </a:pPr>
-            <a:r>
-              <a:rPr lang="en-US" sz="2000" dirty="0" smtClean="0"/>
-              <a:t>             ['1', '.', '4',     '.', '.', '.',      '.', '.', '.']]</a:t>
-            </a:r>
-            <a:endParaRPr lang="ar-EG" sz="2000" dirty="0"/>
+            <a:off x="533400" y="1600200"/>
+            <a:ext cx="2895600" cy="533399"/>
+          </a:xfrm>
+        </p:spPr>
+        <p:txBody>
+          <a:bodyPr>
+            <a:normAutofit/>
+          </a:bodyPr>
+          <a:lstStyle/>
+          <a:p>
+            <a:pPr algn="ctr">
+              <a:buNone/>
+            </a:pPr>
+            <a:r>
+              <a:rPr lang="en-US" sz="2400" b="1" dirty="0" smtClean="0"/>
+              <a:t>9*9 Sudoku game</a:t>
+            </a:r>
           </a:p>
         </p:txBody>
       </p:sp>
       <p:pic>
         <p:nvPicPr>
-          <p:cNvPr id="5" name="Picture 2"/>
+          <p:cNvPr id="9218" name="Picture 2"/>
           <p:cNvPicPr>
             <a:picLocks noChangeAspect="1" noChangeArrowheads="1"/>
           </p:cNvPicPr>
@@ -5757,8 +6461,101 @@
         </p:blipFill>
         <p:spPr bwMode="auto">
           <a:xfrm>
-            <a:off x="5562600" y="739254"/>
-            <a:ext cx="3276600" cy="2689746"/>
+            <a:off x="304801" y="2514600"/>
+            <a:ext cx="3898670" cy="3200400"/>
+          </a:xfrm>
+          <a:prstGeom prst="rect">
+            <a:avLst/>
+          </a:prstGeom>
+          <a:noFill/>
+          <a:ln w="9525">
+            <a:noFill/>
+            <a:miter lim="800000"/>
+            <a:headEnd/>
+            <a:tailEnd/>
+          </a:ln>
+          <a:effectLst/>
+        </p:spPr>
+      </p:pic>
+      <p:sp>
+        <p:nvSpPr>
+          <p:cNvPr id="15" name="Content Placeholder 2"/>
+          <p:cNvSpPr txBox="1">
+            <a:spLocks/>
+          </p:cNvSpPr>
+          <p:nvPr/>
+        </p:nvSpPr>
+        <p:spPr>
+          <a:xfrm>
+            <a:off x="5029200" y="1600200"/>
+            <a:ext cx="2895600" cy="533399"/>
+          </a:xfrm>
+          <a:prstGeom prst="rect">
+            <a:avLst/>
+          </a:prstGeom>
+        </p:spPr>
+        <p:txBody>
+          <a:bodyPr vert="horz" lIns="91440" tIns="45720" rIns="91440" bIns="45720" rtlCol="0">
+            <a:normAutofit/>
+          </a:bodyPr>
+          <a:lstStyle/>
+          <a:p>
+            <a:pPr marL="342900" marR="0" lvl="0" indent="-342900" algn="ctr" defTabSz="914400" rtl="0" eaLnBrk="1" fontAlgn="auto" latinLnBrk="0" hangingPunct="1">
+              <a:lnSpc>
+                <a:spcPct val="100000"/>
+              </a:lnSpc>
+              <a:spcBef>
+                <a:spcPct val="20000"/>
+              </a:spcBef>
+              <a:spcAft>
+                <a:spcPts val="0"/>
+              </a:spcAft>
+              <a:buClrTx/>
+              <a:buSzTx/>
+              <a:buFont typeface="Arial" pitchFamily="34" charset="0"/>
+              <a:buNone/>
+              <a:tabLst/>
+              <a:defRPr/>
+            </a:pPr>
+            <a:r>
+              <a:rPr kumimoji="0" lang="en-US" sz="2400" b="1" i="0" u="none" strike="noStrike" kern="1200" cap="none" spc="0" normalizeH="0" baseline="0" noProof="0" dirty="0" smtClean="0">
+                <a:ln>
+                  <a:noFill/>
+                </a:ln>
+                <a:solidFill>
+                  <a:schemeClr val="tx1"/>
+                </a:solidFill>
+                <a:effectLst/>
+                <a:uLnTx/>
+                <a:uFillTx/>
+                <a:latin typeface="+mn-lt"/>
+                <a:ea typeface="+mn-ea"/>
+                <a:cs typeface="+mn-cs"/>
+              </a:rPr>
+              <a:t>Solution</a:t>
+            </a:r>
+          </a:p>
+        </p:txBody>
+      </p:sp>
+      <p:pic>
+        <p:nvPicPr>
+          <p:cNvPr id="9219" name="Picture 3"/>
+          <p:cNvPicPr>
+            <a:picLocks noChangeAspect="1" noChangeArrowheads="1"/>
+          </p:cNvPicPr>
+          <p:nvPr/>
+        </p:nvPicPr>
+        <p:blipFill>
+          <a:blip r:embed="rId3"/>
+          <a:srcRect/>
+          <a:stretch>
+            <a:fillRect/>
+          </a:stretch>
+        </p:blipFill>
+        <p:spPr bwMode="auto">
+          <a:xfrm>
+            <a:off x="4876800" y="2514600"/>
+            <a:ext cx="3810000" cy="3148383"/>
           </a:xfrm>
           <a:prstGeom prst="rect">
             <a:avLst/>
@@ -5985,7 +6782,7 @@
                   <a:srgbClr val="0070C0"/>
                 </a:solidFill>
               </a:rPr>
-              <a:t>A star (Sudoku game)</a:t>
+              <a:t>Python (key=lambda)</a:t>
             </a:r>
             <a:endParaRPr lang="ar-EG" b="1" dirty="0">
               <a:solidFill>
@@ -6007,137 +6804,113 @@
         </p:nvSpPr>
         <p:spPr>
           <a:xfrm>
-            <a:off x="457200" y="1219200"/>
-            <a:ext cx="8229600" cy="5410200"/>
-          </a:xfrm>
-        </p:spPr>
+            <a:off x="533400" y="1219200"/>
+            <a:ext cx="7696200" cy="2362200"/>
+          </a:xfrm>
+        </p:spPr>
+        <p:txBody>
+          <a:bodyPr>
+            <a:noAutofit/>
+          </a:bodyPr>
+          <a:lstStyle/>
+          <a:p>
+            <a:pPr>
+              <a:buNone/>
+            </a:pPr>
+            <a:r>
+              <a:rPr lang="en-US" sz="2400" dirty="0" smtClean="0"/>
+              <a:t>&gt;&gt;&gt; </a:t>
+            </a:r>
+            <a:r>
+              <a:rPr lang="en-US" sz="2400" dirty="0" err="1" smtClean="0"/>
+              <a:t>dict</a:t>
+            </a:r>
+            <a:r>
+              <a:rPr lang="en-US" sz="2400" dirty="0" smtClean="0"/>
+              <a:t> = {'a':20,'b':30,'c':10,'d':40}</a:t>
+            </a:r>
+          </a:p>
+          <a:p>
+            <a:pPr>
+              <a:buNone/>
+            </a:pPr>
+            <a:r>
+              <a:rPr lang="en-US" sz="2400" dirty="0" smtClean="0"/>
+              <a:t>&gt;&gt;&gt; min(</a:t>
+            </a:r>
+            <a:r>
+              <a:rPr lang="en-US" sz="2400" dirty="0" err="1" smtClean="0"/>
+              <a:t>dict</a:t>
+            </a:r>
+            <a:r>
+              <a:rPr lang="en-US" sz="2400" dirty="0" smtClean="0"/>
+              <a:t>)</a:t>
+            </a:r>
+          </a:p>
+          <a:p>
+            <a:pPr>
+              <a:buNone/>
+            </a:pPr>
+            <a:r>
+              <a:rPr lang="en-US" sz="2400" dirty="0" smtClean="0"/>
+              <a:t>'a'</a:t>
+            </a:r>
+          </a:p>
+          <a:p>
+            <a:pPr>
+              <a:buNone/>
+            </a:pPr>
+            <a:r>
+              <a:rPr lang="en-US" sz="2400" dirty="0" smtClean="0"/>
+              <a:t>&gt;&gt;&gt; min(</a:t>
+            </a:r>
+            <a:r>
+              <a:rPr lang="en-US" sz="2400" dirty="0" err="1" smtClean="0"/>
+              <a:t>dict</a:t>
+            </a:r>
+            <a:r>
+              <a:rPr lang="en-US" sz="2400" dirty="0" smtClean="0"/>
+              <a:t>, key=lambda p:dict[p])</a:t>
+            </a:r>
+          </a:p>
+          <a:p>
+            <a:pPr>
+              <a:buNone/>
+            </a:pPr>
+            <a:r>
+              <a:rPr lang="en-US" sz="2400" dirty="0" smtClean="0"/>
+              <a:t>'c'</a:t>
+            </a:r>
+            <a:endParaRPr lang="ar-EG" sz="2400" dirty="0"/>
+          </a:p>
+        </p:txBody>
+      </p:sp>
+      <p:sp>
+        <p:nvSpPr>
+          <p:cNvPr id="7" name="Footer Placeholder 6"/>
+          <p:cNvSpPr>
+            <a:spLocks noGrp="1"/>
+          </p:cNvSpPr>
+          <p:nvPr>
+            <p:ph type="ftr" sz="quarter" idx="11"/>
+          </p:nvPr>
+        </p:nvSpPr>
+        <p:spPr/>
         <p:txBody>
           <a:bodyPr/>
           <a:lstStyle/>
           <a:p>
-            <a:pPr>
-              <a:buNone/>
-            </a:pPr>
-            <a:r>
-              <a:rPr lang="en-US" sz="2000" dirty="0" err="1" smtClean="0"/>
-              <a:t>square_indx</a:t>
-            </a:r>
-            <a:r>
-              <a:rPr lang="en-US" sz="2000" dirty="0" smtClean="0"/>
-              <a:t> = [[(0,3),(0,3)],</a:t>
-            </a:r>
-          </a:p>
-          <a:p>
-            <a:pPr>
-              <a:buNone/>
-            </a:pPr>
-            <a:r>
-              <a:rPr lang="en-US" sz="2000" dirty="0" smtClean="0"/>
-              <a:t>                            [(0,3),(3,6)],</a:t>
-            </a:r>
-          </a:p>
-          <a:p>
-            <a:pPr>
-              <a:buNone/>
-            </a:pPr>
-            <a:r>
-              <a:rPr lang="en-US" sz="2000" dirty="0" smtClean="0"/>
-              <a:t>                            [(0,3),(6,9)],</a:t>
-            </a:r>
-          </a:p>
-          <a:p>
-            <a:pPr>
-              <a:buNone/>
-            </a:pPr>
-            <a:r>
-              <a:rPr lang="en-US" sz="2000" dirty="0" smtClean="0"/>
-              <a:t>               </a:t>
-            </a:r>
-          </a:p>
-          <a:p>
-            <a:pPr>
-              <a:buNone/>
-            </a:pPr>
-            <a:r>
-              <a:rPr lang="en-US" sz="2000" dirty="0" smtClean="0"/>
-              <a:t>                            [(3,6),(0,3)],</a:t>
-            </a:r>
-          </a:p>
-          <a:p>
-            <a:pPr>
-              <a:buNone/>
-            </a:pPr>
-            <a:r>
-              <a:rPr lang="en-US" sz="2000" dirty="0" smtClean="0"/>
-              <a:t>                            [(3,6),(3,6)],</a:t>
-            </a:r>
-          </a:p>
-          <a:p>
-            <a:pPr>
-              <a:buNone/>
-            </a:pPr>
-            <a:r>
-              <a:rPr lang="en-US" sz="2000" dirty="0" smtClean="0"/>
-              <a:t>                            [(3,6),(6,9)],</a:t>
-            </a:r>
-          </a:p>
-          <a:p>
-            <a:pPr>
-              <a:buNone/>
-            </a:pPr>
-            <a:r>
-              <a:rPr lang="en-US" sz="2000" dirty="0" smtClean="0"/>
-              <a:t>               </a:t>
-            </a:r>
-          </a:p>
-          <a:p>
-            <a:pPr>
-              <a:buNone/>
-            </a:pPr>
-            <a:r>
-              <a:rPr lang="en-US" sz="2000" dirty="0" smtClean="0"/>
-              <a:t>                            [(6,9),(0,3)],</a:t>
-            </a:r>
-          </a:p>
-          <a:p>
-            <a:pPr>
-              <a:buNone/>
-            </a:pPr>
-            <a:r>
-              <a:rPr lang="en-US" sz="2000" dirty="0" smtClean="0"/>
-              <a:t>                            [(6,9),(3,6)],</a:t>
-            </a:r>
-          </a:p>
-          <a:p>
-            <a:pPr>
-              <a:buNone/>
-            </a:pPr>
-            <a:r>
-              <a:rPr lang="en-US" sz="2000" dirty="0" smtClean="0"/>
-              <a:t>                            [(6,9),(6,9)]]</a:t>
-            </a:r>
-          </a:p>
-          <a:p>
-            <a:pPr>
-              <a:buNone/>
-            </a:pPr>
-            <a:endParaRPr lang="en-US" sz="2000" dirty="0" smtClean="0"/>
-          </a:p>
-          <a:p>
-            <a:pPr>
-              <a:buNone/>
-            </a:pPr>
-            <a:r>
-              <a:rPr lang="en-US" sz="2000" dirty="0" smtClean="0"/>
-              <a:t>elements = ['1','2','3','4','5','6','7','8','9']</a:t>
-            </a:r>
-            <a:endParaRPr lang="ar-EG" sz="2000" dirty="0"/>
+            <a:r>
+              <a:rPr lang="en-US" smtClean="0"/>
+              <a:t>By Eng. Ahmed Tarik</a:t>
+            </a:r>
+            <a:endParaRPr lang="en-US"/>
           </a:p>
         </p:txBody>
       </p:sp>
       <p:pic>
         <p:nvPicPr>
-          <p:cNvPr id="5" name="Picture 2"/>
+          <p:cNvPr id="1026" name="Picture 2"/>
           <p:cNvPicPr>
             <a:picLocks noChangeAspect="1" noChangeArrowheads="1"/>
           </p:cNvPicPr>
@@ -6152,8 +6925,8 @@
         </p:blipFill>
         <p:spPr bwMode="auto">
           <a:xfrm>
-            <a:off x="5562600" y="739254"/>
-            <a:ext cx="3276600" cy="2689746"/>
+            <a:off x="685800" y="3733800"/>
+            <a:ext cx="6696075" cy="1543050"/>
           </a:xfrm>
           <a:prstGeom prst="rect">
             <a:avLst/>
@@ -6168,29 +6941,6 @@
           <a:effectLst/>
         </p:spPr>
       </p:pic>
-      <p:sp>
-        <p:nvSpPr>
-          <p:cNvPr id="7" name="Footer Placeholder 6"/>
-          <p:cNvSpPr>
-            <a:spLocks noGrp="1"/>
-          </p:cNvSpPr>
-          <p:nvPr>
-            <p:ph type="ftr" sz="quarter" idx="11"/>
-          </p:nvPr>
-        </p:nvSpPr>
-        <p:spPr/>
-        <p:txBody>
-          <a:bodyPr/>
-          <a:lstStyle/>
-          <a:p>
-            <a:r>
-              <a:rPr lang="en-US" smtClean="0"/>
-              <a:t>By Eng. Ahmed Tarik</a:t>
-            </a:r>
-            <a:endParaRPr lang="en-US"/>
-          </a:p>
-        </p:txBody>
-      </p:sp>
     </p:spTree>
   </p:cSld>
   <p:clrMapOvr>
@@ -6277,9 +7027,7 @@
           </a:xfrm>
         </p:spPr>
         <p:txBody>
-          <a:bodyPr>
-            <a:normAutofit fontScale="92500" lnSpcReduction="20000"/>
-          </a:bodyPr>
+          <a:bodyPr/>
           <a:lstStyle/>
           <a:p>
             <a:pPr>
@@ -6287,33 +7035,19 @@
             </a:pPr>
             <a:r>
               <a:rPr lang="en-US" sz="2000" dirty="0" smtClean="0"/>
-              <a:t>def </a:t>
+              <a:t>from copy import </a:t>
             </a:r>
             <a:r>
               <a:rPr lang="en-US" sz="2000" dirty="0" err="1" smtClean="0"/>
-              <a:t>get_rows</a:t>
-            </a:r>
-            <a:r>
-              <a:rPr lang="en-US" sz="2000" dirty="0" smtClean="0"/>
-              <a:t>(</a:t>
-            </a:r>
-            <a:r>
-              <a:rPr lang="en-US" sz="2000" dirty="0" err="1" smtClean="0"/>
-              <a:t>new_Grid</a:t>
-            </a:r>
-            <a:r>
-              <a:rPr lang="en-US" sz="2000" dirty="0" smtClean="0"/>
-              <a:t>):</a:t>
-            </a:r>
+              <a:t>deepcopy</a:t>
+            </a:r>
+            <a:endParaRPr lang="en-US" sz="2000" dirty="0" smtClean="0"/>
           </a:p>
           <a:p>
             <a:pPr>
               <a:buNone/>
             </a:pPr>
-            <a:r>
-              <a:rPr lang="en-US" sz="2000" dirty="0" smtClean="0"/>
-              <a:t>    rows = []</a:t>
-            </a:r>
+            <a:endParaRPr lang="en-US" sz="2000" dirty="0" smtClean="0"/>
           </a:p>
           <a:p>
             <a:pPr>
@@ -6321,15 +7055,7 @@
             </a:pPr>
             <a:r>
               <a:rPr lang="en-US" sz="2000" dirty="0" smtClean="0"/>
-              <a:t>    for </a:t>
-            </a:r>
-            <a:r>
-              <a:rPr lang="en-US" sz="2000" dirty="0" err="1" smtClean="0"/>
-              <a:t>i</a:t>
-            </a:r>
-            <a:r>
-              <a:rPr lang="en-US" sz="2000" dirty="0" smtClean="0"/>
-              <a:t> in range(0,9):</a:t>
+              <a:t>Grid = [['4', '.', '7',     '3', '.', '9',      '8', '.', '5'],</a:t>
             </a:r>
           </a:p>
           <a:p>
@@ -6338,7 +7064,7 @@
             </a:pPr>
             <a:r>
               <a:rPr lang="en-US" sz="2000" dirty="0" smtClean="0"/>
-              <a:t>        row = {}</a:t>
+              <a:t>             ['.', '3', '.',     '.', '.', '.',      '.', '.', '.'],</a:t>
             </a:r>
           </a:p>
           <a:p>
@@ -6347,7 +7073,7 @@
             </a:pPr>
             <a:r>
               <a:rPr lang="en-US" sz="2000" dirty="0" smtClean="0"/>
-              <a:t>        for y in range(0,9):</a:t>
+              <a:t>             ['.', '.', '.',     '7', '.', '.',      '.', '.', '.'],</a:t>
             </a:r>
           </a:p>
           <a:p>
@@ -6356,31 +7082,7 @@
             </a:pPr>
             <a:r>
               <a:rPr lang="en-US" sz="2000" dirty="0" smtClean="0"/>
-              <a:t>            row[(</a:t>
-            </a:r>
-            <a:r>
-              <a:rPr lang="en-US" sz="2000" dirty="0" err="1" smtClean="0"/>
-              <a:t>i,y</a:t>
-            </a:r>
-            <a:r>
-              <a:rPr lang="en-US" sz="2000" dirty="0" smtClean="0"/>
-              <a:t>)] = </a:t>
-            </a:r>
-            <a:r>
-              <a:rPr lang="en-US" sz="2000" dirty="0" err="1" smtClean="0"/>
-              <a:t>new_Grid</a:t>
-            </a:r>
-            <a:r>
-              <a:rPr lang="en-US" sz="2000" dirty="0" smtClean="0"/>
-              <a:t>[</a:t>
-            </a:r>
-            <a:r>
-              <a:rPr lang="en-US" sz="2000" dirty="0" err="1" smtClean="0"/>
-              <a:t>i</a:t>
-            </a:r>
-            <a:r>
-              <a:rPr lang="en-US" sz="2000" dirty="0" smtClean="0"/>
-              <a:t>][y]</a:t>
+              <a:t>        </a:t>
             </a:r>
           </a:p>
           <a:p>
@@ -6389,15 +7091,7 @@
             </a:pPr>
             <a:r>
               <a:rPr lang="en-US" sz="2000" dirty="0" smtClean="0"/>
-              <a:t>        </a:t>
-            </a:r>
-            <a:r>
-              <a:rPr lang="en-US" sz="2000" dirty="0" err="1" smtClean="0"/>
-              <a:t>rows.append</a:t>
-            </a:r>
-            <a:r>
-              <a:rPr lang="en-US" sz="2000" dirty="0" smtClean="0"/>
-              <a:t>(row)</a:t>
+              <a:t>             ['.', '2', '.',     '.', '.', '.',      '.', '6', '.'],</a:t>
             </a:r>
           </a:p>
           <a:p>
@@ -6406,13 +7100,22 @@
             </a:pPr>
             <a:r>
               <a:rPr lang="en-US" sz="2000" dirty="0" smtClean="0"/>
-              <a:t>    return rows</a:t>
+              <a:t>             ['.', '.', '.',     '.', '8', '.',      '4', '.', '.'],</a:t>
             </a:r>
           </a:p>
           <a:p>
             <a:pPr>
               <a:buNone/>
             </a:pPr>
+            <a:r>
+              <a:rPr lang="en-US" sz="2000" dirty="0" smtClean="0"/>
+              <a:t>             ['.', '.', '.',     '.', '1', '.',      '.', '.', '.'],</a:t>
+            </a:r>
+          </a:p>
+          <a:p>
+            <a:pPr>
+              <a:buNone/>
+            </a:pPr>
             <a:endParaRPr lang="en-US" sz="2000" dirty="0" smtClean="0"/>
           </a:p>
           <a:p>
@@ -6421,23 +7124,7 @@
             </a:pPr>
             <a:r>
               <a:rPr lang="en-US" sz="2000" dirty="0" smtClean="0"/>
-              <a:t>def </a:t>
-            </a:r>
-            <a:r>
-              <a:rPr lang="en-US" sz="2000" dirty="0" err="1" smtClean="0"/>
-              <a:t>get_cols</a:t>
-            </a:r>
-            <a:r>
-              <a:rPr lang="en-US" sz="2000" dirty="0" smtClean="0"/>
-              <a:t>(</a:t>
-            </a:r>
-            <a:r>
-              <a:rPr lang="en-US" sz="2000" dirty="0" err="1" smtClean="0"/>
-              <a:t>new_Grid</a:t>
-            </a:r>
-            <a:r>
-              <a:rPr lang="en-US" sz="2000" dirty="0" smtClean="0"/>
-              <a:t>):</a:t>
+              <a:t>             ['.', '.', '.',     '6', '.', '3',      '.', '7', '.'],</a:t>
             </a:r>
           </a:p>
           <a:p>
@@ -6446,7 +7133,7 @@
             </a:pPr>
             <a:r>
               <a:rPr lang="en-US" sz="2000" dirty="0" smtClean="0"/>
-              <a:t>    cols = []</a:t>
+              <a:t>             ['5', '.', '.',     '2', '.', '.',      '.', '.', '.'],</a:t>
             </a:r>
           </a:p>
           <a:p>
@@ -6455,116 +7142,7 @@
             </a:pPr>
             <a:r>
               <a:rPr lang="en-US" sz="2000" dirty="0" smtClean="0"/>
-              <a:t>    for </a:t>
-            </a:r>
-            <a:r>
-              <a:rPr lang="en-US" sz="2000" dirty="0" err="1" smtClean="0"/>
-              <a:t>i</a:t>
-            </a:r>
-            <a:r>
-              <a:rPr lang="en-US" sz="2000" dirty="0" smtClean="0"/>
-              <a:t> in range(0,9):</a:t>
-            </a:r>
-          </a:p>
-          <a:p>
-            <a:pPr>
-              <a:buNone/>
-            </a:pPr>
-            <a:r>
-              <a:rPr lang="en-US" sz="2000" dirty="0" smtClean="0"/>
-              <a:t>        </a:t>
-            </a:r>
-            <a:r>
-              <a:rPr lang="en-US" sz="2000" dirty="0" err="1" smtClean="0"/>
-              <a:t>col</a:t>
-            </a:r>
-            <a:r>
-              <a:rPr lang="en-US" sz="2000" dirty="0" smtClean="0"/>
-              <a:t> = {}</a:t>
-            </a:r>
-          </a:p>
-          <a:p>
-            <a:pPr>
-              <a:buNone/>
-            </a:pPr>
-            <a:r>
-              <a:rPr lang="en-US" sz="2000" dirty="0" smtClean="0"/>
-              <a:t>        for x in range(0,9):</a:t>
-            </a:r>
-          </a:p>
-          <a:p>
-            <a:pPr>
-              <a:buNone/>
-            </a:pPr>
-            <a:r>
-              <a:rPr lang="en-US" sz="2000" dirty="0" smtClean="0"/>
-              <a:t>            </a:t>
-            </a:r>
-            <a:r>
-              <a:rPr lang="en-US" sz="2000" dirty="0" err="1" smtClean="0"/>
-              <a:t>col</a:t>
-            </a:r>
-            <a:r>
-              <a:rPr lang="en-US" sz="2000" dirty="0" smtClean="0"/>
-              <a:t>[(</a:t>
-            </a:r>
-            <a:r>
-              <a:rPr lang="en-US" sz="2000" dirty="0" err="1" smtClean="0"/>
-              <a:t>x,i</a:t>
-            </a:r>
-            <a:r>
-              <a:rPr lang="en-US" sz="2000" dirty="0" smtClean="0"/>
-              <a:t>)] = </a:t>
-            </a:r>
-            <a:r>
-              <a:rPr lang="en-US" sz="2000" dirty="0" err="1" smtClean="0"/>
-              <a:t>new_Grid</a:t>
-            </a:r>
-            <a:r>
-              <a:rPr lang="en-US" sz="2000" dirty="0" smtClean="0"/>
-              <a:t>[x][</a:t>
-            </a:r>
-            <a:r>
-              <a:rPr lang="en-US" sz="2000" dirty="0" err="1" smtClean="0"/>
-              <a:t>i</a:t>
-            </a:r>
-            <a:r>
-              <a:rPr lang="en-US" sz="2000" dirty="0" smtClean="0"/>
-              <a:t>]</a:t>
-            </a:r>
-          </a:p>
-          <a:p>
-            <a:pPr>
-              <a:buNone/>
-            </a:pPr>
-            <a:r>
-              <a:rPr lang="en-US" sz="2000" dirty="0" smtClean="0"/>
-              <a:t>        </a:t>
-            </a:r>
-            <a:r>
-              <a:rPr lang="en-US" sz="2000" dirty="0" err="1" smtClean="0"/>
-              <a:t>cols.append</a:t>
-            </a:r>
-            <a:r>
-              <a:rPr lang="en-US" sz="2000" dirty="0" smtClean="0"/>
-              <a:t>(</a:t>
-            </a:r>
-            <a:r>
-              <a:rPr lang="en-US" sz="2000" dirty="0" err="1" smtClean="0"/>
-              <a:t>col</a:t>
-            </a:r>
-            <a:r>
-              <a:rPr lang="en-US" sz="2000" dirty="0" smtClean="0"/>
-              <a:t>)</a:t>
-            </a:r>
-          </a:p>
-          <a:p>
-            <a:pPr>
-              <a:buNone/>
-            </a:pPr>
-            <a:r>
-              <a:rPr lang="en-US" sz="2000" dirty="0" smtClean="0"/>
-              <a:t>    return cols</a:t>
+              <a:t>             ['1', '.', '4',     '.', '.', '.',      '.', '.', '.']]</a:t>
             </a:r>
             <a:endParaRPr lang="ar-EG" sz="2000" dirty="0"/>
           </a:p>
@@ -6587,7 +7165,7 @@
         </p:blipFill>
         <p:spPr bwMode="auto">
           <a:xfrm>
-            <a:off x="5257800" y="914400"/>
+            <a:off x="5562600" y="739254"/>
             <a:ext cx="3276600" cy="2689746"/>
           </a:xfrm>
           <a:prstGeom prst="rect">
@@ -6712,109 +7290,19 @@
           </a:xfrm>
         </p:spPr>
         <p:txBody>
-          <a:bodyPr>
-            <a:normAutofit lnSpcReduction="10000"/>
-          </a:bodyPr>
+          <a:bodyPr/>
           <a:lstStyle/>
           <a:p>
             <a:pPr>
               <a:buNone/>
             </a:pPr>
-            <a:r>
-              <a:rPr lang="en-US" sz="2000" dirty="0" smtClean="0"/>
-              <a:t>def </a:t>
-            </a:r>
-            <a:r>
-              <a:rPr lang="en-US" sz="2000" dirty="0" err="1" smtClean="0"/>
-              <a:t>get_squares</a:t>
-            </a:r>
-            <a:r>
-              <a:rPr lang="en-US" sz="2000" dirty="0" smtClean="0"/>
-              <a:t>(</a:t>
-            </a:r>
-            <a:r>
-              <a:rPr lang="en-US" sz="2000" dirty="0" err="1" smtClean="0"/>
-              <a:t>new_Grid</a:t>
-            </a:r>
-            <a:r>
-              <a:rPr lang="en-US" sz="2000" dirty="0" smtClean="0"/>
-              <a:t>):</a:t>
-            </a:r>
-          </a:p>
-          <a:p>
-            <a:pPr>
-              <a:buNone/>
-            </a:pPr>
-            <a:r>
-              <a:rPr lang="en-US" sz="2000" dirty="0" smtClean="0"/>
-              <a:t>    squares = []</a:t>
-            </a:r>
-          </a:p>
-          <a:p>
-            <a:pPr>
-              <a:buNone/>
-            </a:pPr>
-            <a:r>
-              <a:rPr lang="en-US" sz="2000" dirty="0" smtClean="0"/>
-              <a:t>    for </a:t>
-            </a:r>
-            <a:r>
-              <a:rPr lang="en-US" sz="2000" dirty="0" err="1" smtClean="0"/>
-              <a:t>i</a:t>
-            </a:r>
-            <a:r>
-              <a:rPr lang="en-US" sz="2000" dirty="0" smtClean="0"/>
-              <a:t> in range(0,9):</a:t>
-            </a:r>
-          </a:p>
-          <a:p>
-            <a:pPr>
-              <a:buNone/>
-            </a:pPr>
-            <a:r>
-              <a:rPr lang="en-US" sz="2000" dirty="0" smtClean="0"/>
-              <a:t>        square = {}</a:t>
-            </a:r>
-          </a:p>
-          <a:p>
-            <a:pPr>
-              <a:buNone/>
-            </a:pPr>
-            <a:r>
-              <a:rPr lang="en-US" sz="2000" dirty="0" smtClean="0"/>
-              <a:t>        for x in range(</a:t>
-            </a:r>
             <a:r>
               <a:rPr lang="en-US" sz="2000" dirty="0" err="1" smtClean="0"/>
               <a:t>square_indx</a:t>
             </a:r>
             <a:r>
               <a:rPr lang="en-US" sz="2000" dirty="0" smtClean="0"/>
-              <a:t>[</a:t>
-            </a:r>
-            <a:r>
-              <a:rPr lang="en-US" sz="2000" dirty="0" err="1" smtClean="0"/>
-              <a:t>i</a:t>
-            </a:r>
-            <a:r>
-              <a:rPr lang="en-US" sz="2000" dirty="0" smtClean="0"/>
-              <a:t>][0][0],</a:t>
-            </a:r>
-            <a:r>
-              <a:rPr lang="en-US" sz="2000" dirty="0" err="1" smtClean="0"/>
-              <a:t>square_indx</a:t>
-            </a:r>
-            <a:r>
-              <a:rPr lang="en-US" sz="2000" dirty="0" smtClean="0"/>
-              <a:t>[</a:t>
-            </a:r>
-            <a:r>
-              <a:rPr lang="en-US" sz="2000" dirty="0" err="1" smtClean="0"/>
-              <a:t>i</a:t>
-            </a:r>
-            <a:r>
-              <a:rPr lang="en-US" sz="2000" dirty="0" smtClean="0"/>
-              <a:t>][0][1]):</a:t>
+              <a:t> = [[(0,3),(0,3)],</a:t>
             </a:r>
           </a:p>
           <a:p>
@@ -6823,39 +7311,7 @@
             </a:pPr>
             <a:r>
               <a:rPr lang="en-US" sz="2000" dirty="0" smtClean="0"/>
-              <a:t>            for y in range(</a:t>
-            </a:r>
-            <a:r>
-              <a:rPr lang="en-US" sz="2000" dirty="0" err="1" smtClean="0"/>
-              <a:t>square_indx</a:t>
-            </a:r>
-            <a:r>
-              <a:rPr lang="en-US" sz="2000" dirty="0" smtClean="0"/>
-              <a:t>[</a:t>
-            </a:r>
-            <a:r>
-              <a:rPr lang="en-US" sz="2000" dirty="0" err="1" smtClean="0"/>
-              <a:t>i</a:t>
-            </a:r>
-            <a:r>
-              <a:rPr lang="en-US" sz="2000" dirty="0" smtClean="0"/>
-              <a:t>][1][0],</a:t>
-            </a:r>
-            <a:r>
-              <a:rPr lang="en-US" sz="2000" dirty="0" err="1" smtClean="0"/>
-              <a:t>square_indx</a:t>
-            </a:r>
-            <a:r>
-              <a:rPr lang="en-US" sz="2000" dirty="0" smtClean="0"/>
-              <a:t>[</a:t>
-            </a:r>
-            <a:r>
-              <a:rPr lang="en-US" sz="2000" dirty="0" err="1" smtClean="0"/>
-              <a:t>i</a:t>
-            </a:r>
-            <a:r>
-              <a:rPr lang="en-US" sz="2000" dirty="0" smtClean="0"/>
-              <a:t>][1][1]):</a:t>
+              <a:t>                            [(0,3),(3,6)],</a:t>
             </a:r>
           </a:p>
           <a:p>
@@ -6864,23 +7320,7 @@
             </a:pPr>
             <a:r>
               <a:rPr lang="en-US" sz="2000" dirty="0" smtClean="0"/>
-              <a:t>                square[(</a:t>
-            </a:r>
-            <a:r>
-              <a:rPr lang="en-US" sz="2000" dirty="0" err="1" smtClean="0"/>
-              <a:t>x,y</a:t>
-            </a:r>
-            <a:r>
-              <a:rPr lang="en-US" sz="2000" dirty="0" smtClean="0"/>
-              <a:t>)] = </a:t>
-            </a:r>
-            <a:r>
-              <a:rPr lang="en-US" sz="2000" dirty="0" err="1" smtClean="0"/>
-              <a:t>new_Grid</a:t>
-            </a:r>
-            <a:r>
-              <a:rPr lang="en-US" sz="2000" dirty="0" smtClean="0"/>
-              <a:t>[x][y]</a:t>
+              <a:t>                            [(0,3),(6,9)],</a:t>
             </a:r>
           </a:p>
           <a:p>
@@ -6889,15 +7329,7 @@
             </a:pPr>
             <a:r>
               <a:rPr lang="en-US" sz="2000" dirty="0" smtClean="0"/>
-              <a:t>        </a:t>
-            </a:r>
-            <a:r>
-              <a:rPr lang="en-US" sz="2000" dirty="0" err="1" smtClean="0"/>
-              <a:t>squares.append</a:t>
-            </a:r>
-            <a:r>
-              <a:rPr lang="en-US" sz="2000" dirty="0" smtClean="0"/>
-              <a:t>(square)</a:t>
+              <a:t>               </a:t>
             </a:r>
           </a:p>
           <a:p>
@@ -6906,13 +7338,67 @@
             </a:pPr>
             <a:r>
               <a:rPr lang="en-US" sz="2000" dirty="0" smtClean="0"/>
-              <a:t>    return squares</a:t>
+              <a:t>                            [(3,6),(0,3)],</a:t>
             </a:r>
           </a:p>
           <a:p>
             <a:pPr>
               <a:buNone/>
             </a:pPr>
+            <a:r>
+              <a:rPr lang="en-US" sz="2000" dirty="0" smtClean="0"/>
+              <a:t>                            [(3,6),(3,6)],</a:t>
+            </a:r>
+          </a:p>
+          <a:p>
+            <a:pPr>
+              <a:buNone/>
+            </a:pPr>
+            <a:r>
+              <a:rPr lang="en-US" sz="2000" dirty="0" smtClean="0"/>
+              <a:t>                            [(3,6),(6,9)],</a:t>
+            </a:r>
+          </a:p>
+          <a:p>
+            <a:pPr>
+              <a:buNone/>
+            </a:pPr>
+            <a:r>
+              <a:rPr lang="en-US" sz="2000" dirty="0" smtClean="0"/>
+              <a:t>               </a:t>
+            </a:r>
+          </a:p>
+          <a:p>
+            <a:pPr>
+              <a:buNone/>
+            </a:pPr>
+            <a:r>
+              <a:rPr lang="en-US" sz="2000" dirty="0" smtClean="0"/>
+              <a:t>                            [(6,9),(0,3)],</a:t>
+            </a:r>
+          </a:p>
+          <a:p>
+            <a:pPr>
+              <a:buNone/>
+            </a:pPr>
+            <a:r>
+              <a:rPr lang="en-US" sz="2000" dirty="0" smtClean="0"/>
+              <a:t>                            [(6,9),(3,6)],</a:t>
+            </a:r>
+          </a:p>
+          <a:p>
+            <a:pPr>
+              <a:buNone/>
+            </a:pPr>
+            <a:r>
+              <a:rPr lang="en-US" sz="2000" dirty="0" smtClean="0"/>
+              <a:t>                            [(6,9),(6,9)]]</a:t>
+            </a:r>
+          </a:p>
+          <a:p>
+            <a:pPr>
+              <a:buNone/>
+            </a:pPr>
             <a:endParaRPr lang="en-US" sz="2000" dirty="0" smtClean="0"/>
           </a:p>
           <a:p>
@@ -6921,128 +7407,7 @@
             </a:pPr>
             <a:r>
               <a:rPr lang="en-US" sz="2000" dirty="0" smtClean="0"/>
-              <a:t>def </a:t>
-            </a:r>
-            <a:r>
-              <a:rPr lang="en-US" sz="2000" dirty="0" err="1" smtClean="0"/>
-              <a:t>get_all_related_cells</a:t>
-            </a:r>
-            <a:r>
-              <a:rPr lang="en-US" sz="2000" dirty="0" smtClean="0"/>
-              <a:t>(</a:t>
-            </a:r>
-            <a:r>
-              <a:rPr lang="en-US" sz="2000" dirty="0" err="1" smtClean="0"/>
-              <a:t>new_Grid</a:t>
-            </a:r>
-            <a:r>
-              <a:rPr lang="en-US" sz="2000" dirty="0" smtClean="0"/>
-              <a:t>):</a:t>
-            </a:r>
-          </a:p>
-          <a:p>
-            <a:pPr>
-              <a:buNone/>
-            </a:pPr>
-            <a:r>
-              <a:rPr lang="en-US" sz="2000" dirty="0" smtClean="0"/>
-              <a:t>    squares = </a:t>
-            </a:r>
-            <a:r>
-              <a:rPr lang="en-US" sz="2000" dirty="0" err="1" smtClean="0"/>
-              <a:t>get_squares</a:t>
-            </a:r>
-            <a:r>
-              <a:rPr lang="en-US" sz="2000" dirty="0" smtClean="0"/>
-              <a:t>(</a:t>
-            </a:r>
-            <a:r>
-              <a:rPr lang="en-US" sz="2000" dirty="0" err="1" smtClean="0"/>
-              <a:t>new_Grid</a:t>
-            </a:r>
-            <a:r>
-              <a:rPr lang="en-US" sz="2000" dirty="0" smtClean="0"/>
-              <a:t>)</a:t>
-            </a:r>
-          </a:p>
-          <a:p>
-            <a:pPr>
-              <a:buNone/>
-            </a:pPr>
-            <a:r>
-              <a:rPr lang="en-US" sz="2000" dirty="0" smtClean="0"/>
-              <a:t>    rows = </a:t>
-            </a:r>
-            <a:r>
-              <a:rPr lang="en-US" sz="2000" dirty="0" err="1" smtClean="0"/>
-              <a:t>get_rows</a:t>
-            </a:r>
-            <a:r>
-              <a:rPr lang="en-US" sz="2000" dirty="0" smtClean="0"/>
-              <a:t>(</a:t>
-            </a:r>
-            <a:r>
-              <a:rPr lang="en-US" sz="2000" dirty="0" err="1" smtClean="0"/>
-              <a:t>new_Grid</a:t>
-            </a:r>
-            <a:r>
-              <a:rPr lang="en-US" sz="2000" dirty="0" smtClean="0"/>
-              <a:t>)</a:t>
-            </a:r>
-          </a:p>
-          <a:p>
-            <a:pPr>
-              <a:buNone/>
-            </a:pPr>
-            <a:r>
-              <a:rPr lang="en-US" sz="2000" dirty="0" smtClean="0"/>
-              <a:t>    cols = </a:t>
-            </a:r>
-            <a:r>
-              <a:rPr lang="en-US" sz="2000" dirty="0" err="1" smtClean="0"/>
-              <a:t>get_cols</a:t>
-            </a:r>
-            <a:r>
-              <a:rPr lang="en-US" sz="2000" dirty="0" smtClean="0"/>
-              <a:t>(</a:t>
-            </a:r>
-            <a:r>
-              <a:rPr lang="en-US" sz="2000" dirty="0" err="1" smtClean="0"/>
-              <a:t>new_Grid</a:t>
-            </a:r>
-            <a:r>
-              <a:rPr lang="en-US" sz="2000" dirty="0" smtClean="0"/>
-              <a:t>)</a:t>
-            </a:r>
-          </a:p>
-          <a:p>
-            <a:pPr>
-              <a:buNone/>
-            </a:pPr>
-            <a:r>
-              <a:rPr lang="en-US" sz="2000" dirty="0" smtClean="0"/>
-              <a:t>    </a:t>
-            </a:r>
-            <a:r>
-              <a:rPr lang="en-US" sz="2000" dirty="0" err="1" smtClean="0"/>
-              <a:t>all_vec</a:t>
-            </a:r>
-            <a:r>
-              <a:rPr lang="en-US" sz="2000" dirty="0" smtClean="0"/>
-              <a:t> = squares + rows + cols</a:t>
-            </a:r>
-          </a:p>
-          <a:p>
-            <a:pPr>
-              <a:buNone/>
-            </a:pPr>
-            <a:r>
-              <a:rPr lang="en-US" sz="2000" dirty="0" smtClean="0"/>
-              <a:t>    return </a:t>
-            </a:r>
-            <a:r>
-              <a:rPr lang="en-US" sz="2000" dirty="0" err="1" smtClean="0"/>
-              <a:t>all_vec</a:t>
+              <a:t>elements = ['1','2','3','4','5','6','7','8','9']</a:t>
             </a:r>
             <a:endParaRPr lang="ar-EG" sz="2000" dirty="0"/>
           </a:p>
@@ -7065,7 +7430,7 @@
         </p:blipFill>
         <p:spPr bwMode="auto">
           <a:xfrm>
-            <a:off x="5562600" y="3581400"/>
+            <a:off x="5562600" y="739254"/>
             <a:ext cx="3276600" cy="2689746"/>
           </a:xfrm>
           <a:prstGeom prst="rect">
@@ -7191,7 +7556,7 @@
         </p:spPr>
         <p:txBody>
           <a:bodyPr>
-            <a:normAutofit/>
+            <a:normAutofit fontScale="92500" lnSpcReduction="20000"/>
           </a:bodyPr>
           <a:lstStyle/>
           <a:p>
@@ -7204,27 +7569,11 @@
             </a:r>
             <a:r>
               <a:rPr lang="en-US" sz="2000" dirty="0" err="1" smtClean="0"/>
-              <a:t>get_legal_for_cell</a:t>
+              <a:t>get_rows</a:t>
             </a:r>
             <a:r>
               <a:rPr lang="en-US" sz="2000" dirty="0" smtClean="0"/>
               <a:t>(</a:t>
-            </a:r>
-            <a:r>
-              <a:rPr lang="en-US" sz="2000" dirty="0" err="1" smtClean="0"/>
-              <a:t>cell_r</a:t>
-            </a:r>
-            <a:r>
-              <a:rPr lang="en-US" sz="2000" dirty="0" smtClean="0"/>
-              <a:t>, </a:t>
-            </a:r>
-            <a:r>
-              <a:rPr lang="en-US" sz="2000" dirty="0" err="1" smtClean="0"/>
-              <a:t>cell_c</a:t>
-            </a:r>
-            <a:r>
-              <a:rPr lang="en-US" sz="2000" dirty="0" smtClean="0"/>
-              <a:t>, </a:t>
             </a:r>
             <a:r>
               <a:rPr lang="en-US" sz="2000" dirty="0" err="1" smtClean="0"/>
@@ -7241,7 +7590,7 @@
             </a:pPr>
             <a:r>
               <a:rPr lang="en-US" sz="2000" dirty="0" smtClean="0"/>
-              <a:t>    map = {}</a:t>
+              <a:t>    rows = []</a:t>
             </a:r>
           </a:p>
           <a:p>
@@ -7250,23 +7599,50 @@
             </a:pPr>
             <a:r>
               <a:rPr lang="en-US" sz="2000" dirty="0" smtClean="0"/>
-              <a:t>    </a:t>
+              <a:t>    for </a:t>
             </a:r>
             <a:r>
               <a:rPr lang="en-US" sz="2000" dirty="0" err="1" smtClean="0"/>
-              <a:t>all_vec</a:t>
-            </a:r>
-            <a:r>
-              <a:rPr lang="en-US" sz="2000" dirty="0" smtClean="0"/>
-              <a:t> = </a:t>
+              <a:t>i</a:t>
+            </a:r>
+            <a:r>
+              <a:rPr lang="en-US" sz="2000" dirty="0" smtClean="0"/>
+              <a:t> in range(0,9):</a:t>
+            </a:r>
+          </a:p>
+          <a:p>
+            <a:pPr>
+              <a:buNone/>
+            </a:pPr>
+            <a:r>
+              <a:rPr lang="en-US" sz="2000" dirty="0" smtClean="0"/>
+              <a:t>        row = {}</a:t>
+            </a:r>
+          </a:p>
+          <a:p>
+            <a:pPr>
+              <a:buNone/>
+            </a:pPr>
+            <a:r>
+              <a:rPr lang="en-US" sz="2000" dirty="0" smtClean="0"/>
+              <a:t>        for y in range(0,9):</a:t>
+            </a:r>
+          </a:p>
+          <a:p>
+            <a:pPr>
+              <a:buNone/>
+            </a:pPr>
+            <a:r>
+              <a:rPr lang="en-US" sz="2000" dirty="0" smtClean="0"/>
+              <a:t>            row[(</a:t>
             </a:r>
             <a:r>
               <a:rPr lang="en-US" sz="2000" dirty="0" err="1" smtClean="0"/>
-              <a:t>get_all_related_cells</a:t>
-            </a:r>
-            <a:r>
-              <a:rPr lang="en-US" sz="2000" dirty="0" smtClean="0"/>
-              <a:t>(</a:t>
+              <a:t>i,y</a:t>
+            </a:r>
+            <a:r>
+              <a:rPr lang="en-US" sz="2000" dirty="0" smtClean="0"/>
+              <a:t>)] = </a:t>
             </a:r>
             <a:r>
               <a:rPr lang="en-US" sz="2000" dirty="0" err="1" smtClean="0"/>
@@ -7274,6 +7650,189 @@
             </a:r>
             <a:r>
               <a:rPr lang="en-US" sz="2000" dirty="0" smtClean="0"/>
+              <a:t>[</a:t>
+            </a:r>
+            <a:r>
+              <a:rPr lang="en-US" sz="2000" dirty="0" err="1" smtClean="0"/>
+              <a:t>i</a:t>
+            </a:r>
+            <a:r>
+              <a:rPr lang="en-US" sz="2000" dirty="0" smtClean="0"/>
+              <a:t>][y]</a:t>
+            </a:r>
+          </a:p>
+          <a:p>
+            <a:pPr>
+              <a:buNone/>
+            </a:pPr>
+            <a:r>
+              <a:rPr lang="en-US" sz="2000" dirty="0" smtClean="0"/>
+              <a:t>        </a:t>
+            </a:r>
+            <a:r>
+              <a:rPr lang="en-US" sz="2000" dirty="0" err="1" smtClean="0"/>
+              <a:t>rows.append</a:t>
+            </a:r>
+            <a:r>
+              <a:rPr lang="en-US" sz="2000" dirty="0" smtClean="0"/>
+              <a:t>(row)</a:t>
+            </a:r>
+          </a:p>
+          <a:p>
+            <a:pPr>
+              <a:buNone/>
+            </a:pPr>
+            <a:r>
+              <a:rPr lang="en-US" sz="2000" dirty="0" smtClean="0"/>
+              <a:t>    return rows</a:t>
+            </a:r>
+          </a:p>
+          <a:p>
+            <a:pPr>
+              <a:buNone/>
+            </a:pPr>
+            <a:endParaRPr lang="en-US" sz="2000" dirty="0" smtClean="0"/>
+          </a:p>
+          <a:p>
+            <a:pPr>
+              <a:buNone/>
+            </a:pPr>
+            <a:r>
+              <a:rPr lang="en-US" sz="2000" dirty="0" smtClean="0"/>
+              <a:t>def </a:t>
+            </a:r>
+            <a:r>
+              <a:rPr lang="en-US" sz="2000" dirty="0" err="1" smtClean="0"/>
+              <a:t>get_cols</a:t>
+            </a:r>
+            <a:r>
+              <a:rPr lang="en-US" sz="2000" dirty="0" smtClean="0"/>
+              <a:t>(</a:t>
+            </a:r>
+            <a:r>
+              <a:rPr lang="en-US" sz="2000" dirty="0" err="1" smtClean="0"/>
+              <a:t>new_Grid</a:t>
+            </a:r>
+            <a:r>
+              <a:rPr lang="en-US" sz="2000" dirty="0" smtClean="0"/>
+              <a:t>):</a:t>
+            </a:r>
+          </a:p>
+          <a:p>
+            <a:pPr>
+              <a:buNone/>
+            </a:pPr>
+            <a:r>
+              <a:rPr lang="en-US" sz="2000" dirty="0" smtClean="0"/>
+              <a:t>    cols = []</a:t>
+            </a:r>
+          </a:p>
+          <a:p>
+            <a:pPr>
+              <a:buNone/>
+            </a:pPr>
+            <a:r>
+              <a:rPr lang="en-US" sz="2000" dirty="0" smtClean="0"/>
+              <a:t>    for </a:t>
+            </a:r>
+            <a:r>
+              <a:rPr lang="en-US" sz="2000" dirty="0" err="1" smtClean="0"/>
+              <a:t>i</a:t>
+            </a:r>
+            <a:r>
+              <a:rPr lang="en-US" sz="2000" dirty="0" smtClean="0"/>
+              <a:t> in range(0,9):</a:t>
+            </a:r>
+          </a:p>
+          <a:p>
+            <a:pPr>
+              <a:buNone/>
+            </a:pPr>
+            <a:r>
+              <a:rPr lang="en-US" sz="2000" dirty="0" smtClean="0"/>
+              <a:t>        </a:t>
+            </a:r>
+            <a:r>
+              <a:rPr lang="en-US" sz="2000" dirty="0" err="1" smtClean="0"/>
+              <a:t>col</a:t>
+            </a:r>
+            <a:r>
+              <a:rPr lang="en-US" sz="2000" dirty="0" smtClean="0"/>
+              <a:t> = {}</a:t>
+            </a:r>
+          </a:p>
+          <a:p>
+            <a:pPr>
+              <a:buNone/>
+            </a:pPr>
+            <a:r>
+              <a:rPr lang="en-US" sz="2000" dirty="0" smtClean="0"/>
+              <a:t>        for x in range(0,9):</a:t>
+            </a:r>
+          </a:p>
+          <a:p>
+            <a:pPr>
+              <a:buNone/>
+            </a:pPr>
+            <a:r>
+              <a:rPr lang="en-US" sz="2000" dirty="0" smtClean="0"/>
+              <a:t>            </a:t>
+            </a:r>
+            <a:r>
+              <a:rPr lang="en-US" sz="2000" dirty="0" err="1" smtClean="0"/>
+              <a:t>col</a:t>
+            </a:r>
+            <a:r>
+              <a:rPr lang="en-US" sz="2000" dirty="0" smtClean="0"/>
+              <a:t>[(</a:t>
+            </a:r>
+            <a:r>
+              <a:rPr lang="en-US" sz="2000" dirty="0" err="1" smtClean="0"/>
+              <a:t>x,i</a:t>
+            </a:r>
+            <a:r>
+              <a:rPr lang="en-US" sz="2000" dirty="0" smtClean="0"/>
+              <a:t>)] = </a:t>
+            </a:r>
+            <a:r>
+              <a:rPr lang="en-US" sz="2000" dirty="0" err="1" smtClean="0"/>
+              <a:t>new_Grid</a:t>
+            </a:r>
+            <a:r>
+              <a:rPr lang="en-US" sz="2000" dirty="0" smtClean="0"/>
+              <a:t>[x][</a:t>
+            </a:r>
+            <a:r>
+              <a:rPr lang="en-US" sz="2000" dirty="0" err="1" smtClean="0"/>
+              <a:t>i</a:t>
+            </a:r>
+            <a:r>
+              <a:rPr lang="en-US" sz="2000" dirty="0" smtClean="0"/>
+              <a:t>]</a:t>
+            </a:r>
+          </a:p>
+          <a:p>
+            <a:pPr>
+              <a:buNone/>
+            </a:pPr>
+            <a:r>
+              <a:rPr lang="en-US" sz="2000" dirty="0" smtClean="0"/>
+              <a:t>        </a:t>
+            </a:r>
+            <a:r>
+              <a:rPr lang="en-US" sz="2000" dirty="0" err="1" smtClean="0"/>
+              <a:t>cols.append</a:t>
+            </a:r>
+            <a:r>
+              <a:rPr lang="en-US" sz="2000" dirty="0" smtClean="0"/>
+              <a:t>(</a:t>
+            </a:r>
+            <a:r>
+              <a:rPr lang="en-US" sz="2000" dirty="0" err="1" smtClean="0"/>
+              <a:t>col</a:t>
+            </a:r>
+            <a:r>
+              <a:rPr lang="en-US" sz="2000" dirty="0" smtClean="0"/>
               <a:t>)</a:t>
             </a:r>
           </a:p>
@@ -7283,139 +7842,7 @@
             </a:pPr>
             <a:r>
               <a:rPr lang="en-US" sz="2000" dirty="0" smtClean="0"/>
-              <a:t>    for a in </a:t>
-            </a:r>
-            <a:r>
-              <a:rPr lang="en-US" sz="2000" dirty="0" err="1" smtClean="0"/>
-              <a:t>all_vec</a:t>
-            </a:r>
-            <a:r>
-              <a:rPr lang="en-US" sz="2000" dirty="0" smtClean="0"/>
-              <a:t>:</a:t>
-            </a:r>
-          </a:p>
-          <a:p>
-            <a:pPr>
-              <a:buNone/>
-            </a:pPr>
-            <a:r>
-              <a:rPr lang="en-US" sz="2000" dirty="0" smtClean="0"/>
-              <a:t>        if (</a:t>
-            </a:r>
-            <a:r>
-              <a:rPr lang="en-US" sz="2000" dirty="0" err="1" smtClean="0"/>
-              <a:t>cell_r</a:t>
-            </a:r>
-            <a:r>
-              <a:rPr lang="en-US" sz="2000" dirty="0" smtClean="0"/>
-              <a:t>, </a:t>
-            </a:r>
-            <a:r>
-              <a:rPr lang="en-US" sz="2000" dirty="0" err="1" smtClean="0"/>
-              <a:t>cell_c</a:t>
-            </a:r>
-            <a:r>
-              <a:rPr lang="en-US" sz="2000" dirty="0" smtClean="0"/>
-              <a:t>) in </a:t>
-            </a:r>
-            <a:r>
-              <a:rPr lang="en-US" sz="2000" dirty="0" err="1" smtClean="0"/>
-              <a:t>a.keys</a:t>
-            </a:r>
-            <a:r>
-              <a:rPr lang="en-US" sz="2000" dirty="0" smtClean="0"/>
-              <a:t>():</a:t>
-            </a:r>
-          </a:p>
-          <a:p>
-            <a:pPr>
-              <a:buNone/>
-            </a:pPr>
-            <a:r>
-              <a:rPr lang="en-US" sz="2000" dirty="0" smtClean="0"/>
-              <a:t>            </a:t>
-            </a:r>
-            <a:r>
-              <a:rPr lang="en-US" sz="2000" dirty="0" err="1" smtClean="0"/>
-              <a:t>map.update</a:t>
-            </a:r>
-            <a:r>
-              <a:rPr lang="en-US" sz="2000" dirty="0" smtClean="0"/>
-              <a:t>(a)</a:t>
-            </a:r>
-          </a:p>
-          <a:p>
-            <a:pPr>
-              <a:buNone/>
-            </a:pPr>
-            <a:endParaRPr lang="en-US" sz="2000" dirty="0" smtClean="0"/>
-          </a:p>
-          <a:p>
-            <a:pPr>
-              <a:buNone/>
-            </a:pPr>
-            <a:r>
-              <a:rPr lang="en-US" sz="2000" dirty="0" smtClean="0"/>
-              <a:t>    exist = []</a:t>
-            </a:r>
-          </a:p>
-          <a:p>
-            <a:pPr>
-              <a:buNone/>
-            </a:pPr>
-            <a:r>
-              <a:rPr lang="en-US" sz="2000" dirty="0" smtClean="0"/>
-              <a:t>    for m in map:</a:t>
-            </a:r>
-          </a:p>
-          <a:p>
-            <a:pPr>
-              <a:buNone/>
-            </a:pPr>
-            <a:r>
-              <a:rPr lang="en-US" sz="2000" dirty="0" smtClean="0"/>
-              <a:t>        if not map[m]=='.':</a:t>
-            </a:r>
-          </a:p>
-          <a:p>
-            <a:pPr>
-              <a:buNone/>
-            </a:pPr>
-            <a:r>
-              <a:rPr lang="en-US" sz="2000" dirty="0" smtClean="0"/>
-              <a:t>            </a:t>
-            </a:r>
-            <a:r>
-              <a:rPr lang="en-US" sz="2000" dirty="0" err="1" smtClean="0"/>
-              <a:t>exist.append</a:t>
-            </a:r>
-            <a:r>
-              <a:rPr lang="en-US" sz="2000" dirty="0" smtClean="0"/>
-              <a:t>(map[m])</a:t>
-            </a:r>
-          </a:p>
-          <a:p>
-            <a:pPr>
-              <a:buNone/>
-            </a:pPr>
-            <a:endParaRPr lang="en-US" sz="2000" dirty="0" smtClean="0"/>
-          </a:p>
-          <a:p>
-            <a:pPr>
-              <a:buNone/>
-            </a:pPr>
-            <a:r>
-              <a:rPr lang="en-US" sz="2000" dirty="0" smtClean="0"/>
-              <a:t>    rest = list(set(elements) - set(exist))</a:t>
-            </a:r>
-          </a:p>
-          <a:p>
-            <a:pPr>
-              <a:buNone/>
-            </a:pPr>
-            <a:r>
-              <a:rPr lang="en-US" sz="2000" dirty="0" smtClean="0"/>
-              <a:t>    return rest</a:t>
+              <a:t>    return cols</a:t>
             </a:r>
             <a:endParaRPr lang="ar-EG" sz="2000" dirty="0"/>
           </a:p>
@@ -7438,7 +7865,7 @@
         </p:blipFill>
         <p:spPr bwMode="auto">
           <a:xfrm>
-            <a:off x="5562600" y="1524000"/>
+            <a:off x="5257800" y="914400"/>
             <a:ext cx="3276600" cy="2689746"/>
           </a:xfrm>
           <a:prstGeom prst="rect">
@@ -7572,43 +7999,23 @@
               <a:buNone/>
             </a:pPr>
             <a:r>
-              <a:rPr lang="en-US" sz="2000" b="1" dirty="0" smtClean="0">
-                <a:solidFill>
-                  <a:srgbClr val="0070C0"/>
-                </a:solidFill>
-              </a:rPr>
+              <a:rPr lang="en-US" sz="2000" dirty="0" smtClean="0"/>
               <a:t>def </a:t>
             </a:r>
             <a:r>
-              <a:rPr lang="en-US" sz="2000" b="1" dirty="0" err="1" smtClean="0">
-                <a:solidFill>
-                  <a:srgbClr val="0070C0"/>
-                </a:solidFill>
-              </a:rPr>
-              <a:t>get_legal_for_all</a:t>
-            </a:r>
-            <a:r>
-              <a:rPr lang="en-US" sz="2000" b="1" dirty="0" smtClean="0">
-                <a:solidFill>
-                  <a:srgbClr val="0070C0"/>
-                </a:solidFill>
-              </a:rPr>
+              <a:rPr lang="en-US" sz="2000" dirty="0" err="1" smtClean="0"/>
+              <a:t>get_squares</a:t>
+            </a:r>
+            <a:r>
+              <a:rPr lang="en-US" sz="2000" dirty="0" smtClean="0"/>
               <a:t>(</a:t>
             </a:r>
             <a:r>
-              <a:rPr lang="en-US" sz="2000" b="1" dirty="0" err="1" smtClean="0">
-                <a:solidFill>
-                  <a:srgbClr val="0070C0"/>
-                </a:solidFill>
-              </a:rPr>
+              <a:rPr lang="en-US" sz="2000" dirty="0" err="1" smtClean="0"/>
               <a:t>new_Grid</a:t>
             </a:r>
             <a:r>
-              <a:rPr lang="en-US" sz="2000" b="1" dirty="0" smtClean="0">
-                <a:solidFill>
-                  <a:srgbClr val="0070C0"/>
-                </a:solidFill>
-              </a:rPr>
+              <a:rPr lang="en-US" sz="2000" dirty="0" smtClean="0"/>
               <a:t>):</a:t>
             </a:r>
           </a:p>
@@ -7617,28 +8024,290 @@
               <a:buNone/>
             </a:pPr>
             <a:r>
-              <a:rPr lang="en-US" sz="2000" b="1" dirty="0" smtClean="0">
-                <a:solidFill>
-                  <a:srgbClr val="0070C0"/>
-                </a:solidFill>
-              </a:rPr>
+              <a:rPr lang="en-US" sz="2000" dirty="0" smtClean="0"/>
+              <a:t>    squares = []</a:t>
+            </a:r>
+          </a:p>
+          <a:p>
+            <a:pPr>
+              <a:buNone/>
+            </a:pPr>
+            <a:r>
+              <a:rPr lang="en-US" sz="2000" dirty="0" smtClean="0"/>
+              <a:t>    for </a:t>
+            </a:r>
+            <a:r>
+              <a:rPr lang="en-US" sz="2000" dirty="0" err="1" smtClean="0"/>
+              <a:t>i</a:t>
+            </a:r>
+            <a:r>
+              <a:rPr lang="en-US" sz="2000" dirty="0" smtClean="0"/>
+              <a:t> in range(0,9):</a:t>
+            </a:r>
+          </a:p>
+          <a:p>
+            <a:pPr>
+              <a:buNone/>
+            </a:pPr>
+            <a:r>
+              <a:rPr lang="en-US" sz="2000" dirty="0" smtClean="0"/>
+              <a:t>        square = {}</a:t>
+            </a:r>
+          </a:p>
+          <a:p>
+            <a:pPr>
+              <a:buNone/>
+            </a:pPr>
+            <a:r>
+              <a:rPr lang="en-US" sz="2000" dirty="0" smtClean="0"/>
+              <a:t>        for x in range(</a:t>
+            </a:r>
+            <a:r>
+              <a:rPr lang="en-US" sz="2000" dirty="0" err="1" smtClean="0"/>
+              <a:t>square_indx</a:t>
+            </a:r>
+            <a:r>
+              <a:rPr lang="en-US" sz="2000" dirty="0" smtClean="0"/>
+              <a:t>[</a:t>
+            </a:r>
+            <a:r>
+              <a:rPr lang="en-US" sz="2000" dirty="0" err="1" smtClean="0"/>
+              <a:t>i</a:t>
+            </a:r>
+            <a:r>
+              <a:rPr lang="en-US" sz="2000" dirty="0" smtClean="0"/>
+              <a:t>][0][0],</a:t>
+            </a:r>
+            <a:r>
+              <a:rPr lang="en-US" sz="2000" dirty="0" err="1" smtClean="0"/>
+              <a:t>square_indx</a:t>
+            </a:r>
+            <a:r>
+              <a:rPr lang="en-US" sz="2000" dirty="0" smtClean="0"/>
+              <a:t>[</a:t>
+            </a:r>
+            <a:r>
+              <a:rPr lang="en-US" sz="2000" dirty="0" err="1" smtClean="0"/>
+              <a:t>i</a:t>
+            </a:r>
+            <a:r>
+              <a:rPr lang="en-US" sz="2000" dirty="0" smtClean="0"/>
+              <a:t>][0][1]):</a:t>
+            </a:r>
+          </a:p>
+          <a:p>
+            <a:pPr>
+              <a:buNone/>
+            </a:pPr>
+            <a:r>
+              <a:rPr lang="en-US" sz="2000" dirty="0" smtClean="0"/>
+              <a:t>            for y in range(</a:t>
+            </a:r>
+            <a:r>
+              <a:rPr lang="en-US" sz="2000" dirty="0" err="1" smtClean="0"/>
+              <a:t>square_indx</a:t>
+            </a:r>
+            <a:r>
+              <a:rPr lang="en-US" sz="2000" dirty="0" smtClean="0"/>
+              <a:t>[</a:t>
+            </a:r>
+            <a:r>
+              <a:rPr lang="en-US" sz="2000" dirty="0" err="1" smtClean="0"/>
+              <a:t>i</a:t>
+            </a:r>
+            <a:r>
+              <a:rPr lang="en-US" sz="2000" dirty="0" smtClean="0"/>
+              <a:t>][1][0],</a:t>
+            </a:r>
+            <a:r>
+              <a:rPr lang="en-US" sz="2000" dirty="0" err="1" smtClean="0"/>
+              <a:t>square_indx</a:t>
+            </a:r>
+            <a:r>
+              <a:rPr lang="en-US" sz="2000" dirty="0" smtClean="0"/>
+              <a:t>[</a:t>
+            </a:r>
+            <a:r>
+              <a:rPr lang="en-US" sz="2000" dirty="0" err="1" smtClean="0"/>
+              <a:t>i</a:t>
+            </a:r>
+            <a:r>
+              <a:rPr lang="en-US" sz="2000" dirty="0" smtClean="0"/>
+              <a:t>][1][1]):</a:t>
+            </a:r>
+          </a:p>
+          <a:p>
+            <a:pPr>
+              <a:buNone/>
+            </a:pPr>
+            <a:r>
+              <a:rPr lang="en-US" sz="2000" dirty="0" smtClean="0"/>
+              <a:t>                square[(</a:t>
+            </a:r>
+            <a:r>
+              <a:rPr lang="en-US" sz="2000" dirty="0" err="1" smtClean="0"/>
+              <a:t>x,y</a:t>
+            </a:r>
+            <a:r>
+              <a:rPr lang="en-US" sz="2000" dirty="0" smtClean="0"/>
+              <a:t>)] = </a:t>
+            </a:r>
+            <a:r>
+              <a:rPr lang="en-US" sz="2000" dirty="0" err="1" smtClean="0"/>
+              <a:t>new_Grid</a:t>
+            </a:r>
+            <a:r>
+              <a:rPr lang="en-US" sz="2000" dirty="0" smtClean="0"/>
+              <a:t>[x][y]</a:t>
+            </a:r>
+          </a:p>
+          <a:p>
+            <a:pPr>
+              <a:buNone/>
+            </a:pPr>
+            <a:r>
+              <a:rPr lang="en-US" sz="2000" dirty="0" smtClean="0"/>
+              <a:t>        </a:t>
+            </a:r>
+            <a:r>
+              <a:rPr lang="en-US" sz="2000" dirty="0" err="1" smtClean="0"/>
+              <a:t>squares.append</a:t>
+            </a:r>
+            <a:r>
+              <a:rPr lang="en-US" sz="2000" dirty="0" smtClean="0"/>
+              <a:t>(square)</a:t>
+            </a:r>
+          </a:p>
+          <a:p>
+            <a:pPr>
+              <a:buNone/>
+            </a:pPr>
+            <a:r>
+              <a:rPr lang="en-US" sz="2000" dirty="0" smtClean="0"/>
+              <a:t>    return squares</a:t>
+            </a:r>
+          </a:p>
+          <a:p>
+            <a:pPr>
+              <a:buNone/>
+            </a:pPr>
+            <a:endParaRPr lang="en-US" sz="2000" dirty="0" smtClean="0"/>
+          </a:p>
+          <a:p>
+            <a:pPr>
+              <a:buNone/>
+            </a:pPr>
+            <a:r>
+              <a:rPr lang="en-US" sz="2000" dirty="0" smtClean="0"/>
+              <a:t>def </a:t>
+            </a:r>
+            <a:r>
+              <a:rPr lang="en-US" sz="2000" dirty="0" err="1" smtClean="0"/>
+              <a:t>get_all_related_cells</a:t>
+            </a:r>
+            <a:r>
+              <a:rPr lang="en-US" sz="2000" dirty="0" smtClean="0"/>
+              <a:t>(</a:t>
+            </a:r>
+            <a:r>
+              <a:rPr lang="en-US" sz="2000" dirty="0" err="1" smtClean="0"/>
+              <a:t>new_Grid</a:t>
+            </a:r>
+            <a:r>
+              <a:rPr lang="en-US" sz="2000" dirty="0" smtClean="0"/>
+              <a:t>):</a:t>
+            </a:r>
+          </a:p>
+          <a:p>
+            <a:pPr>
+              <a:buNone/>
+            </a:pPr>
+            <a:r>
+              <a:rPr lang="en-US" sz="2000" dirty="0" smtClean="0"/>
+              <a:t>    squares = </a:t>
+            </a:r>
+            <a:r>
+              <a:rPr lang="en-US" sz="2000" dirty="0" err="1" smtClean="0"/>
+              <a:t>get_squares</a:t>
+            </a:r>
+            <a:r>
+              <a:rPr lang="en-US" sz="2000" dirty="0" smtClean="0"/>
+              <a:t>(</a:t>
+            </a:r>
+            <a:r>
+              <a:rPr lang="en-US" sz="2000" dirty="0" err="1" smtClean="0"/>
+              <a:t>new_Grid</a:t>
+            </a:r>
+            <a:r>
+              <a:rPr lang="en-US" sz="2000" dirty="0" smtClean="0"/>
+              <a:t>)</a:t>
+            </a:r>
+          </a:p>
+          <a:p>
+            <a:pPr>
+              <a:buNone/>
+            </a:pPr>
+            <a:r>
+              <a:rPr lang="en-US" sz="2000" dirty="0" smtClean="0"/>
+              <a:t>    rows = </a:t>
+            </a:r>
+            <a:r>
+              <a:rPr lang="en-US" sz="2000" dirty="0" err="1" smtClean="0"/>
+              <a:t>get_rows</a:t>
+            </a:r>
+            <a:r>
+              <a:rPr lang="en-US" sz="2000" dirty="0" smtClean="0"/>
+              <a:t>(</a:t>
+            </a:r>
+            <a:r>
+              <a:rPr lang="en-US" sz="2000" dirty="0" err="1" smtClean="0"/>
+              <a:t>new_Grid</a:t>
+            </a:r>
+            <a:r>
+              <a:rPr lang="en-US" sz="2000" dirty="0" smtClean="0"/>
+              <a:t>)</a:t>
+            </a:r>
+          </a:p>
+          <a:p>
+            <a:pPr>
+              <a:buNone/>
+            </a:pPr>
+            <a:r>
+              <a:rPr lang="en-US" sz="2000" dirty="0" smtClean="0"/>
+              <a:t>    cols = </a:t>
+            </a:r>
+            <a:r>
+              <a:rPr lang="en-US" sz="2000" dirty="0" err="1" smtClean="0"/>
+              <a:t>get_cols</a:t>
+            </a:r>
+            <a:r>
+              <a:rPr lang="en-US" sz="2000" dirty="0" smtClean="0"/>
+              <a:t>(</a:t>
+            </a:r>
+            <a:r>
+              <a:rPr lang="en-US" sz="2000" dirty="0" err="1" smtClean="0"/>
+              <a:t>new_Grid</a:t>
+            </a:r>
+            <a:r>
+              <a:rPr lang="en-US" sz="2000" dirty="0" smtClean="0"/>
+              <a:t>)</a:t>
+            </a:r>
+          </a:p>
+          <a:p>
+            <a:pPr>
+              <a:buNone/>
+            </a:pPr>
+            <a:r>
+              <a:rPr lang="en-US" sz="2000" dirty="0" smtClean="0"/>
               <a:t>    </a:t>
             </a:r>
             <a:r>
-              <a:rPr lang="en-US" sz="2000" b="1" dirty="0" err="1" smtClean="0">
-                <a:solidFill>
-                  <a:srgbClr val="0070C0"/>
-                </a:solidFill>
-              </a:rPr>
-              <a:t>legal_for_all</a:t>
-            </a:r>
-            <a:r>
-              <a:rPr lang="en-US" sz="2000" b="1" dirty="0" smtClean="0">
-                <a:solidFill>
-                  <a:srgbClr val="0070C0"/>
-                </a:solidFill>
-              </a:rPr>
-              <a:t> = {}</a:t>
+              <a:rPr lang="en-US" sz="2000" dirty="0" err="1" smtClean="0"/>
+              <a:t>all_vec</a:t>
+            </a:r>
+            <a:r>
+              <a:rPr lang="en-US" sz="2000" dirty="0" smtClean="0"/>
+              <a:t> = squares + rows + cols</a:t>
             </a:r>
           </a:p>
           <a:p>
@@ -7646,430 +8315,53 @@
               <a:buNone/>
             </a:pPr>
             <a:r>
-              <a:rPr lang="en-US" sz="2000" b="1" dirty="0" smtClean="0">
-                <a:solidFill>
-                  <a:srgbClr val="0070C0"/>
-                </a:solidFill>
-              </a:rPr>
-              <a:t>    for r in range(0,9):</a:t>
-            </a:r>
-          </a:p>
-          <a:p>
-            <a:pPr>
-              <a:buNone/>
-            </a:pPr>
-            <a:r>
-              <a:rPr lang="en-US" sz="2000" b="1" dirty="0" smtClean="0">
-                <a:solidFill>
-                  <a:srgbClr val="0070C0"/>
-                </a:solidFill>
-              </a:rPr>
-              <a:t>        for c in range(0,9):</a:t>
-            </a:r>
-          </a:p>
-          <a:p>
-            <a:pPr>
-              <a:buNone/>
-            </a:pPr>
-            <a:r>
-              <a:rPr lang="en-US" sz="2000" b="1" dirty="0" smtClean="0">
-                <a:solidFill>
-                  <a:srgbClr val="0070C0"/>
-                </a:solidFill>
-              </a:rPr>
-              <a:t>            if </a:t>
-            </a:r>
-            <a:r>
-              <a:rPr lang="en-US" sz="2000" b="1" dirty="0" err="1" smtClean="0">
-                <a:solidFill>
-                  <a:srgbClr val="0070C0"/>
-                </a:solidFill>
-              </a:rPr>
-              <a:t>new_Grid</a:t>
-            </a:r>
-            <a:r>
-              <a:rPr lang="en-US" sz="2000" b="1" dirty="0" smtClean="0">
-                <a:solidFill>
-                  <a:srgbClr val="0070C0"/>
-                </a:solidFill>
-              </a:rPr>
-              <a:t>[r][c]=='.':</a:t>
-            </a:r>
-          </a:p>
-          <a:p>
-            <a:pPr>
-              <a:buNone/>
-            </a:pPr>
-            <a:r>
-              <a:rPr lang="en-US" sz="2000" b="1" dirty="0" smtClean="0">
-                <a:solidFill>
-                  <a:srgbClr val="0070C0"/>
-                </a:solidFill>
-              </a:rPr>
-              <a:t>                </a:t>
-            </a:r>
-            <a:r>
-              <a:rPr lang="en-US" sz="2000" b="1" dirty="0" err="1" smtClean="0">
-                <a:solidFill>
-                  <a:srgbClr val="0070C0"/>
-                </a:solidFill>
-              </a:rPr>
-              <a:t>legal_for_all</a:t>
-            </a:r>
-            <a:r>
-              <a:rPr lang="en-US" sz="2000" b="1" dirty="0" smtClean="0">
-                <a:solidFill>
-                  <a:srgbClr val="0070C0"/>
-                </a:solidFill>
-              </a:rPr>
-              <a:t>[(</a:t>
-            </a:r>
-            <a:r>
-              <a:rPr lang="en-US" sz="2000" b="1" dirty="0" err="1" smtClean="0">
-                <a:solidFill>
-                  <a:srgbClr val="0070C0"/>
-                </a:solidFill>
-              </a:rPr>
-              <a:t>r,c</a:t>
-            </a:r>
-            <a:r>
-              <a:rPr lang="en-US" sz="2000" b="1" dirty="0" smtClean="0">
-                <a:solidFill>
-                  <a:srgbClr val="0070C0"/>
-                </a:solidFill>
-              </a:rPr>
-              <a:t>)] = </a:t>
-            </a:r>
-            <a:r>
-              <a:rPr lang="en-US" sz="2000" b="1" dirty="0" err="1" smtClean="0">
-                <a:solidFill>
-                  <a:srgbClr val="0070C0"/>
-                </a:solidFill>
-              </a:rPr>
-              <a:t>get_legal_for_cell</a:t>
-            </a:r>
-            <a:r>
-              <a:rPr lang="en-US" sz="2000" b="1" dirty="0" smtClean="0">
-                <a:solidFill>
-                  <a:srgbClr val="0070C0"/>
-                </a:solidFill>
-              </a:rPr>
-              <a:t>(r, c, </a:t>
-            </a:r>
-            <a:r>
-              <a:rPr lang="en-US" sz="2000" b="1" dirty="0" err="1" smtClean="0">
-                <a:solidFill>
-                  <a:srgbClr val="0070C0"/>
-                </a:solidFill>
-              </a:rPr>
-              <a:t>new_Grid</a:t>
-            </a:r>
-            <a:r>
-              <a:rPr lang="en-US" sz="2000" b="1" dirty="0" smtClean="0">
-                <a:solidFill>
-                  <a:srgbClr val="0070C0"/>
-                </a:solidFill>
-              </a:rPr>
-              <a:t>)</a:t>
-            </a:r>
-          </a:p>
-          <a:p>
-            <a:pPr>
-              <a:buNone/>
-            </a:pPr>
-            <a:r>
-              <a:rPr lang="en-US" sz="2000" b="1" dirty="0" smtClean="0">
-                <a:solidFill>
-                  <a:srgbClr val="0070C0"/>
-                </a:solidFill>
-              </a:rPr>
+              <a:rPr lang="en-US" sz="2000" dirty="0" smtClean="0"/>
               <a:t>    return </a:t>
             </a:r>
             <a:r>
-              <a:rPr lang="en-US" sz="2000" b="1" dirty="0" err="1" smtClean="0">
-                <a:solidFill>
-                  <a:srgbClr val="0070C0"/>
-                </a:solidFill>
-              </a:rPr>
-              <a:t>legal_for_all</a:t>
-            </a:r>
-            <a:endParaRPr lang="en-US" sz="2000" b="1" dirty="0" smtClean="0">
-              <a:solidFill>
-                <a:srgbClr val="0070C0"/>
-              </a:solidFill>
-            </a:endParaRPr>
-          </a:p>
-          <a:p>
-            <a:pPr>
-              <a:buNone/>
-            </a:pPr>
-            <a:endParaRPr lang="en-US" sz="2000" b="1" dirty="0" smtClean="0">
-              <a:solidFill>
-                <a:srgbClr val="0070C0"/>
-              </a:solidFill>
-            </a:endParaRPr>
-          </a:p>
-          <a:p>
-            <a:pPr>
-              <a:buNone/>
-            </a:pPr>
-            <a:r>
-              <a:rPr lang="en-US" sz="2000" b="1" dirty="0" smtClean="0">
-                <a:solidFill>
-                  <a:srgbClr val="0070C0"/>
-                </a:solidFill>
-              </a:rPr>
-              <a:t>def </a:t>
-            </a:r>
-            <a:r>
-              <a:rPr lang="en-US" sz="2000" b="1" dirty="0" err="1" smtClean="0">
-                <a:solidFill>
-                  <a:srgbClr val="0070C0"/>
-                </a:solidFill>
-              </a:rPr>
-              <a:t>get_next_cell</a:t>
-            </a:r>
-            <a:r>
-              <a:rPr lang="en-US" sz="2000" b="1" dirty="0" smtClean="0">
-                <a:solidFill>
-                  <a:srgbClr val="0070C0"/>
-                </a:solidFill>
-              </a:rPr>
-              <a:t>(</a:t>
-            </a:r>
-            <a:r>
-              <a:rPr lang="en-US" sz="2000" b="1" dirty="0" err="1" smtClean="0">
-                <a:solidFill>
-                  <a:srgbClr val="0070C0"/>
-                </a:solidFill>
-              </a:rPr>
-              <a:t>new_Grid</a:t>
-            </a:r>
-            <a:r>
-              <a:rPr lang="en-US" sz="2000" b="1" dirty="0" smtClean="0">
-                <a:solidFill>
-                  <a:srgbClr val="0070C0"/>
-                </a:solidFill>
-              </a:rPr>
-              <a:t>):</a:t>
-            </a:r>
-          </a:p>
-          <a:p>
-            <a:pPr>
-              <a:buNone/>
-            </a:pPr>
-            <a:r>
-              <a:rPr lang="en-US" sz="2000" b="1" dirty="0" smtClean="0">
-                <a:solidFill>
-                  <a:srgbClr val="0070C0"/>
-                </a:solidFill>
-              </a:rPr>
-              <a:t>    </a:t>
-            </a:r>
-            <a:r>
-              <a:rPr lang="en-US" sz="2000" b="1" dirty="0" err="1" smtClean="0">
-                <a:solidFill>
-                  <a:srgbClr val="0070C0"/>
-                </a:solidFill>
-              </a:rPr>
-              <a:t>legal_for_all</a:t>
-            </a:r>
-            <a:r>
-              <a:rPr lang="en-US" sz="2000" b="1" dirty="0" smtClean="0">
-                <a:solidFill>
-                  <a:srgbClr val="0070C0"/>
-                </a:solidFill>
-              </a:rPr>
-              <a:t> = </a:t>
-            </a:r>
-            <a:r>
-              <a:rPr lang="en-US" sz="2000" b="1" dirty="0" err="1" smtClean="0">
-                <a:solidFill>
-                  <a:srgbClr val="0070C0"/>
-                </a:solidFill>
-              </a:rPr>
-              <a:t>get_legal_for_all</a:t>
-            </a:r>
-            <a:r>
-              <a:rPr lang="en-US" sz="2000" b="1" dirty="0" smtClean="0">
-                <a:solidFill>
-                  <a:srgbClr val="0070C0"/>
-                </a:solidFill>
-              </a:rPr>
-              <a:t>(</a:t>
-            </a:r>
-            <a:r>
-              <a:rPr lang="en-US" sz="2000" b="1" dirty="0" err="1" smtClean="0">
-                <a:solidFill>
-                  <a:srgbClr val="0070C0"/>
-                </a:solidFill>
-              </a:rPr>
-              <a:t>new_Grid</a:t>
-            </a:r>
-            <a:r>
-              <a:rPr lang="en-US" sz="2000" b="1" dirty="0" smtClean="0">
-                <a:solidFill>
-                  <a:srgbClr val="0070C0"/>
-                </a:solidFill>
-              </a:rPr>
-              <a:t>)</a:t>
-            </a:r>
-          </a:p>
-          <a:p>
-            <a:pPr>
-              <a:buNone/>
-            </a:pPr>
-            <a:r>
-              <a:rPr lang="en-US" sz="2000" b="1" dirty="0" smtClean="0">
-                <a:solidFill>
-                  <a:srgbClr val="0070C0"/>
-                </a:solidFill>
-              </a:rPr>
-              <a:t>    if </a:t>
-            </a:r>
-            <a:r>
-              <a:rPr lang="en-US" sz="2000" b="1" dirty="0" err="1" smtClean="0">
-                <a:solidFill>
-                  <a:srgbClr val="0070C0"/>
-                </a:solidFill>
-              </a:rPr>
-              <a:t>len</a:t>
-            </a:r>
-            <a:r>
-              <a:rPr lang="en-US" sz="2000" b="1" dirty="0" smtClean="0">
-                <a:solidFill>
-                  <a:srgbClr val="0070C0"/>
-                </a:solidFill>
-              </a:rPr>
-              <a:t>(</a:t>
-            </a:r>
-            <a:r>
-              <a:rPr lang="en-US" sz="2000" b="1" dirty="0" err="1" smtClean="0">
-                <a:solidFill>
-                  <a:srgbClr val="0070C0"/>
-                </a:solidFill>
-              </a:rPr>
-              <a:t>legal_for_all</a:t>
-            </a:r>
-            <a:r>
-              <a:rPr lang="en-US" sz="2000" b="1" dirty="0" smtClean="0">
-                <a:solidFill>
-                  <a:srgbClr val="0070C0"/>
-                </a:solidFill>
-              </a:rPr>
-              <a:t>)&gt;0:</a:t>
-            </a:r>
-          </a:p>
-          <a:p>
-            <a:pPr>
-              <a:buNone/>
-            </a:pPr>
-            <a:r>
-              <a:rPr lang="en-US" sz="2000" b="1" dirty="0" smtClean="0">
-                <a:solidFill>
-                  <a:srgbClr val="0070C0"/>
-                </a:solidFill>
-              </a:rPr>
-              <a:t>        key = min(</a:t>
-            </a:r>
-            <a:r>
-              <a:rPr lang="en-US" sz="2000" b="1" dirty="0" err="1" smtClean="0">
-                <a:solidFill>
-                  <a:srgbClr val="0070C0"/>
-                </a:solidFill>
-              </a:rPr>
-              <a:t>legal_for_all</a:t>
-            </a:r>
-            <a:r>
-              <a:rPr lang="en-US" sz="2000" b="1" dirty="0" smtClean="0">
-                <a:solidFill>
-                  <a:srgbClr val="0070C0"/>
-                </a:solidFill>
-              </a:rPr>
-              <a:t>, key=lambda p:len(</a:t>
-            </a:r>
-            <a:r>
-              <a:rPr lang="en-US" sz="2000" b="1" dirty="0" err="1" smtClean="0">
-                <a:solidFill>
-                  <a:srgbClr val="0070C0"/>
-                </a:solidFill>
-              </a:rPr>
-              <a:t>legal_for_all</a:t>
-            </a:r>
-            <a:r>
-              <a:rPr lang="en-US" sz="2000" b="1" dirty="0" smtClean="0">
-                <a:solidFill>
-                  <a:srgbClr val="0070C0"/>
-                </a:solidFill>
-              </a:rPr>
-              <a:t>[p]))</a:t>
-            </a:r>
-          </a:p>
-          <a:p>
-            <a:pPr>
-              <a:buNone/>
-            </a:pPr>
-            <a:r>
-              <a:rPr lang="en-US" sz="2000" b="1" dirty="0" smtClean="0">
-                <a:solidFill>
-                  <a:srgbClr val="0070C0"/>
-                </a:solidFill>
-              </a:rPr>
-              <a:t>    else:</a:t>
-            </a:r>
-          </a:p>
-          <a:p>
-            <a:pPr>
-              <a:buNone/>
-            </a:pPr>
-            <a:r>
-              <a:rPr lang="en-US" sz="2000" b="1" dirty="0" smtClean="0">
-                <a:solidFill>
-                  <a:srgbClr val="0070C0"/>
-                </a:solidFill>
-              </a:rPr>
-              <a:t>        key=(</a:t>
-            </a:r>
-            <a:r>
-              <a:rPr lang="en-US" sz="2000" b="1" dirty="0" err="1" smtClean="0">
-                <a:solidFill>
-                  <a:srgbClr val="0070C0"/>
-                </a:solidFill>
-              </a:rPr>
-              <a:t>None,None</a:t>
-            </a:r>
-            <a:r>
-              <a:rPr lang="en-US" sz="2000" b="1" dirty="0" smtClean="0">
-                <a:solidFill>
-                  <a:srgbClr val="0070C0"/>
-                </a:solidFill>
-              </a:rPr>
-              <a:t>)     # only when grid completed</a:t>
-            </a:r>
-          </a:p>
-          <a:p>
-            <a:pPr>
-              <a:buNone/>
-            </a:pPr>
-            <a:r>
-              <a:rPr lang="en-US" sz="2000" b="1" dirty="0" smtClean="0">
-                <a:solidFill>
-                  <a:srgbClr val="0070C0"/>
-                </a:solidFill>
-              </a:rPr>
-              <a:t>    return key</a:t>
-            </a:r>
-            <a:endParaRPr lang="ar-EG" sz="2000" b="1" dirty="0">
-              <a:solidFill>
-                <a:srgbClr val="0070C0"/>
-              </a:solidFill>
-            </a:endParaRPr>
-          </a:p>
-        </p:txBody>
-      </p:sp>
-      <p:sp>
-        <p:nvSpPr>
-          <p:cNvPr id="4" name="Footer Placeholder 3"/>
+              <a:rPr lang="en-US" sz="2000" dirty="0" err="1" smtClean="0"/>
+              <a:t>all_vec</a:t>
+            </a:r>
+            <a:endParaRPr lang="ar-EG" sz="2000" dirty="0"/>
+          </a:p>
+        </p:txBody>
+      </p:sp>
+      <p:pic>
+        <p:nvPicPr>
+          <p:cNvPr id="5" name="Picture 2"/>
+          <p:cNvPicPr>
+            <a:picLocks noChangeAspect="1" noChangeArrowheads="1"/>
+          </p:cNvPicPr>
+          <p:nvPr/>
+        </p:nvPicPr>
+        <p:blipFill>
+          <a:blip r:embed="rId2"/>
+          <a:srcRect/>
+          <a:stretch>
+            <a:fillRect/>
+          </a:stretch>
+        </p:blipFill>
+        <p:spPr bwMode="auto">
+          <a:xfrm>
+            <a:off x="5562600" y="3581400"/>
+            <a:ext cx="3276600" cy="2689746"/>
+          </a:xfrm>
+          <a:prstGeom prst="rect">
+            <a:avLst/>
+          </a:prstGeom>
+          <a:noFill/>
+          <a:ln w="9525">
+            <a:noFill/>
+            <a:miter lim="800000"/>
+            <a:headEnd/>
+            <a:tailEnd/>
+          </a:ln>
+          <a:effectLst/>
+        </p:spPr>
+      </p:pic>
+      <p:sp>
+        <p:nvSpPr>
+          <p:cNvPr id="7" name="Footer Placeholder 6"/>
           <p:cNvSpPr>
             <a:spLocks noGrp="1"/>
           </p:cNvSpPr>
@@ -8190,11 +8482,27 @@
             </a:r>
             <a:r>
               <a:rPr lang="en-US" sz="2000" dirty="0" err="1" smtClean="0"/>
-              <a:t>is_complete</a:t>
+              <a:t>get_legal_for_cell</a:t>
             </a:r>
             <a:r>
               <a:rPr lang="en-US" sz="2000" dirty="0" smtClean="0"/>
               <a:t>(</a:t>
+            </a:r>
+            <a:r>
+              <a:rPr lang="en-US" sz="2000" dirty="0" err="1" smtClean="0"/>
+              <a:t>cell_r</a:t>
+            </a:r>
+            <a:r>
+              <a:rPr lang="en-US" sz="2000" dirty="0" smtClean="0"/>
+              <a:t>, </a:t>
+            </a:r>
+            <a:r>
+              <a:rPr lang="en-US" sz="2000" dirty="0" err="1" smtClean="0"/>
+              <a:t>cell_c</a:t>
+            </a:r>
+            <a:r>
+              <a:rPr lang="en-US" sz="2000" dirty="0" smtClean="0"/>
+              <a:t>, </a:t>
             </a:r>
             <a:r>
               <a:rPr lang="en-US" sz="2000" dirty="0" err="1" smtClean="0"/>
@@ -8211,24 +8519,32 @@
             </a:pPr>
             <a:r>
               <a:rPr lang="en-US" sz="2000" dirty="0" smtClean="0"/>
+              <a:t>    map = {}</a:t>
+            </a:r>
+          </a:p>
+          <a:p>
+            <a:pPr>
+              <a:buNone/>
+            </a:pPr>
+            <a:r>
+              <a:rPr lang="en-US" sz="2000" dirty="0" smtClean="0"/>
               <a:t>    </a:t>
             </a:r>
             <a:r>
               <a:rPr lang="en-US" sz="2000" dirty="0" err="1" smtClean="0"/>
-              <a:t>grid_complete</a:t>
-            </a:r>
-            <a:r>
-              <a:rPr lang="en-US" sz="2000" dirty="0" smtClean="0"/>
-              <a:t> = True</a:t>
-            </a:r>
-          </a:p>
-          <a:p>
-            <a:pPr>
-              <a:buNone/>
-            </a:pPr>
-            <a:r>
-              <a:rPr lang="en-US" sz="2000" dirty="0" smtClean="0"/>
-              <a:t>    for r in </a:t>
+              <a:t>all_vec</a:t>
+            </a:r>
+            <a:r>
+              <a:rPr lang="en-US" sz="2000" dirty="0" smtClean="0"/>
+              <a:t> = </a:t>
+            </a:r>
+            <a:r>
+              <a:rPr lang="en-US" sz="2000" dirty="0" err="1" smtClean="0"/>
+              <a:t>get_all_related_cells</a:t>
+            </a:r>
+            <a:r>
+              <a:rPr lang="en-US" sz="2000" dirty="0" smtClean="0"/>
+              <a:t>(</a:t>
             </a:r>
             <a:r>
               <a:rPr lang="en-US" sz="2000" dirty="0" err="1" smtClean="0"/>
@@ -8236,6 +8552,23 @@
             </a:r>
             <a:r>
               <a:rPr lang="en-US" sz="2000" dirty="0" smtClean="0"/>
+              <a:t>)</a:t>
+            </a:r>
+          </a:p>
+          <a:p>
+            <a:pPr>
+              <a:buNone/>
+            </a:pPr>
+            <a:r>
+              <a:rPr lang="en-US" sz="2000" dirty="0" smtClean="0"/>
+              <a:t>    for a in </a:t>
+            </a:r>
+            <a:r>
+              <a:rPr lang="en-US" sz="2000" dirty="0" err="1" smtClean="0"/>
+              <a:t>all_vec</a:t>
+            </a:r>
+            <a:r>
+              <a:rPr lang="en-US" sz="2000" dirty="0" smtClean="0"/>
               <a:t>:</a:t>
             </a:r>
           </a:p>
@@ -8245,23 +8578,31 @@
             </a:pPr>
             <a:r>
               <a:rPr lang="en-US" sz="2000" dirty="0" smtClean="0"/>
-              <a:t>        </a:t>
+              <a:t>        if (</a:t>
             </a:r>
             <a:r>
               <a:rPr lang="en-US" sz="2000" dirty="0" err="1" smtClean="0"/>
-              <a:t>grid_complete</a:t>
-            </a:r>
-            <a:r>
-              <a:rPr lang="en-US" sz="2000" dirty="0" smtClean="0"/>
-              <a:t> = </a:t>
+              <a:t>cell_r</a:t>
+            </a:r>
+            <a:r>
+              <a:rPr lang="en-US" sz="2000" dirty="0" smtClean="0"/>
+              <a:t>, </a:t>
             </a:r>
             <a:r>
               <a:rPr lang="en-US" sz="2000" dirty="0" err="1" smtClean="0"/>
-              <a:t>grid_complete</a:t>
-            </a:r>
-            <a:r>
-              <a:rPr lang="en-US" sz="2000" dirty="0" smtClean="0"/>
-              <a:t> and not ('.' in r)</a:t>
+              <a:t>cell_c</a:t>
+            </a:r>
+            <a:r>
+              <a:rPr lang="en-US" sz="2000" dirty="0" smtClean="0"/>
+              <a:t>) in </a:t>
+            </a:r>
+            <a:r>
+              <a:rPr lang="en-US" sz="2000" dirty="0" err="1" smtClean="0"/>
+              <a:t>a.keys</a:t>
+            </a:r>
+            <a:r>
+              <a:rPr lang="en-US" sz="2000" dirty="0" smtClean="0"/>
+              <a:t>():</a:t>
             </a:r>
           </a:p>
           <a:p>
@@ -8270,18 +8611,71 @@
             </a:pPr>
             <a:r>
               <a:rPr lang="en-US" sz="2000" dirty="0" smtClean="0"/>
-              <a:t>    return </a:t>
+              <a:t>            </a:t>
             </a:r>
             <a:r>
               <a:rPr lang="en-US" sz="2000" dirty="0" err="1" smtClean="0"/>
-              <a:t>grid_complete</a:t>
-            </a:r>
+              <a:t>map.update</a:t>
+            </a:r>
+            <a:r>
+              <a:rPr lang="en-US" sz="2000" dirty="0" smtClean="0"/>
+              <a:t>(a)</a:t>
+            </a:r>
+          </a:p>
+          <a:p>
+            <a:pPr>
+              <a:buNone/>
+            </a:pPr>
             <a:endParaRPr lang="en-US" sz="2000" dirty="0" smtClean="0"/>
           </a:p>
           <a:p>
             <a:pPr>
               <a:buNone/>
             </a:pPr>
+            <a:r>
+              <a:rPr lang="en-US" sz="2000" dirty="0" smtClean="0"/>
+              <a:t>    exist = []</a:t>
+            </a:r>
+          </a:p>
+          <a:p>
+            <a:pPr>
+              <a:buNone/>
+            </a:pPr>
+            <a:r>
+              <a:rPr lang="en-US" sz="2000" dirty="0" smtClean="0"/>
+              <a:t>    for m in map:</a:t>
+            </a:r>
+          </a:p>
+          <a:p>
+            <a:pPr>
+              <a:buNone/>
+            </a:pPr>
+            <a:r>
+              <a:rPr lang="en-US" sz="2000" dirty="0" smtClean="0"/>
+              <a:t>        if not map[m]=='.':</a:t>
+            </a:r>
+          </a:p>
+          <a:p>
+            <a:pPr>
+              <a:buNone/>
+            </a:pPr>
+            <a:r>
+              <a:rPr lang="en-US" sz="2000" dirty="0" smtClean="0"/>
+              <a:t>            </a:t>
+            </a:r>
+            <a:r>
+              <a:rPr lang="en-US" sz="2000" dirty="0" err="1" smtClean="0"/>
+              <a:t>exist.append</a:t>
+            </a:r>
+            <a:r>
+              <a:rPr lang="en-US" sz="2000" dirty="0" smtClean="0"/>
+              <a:t>(map[m])</a:t>
+            </a:r>
+          </a:p>
+          <a:p>
+            <a:pPr>
+              <a:buNone/>
+            </a:pPr>
             <a:endParaRPr lang="en-US" sz="2000" dirty="0" smtClean="0"/>
           </a:p>
           <a:p>
@@ -8290,23 +8684,7 @@
             </a:pPr>
             <a:r>
               <a:rPr lang="en-US" sz="2000" dirty="0" smtClean="0"/>
-              <a:t>def </a:t>
-            </a:r>
-            <a:r>
-              <a:rPr lang="en-US" sz="2000" dirty="0" err="1" smtClean="0"/>
-              <a:t>print_grid</a:t>
-            </a:r>
-            <a:r>
-              <a:rPr lang="en-US" sz="2000" dirty="0" smtClean="0"/>
-              <a:t>(</a:t>
-            </a:r>
-            <a:r>
-              <a:rPr lang="en-US" sz="2000" dirty="0" err="1" smtClean="0"/>
-              <a:t>new_Grid</a:t>
-            </a:r>
-            <a:r>
-              <a:rPr lang="en-US" sz="2000" dirty="0" smtClean="0"/>
-              <a:t>):</a:t>
+              <a:t>    rest = list(set(elements) - set(exist))</a:t>
             </a:r>
           </a:p>
           <a:p>
@@ -8315,40 +8693,15 @@
             </a:pPr>
             <a:r>
               <a:rPr lang="en-US" sz="2000" dirty="0" smtClean="0"/>
-              <a:t>    for item in </a:t>
-            </a:r>
-            <a:r>
-              <a:rPr lang="en-US" sz="2000" dirty="0" err="1" smtClean="0"/>
-              <a:t>new_Grid</a:t>
-            </a:r>
-            <a:r>
-              <a:rPr lang="en-US" sz="2000" dirty="0" smtClean="0"/>
-              <a:t>:</a:t>
-            </a:r>
-          </a:p>
-          <a:p>
-            <a:pPr>
-              <a:buNone/>
-            </a:pPr>
-            <a:r>
-              <a:rPr lang="en-US" sz="2000" dirty="0" smtClean="0"/>
-              <a:t>        print item</a:t>
-            </a:r>
-          </a:p>
-          <a:p>
-            <a:pPr>
-              <a:buNone/>
-            </a:pPr>
-            <a:r>
-              <a:rPr lang="en-US" sz="2000" dirty="0" smtClean="0"/>
-              <a:t>    print</a:t>
-            </a:r>
+              <a:t>    return rest</a:t>
+            </a:r>
+            <a:endParaRPr lang="ar-EG" sz="2000" dirty="0"/>
           </a:p>
         </p:txBody>
       </p:sp>
       <p:pic>
         <p:nvPicPr>
-          <p:cNvPr id="4" name="Picture 2"/>
+          <p:cNvPr id="5" name="Picture 2"/>
           <p:cNvPicPr>
             <a:picLocks noChangeAspect="1" noChangeArrowheads="1"/>
           </p:cNvPicPr>
@@ -8363,7 +8716,7 @@
         </p:blipFill>
         <p:spPr bwMode="auto">
           <a:xfrm>
-            <a:off x="5334000" y="2514600"/>
+            <a:off x="5562600" y="1524000"/>
             <a:ext cx="3276600" cy="2689746"/>
           </a:xfrm>
           <a:prstGeom prst="rect">
@@ -8381,7 +8734,7 @@
       </p:pic>
       <p:sp>
         <p:nvSpPr>
-          <p:cNvPr id="5" name="Footer Placeholder 4"/>
+          <p:cNvPr id="7" name="Footer Placeholder 6"/>
           <p:cNvSpPr>
             <a:spLocks noGrp="1"/>
           </p:cNvSpPr>
@@ -8489,7 +8842,7 @@
         </p:spPr>
         <p:txBody>
           <a:bodyPr>
-            <a:normAutofit/>
+            <a:normAutofit lnSpcReduction="10000"/>
           </a:bodyPr>
           <a:lstStyle/>
           <a:p>
@@ -8497,84 +8850,44 @@
               <a:buNone/>
             </a:pPr>
             <a:r>
-              <a:rPr lang="en-US" sz="2000" dirty="0" smtClean="0"/>
-              <a:t>def solve_step_in_sudoko(</a:t>
-            </a:r>
-            <a:r>
-              <a:rPr lang="en-US" sz="2000" dirty="0" err="1" smtClean="0"/>
-              <a:t>last_Grid</a:t>
-            </a:r>
-            <a:r>
-              <a:rPr lang="en-US" sz="2000" dirty="0" smtClean="0"/>
+              <a:rPr lang="en-US" sz="2000" b="1" dirty="0" smtClean="0">
+                <a:solidFill>
+                  <a:srgbClr val="0070C0"/>
+                </a:solidFill>
+              </a:rPr>
+              <a:t>def </a:t>
+            </a:r>
+            <a:r>
+              <a:rPr lang="en-US" sz="2000" b="1" dirty="0" err="1" smtClean="0">
+                <a:solidFill>
+                  <a:srgbClr val="0070C0"/>
+                </a:solidFill>
+              </a:rPr>
+              <a:t>get_legal_for_all</a:t>
+            </a:r>
+            <a:r>
+              <a:rPr lang="en-US" sz="2000" b="1" dirty="0" smtClean="0">
+                <a:solidFill>
+                  <a:srgbClr val="0070C0"/>
+                </a:solidFill>
+              </a:rPr>
+              <a:t>(</a:t>
+            </a:r>
+            <a:r>
+              <a:rPr lang="en-US" sz="2000" b="1" dirty="0" err="1" smtClean="0">
+                <a:solidFill>
+                  <a:srgbClr val="0070C0"/>
+                </a:solidFill>
+              </a:rPr>
+              <a:t>new_Grid</a:t>
+            </a:r>
+            <a:r>
+              <a:rPr lang="en-US" sz="2000" b="1" dirty="0" smtClean="0">
+                <a:solidFill>
+                  <a:srgbClr val="0070C0"/>
+                </a:solidFill>
+              </a:rPr>
               <a:t>):</a:t>
-            </a:r>
-          </a:p>
-          <a:p>
-            <a:pPr>
-              <a:buNone/>
-            </a:pPr>
-            <a:r>
-              <a:rPr lang="en-US" sz="2000" dirty="0" smtClean="0"/>
-              <a:t>    if </a:t>
-            </a:r>
-            <a:r>
-              <a:rPr lang="en-US" sz="2000" dirty="0" err="1" smtClean="0"/>
-              <a:t>is_complete</a:t>
-            </a:r>
-            <a:r>
-              <a:rPr lang="en-US" sz="2000" dirty="0" smtClean="0"/>
-              <a:t>(</a:t>
-            </a:r>
-            <a:r>
-              <a:rPr lang="en-US" sz="2000" dirty="0" err="1" smtClean="0"/>
-              <a:t>last_Grid</a:t>
-            </a:r>
-            <a:r>
-              <a:rPr lang="en-US" sz="2000" dirty="0" smtClean="0"/>
-              <a:t>):</a:t>
-            </a:r>
-          </a:p>
-          <a:p>
-            <a:pPr>
-              <a:buNone/>
-            </a:pPr>
-            <a:r>
-              <a:rPr lang="en-US" sz="2000" dirty="0" smtClean="0"/>
-              <a:t>        print 'Complete:'</a:t>
-            </a:r>
-          </a:p>
-          <a:p>
-            <a:pPr>
-              <a:buNone/>
-            </a:pPr>
-            <a:r>
-              <a:rPr lang="en-US" sz="2000" dirty="0" smtClean="0"/>
-              <a:t>        </a:t>
-            </a:r>
-            <a:r>
-              <a:rPr lang="en-US" sz="2000" dirty="0" err="1" smtClean="0"/>
-              <a:t>print_grid</a:t>
-            </a:r>
-            <a:r>
-              <a:rPr lang="en-US" sz="2000" dirty="0" smtClean="0"/>
-              <a:t>(</a:t>
-            </a:r>
-            <a:r>
-              <a:rPr lang="en-US" sz="2000" dirty="0" err="1" smtClean="0"/>
-              <a:t>last_Grid</a:t>
-            </a:r>
-            <a:r>
-              <a:rPr lang="en-US" sz="2000" dirty="0" smtClean="0"/>
-              <a:t>)</a:t>
-            </a:r>
-          </a:p>
-          <a:p>
-            <a:pPr>
-              <a:buNone/>
-            </a:pPr>
-            <a:r>
-              <a:rPr lang="en-US" sz="2000" dirty="0" smtClean="0"/>
-              <a:t>        return 0</a:t>
             </a:r>
           </a:p>
           <a:p>
@@ -8595,7 +8908,249 @@
                   <a:srgbClr val="0070C0"/>
                 </a:solidFill>
               </a:rPr>
+              <a:t>legal_for_all</a:t>
+            </a:r>
+            <a:r>
+              <a:rPr lang="en-US" sz="2000" b="1" dirty="0" smtClean="0">
+                <a:solidFill>
+                  <a:srgbClr val="0070C0"/>
+                </a:solidFill>
+              </a:rPr>
+              <a:t> = {}</a:t>
+            </a:r>
+          </a:p>
+          <a:p>
+            <a:pPr>
+              <a:buNone/>
+            </a:pPr>
+            <a:r>
+              <a:rPr lang="en-US" sz="2000" b="1" dirty="0" smtClean="0">
+                <a:solidFill>
+                  <a:srgbClr val="0070C0"/>
+                </a:solidFill>
+              </a:rPr>
+              <a:t>    for r in range(0,9):</a:t>
+            </a:r>
+          </a:p>
+          <a:p>
+            <a:pPr>
+              <a:buNone/>
+            </a:pPr>
+            <a:r>
+              <a:rPr lang="en-US" sz="2000" b="1" dirty="0" smtClean="0">
+                <a:solidFill>
+                  <a:srgbClr val="0070C0"/>
+                </a:solidFill>
+              </a:rPr>
+              <a:t>        for c in range(0,9):</a:t>
+            </a:r>
+          </a:p>
+          <a:p>
+            <a:pPr>
+              <a:buNone/>
+            </a:pPr>
+            <a:r>
+              <a:rPr lang="en-US" sz="2000" b="1" dirty="0" smtClean="0">
+                <a:solidFill>
+                  <a:srgbClr val="0070C0"/>
+                </a:solidFill>
+              </a:rPr>
+              <a:t>            if </a:t>
+            </a:r>
+            <a:r>
+              <a:rPr lang="en-US" sz="2000" b="1" dirty="0" err="1" smtClean="0">
+                <a:solidFill>
+                  <a:srgbClr val="0070C0"/>
+                </a:solidFill>
+              </a:rPr>
+              <a:t>new_Grid</a:t>
+            </a:r>
+            <a:r>
+              <a:rPr lang="en-US" sz="2000" b="1" dirty="0" smtClean="0">
+                <a:solidFill>
+                  <a:srgbClr val="0070C0"/>
+                </a:solidFill>
+              </a:rPr>
+              <a:t>[r][c]=='.':</a:t>
+            </a:r>
+          </a:p>
+          <a:p>
+            <a:pPr>
+              <a:buNone/>
+            </a:pPr>
+            <a:r>
+              <a:rPr lang="en-US" sz="2000" b="1" dirty="0" smtClean="0">
+                <a:solidFill>
+                  <a:srgbClr val="0070C0"/>
+                </a:solidFill>
+              </a:rPr>
+              <a:t>                </a:t>
+            </a:r>
+            <a:r>
+              <a:rPr lang="en-US" sz="2000" b="1" dirty="0" err="1" smtClean="0">
+                <a:solidFill>
+                  <a:srgbClr val="0070C0"/>
+                </a:solidFill>
+              </a:rPr>
+              <a:t>legal_for_all</a:t>
+            </a:r>
+            <a:r>
+              <a:rPr lang="en-US" sz="2000" b="1" dirty="0" smtClean="0">
+                <a:solidFill>
+                  <a:srgbClr val="0070C0"/>
+                </a:solidFill>
+              </a:rPr>
+              <a:t>[(</a:t>
+            </a:r>
+            <a:r>
+              <a:rPr lang="en-US" sz="2000" b="1" dirty="0" err="1" smtClean="0">
+                <a:solidFill>
+                  <a:srgbClr val="0070C0"/>
+                </a:solidFill>
+              </a:rPr>
               <a:t>r,c</a:t>
+            </a:r>
+            <a:r>
+              <a:rPr lang="en-US" sz="2000" b="1" dirty="0" smtClean="0">
+                <a:solidFill>
+                  <a:srgbClr val="0070C0"/>
+                </a:solidFill>
+              </a:rPr>
+              <a:t>)] = </a:t>
+            </a:r>
+            <a:r>
+              <a:rPr lang="en-US" sz="2000" b="1" dirty="0" err="1" smtClean="0">
+                <a:solidFill>
+                  <a:srgbClr val="0070C0"/>
+                </a:solidFill>
+              </a:rPr>
+              <a:t>get_legal_for_cell</a:t>
+            </a:r>
+            <a:r>
+              <a:rPr lang="en-US" sz="2000" b="1" dirty="0" smtClean="0">
+                <a:solidFill>
+                  <a:srgbClr val="0070C0"/>
+                </a:solidFill>
+              </a:rPr>
+              <a:t>(r, c, </a:t>
+            </a:r>
+            <a:r>
+              <a:rPr lang="en-US" sz="2000" b="1" dirty="0" err="1" smtClean="0">
+                <a:solidFill>
+                  <a:srgbClr val="0070C0"/>
+                </a:solidFill>
+              </a:rPr>
+              <a:t>new_Grid</a:t>
+            </a:r>
+            <a:r>
+              <a:rPr lang="en-US" sz="2000" b="1" dirty="0" smtClean="0">
+                <a:solidFill>
+                  <a:srgbClr val="0070C0"/>
+                </a:solidFill>
+              </a:rPr>
+              <a:t>)</a:t>
+            </a:r>
+          </a:p>
+          <a:p>
+            <a:pPr>
+              <a:buNone/>
+            </a:pPr>
+            <a:r>
+              <a:rPr lang="en-US" sz="2000" b="1" dirty="0" smtClean="0">
+                <a:solidFill>
+                  <a:srgbClr val="0070C0"/>
+                </a:solidFill>
+              </a:rPr>
+              <a:t>    return </a:t>
+            </a:r>
+            <a:r>
+              <a:rPr lang="en-US" sz="2000" b="1" dirty="0" err="1" smtClean="0">
+                <a:solidFill>
+                  <a:srgbClr val="0070C0"/>
+                </a:solidFill>
+              </a:rPr>
+              <a:t>legal_for_all</a:t>
+            </a:r>
+            <a:endParaRPr lang="en-US" sz="2000" b="1" dirty="0" smtClean="0">
+              <a:solidFill>
+                <a:srgbClr val="0070C0"/>
+              </a:solidFill>
+            </a:endParaRPr>
+          </a:p>
+          <a:p>
+            <a:pPr>
+              <a:buNone/>
+            </a:pPr>
+            <a:endParaRPr lang="en-US" sz="2000" b="1" dirty="0" smtClean="0">
+              <a:solidFill>
+                <a:srgbClr val="0070C0"/>
+              </a:solidFill>
+            </a:endParaRPr>
+          </a:p>
+          <a:p>
+            <a:pPr>
+              <a:buNone/>
+            </a:pPr>
+            <a:r>
+              <a:rPr lang="en-US" sz="2000" b="1" dirty="0" smtClean="0">
+                <a:solidFill>
+                  <a:srgbClr val="0070C0"/>
+                </a:solidFill>
+              </a:rPr>
+              <a:t>def </a:t>
+            </a:r>
+            <a:r>
+              <a:rPr lang="en-US" sz="2000" b="1" dirty="0" err="1" smtClean="0">
+                <a:solidFill>
+                  <a:srgbClr val="0070C0"/>
+                </a:solidFill>
+              </a:rPr>
+              <a:t>get_next_cell</a:t>
+            </a:r>
+            <a:r>
+              <a:rPr lang="en-US" sz="2000" b="1" dirty="0" smtClean="0">
+                <a:solidFill>
+                  <a:srgbClr val="0070C0"/>
+                </a:solidFill>
+              </a:rPr>
+              <a:t>(</a:t>
+            </a:r>
+            <a:r>
+              <a:rPr lang="en-US" sz="2000" b="1" dirty="0" err="1" smtClean="0">
+                <a:solidFill>
+                  <a:srgbClr val="0070C0"/>
+                </a:solidFill>
+              </a:rPr>
+              <a:t>new_Grid</a:t>
+            </a:r>
+            <a:r>
+              <a:rPr lang="en-US" sz="2000" b="1" dirty="0" smtClean="0">
+                <a:solidFill>
+                  <a:srgbClr val="0070C0"/>
+                </a:solidFill>
+              </a:rPr>
+              <a:t>):</a:t>
+            </a:r>
+          </a:p>
+          <a:p>
+            <a:pPr>
+              <a:buNone/>
+            </a:pPr>
+            <a:r>
+              <a:rPr lang="en-US" sz="2000" b="1" dirty="0" smtClean="0">
+                <a:solidFill>
+                  <a:srgbClr val="0070C0"/>
+                </a:solidFill>
+              </a:rPr>
+              <a:t>    </a:t>
+            </a:r>
+            <a:r>
+              <a:rPr lang="en-US" sz="2000" b="1" dirty="0" err="1" smtClean="0">
+                <a:solidFill>
+                  <a:srgbClr val="0070C0"/>
+                </a:solidFill>
+              </a:rPr>
+              <a:t>legal_for_all</a:t>
             </a:r>
             <a:r>
               <a:rPr lang="en-US" sz="2000" b="1" dirty="0" smtClean="0">
@@ -8611,7 +9166,7 @@
                   <a:srgbClr val="0070C0"/>
                 </a:solidFill>
               </a:rPr>
-              <a:t>get_next_cell</a:t>
+              <a:t>get_legal_for_all</a:t>
             </a:r>
             <a:r>
               <a:rPr lang="en-US" sz="2000" b="1" dirty="0" smtClean="0">
@@ -8627,7 +9182,7 @@
                   <a:srgbClr val="0070C0"/>
                 </a:solidFill>
               </a:rPr>
-              <a:t>last_Grid</a:t>
+              <a:t>new_Grid</a:t>
             </a:r>
             <a:r>
               <a:rPr lang="en-US" sz="2000" b="1" dirty="0" smtClean="0">
@@ -8643,55 +9198,102 @@
               <a:buNone/>
             </a:pPr>
             <a:r>
-              <a:rPr lang="en-US" sz="2000" dirty="0" smtClean="0"/>
-              <a:t>    </a:t>
-            </a:r>
-            <a:r>
-              <a:rPr lang="en-US" sz="2000" dirty="0" err="1" smtClean="0"/>
-              <a:t>legal_for_cell</a:t>
-            </a:r>
-            <a:r>
-              <a:rPr lang="en-US" sz="2000" dirty="0" smtClean="0"/>
-              <a:t> = </a:t>
-            </a:r>
-            <a:r>
-              <a:rPr lang="en-US" sz="2000" dirty="0" err="1" smtClean="0"/>
-              <a:t>get_legal_for_cell</a:t>
-            </a:r>
-            <a:r>
-              <a:rPr lang="en-US" sz="2000" dirty="0" smtClean="0"/>
-              <a:t>(r, c, </a:t>
-            </a:r>
-            <a:r>
-              <a:rPr lang="en-US" sz="2000" dirty="0" err="1" smtClean="0"/>
-              <a:t>last_Grid</a:t>
-            </a:r>
-            <a:r>
-              <a:rPr lang="en-US" sz="2000" dirty="0" smtClean="0"/>
-              <a:t>)</a:t>
+              <a:rPr lang="en-US" sz="2000" b="1" dirty="0" smtClean="0">
+                <a:solidFill>
+                  <a:srgbClr val="0070C0"/>
+                </a:solidFill>
+              </a:rPr>
+              <a:t>    if </a:t>
+            </a:r>
+            <a:r>
+              <a:rPr lang="en-US" sz="2000" b="1" dirty="0" err="1" smtClean="0">
+                <a:solidFill>
+                  <a:srgbClr val="0070C0"/>
+                </a:solidFill>
+              </a:rPr>
+              <a:t>len</a:t>
+            </a:r>
+            <a:r>
+              <a:rPr lang="en-US" sz="2000" b="1" dirty="0" smtClean="0">
+                <a:solidFill>
+                  <a:srgbClr val="0070C0"/>
+                </a:solidFill>
+              </a:rPr>
+              <a:t>(</a:t>
+            </a:r>
+            <a:r>
+              <a:rPr lang="en-US" sz="2000" b="1" dirty="0" err="1" smtClean="0">
+                <a:solidFill>
+                  <a:srgbClr val="0070C0"/>
+                </a:solidFill>
+              </a:rPr>
+              <a:t>legal_for_all</a:t>
+            </a:r>
+            <a:r>
+              <a:rPr lang="en-US" sz="2000" b="1" dirty="0" smtClean="0">
+                <a:solidFill>
+                  <a:srgbClr val="0070C0"/>
+                </a:solidFill>
+              </a:rPr>
+              <a:t>)&gt;0:</a:t>
             </a:r>
           </a:p>
           <a:p>
             <a:pPr>
               <a:buNone/>
             </a:pPr>
-            <a:endParaRPr lang="en-US" sz="2000" dirty="0" smtClean="0"/>
+            <a:r>
+              <a:rPr lang="en-US" sz="2000" b="1" dirty="0" smtClean="0">
+                <a:solidFill>
+                  <a:srgbClr val="0070C0"/>
+                </a:solidFill>
+              </a:rPr>
+              <a:t>        key = min(</a:t>
+            </a:r>
+            <a:r>
+              <a:rPr lang="en-US" sz="2000" b="1" dirty="0" err="1" smtClean="0">
+                <a:solidFill>
+                  <a:srgbClr val="0070C0"/>
+                </a:solidFill>
+              </a:rPr>
+              <a:t>legal_for_all</a:t>
+            </a:r>
+            <a:r>
+              <a:rPr lang="en-US" sz="2000" b="1" dirty="0" smtClean="0">
+                <a:solidFill>
+                  <a:srgbClr val="0070C0"/>
+                </a:solidFill>
+              </a:rPr>
+              <a:t>, key=lambda p:len(</a:t>
+            </a:r>
+            <a:r>
+              <a:rPr lang="en-US" sz="2000" b="1" dirty="0" err="1" smtClean="0">
+                <a:solidFill>
+                  <a:srgbClr val="0070C0"/>
+                </a:solidFill>
+              </a:rPr>
+              <a:t>legal_for_all</a:t>
+            </a:r>
+            <a:r>
+              <a:rPr lang="en-US" sz="2000" b="1" dirty="0" smtClean="0">
+                <a:solidFill>
+                  <a:srgbClr val="0070C0"/>
+                </a:solidFill>
+              </a:rPr>
+              <a:t>[p]))</a:t>
+            </a:r>
           </a:p>
           <a:p>
             <a:pPr>
               <a:buNone/>
             </a:pPr>
             <a:r>
-              <a:rPr lang="en-US" sz="2000" dirty="0" smtClean="0"/>
-              <a:t>    for item in </a:t>
-            </a:r>
-            <a:r>
-              <a:rPr lang="en-US" sz="2000" dirty="0" err="1" smtClean="0"/>
-              <a:t>legal_for_cell</a:t>
-            </a:r>
-            <a:r>
-              <a:rPr lang="en-US" sz="2000" dirty="0" smtClean="0"/>
-              <a:t>:</a:t>
+              <a:rPr lang="en-US" sz="2000" b="1" dirty="0" smtClean="0">
+                <a:solidFill>
+                  <a:srgbClr val="0070C0"/>
+                </a:solidFill>
+              </a:rPr>
+              <a:t>    else:</a:t>
             </a:r>
           </a:p>
           <a:p>
@@ -8699,32 +9301,28 @@
               <a:buNone/>
             </a:pPr>
             <a:r>
-              <a:rPr lang="en-US" sz="2000" dirty="0" smtClean="0"/>
-              <a:t>        </a:t>
-            </a:r>
-            <a:r>
-              <a:rPr lang="en-US" sz="2000" dirty="0" err="1" smtClean="0"/>
-              <a:t>new_Grid</a:t>
-            </a:r>
-            <a:r>
-              <a:rPr lang="en-US" sz="2000" dirty="0" smtClean="0"/>
-              <a:t> = </a:t>
-            </a:r>
-            <a:r>
-              <a:rPr lang="en-US" sz="2000" dirty="0" err="1" smtClean="0"/>
-              <a:t>deepcopy</a:t>
-            </a:r>
-            <a:r>
-              <a:rPr lang="en-US" sz="2000" dirty="0" smtClean="0"/>
-              <a:t>(</a:t>
-            </a:r>
-            <a:r>
-              <a:rPr lang="en-US" sz="2000" dirty="0" err="1" smtClean="0"/>
-              <a:t>last_Grid</a:t>
-            </a:r>
-            <a:r>
-              <a:rPr lang="en-US" sz="2000" dirty="0" smtClean="0"/>
-              <a:t>)</a:t>
+              <a:rPr lang="en-US" sz="2000" b="1" dirty="0" smtClean="0">
+                <a:solidFill>
+                  <a:srgbClr val="0070C0"/>
+                </a:solidFill>
+              </a:rPr>
+              <a:t>        key=(</a:t>
+            </a:r>
+            <a:r>
+              <a:rPr lang="en-US" sz="2000" b="1" dirty="0" err="1" smtClean="0">
+                <a:solidFill>
+                  <a:srgbClr val="0070C0"/>
+                </a:solidFill>
+              </a:rPr>
+              <a:t>None,None</a:t>
+            </a:r>
+            <a:r>
+              <a:rPr lang="en-US" sz="2000" b="1" dirty="0" smtClean="0">
+                <a:solidFill>
+                  <a:srgbClr val="0070C0"/>
+                </a:solidFill>
+              </a:rPr>
+              <a:t>)     # only when grid completed</a:t>
             </a:r>
           </a:p>
           <a:p>
@@ -8732,101 +9330,24 @@
               <a:buNone/>
             </a:pPr>
             <a:r>
-              <a:rPr lang="en-US" sz="2000" dirty="0" smtClean="0"/>
-              <a:t>        </a:t>
-            </a:r>
-            <a:r>
-              <a:rPr lang="en-US" sz="2000" dirty="0" err="1" smtClean="0"/>
-              <a:t>new_Grid</a:t>
-            </a:r>
-            <a:r>
-              <a:rPr lang="en-US" sz="2000" dirty="0" smtClean="0"/>
-              <a:t>[r][c] = item</a:t>
-            </a:r>
-          </a:p>
-          <a:p>
-            <a:pPr>
-              <a:buNone/>
-            </a:pPr>
-            <a:r>
-              <a:rPr lang="en-US" sz="2000" dirty="0" smtClean="0"/>
-              <a:t>        </a:t>
-            </a:r>
-            <a:r>
-              <a:rPr lang="en-US" sz="2000" dirty="0" err="1" smtClean="0"/>
-              <a:t>solve_step_in_sudoko</a:t>
-            </a:r>
-            <a:r>
-              <a:rPr lang="en-US" sz="2000" dirty="0" smtClean="0"/>
-              <a:t>(</a:t>
-            </a:r>
-            <a:r>
-              <a:rPr lang="en-US" sz="2000" dirty="0" err="1" smtClean="0"/>
-              <a:t>new_Grid</a:t>
-            </a:r>
-            <a:r>
-              <a:rPr lang="en-US" sz="2000" dirty="0" smtClean="0"/>
-              <a:t>)</a:t>
-            </a:r>
-          </a:p>
-          <a:p>
-            <a:pPr>
-              <a:buNone/>
-            </a:pPr>
-            <a:endParaRPr lang="en-US" sz="2000" dirty="0" smtClean="0"/>
-          </a:p>
-          <a:p>
-            <a:pPr>
-              <a:buNone/>
-            </a:pPr>
-            <a:r>
-              <a:rPr lang="en-US" sz="2000" dirty="0" err="1" smtClean="0"/>
-              <a:t>solve_step_in_sudoko</a:t>
-            </a:r>
-            <a:r>
-              <a:rPr lang="en-US" sz="2000" dirty="0" smtClean="0"/>
-              <a:t>(Grid)</a:t>
-            </a:r>
-            <a:endParaRPr lang="ar-EG" sz="2000" dirty="0"/>
-          </a:p>
-        </p:txBody>
-      </p:sp>
-      <p:pic>
-        <p:nvPicPr>
-          <p:cNvPr id="4" name="Picture 2"/>
-          <p:cNvPicPr>
-            <a:picLocks noChangeAspect="1" noChangeArrowheads="1"/>
-          </p:cNvPicPr>
-          <p:nvPr/>
-        </p:nvPicPr>
-        <p:blipFill>
-          <a:blip r:embed="rId2"/>
-          <a:srcRect/>
-          <a:stretch>
-            <a:fillRect/>
-          </a:stretch>
-        </p:blipFill>
-        <p:spPr bwMode="auto">
-          <a:xfrm>
-            <a:off x="5410200" y="533400"/>
-            <a:ext cx="3276600" cy="2689746"/>
-          </a:xfrm>
-          <a:prstGeom prst="rect">
-            <a:avLst/>
-          </a:prstGeom>
-          <a:noFill/>
-          <a:ln w="9525">
-            <a:noFill/>
-            <a:miter lim="800000"/>
-            <a:headEnd/>
-            <a:tailEnd/>
-          </a:ln>
-          <a:effectLst/>
-        </p:spPr>
-      </p:pic>
-      <p:sp>
-        <p:nvSpPr>
-          <p:cNvPr id="5" name="Footer Placeholder 4"/>
+              <a:rPr lang="en-US" sz="2000" b="1" dirty="0" smtClean="0">
+                <a:solidFill>
+                  <a:srgbClr val="0070C0"/>
+                </a:solidFill>
+              </a:rPr>
+              <a:t>    return key</a:t>
+            </a:r>
+            <a:endParaRPr lang="ar-EG" sz="2000" b="1" dirty="0">
+              <a:solidFill>
+                <a:srgbClr val="0070C0"/>
+              </a:solidFill>
+            </a:endParaRPr>
+          </a:p>
+        </p:txBody>
+      </p:sp>
+      <p:sp>
+        <p:nvSpPr>
+          <p:cNvPr id="4" name="Footer Placeholder 3"/>
           <p:cNvSpPr>
             <a:spLocks noGrp="1"/>
           </p:cNvSpPr>
@@ -8891,7 +9412,7 @@
         </p:nvSpPr>
         <p:spPr>
           <a:xfrm>
-            <a:off x="457200" y="0"/>
+            <a:off x="457200" y="76200"/>
             <a:ext cx="8229600" cy="1143000"/>
           </a:xfrm>
         </p:spPr>
@@ -8916,15 +9437,200 @@
           </a:p>
         </p:txBody>
       </p:sp>
+      <p:sp>
+        <p:nvSpPr>
+          <p:cNvPr id="6" name="Content Placeholder 5"/>
+          <p:cNvSpPr>
+            <a:spLocks noGrp="1"/>
+          </p:cNvSpPr>
+          <p:nvPr>
+            <p:ph idx="1"/>
+          </p:nvPr>
+        </p:nvSpPr>
+        <p:spPr>
+          <a:xfrm>
+            <a:off x="457200" y="1219200"/>
+            <a:ext cx="8229600" cy="5410200"/>
+          </a:xfrm>
+        </p:spPr>
+        <p:txBody>
+          <a:bodyPr>
+            <a:normAutofit/>
+          </a:bodyPr>
+          <a:lstStyle/>
+          <a:p>
+            <a:pPr>
+              <a:buNone/>
+            </a:pPr>
+            <a:r>
+              <a:rPr lang="en-US" sz="2000" dirty="0" smtClean="0"/>
+              <a:t>def </a:t>
+            </a:r>
+            <a:r>
+              <a:rPr lang="en-US" sz="2000" dirty="0" err="1" smtClean="0"/>
+              <a:t>is_complete</a:t>
+            </a:r>
+            <a:r>
+              <a:rPr lang="en-US" sz="2000" dirty="0" smtClean="0"/>
+              <a:t>(</a:t>
+            </a:r>
+            <a:r>
+              <a:rPr lang="en-US" sz="2000" dirty="0" err="1" smtClean="0"/>
+              <a:t>new_Grid</a:t>
+            </a:r>
+            <a:r>
+              <a:rPr lang="en-US" sz="2000" dirty="0" smtClean="0"/>
+              <a:t>):</a:t>
+            </a:r>
+          </a:p>
+          <a:p>
+            <a:pPr>
+              <a:buNone/>
+            </a:pPr>
+            <a:r>
+              <a:rPr lang="en-US" sz="2000" dirty="0" smtClean="0"/>
+              <a:t>    </a:t>
+            </a:r>
+            <a:r>
+              <a:rPr lang="en-US" sz="2000" dirty="0" err="1" smtClean="0"/>
+              <a:t>grid_complete</a:t>
+            </a:r>
+            <a:r>
+              <a:rPr lang="en-US" sz="2000" dirty="0" smtClean="0"/>
+              <a:t> = True</a:t>
+            </a:r>
+          </a:p>
+          <a:p>
+            <a:pPr>
+              <a:buNone/>
+            </a:pPr>
+            <a:r>
+              <a:rPr lang="en-US" sz="2000" dirty="0" smtClean="0"/>
+              <a:t>    for r in </a:t>
+            </a:r>
+            <a:r>
+              <a:rPr lang="en-US" sz="2000" dirty="0" err="1" smtClean="0"/>
+              <a:t>new_Grid</a:t>
+            </a:r>
+            <a:r>
+              <a:rPr lang="en-US" sz="2000" dirty="0" smtClean="0"/>
+              <a:t>:</a:t>
+            </a:r>
+          </a:p>
+          <a:p>
+            <a:pPr>
+              <a:buNone/>
+            </a:pPr>
+            <a:r>
+              <a:rPr lang="en-US" sz="2000" dirty="0" smtClean="0"/>
+              <a:t>        </a:t>
+            </a:r>
+            <a:r>
+              <a:rPr lang="en-US" sz="2000" dirty="0" err="1" smtClean="0"/>
+              <a:t>grid_complete</a:t>
+            </a:r>
+            <a:r>
+              <a:rPr lang="en-US" sz="2000" dirty="0" smtClean="0"/>
+              <a:t> = </a:t>
+            </a:r>
+            <a:r>
+              <a:rPr lang="en-US" sz="2000" dirty="0" err="1" smtClean="0"/>
+              <a:t>grid_complete</a:t>
+            </a:r>
+            <a:r>
+              <a:rPr lang="en-US" sz="2000" dirty="0" smtClean="0"/>
+              <a:t> and not ('.' in r)</a:t>
+            </a:r>
+          </a:p>
+          <a:p>
+            <a:pPr>
+              <a:buNone/>
+            </a:pPr>
+            <a:r>
+              <a:rPr lang="en-US" sz="2000" dirty="0" smtClean="0"/>
+              <a:t>    return </a:t>
+            </a:r>
+            <a:r>
+              <a:rPr lang="en-US" sz="2000" dirty="0" err="1" smtClean="0"/>
+              <a:t>grid_complete</a:t>
+            </a:r>
+            <a:endParaRPr lang="en-US" sz="2000" dirty="0" smtClean="0"/>
+          </a:p>
+          <a:p>
+            <a:pPr>
+              <a:buNone/>
+            </a:pPr>
+            <a:endParaRPr lang="en-US" sz="2000" dirty="0" smtClean="0"/>
+          </a:p>
+          <a:p>
+            <a:pPr>
+              <a:buNone/>
+            </a:pPr>
+            <a:r>
+              <a:rPr lang="en-US" sz="2000" dirty="0" smtClean="0"/>
+              <a:t>def </a:t>
+            </a:r>
+            <a:r>
+              <a:rPr lang="en-US" sz="2000" dirty="0" err="1" smtClean="0"/>
+              <a:t>print_grid</a:t>
+            </a:r>
+            <a:r>
+              <a:rPr lang="en-US" sz="2000" dirty="0" smtClean="0"/>
+              <a:t>(</a:t>
+            </a:r>
+            <a:r>
+              <a:rPr lang="en-US" sz="2000" dirty="0" err="1" smtClean="0"/>
+              <a:t>new_Grid</a:t>
+            </a:r>
+            <a:r>
+              <a:rPr lang="en-US" sz="2000" dirty="0" smtClean="0"/>
+              <a:t>):</a:t>
+            </a:r>
+          </a:p>
+          <a:p>
+            <a:pPr>
+              <a:buNone/>
+            </a:pPr>
+            <a:r>
+              <a:rPr lang="en-US" sz="2000" dirty="0" smtClean="0"/>
+              <a:t>    for item in </a:t>
+            </a:r>
+            <a:r>
+              <a:rPr lang="en-US" sz="2000" dirty="0" err="1" smtClean="0"/>
+              <a:t>new_Grid</a:t>
+            </a:r>
+            <a:r>
+              <a:rPr lang="en-US" sz="2000" dirty="0" smtClean="0"/>
+              <a:t>:</a:t>
+            </a:r>
+          </a:p>
+          <a:p>
+            <a:pPr>
+              <a:buNone/>
+            </a:pPr>
+            <a:r>
+              <a:rPr lang="en-US" sz="2000" dirty="0" smtClean="0"/>
+              <a:t>        print item</a:t>
+            </a:r>
+          </a:p>
+          <a:p>
+            <a:pPr>
+              <a:buNone/>
+            </a:pPr>
+            <a:r>
+              <a:rPr lang="en-US" sz="2000" dirty="0" smtClean="0"/>
+              <a:t>    print</a:t>
+            </a:r>
+          </a:p>
+        </p:txBody>
+      </p:sp>
       <p:pic>
         <p:nvPicPr>
-          <p:cNvPr id="13314" name="Picture 2"/>
+          <p:cNvPr id="4" name="Picture 2"/>
           <p:cNvPicPr>
-            <a:picLocks noGrp="1" noChangeAspect="1" noChangeArrowheads="1"/>
+            <a:picLocks noChangeAspect="1" noChangeArrowheads="1"/>
           </p:cNvPicPr>
-          <p:nvPr>
-            <p:ph idx="1"/>
-          </p:nvPr>
+          <p:nvPr/>
         </p:nvPicPr>
         <p:blipFill>
           <a:blip r:embed="rId2"/>
@@ -8935,8 +9641,8 @@
         </p:blipFill>
         <p:spPr bwMode="auto">
           <a:xfrm>
-            <a:off x="533400" y="1524000"/>
-            <a:ext cx="8104007" cy="3810000"/>
+            <a:off x="5334000" y="2514600"/>
+            <a:ext cx="3276600" cy="2689746"/>
           </a:xfrm>
           <a:prstGeom prst="rect">
             <a:avLst/>
@@ -8953,7 +9659,7 @@
       </p:pic>
       <p:sp>
         <p:nvSpPr>
-          <p:cNvPr id="4" name="Footer Placeholder 3"/>
+          <p:cNvPr id="5" name="Footer Placeholder 4"/>
           <p:cNvSpPr>
             <a:spLocks noGrp="1"/>
           </p:cNvSpPr>
@@ -9008,79 +9714,394 @@
       </p:grpSpPr>
       <p:sp>
         <p:nvSpPr>
-          <p:cNvPr id="4" name="Rectangle 3"/>
-          <p:cNvSpPr/>
+          <p:cNvPr id="2" name="Title 1"/>
+          <p:cNvSpPr>
+            <a:spLocks noGrp="1"/>
+          </p:cNvSpPr>
+          <p:nvPr>
+            <p:ph type="title"/>
+          </p:nvPr>
+        </p:nvSpPr>
+        <p:spPr>
+          <a:xfrm>
+            <a:off x="457200" y="76200"/>
+            <a:ext cx="8229600" cy="1143000"/>
+          </a:xfrm>
+        </p:spPr>
+        <p:txBody>
+          <a:bodyPr/>
+          <a:lstStyle/>
+          <a:p>
+            <a:pPr algn="l"/>
+            <a:r>
+              <a:rPr lang="en-US" b="1" dirty="0" smtClean="0">
+                <a:solidFill>
+                  <a:srgbClr val="0070C0"/>
+                </a:solidFill>
+              </a:rPr>
+              <a:t>A star (Sudoku game)</a:t>
+            </a:r>
+            <a:endParaRPr lang="ar-EG" b="1" dirty="0">
+              <a:solidFill>
+                <a:srgbClr val="0070C0"/>
+              </a:solidFill>
+            </a:endParaRPr>
+          </a:p>
+        </p:txBody>
+      </p:sp>
+      <p:sp>
+        <p:nvSpPr>
+          <p:cNvPr id="6" name="Content Placeholder 5"/>
+          <p:cNvSpPr>
+            <a:spLocks noGrp="1"/>
+          </p:cNvSpPr>
+          <p:nvPr>
+            <p:ph idx="1"/>
+          </p:nvPr>
+        </p:nvSpPr>
+        <p:spPr>
+          <a:xfrm>
+            <a:off x="457200" y="1219200"/>
+            <a:ext cx="8229600" cy="5410200"/>
+          </a:xfrm>
+        </p:spPr>
+        <p:txBody>
+          <a:bodyPr>
+            <a:normAutofit/>
+          </a:bodyPr>
+          <a:lstStyle/>
+          <a:p>
+            <a:pPr>
+              <a:buNone/>
+            </a:pPr>
+            <a:r>
+              <a:rPr lang="en-US" sz="2000" dirty="0" smtClean="0"/>
+              <a:t>def solve_step_in_sudoko(</a:t>
+            </a:r>
+            <a:r>
+              <a:rPr lang="en-US" sz="2000" dirty="0" err="1" smtClean="0"/>
+              <a:t>last_Grid</a:t>
+            </a:r>
+            <a:r>
+              <a:rPr lang="en-US" sz="2000" dirty="0" smtClean="0"/>
+              <a:t>):</a:t>
+            </a:r>
+          </a:p>
+          <a:p>
+            <a:pPr>
+              <a:buNone/>
+            </a:pPr>
+            <a:r>
+              <a:rPr lang="en-US" sz="2000" dirty="0" smtClean="0"/>
+              <a:t>    if </a:t>
+            </a:r>
+            <a:r>
+              <a:rPr lang="en-US" sz="2000" dirty="0" err="1" smtClean="0"/>
+              <a:t>is_complete</a:t>
+            </a:r>
+            <a:r>
+              <a:rPr lang="en-US" sz="2000" dirty="0" smtClean="0"/>
+              <a:t>(</a:t>
+            </a:r>
+            <a:r>
+              <a:rPr lang="en-US" sz="2000" dirty="0" err="1" smtClean="0"/>
+              <a:t>last_Grid</a:t>
+            </a:r>
+            <a:r>
+              <a:rPr lang="en-US" sz="2000" dirty="0" smtClean="0"/>
+              <a:t>):</a:t>
+            </a:r>
+          </a:p>
+          <a:p>
+            <a:pPr>
+              <a:buNone/>
+            </a:pPr>
+            <a:r>
+              <a:rPr lang="en-US" sz="2000" dirty="0" smtClean="0"/>
+              <a:t>        print 'Complete:'</a:t>
+            </a:r>
+          </a:p>
+          <a:p>
+            <a:pPr>
+              <a:buNone/>
+            </a:pPr>
+            <a:r>
+              <a:rPr lang="en-US" sz="2000" dirty="0" smtClean="0"/>
+              <a:t>        </a:t>
+            </a:r>
+            <a:r>
+              <a:rPr lang="en-US" sz="2000" dirty="0" err="1" smtClean="0"/>
+              <a:t>print_grid</a:t>
+            </a:r>
+            <a:r>
+              <a:rPr lang="en-US" sz="2000" dirty="0" smtClean="0"/>
+              <a:t>(</a:t>
+            </a:r>
+            <a:r>
+              <a:rPr lang="en-US" sz="2000" dirty="0" err="1" smtClean="0"/>
+              <a:t>last_Grid</a:t>
+            </a:r>
+            <a:r>
+              <a:rPr lang="en-US" sz="2000" dirty="0" smtClean="0"/>
+              <a:t>)</a:t>
+            </a:r>
+          </a:p>
+          <a:p>
+            <a:pPr>
+              <a:buNone/>
+            </a:pPr>
+            <a:r>
+              <a:rPr lang="en-US" sz="2000" dirty="0" smtClean="0"/>
+              <a:t>        return 0</a:t>
+            </a:r>
+          </a:p>
+          <a:p>
+            <a:pPr>
+              <a:buNone/>
+            </a:pPr>
+            <a:r>
+              <a:rPr lang="en-US" sz="2000" b="1" dirty="0" smtClean="0">
+                <a:solidFill>
+                  <a:srgbClr val="0070C0"/>
+                </a:solidFill>
+              </a:rPr>
+              <a:t>    </a:t>
+            </a:r>
+            <a:r>
+              <a:rPr lang="en-US" sz="2000" b="1" dirty="0" err="1" smtClean="0">
+                <a:solidFill>
+                  <a:srgbClr val="0070C0"/>
+                </a:solidFill>
+              </a:rPr>
+              <a:t>r,c</a:t>
+            </a:r>
+            <a:r>
+              <a:rPr lang="en-US" sz="2000" b="1" dirty="0" smtClean="0">
+                <a:solidFill>
+                  <a:srgbClr val="0070C0"/>
+                </a:solidFill>
+              </a:rPr>
+              <a:t> = </a:t>
+            </a:r>
+            <a:r>
+              <a:rPr lang="en-US" sz="2000" b="1" dirty="0" err="1" smtClean="0">
+                <a:solidFill>
+                  <a:srgbClr val="0070C0"/>
+                </a:solidFill>
+              </a:rPr>
+              <a:t>get_next_cell</a:t>
+            </a:r>
+            <a:r>
+              <a:rPr lang="en-US" sz="2000" b="1" dirty="0" smtClean="0">
+                <a:solidFill>
+                  <a:srgbClr val="0070C0"/>
+                </a:solidFill>
+              </a:rPr>
+              <a:t>(</a:t>
+            </a:r>
+            <a:r>
+              <a:rPr lang="en-US" sz="2000" b="1" dirty="0" err="1" smtClean="0">
+                <a:solidFill>
+                  <a:srgbClr val="0070C0"/>
+                </a:solidFill>
+              </a:rPr>
+              <a:t>last_Grid</a:t>
+            </a:r>
+            <a:r>
+              <a:rPr lang="en-US" sz="2000" b="1" dirty="0" smtClean="0">
+                <a:solidFill>
+                  <a:srgbClr val="0070C0"/>
+                </a:solidFill>
+              </a:rPr>
+              <a:t>)</a:t>
+            </a:r>
+          </a:p>
+          <a:p>
+            <a:pPr>
+              <a:buNone/>
+            </a:pPr>
+            <a:r>
+              <a:rPr lang="en-US" sz="2000" dirty="0" smtClean="0"/>
+              <a:t>    </a:t>
+            </a:r>
+            <a:r>
+              <a:rPr lang="en-US" sz="2000" dirty="0" err="1" smtClean="0"/>
+              <a:t>legal_for_cell</a:t>
+            </a:r>
+            <a:r>
+              <a:rPr lang="en-US" sz="2000" dirty="0" smtClean="0"/>
+              <a:t> = </a:t>
+            </a:r>
+            <a:r>
+              <a:rPr lang="en-US" sz="2000" dirty="0" err="1" smtClean="0"/>
+              <a:t>get_legal_for_cell</a:t>
+            </a:r>
+            <a:r>
+              <a:rPr lang="en-US" sz="2000" dirty="0" smtClean="0"/>
+              <a:t>(r, c, </a:t>
+            </a:r>
+            <a:r>
+              <a:rPr lang="en-US" sz="2000" dirty="0" err="1" smtClean="0"/>
+              <a:t>last_Grid</a:t>
+            </a:r>
+            <a:r>
+              <a:rPr lang="en-US" sz="2000" dirty="0" smtClean="0"/>
+              <a:t>)</a:t>
+            </a:r>
+          </a:p>
+          <a:p>
+            <a:pPr>
+              <a:buNone/>
+            </a:pPr>
+            <a:endParaRPr lang="en-US" sz="2000" dirty="0" smtClean="0"/>
+          </a:p>
+          <a:p>
+            <a:pPr>
+              <a:buNone/>
+            </a:pPr>
+            <a:r>
+              <a:rPr lang="en-US" sz="2000" dirty="0" smtClean="0"/>
+              <a:t>    for item in </a:t>
+            </a:r>
+            <a:r>
+              <a:rPr lang="en-US" sz="2000" dirty="0" err="1" smtClean="0"/>
+              <a:t>legal_for_cell</a:t>
+            </a:r>
+            <a:r>
+              <a:rPr lang="en-US" sz="2000" dirty="0" smtClean="0"/>
+              <a:t>:</a:t>
+            </a:r>
+          </a:p>
+          <a:p>
+            <a:pPr>
+              <a:buNone/>
+            </a:pPr>
+            <a:r>
+              <a:rPr lang="en-US" sz="2000" dirty="0" smtClean="0"/>
+              <a:t>        </a:t>
+            </a:r>
+            <a:r>
+              <a:rPr lang="en-US" sz="2000" dirty="0" err="1" smtClean="0"/>
+              <a:t>new_Grid</a:t>
+            </a:r>
+            <a:r>
+              <a:rPr lang="en-US" sz="2000" dirty="0" smtClean="0"/>
+              <a:t> = </a:t>
+            </a:r>
+            <a:r>
+              <a:rPr lang="en-US" sz="2000" dirty="0" err="1" smtClean="0"/>
+              <a:t>deepcopy</a:t>
+            </a:r>
+            <a:r>
+              <a:rPr lang="en-US" sz="2000" dirty="0" smtClean="0"/>
+              <a:t>(</a:t>
+            </a:r>
+            <a:r>
+              <a:rPr lang="en-US" sz="2000" dirty="0" err="1" smtClean="0"/>
+              <a:t>last_Grid</a:t>
+            </a:r>
+            <a:r>
+              <a:rPr lang="en-US" sz="2000" dirty="0" smtClean="0"/>
+              <a:t>)</a:t>
+            </a:r>
+          </a:p>
+          <a:p>
+            <a:pPr>
+              <a:buNone/>
+            </a:pPr>
+            <a:r>
+              <a:rPr lang="en-US" sz="2000" dirty="0" smtClean="0"/>
+              <a:t>        </a:t>
+            </a:r>
+            <a:r>
+              <a:rPr lang="en-US" sz="2000" dirty="0" err="1" smtClean="0"/>
+              <a:t>new_Grid</a:t>
+            </a:r>
+            <a:r>
+              <a:rPr lang="en-US" sz="2000" dirty="0" smtClean="0"/>
+              <a:t>[r][c] = item</a:t>
+            </a:r>
+          </a:p>
+          <a:p>
+            <a:pPr>
+              <a:buNone/>
+            </a:pPr>
+            <a:r>
+              <a:rPr lang="en-US" sz="2000" dirty="0" smtClean="0"/>
+              <a:t>        </a:t>
+            </a:r>
+            <a:r>
+              <a:rPr lang="en-US" sz="2000" dirty="0" err="1" smtClean="0"/>
+              <a:t>solve_step_in_sudoko</a:t>
+            </a:r>
+            <a:r>
+              <a:rPr lang="en-US" sz="2000" dirty="0" smtClean="0"/>
+              <a:t>(</a:t>
+            </a:r>
+            <a:r>
+              <a:rPr lang="en-US" sz="2000" dirty="0" err="1" smtClean="0"/>
+              <a:t>new_Grid</a:t>
+            </a:r>
+            <a:r>
+              <a:rPr lang="en-US" sz="2000" dirty="0" smtClean="0"/>
+              <a:t>)</a:t>
+            </a:r>
+          </a:p>
+          <a:p>
+            <a:pPr>
+              <a:buNone/>
+            </a:pPr>
+            <a:endParaRPr lang="en-US" sz="2000" dirty="0" smtClean="0"/>
+          </a:p>
+          <a:p>
+            <a:pPr>
+              <a:buNone/>
+            </a:pPr>
+            <a:r>
+              <a:rPr lang="en-US" sz="2000" dirty="0" err="1" smtClean="0"/>
+              <a:t>solve_step_in_sudoko</a:t>
+            </a:r>
+            <a:r>
+              <a:rPr lang="en-US" sz="2000" dirty="0" smtClean="0"/>
+              <a:t>(Grid)</a:t>
+            </a:r>
+            <a:endParaRPr lang="ar-EG" sz="2000" dirty="0"/>
+          </a:p>
+        </p:txBody>
+      </p:sp>
+      <p:pic>
+        <p:nvPicPr>
+          <p:cNvPr id="4" name="Picture 2"/>
+          <p:cNvPicPr>
+            <a:picLocks noChangeAspect="1" noChangeArrowheads="1"/>
+          </p:cNvPicPr>
           <p:nvPr/>
-        </p:nvSpPr>
-        <p:spPr>
-          <a:xfrm>
-            <a:off x="533400" y="2590800"/>
-            <a:ext cx="8001000" cy="923330"/>
+        </p:nvPicPr>
+        <p:blipFill>
+          <a:blip r:embed="rId2"/>
+          <a:srcRect/>
+          <a:stretch>
+            <a:fillRect/>
+          </a:stretch>
+        </p:blipFill>
+        <p:spPr bwMode="auto">
+          <a:xfrm>
+            <a:off x="5410200" y="533400"/>
+            <a:ext cx="3276600" cy="2689746"/>
           </a:xfrm>
           <a:prstGeom prst="rect">
             <a:avLst/>
           </a:prstGeom>
           <a:noFill/>
-        </p:spPr>
-        <p:txBody>
-          <a:bodyPr wrap="square" lIns="91440" tIns="45720" rIns="91440" bIns="45720">
-            <a:spAutoFit/>
-          </a:bodyPr>
-          <a:lstStyle/>
-          <a:p>
-            <a:pPr algn="ctr"/>
-            <a:r>
-              <a:rPr lang="en-US" sz="5400" b="1" dirty="0" smtClean="0">
-                <a:ln w="12700">
-                  <a:solidFill>
-                    <a:schemeClr val="tx2">
-                      <a:satMod val="155000"/>
-                    </a:schemeClr>
-                  </a:solidFill>
-                  <a:prstDash val="solid"/>
-                </a:ln>
-                <a:solidFill>
-                  <a:schemeClr val="bg2">
-                    <a:tint val="85000"/>
-                    <a:satMod val="155000"/>
-                  </a:schemeClr>
-                </a:solidFill>
-                <a:effectLst>
-                  <a:outerShdw blurRad="41275" dist="20320" dir="1800000" algn="tl" rotWithShape="0">
-                    <a:srgbClr val="000000">
-                      <a:alpha val="40000"/>
-                    </a:srgbClr>
-                  </a:outerShdw>
-                </a:effectLst>
-              </a:rPr>
-              <a:t>Maze Search Program</a:t>
-            </a:r>
-            <a:endParaRPr lang="en-US" sz="5400" b="1" cap="none" spc="0" dirty="0">
-              <a:ln w="12700">
-                <a:solidFill>
-                  <a:schemeClr val="tx2">
-                    <a:satMod val="155000"/>
-                  </a:schemeClr>
-                </a:solidFill>
-                <a:prstDash val="solid"/>
-              </a:ln>
-              <a:solidFill>
-                <a:schemeClr val="bg2">
-                  <a:tint val="85000"/>
-                  <a:satMod val="155000"/>
-                </a:schemeClr>
-              </a:solidFill>
-              <a:effectLst>
-                <a:outerShdw blurRad="41275" dist="20320" dir="1800000" algn="tl" rotWithShape="0">
-                  <a:srgbClr val="000000">
-                    <a:alpha val="40000"/>
-                  </a:srgbClr>
-                </a:outerShdw>
-              </a:effectLst>
-            </a:endParaRPr>
-          </a:p>
-        </p:txBody>
-      </p:sp>
+          <a:ln w="9525">
+            <a:noFill/>
+            <a:miter lim="800000"/>
+            <a:headEnd/>
+            <a:tailEnd/>
+          </a:ln>
+          <a:effectLst/>
+        </p:spPr>
+      </p:pic>
       <p:sp>
         <p:nvSpPr>
           <p:cNvPr id="5" name="Footer Placeholder 4"/>
@@ -9097,12 +10118,8 @@
           <a:lstStyle/>
           <a:p>
             <a:r>
-              <a:rPr lang="en-US" dirty="0" smtClean="0"/>
-              <a:t>By Eng. Ahmed </a:t>
-            </a:r>
-            <a:r>
-              <a:rPr lang="en-US" dirty="0" err="1" smtClean="0"/>
-              <a:t>Tarik</a:t>
+              <a:rPr lang="en-US" smtClean="0"/>
+              <a:t>By Eng. Ahmed Tarik</a:t>
             </a:r>
             <a:endParaRPr lang="en-US"/>
           </a:p>
@@ -9152,7 +10169,7 @@
         </p:nvSpPr>
         <p:spPr>
           <a:xfrm>
-            <a:off x="457200" y="76200"/>
+            <a:off x="457200" y="0"/>
             <a:ext cx="8229600" cy="1143000"/>
           </a:xfrm>
         </p:spPr>
@@ -9167,7 +10184,7 @@
                   <a:srgbClr val="0070C0"/>
                 </a:solidFill>
               </a:rPr>
-              <a:t>Maze Search Program</a:t>
+              <a:t>A star (Sudoku game)</a:t>
             </a:r>
             <a:endParaRPr lang="ar-EG" b="1" dirty="0">
               <a:solidFill>
@@ -9177,32 +10194,9 @@
           </a:p>
         </p:txBody>
       </p:sp>
-      <p:sp>
-        <p:nvSpPr>
-          <p:cNvPr id="6" name="Footer Placeholder 5"/>
-          <p:cNvSpPr>
-            <a:spLocks noGrp="1"/>
-          </p:cNvSpPr>
-          <p:nvPr>
-            <p:ph type="ftr" sz="quarter" idx="11"/>
-          </p:nvPr>
-        </p:nvSpPr>
-        <p:spPr/>
-        <p:txBody>
-          <a:bodyPr/>
-          <a:lstStyle/>
-          <a:p>
-            <a:r>
-              <a:rPr lang="en-US" smtClean="0"/>
-              <a:t>By Eng. Ahmed Tarik</a:t>
-            </a:r>
-            <a:endParaRPr lang="en-US"/>
-          </a:p>
-        </p:txBody>
-      </p:sp>
       <p:pic>
         <p:nvPicPr>
-          <p:cNvPr id="1026" name="Picture 2"/>
+          <p:cNvPr id="13314" name="Picture 2"/>
           <p:cNvPicPr>
             <a:picLocks noGrp="1" noChangeAspect="1" noChangeArrowheads="1"/>
           </p:cNvPicPr>
@@ -9219,8 +10213,8 @@
         </p:blipFill>
         <p:spPr bwMode="auto">
           <a:xfrm>
-            <a:off x="609600" y="1219200"/>
-            <a:ext cx="4857750" cy="1495425"/>
+            <a:off x="533400" y="1524000"/>
+            <a:ext cx="8104007" cy="3810000"/>
           </a:xfrm>
           <a:prstGeom prst="rect">
             <a:avLst/>
@@ -9235,250 +10229,29 @@
           <a:effectLst/>
         </p:spPr>
       </p:pic>
-      <p:pic>
-        <p:nvPicPr>
-          <p:cNvPr id="1028" name="Picture 4"/>
-          <p:cNvPicPr>
-            <a:picLocks noChangeAspect="1" noChangeArrowheads="1"/>
-          </p:cNvPicPr>
-          <p:nvPr/>
-        </p:nvPicPr>
-        <p:blipFill>
-          <a:blip r:embed="rId3"/>
-          <a:srcRect/>
-          <a:stretch>
-            <a:fillRect/>
-          </a:stretch>
-        </p:blipFill>
-        <p:spPr bwMode="auto">
-          <a:xfrm>
-            <a:off x="609600" y="3200400"/>
-            <a:ext cx="5457825" cy="752475"/>
-          </a:xfrm>
-          <a:prstGeom prst="rect">
-            <a:avLst/>
-          </a:prstGeom>
-          <a:noFill/>
-          <a:ln w="9525">
-            <a:noFill/>
-            <a:miter lim="800000"/>
-            <a:headEnd/>
-            <a:tailEnd/>
-          </a:ln>
-          <a:effectLst/>
-        </p:spPr>
-      </p:pic>
-      <p:pic>
-        <p:nvPicPr>
-          <p:cNvPr id="1029" name="Picture 5"/>
-          <p:cNvPicPr>
-            <a:picLocks noChangeAspect="1" noChangeArrowheads="1"/>
-          </p:cNvPicPr>
-          <p:nvPr/>
-        </p:nvPicPr>
-        <p:blipFill>
-          <a:blip r:embed="rId4"/>
-          <a:srcRect/>
-          <a:stretch>
-            <a:fillRect/>
-          </a:stretch>
-        </p:blipFill>
-        <p:spPr bwMode="auto">
-          <a:xfrm>
-            <a:off x="609600" y="2943225"/>
-            <a:ext cx="5391150" cy="257175"/>
-          </a:xfrm>
-          <a:prstGeom prst="rect">
-            <a:avLst/>
-          </a:prstGeom>
-          <a:noFill/>
-          <a:ln w="9525">
-            <a:noFill/>
-            <a:miter lim="800000"/>
-            <a:headEnd/>
-            <a:tailEnd/>
-          </a:ln>
-          <a:effectLst/>
-        </p:spPr>
-      </p:pic>
-      <p:pic>
-        <p:nvPicPr>
-          <p:cNvPr id="1030" name="Picture 6"/>
-          <p:cNvPicPr>
-            <a:picLocks noChangeAspect="1" noChangeArrowheads="1"/>
-          </p:cNvPicPr>
-          <p:nvPr/>
-        </p:nvPicPr>
-        <p:blipFill>
-          <a:blip r:embed="rId5"/>
-          <a:srcRect/>
-          <a:stretch>
-            <a:fillRect/>
-          </a:stretch>
-        </p:blipFill>
-        <p:spPr bwMode="auto">
-          <a:xfrm>
-            <a:off x="609600" y="4191000"/>
-            <a:ext cx="6276975" cy="695325"/>
-          </a:xfrm>
-          <a:prstGeom prst="rect">
-            <a:avLst/>
-          </a:prstGeom>
-          <a:noFill/>
-          <a:ln w="9525">
-            <a:noFill/>
-            <a:miter lim="800000"/>
-            <a:headEnd/>
-            <a:tailEnd/>
-          </a:ln>
-          <a:effectLst/>
-        </p:spPr>
-      </p:pic>
-      <p:sp>
-        <p:nvSpPr>
-          <p:cNvPr id="12" name="Content Placeholder 5"/>
-          <p:cNvSpPr txBox="1">
-            <a:spLocks/>
-          </p:cNvSpPr>
-          <p:nvPr/>
-        </p:nvSpPr>
-        <p:spPr>
-          <a:xfrm>
-            <a:off x="609600" y="5181600"/>
-            <a:ext cx="4038600" cy="838200"/>
-          </a:xfrm>
-          <a:prstGeom prst="rect">
-            <a:avLst/>
-          </a:prstGeom>
-        </p:spPr>
-        <p:txBody>
-          <a:bodyPr vert="horz" lIns="91440" tIns="45720" rIns="91440" bIns="45720" rtlCol="0">
-            <a:noAutofit/>
-          </a:bodyPr>
-          <a:lstStyle/>
-          <a:p>
-            <a:pPr marL="342900" marR="0" lvl="0" indent="-342900" algn="l" defTabSz="914400" rtl="0" eaLnBrk="1" fontAlgn="auto" latinLnBrk="0" hangingPunct="1">
-              <a:lnSpc>
-                <a:spcPct val="100000"/>
-              </a:lnSpc>
-              <a:spcBef>
-                <a:spcPct val="20000"/>
-              </a:spcBef>
-              <a:spcAft>
-                <a:spcPts val="0"/>
-              </a:spcAft>
-              <a:buClrTx/>
-              <a:buSzTx/>
-              <a:buFont typeface="Arial" pitchFamily="34" charset="0"/>
-              <a:buChar char="•"/>
-              <a:tabLst/>
-              <a:defRPr/>
-            </a:pPr>
-            <a:r>
-              <a:rPr lang="en-US" sz="2400" b="1" dirty="0" smtClean="0"/>
-              <a:t>Moves order:</a:t>
-            </a:r>
-          </a:p>
-          <a:p>
-            <a:pPr marL="342900" marR="0" lvl="0" indent="-342900" algn="l" defTabSz="914400" rtl="0" eaLnBrk="1" fontAlgn="auto" latinLnBrk="0" hangingPunct="1">
-              <a:lnSpc>
-                <a:spcPct val="100000"/>
-              </a:lnSpc>
-              <a:spcBef>
-                <a:spcPct val="20000"/>
-              </a:spcBef>
-              <a:spcAft>
-                <a:spcPts val="0"/>
-              </a:spcAft>
-              <a:buClrTx/>
-              <a:buSzTx/>
-              <a:tabLst/>
-              <a:defRPr/>
-            </a:pPr>
-            <a:r>
-              <a:rPr kumimoji="0" lang="en-US" sz="2400" b="1" i="0" u="none" strike="noStrike" kern="1200" cap="none" spc="0" normalizeH="0" baseline="0" noProof="0" dirty="0" smtClean="0">
-                <a:ln>
-                  <a:noFill/>
-                </a:ln>
-                <a:solidFill>
-                  <a:schemeClr val="tx1"/>
-                </a:solidFill>
-                <a:effectLst/>
-                <a:uLnTx/>
-                <a:uFillTx/>
-                <a:latin typeface="+mn-lt"/>
-                <a:ea typeface="+mn-ea"/>
-                <a:cs typeface="+mn-cs"/>
-              </a:rPr>
-              <a:t>	Up -&gt; Left</a:t>
-            </a:r>
-            <a:r>
-              <a:rPr kumimoji="0" lang="en-US" sz="2400" b="1" i="0" u="none" strike="noStrike" kern="1200" cap="none" spc="0" normalizeH="0" noProof="0" dirty="0" smtClean="0">
-                <a:ln>
-                  <a:noFill/>
-                </a:ln>
-                <a:solidFill>
-                  <a:schemeClr val="tx1"/>
-                </a:solidFill>
-                <a:effectLst/>
-                <a:uLnTx/>
-                <a:uFillTx/>
-                <a:latin typeface="+mn-lt"/>
-                <a:ea typeface="+mn-ea"/>
-                <a:cs typeface="+mn-cs"/>
-              </a:rPr>
-              <a:t> -&gt; Down -&gt; Right</a:t>
-            </a:r>
-            <a:endParaRPr kumimoji="0" lang="ar-EG" sz="2400" b="1" i="0" u="none" strike="noStrike" kern="1200" cap="none" spc="0" normalizeH="0" baseline="0" noProof="0" dirty="0">
-              <a:ln>
-                <a:noFill/>
-              </a:ln>
-              <a:solidFill>
-                <a:schemeClr val="tx1"/>
-              </a:solidFill>
-              <a:effectLst/>
-              <a:uLnTx/>
-              <a:uFillTx/>
-              <a:latin typeface="+mn-lt"/>
-              <a:ea typeface="+mn-ea"/>
-              <a:cs typeface="+mn-cs"/>
-            </a:endParaRPr>
-          </a:p>
-        </p:txBody>
-      </p:sp>
-      <p:pic>
-        <p:nvPicPr>
-          <p:cNvPr id="14" name="Picture 2"/>
-          <p:cNvPicPr>
-            <a:picLocks noChangeAspect="1" noChangeArrowheads="1"/>
-          </p:cNvPicPr>
-          <p:nvPr/>
-        </p:nvPicPr>
-        <p:blipFill>
-          <a:blip r:embed="rId6"/>
-          <a:srcRect/>
-          <a:stretch>
-            <a:fillRect/>
-          </a:stretch>
-        </p:blipFill>
-        <p:spPr bwMode="auto">
-          <a:xfrm>
-            <a:off x="5715000" y="1143000"/>
-            <a:ext cx="3064826" cy="2590800"/>
-          </a:xfrm>
-          <a:prstGeom prst="rect">
-            <a:avLst/>
-          </a:prstGeom>
-          <a:noFill/>
-          <a:ln w="9525">
-            <a:noFill/>
-            <a:miter lim="800000"/>
-            <a:headEnd/>
-            <a:tailEnd/>
-          </a:ln>
-          <a:effectLst/>
-        </p:spPr>
-      </p:pic>
+      <p:sp>
+        <p:nvSpPr>
+          <p:cNvPr id="4" name="Footer Placeholder 3"/>
+          <p:cNvSpPr>
+            <a:spLocks noGrp="1"/>
+          </p:cNvSpPr>
+          <p:nvPr>
+            <p:ph type="ftr" sz="quarter" idx="11"/>
+          </p:nvPr>
+        </p:nvSpPr>
+        <p:spPr/>
+        <p:txBody>
+          <a:bodyPr/>
+          <a:lstStyle/>
+          <a:p>
+            <a:r>
+              <a:rPr lang="en-US" smtClean="0"/>
+              <a:t>By Eng. Ahmed Tarik</a:t>
+            </a:r>
+            <a:endParaRPr lang="en-US"/>
+          </a:p>
+        </p:txBody>
+      </p:sp>
     </p:spTree>
   </p:cSld>
   <p:clrMapOvr>
@@ -9676,132 +10449,106 @@
       </p:grpSpPr>
       <p:sp>
         <p:nvSpPr>
-          <p:cNvPr id="2" name="Title 1"/>
-          <p:cNvSpPr>
-            <a:spLocks noGrp="1"/>
-          </p:cNvSpPr>
-          <p:nvPr>
-            <p:ph type="title"/>
-          </p:nvPr>
+          <p:cNvPr id="4" name="Rectangle 3"/>
+          <p:cNvSpPr/>
+          <p:nvPr/>
         </p:nvSpPr>
         <p:spPr>
           <a:xfrm>
-            <a:off x="457200" y="76200"/>
-            <a:ext cx="8229600" cy="1143000"/>
-          </a:xfrm>
-        </p:spPr>
-        <p:txBody>
-          <a:bodyPr/>
-          <a:lstStyle/>
-          <a:p>
-            <a:pPr algn="l"/>
-            <a:r>
-              <a:rPr lang="en-US" b="1" dirty="0" smtClean="0">
-                <a:solidFill>
-                  <a:srgbClr val="0070C0"/>
-                </a:solidFill>
-              </a:rPr>
-              <a:t>Maze Search Program</a:t>
-            </a:r>
-            <a:endParaRPr lang="ar-EG" b="1" dirty="0">
-              <a:solidFill>
-                <a:srgbClr val="0070C0"/>
-              </a:solidFill>
-            </a:endParaRPr>
-          </a:p>
-        </p:txBody>
-      </p:sp>
-      <p:sp>
-        <p:nvSpPr>
-          <p:cNvPr id="6" name="Footer Placeholder 5"/>
-          <p:cNvSpPr>
-            <a:spLocks noGrp="1"/>
-          </p:cNvSpPr>
-          <p:nvPr>
-            <p:ph type="ftr" sz="quarter" idx="11"/>
-          </p:nvPr>
-        </p:nvSpPr>
-        <p:spPr/>
-        <p:txBody>
-          <a:bodyPr/>
-          <a:lstStyle/>
-          <a:p>
-            <a:r>
-              <a:rPr lang="en-US" smtClean="0"/>
-              <a:t>By Eng. Ahmed Tarik</a:t>
-            </a:r>
-            <a:endParaRPr lang="en-US"/>
-          </a:p>
-        </p:txBody>
-      </p:sp>
-      <p:pic>
-        <p:nvPicPr>
-          <p:cNvPr id="11" name="Picture 7"/>
-          <p:cNvPicPr>
-            <a:picLocks noGrp="1" noChangeAspect="1" noChangeArrowheads="1"/>
-          </p:cNvPicPr>
-          <p:nvPr>
-            <p:ph idx="1"/>
-          </p:nvPr>
-        </p:nvPicPr>
-        <p:blipFill>
-          <a:blip r:embed="rId2"/>
-          <a:srcRect/>
-          <a:stretch>
-            <a:fillRect/>
-          </a:stretch>
-        </p:blipFill>
-        <p:spPr bwMode="auto">
-          <a:xfrm>
-            <a:off x="191751" y="1371600"/>
-            <a:ext cx="8876049" cy="762000"/>
+            <a:off x="533400" y="2590800"/>
+            <a:ext cx="8001000" cy="923330"/>
           </a:xfrm>
           <a:prstGeom prst="rect">
             <a:avLst/>
           </a:prstGeom>
           <a:noFill/>
-          <a:ln w="9525">
-            <a:noFill/>
-            <a:miter lim="800000"/>
-            <a:headEnd/>
-            <a:tailEnd/>
-          </a:ln>
-          <a:effectLst/>
-        </p:spPr>
-      </p:pic>
-      <p:pic>
-        <p:nvPicPr>
-          <p:cNvPr id="2050" name="Picture 2"/>
-          <p:cNvPicPr>
-            <a:picLocks noChangeAspect="1" noChangeArrowheads="1"/>
-          </p:cNvPicPr>
-          <p:nvPr/>
-        </p:nvPicPr>
-        <p:blipFill>
-          <a:blip r:embed="rId3"/>
-          <a:srcRect/>
-          <a:stretch>
-            <a:fillRect/>
-          </a:stretch>
-        </p:blipFill>
-        <p:spPr bwMode="auto">
-          <a:xfrm>
-            <a:off x="209550" y="2438400"/>
-            <a:ext cx="7410450" cy="914400"/>
-          </a:xfrm>
-          <a:prstGeom prst="rect">
-            <a:avLst/>
-          </a:prstGeom>
-          <a:noFill/>
-          <a:ln w="9525">
-            <a:noFill/>
-            <a:miter lim="800000"/>
-            <a:headEnd/>
-            <a:tailEnd/>
-          </a:ln>
-          <a:effectLst/>
-        </p:spPr>
-      </p:pic>
+        </p:spPr>
+        <p:txBody>
+          <a:bodyPr wrap="square" lIns="91440" tIns="45720" rIns="91440" bIns="45720">
+            <a:spAutoFit/>
+          </a:bodyPr>
+          <a:lstStyle/>
+          <a:p>
+            <a:pPr algn="ctr"/>
+            <a:r>
+              <a:rPr lang="en-US" sz="5400" b="1" dirty="0" smtClean="0">
+                <a:ln w="12700">
+                  <a:solidFill>
+                    <a:schemeClr val="tx2">
+                      <a:satMod val="155000"/>
+                    </a:schemeClr>
+                  </a:solidFill>
+                  <a:prstDash val="solid"/>
+                </a:ln>
+                <a:solidFill>
+                  <a:schemeClr val="bg2">
+                    <a:tint val="85000"/>
+                    <a:satMod val="155000"/>
+                  </a:schemeClr>
+                </a:solidFill>
+                <a:effectLst>
+                  <a:outerShdw blurRad="41275" dist="20320" dir="1800000" algn="tl" rotWithShape="0">
+                    <a:srgbClr val="000000">
+                      <a:alpha val="40000"/>
+                    </a:srgbClr>
+                  </a:outerShdw>
+                </a:effectLst>
+              </a:rPr>
+              <a:t>Maze Search Program</a:t>
+            </a:r>
+            <a:endParaRPr lang="en-US" sz="5400" b="1" cap="none" spc="0" dirty="0">
+              <a:ln w="12700">
+                <a:solidFill>
+                  <a:schemeClr val="tx2">
+                    <a:satMod val="155000"/>
+                  </a:schemeClr>
+                </a:solidFill>
+                <a:prstDash val="solid"/>
+              </a:ln>
+              <a:solidFill>
+                <a:schemeClr val="bg2">
+                  <a:tint val="85000"/>
+                  <a:satMod val="155000"/>
+                </a:schemeClr>
+              </a:solidFill>
+              <a:effectLst>
+                <a:outerShdw blurRad="41275" dist="20320" dir="1800000" algn="tl" rotWithShape="0">
+                  <a:srgbClr val="000000">
+                    <a:alpha val="40000"/>
+                  </a:srgbClr>
+                </a:outerShdw>
+              </a:effectLst>
+            </a:endParaRPr>
+          </a:p>
+        </p:txBody>
+      </p:sp>
+      <p:sp>
+        <p:nvSpPr>
+          <p:cNvPr id="5" name="Footer Placeholder 4"/>
+          <p:cNvSpPr>
+            <a:spLocks noGrp="1"/>
+          </p:cNvSpPr>
+          <p:nvPr>
+            <p:ph type="ftr" sz="quarter" idx="11"/>
+          </p:nvPr>
+        </p:nvSpPr>
+        <p:spPr/>
+        <p:txBody>
+          <a:bodyPr/>
+          <a:lstStyle/>
+          <a:p>
+            <a:r>
+              <a:rPr lang="en-US" dirty="0" smtClean="0"/>
+              <a:t>By Eng. Ahmed </a:t>
+            </a:r>
+            <a:r>
+              <a:rPr lang="en-US" dirty="0" err="1" smtClean="0"/>
+              <a:t>Tarik</a:t>
+            </a:r>
+            <a:endParaRPr lang="en-US"/>
+          </a:p>
+        </p:txBody>
+      </p:sp>
     </p:spTree>
   </p:cSld>
   <p:clrMapOvr>
@@ -9871,9 +10618,32 @@
           </a:p>
         </p:txBody>
       </p:sp>
+      <p:sp>
+        <p:nvSpPr>
+          <p:cNvPr id="6" name="Footer Placeholder 5"/>
+          <p:cNvSpPr>
+            <a:spLocks noGrp="1"/>
+          </p:cNvSpPr>
+          <p:nvPr>
+            <p:ph type="ftr" sz="quarter" idx="11"/>
+          </p:nvPr>
+        </p:nvSpPr>
+        <p:spPr/>
+        <p:txBody>
+          <a:bodyPr/>
+          <a:lstStyle/>
+          <a:p>
+            <a:r>
+              <a:rPr lang="en-US" smtClean="0"/>
+              <a:t>By Eng. Ahmed Tarik</a:t>
+            </a:r>
+            <a:endParaRPr lang="en-US"/>
+          </a:p>
+        </p:txBody>
+      </p:sp>
       <p:pic>
         <p:nvPicPr>
-          <p:cNvPr id="4098" name="Picture 2"/>
+          <p:cNvPr id="1026" name="Picture 2"/>
           <p:cNvPicPr>
             <a:picLocks noGrp="1" noChangeAspect="1" noChangeArrowheads="1"/>
           </p:cNvPicPr>
@@ -9890,8 +10660,8 @@
         </p:blipFill>
         <p:spPr bwMode="auto">
           <a:xfrm>
-            <a:off x="457200" y="2209800"/>
-            <a:ext cx="8229600" cy="2696656"/>
+            <a:off x="609600" y="1219200"/>
+            <a:ext cx="4857750" cy="1495425"/>
           </a:xfrm>
           <a:prstGeom prst="rect">
             <a:avLst/>
@@ -9906,29 +10676,250 @@
           <a:effectLst/>
         </p:spPr>
       </p:pic>
-      <p:sp>
-        <p:nvSpPr>
-          <p:cNvPr id="4" name="Footer Placeholder 3"/>
-          <p:cNvSpPr>
-            <a:spLocks noGrp="1"/>
-          </p:cNvSpPr>
-          <p:nvPr>
-            <p:ph type="ftr" sz="quarter" idx="11"/>
-          </p:nvPr>
-        </p:nvSpPr>
-        <p:spPr/>
-        <p:txBody>
-          <a:bodyPr/>
-          <a:lstStyle/>
-          <a:p>
-            <a:r>
-              <a:rPr lang="en-US" smtClean="0"/>
-              <a:t>By Eng. Ahmed Tarik</a:t>
-            </a:r>
-            <a:endParaRPr lang="en-US"/>
-          </a:p>
-        </p:txBody>
-      </p:sp>
+      <p:pic>
+        <p:nvPicPr>
+          <p:cNvPr id="1028" name="Picture 4"/>
+          <p:cNvPicPr>
+            <a:picLocks noChangeAspect="1" noChangeArrowheads="1"/>
+          </p:cNvPicPr>
+          <p:nvPr/>
+        </p:nvPicPr>
+        <p:blipFill>
+          <a:blip r:embed="rId3"/>
+          <a:srcRect/>
+          <a:stretch>
+            <a:fillRect/>
+          </a:stretch>
+        </p:blipFill>
+        <p:spPr bwMode="auto">
+          <a:xfrm>
+            <a:off x="609600" y="3200400"/>
+            <a:ext cx="5457825" cy="752475"/>
+          </a:xfrm>
+          <a:prstGeom prst="rect">
+            <a:avLst/>
+          </a:prstGeom>
+          <a:noFill/>
+          <a:ln w="9525">
+            <a:noFill/>
+            <a:miter lim="800000"/>
+            <a:headEnd/>
+            <a:tailEnd/>
+          </a:ln>
+          <a:effectLst/>
+        </p:spPr>
+      </p:pic>
+      <p:pic>
+        <p:nvPicPr>
+          <p:cNvPr id="1029" name="Picture 5"/>
+          <p:cNvPicPr>
+            <a:picLocks noChangeAspect="1" noChangeArrowheads="1"/>
+          </p:cNvPicPr>
+          <p:nvPr/>
+        </p:nvPicPr>
+        <p:blipFill>
+          <a:blip r:embed="rId4"/>
+          <a:srcRect/>
+          <a:stretch>
+            <a:fillRect/>
+          </a:stretch>
+        </p:blipFill>
+        <p:spPr bwMode="auto">
+          <a:xfrm>
+            <a:off x="609600" y="2943225"/>
+            <a:ext cx="5391150" cy="257175"/>
+          </a:xfrm>
+          <a:prstGeom prst="rect">
+            <a:avLst/>
+          </a:prstGeom>
+          <a:noFill/>
+          <a:ln w="9525">
+            <a:noFill/>
+            <a:miter lim="800000"/>
+            <a:headEnd/>
+            <a:tailEnd/>
+          </a:ln>
+          <a:effectLst/>
+        </p:spPr>
+      </p:pic>
+      <p:pic>
+        <p:nvPicPr>
+          <p:cNvPr id="1030" name="Picture 6"/>
+          <p:cNvPicPr>
+            <a:picLocks noChangeAspect="1" noChangeArrowheads="1"/>
+          </p:cNvPicPr>
+          <p:nvPr/>
+        </p:nvPicPr>
+        <p:blipFill>
+          <a:blip r:embed="rId5"/>
+          <a:srcRect/>
+          <a:stretch>
+            <a:fillRect/>
+          </a:stretch>
+        </p:blipFill>
+        <p:spPr bwMode="auto">
+          <a:xfrm>
+            <a:off x="609600" y="4191000"/>
+            <a:ext cx="6276975" cy="695325"/>
+          </a:xfrm>
+          <a:prstGeom prst="rect">
+            <a:avLst/>
+          </a:prstGeom>
+          <a:noFill/>
+          <a:ln w="9525">
+            <a:noFill/>
+            <a:miter lim="800000"/>
+            <a:headEnd/>
+            <a:tailEnd/>
+          </a:ln>
+          <a:effectLst/>
+        </p:spPr>
+      </p:pic>
+      <p:sp>
+        <p:nvSpPr>
+          <p:cNvPr id="12" name="Content Placeholder 5"/>
+          <p:cNvSpPr txBox="1">
+            <a:spLocks/>
+          </p:cNvSpPr>
+          <p:nvPr/>
+        </p:nvSpPr>
+        <p:spPr>
+          <a:xfrm>
+            <a:off x="609600" y="5181600"/>
+            <a:ext cx="4038600" cy="838200"/>
+          </a:xfrm>
+          <a:prstGeom prst="rect">
+            <a:avLst/>
+          </a:prstGeom>
+        </p:spPr>
+        <p:txBody>
+          <a:bodyPr vert="horz" lIns="91440" tIns="45720" rIns="91440" bIns="45720" rtlCol="0">
+            <a:noAutofit/>
+          </a:bodyPr>
+          <a:lstStyle/>
+          <a:p>
+            <a:pPr marL="342900" marR="0" lvl="0" indent="-342900" algn="l" defTabSz="914400" rtl="0" eaLnBrk="1" fontAlgn="auto" latinLnBrk="0" hangingPunct="1">
+              <a:lnSpc>
+                <a:spcPct val="100000"/>
+              </a:lnSpc>
+              <a:spcBef>
+                <a:spcPct val="20000"/>
+              </a:spcBef>
+              <a:spcAft>
+                <a:spcPts val="0"/>
+              </a:spcAft>
+              <a:buClrTx/>
+              <a:buSzTx/>
+              <a:buFont typeface="Arial" pitchFamily="34" charset="0"/>
+              <a:buChar char="•"/>
+              <a:tabLst/>
+              <a:defRPr/>
+            </a:pPr>
+            <a:r>
+              <a:rPr lang="en-US" sz="2400" b="1" dirty="0" smtClean="0"/>
+              <a:t>Moves order:</a:t>
+            </a:r>
+          </a:p>
+          <a:p>
+            <a:pPr marL="342900" marR="0" lvl="0" indent="-342900" algn="l" defTabSz="914400" rtl="0" eaLnBrk="1" fontAlgn="auto" latinLnBrk="0" hangingPunct="1">
+              <a:lnSpc>
+                <a:spcPct val="100000"/>
+              </a:lnSpc>
+              <a:spcBef>
+                <a:spcPct val="20000"/>
+              </a:spcBef>
+              <a:spcAft>
+                <a:spcPts val="0"/>
+              </a:spcAft>
+              <a:buClrTx/>
+              <a:buSzTx/>
+              <a:tabLst/>
+              <a:defRPr/>
+            </a:pPr>
+            <a:r>
+              <a:rPr kumimoji="0" lang="en-US" sz="2400" b="1" i="0" u="none" strike="noStrike" kern="1200" cap="none" spc="0" normalizeH="0" baseline="0" noProof="0" dirty="0" smtClean="0">
+                <a:ln>
+                  <a:noFill/>
+                </a:ln>
+                <a:solidFill>
+                  <a:schemeClr val="tx1"/>
+                </a:solidFill>
+                <a:effectLst/>
+                <a:uLnTx/>
+                <a:uFillTx/>
+                <a:latin typeface="+mn-lt"/>
+                <a:ea typeface="+mn-ea"/>
+                <a:cs typeface="+mn-cs"/>
+              </a:rPr>
+              <a:t>	Up -&gt; Left</a:t>
+            </a:r>
+            <a:r>
+              <a:rPr kumimoji="0" lang="en-US" sz="2400" b="1" i="0" u="none" strike="noStrike" kern="1200" cap="none" spc="0" normalizeH="0" noProof="0" dirty="0" smtClean="0">
+                <a:ln>
+                  <a:noFill/>
+                </a:ln>
+                <a:solidFill>
+                  <a:schemeClr val="tx1"/>
+                </a:solidFill>
+                <a:effectLst/>
+                <a:uLnTx/>
+                <a:uFillTx/>
+                <a:latin typeface="+mn-lt"/>
+                <a:ea typeface="+mn-ea"/>
+                <a:cs typeface="+mn-cs"/>
+              </a:rPr>
+              <a:t> -&gt; Down -&gt; Right</a:t>
+            </a:r>
+            <a:endParaRPr kumimoji="0" lang="ar-EG" sz="2400" b="1" i="0" u="none" strike="noStrike" kern="1200" cap="none" spc="0" normalizeH="0" baseline="0" noProof="0" dirty="0">
+              <a:ln>
+                <a:noFill/>
+              </a:ln>
+              <a:solidFill>
+                <a:schemeClr val="tx1"/>
+              </a:solidFill>
+              <a:effectLst/>
+              <a:uLnTx/>
+              <a:uFillTx/>
+              <a:latin typeface="+mn-lt"/>
+              <a:ea typeface="+mn-ea"/>
+              <a:cs typeface="+mn-cs"/>
+            </a:endParaRPr>
+          </a:p>
+        </p:txBody>
+      </p:sp>
+      <p:pic>
+        <p:nvPicPr>
+          <p:cNvPr id="14" name="Picture 2"/>
+          <p:cNvPicPr>
+            <a:picLocks noChangeAspect="1" noChangeArrowheads="1"/>
+          </p:cNvPicPr>
+          <p:nvPr/>
+        </p:nvPicPr>
+        <p:blipFill>
+          <a:blip r:embed="rId6"/>
+          <a:srcRect/>
+          <a:stretch>
+            <a:fillRect/>
+          </a:stretch>
+        </p:blipFill>
+        <p:spPr bwMode="auto">
+          <a:xfrm>
+            <a:off x="5715000" y="1143000"/>
+            <a:ext cx="3064826" cy="2590800"/>
+          </a:xfrm>
+          <a:prstGeom prst="rect">
+            <a:avLst/>
+          </a:prstGeom>
+          <a:noFill/>
+          <a:ln w="9525">
+            <a:noFill/>
+            <a:miter lim="800000"/>
+            <a:headEnd/>
+            <a:tailEnd/>
+          </a:ln>
+          <a:effectLst/>
+        </p:spPr>
+      </p:pic>
     </p:spTree>
   </p:cSld>
   <p:clrMapOvr>
@@ -9963,131 +10954,132 @@
       </p:grpSpPr>
       <p:sp>
         <p:nvSpPr>
-          <p:cNvPr id="4" name="Rectangle 3"/>
-          <p:cNvSpPr/>
-          <p:nvPr/>
+          <p:cNvPr id="2" name="Title 1"/>
+          <p:cNvSpPr>
+            <a:spLocks noGrp="1"/>
+          </p:cNvSpPr>
+          <p:nvPr>
+            <p:ph type="title"/>
+          </p:nvPr>
         </p:nvSpPr>
         <p:spPr>
           <a:xfrm>
-            <a:off x="533400" y="2590800"/>
-            <a:ext cx="8001000" cy="1754326"/>
+            <a:off x="457200" y="76200"/>
+            <a:ext cx="8229600" cy="1143000"/>
+          </a:xfrm>
+        </p:spPr>
+        <p:txBody>
+          <a:bodyPr/>
+          <a:lstStyle/>
+          <a:p>
+            <a:pPr algn="l"/>
+            <a:r>
+              <a:rPr lang="en-US" b="1" dirty="0" smtClean="0">
+                <a:solidFill>
+                  <a:srgbClr val="0070C0"/>
+                </a:solidFill>
+              </a:rPr>
+              <a:t>Maze Search Program</a:t>
+            </a:r>
+            <a:endParaRPr lang="ar-EG" b="1" dirty="0">
+              <a:solidFill>
+                <a:srgbClr val="0070C0"/>
+              </a:solidFill>
+            </a:endParaRPr>
+          </a:p>
+        </p:txBody>
+      </p:sp>
+      <p:sp>
+        <p:nvSpPr>
+          <p:cNvPr id="6" name="Footer Placeholder 5"/>
+          <p:cNvSpPr>
+            <a:spLocks noGrp="1"/>
+          </p:cNvSpPr>
+          <p:nvPr>
+            <p:ph type="ftr" sz="quarter" idx="11"/>
+          </p:nvPr>
+        </p:nvSpPr>
+        <p:spPr/>
+        <p:txBody>
+          <a:bodyPr/>
+          <a:lstStyle/>
+          <a:p>
+            <a:r>
+              <a:rPr lang="en-US" smtClean="0"/>
+              <a:t>By Eng. Ahmed Tarik</a:t>
+            </a:r>
+            <a:endParaRPr lang="en-US"/>
+          </a:p>
+        </p:txBody>
+      </p:sp>
+      <p:pic>
+        <p:nvPicPr>
+          <p:cNvPr id="11" name="Picture 7"/>
+          <p:cNvPicPr>
+            <a:picLocks noGrp="1" noChangeAspect="1" noChangeArrowheads="1"/>
+          </p:cNvPicPr>
+          <p:nvPr>
+            <p:ph idx="1"/>
+          </p:nvPr>
+        </p:nvPicPr>
+        <p:blipFill>
+          <a:blip r:embed="rId2"/>
+          <a:srcRect/>
+          <a:stretch>
+            <a:fillRect/>
+          </a:stretch>
+        </p:blipFill>
+        <p:spPr bwMode="auto">
+          <a:xfrm>
+            <a:off x="191751" y="1371600"/>
+            <a:ext cx="8876049" cy="762000"/>
           </a:xfrm>
           <a:prstGeom prst="rect">
             <a:avLst/>
           </a:prstGeom>
           <a:noFill/>
-        </p:spPr>
-        <p:txBody>
-          <a:bodyPr wrap="square" lIns="91440" tIns="45720" rIns="91440" bIns="45720">
-            <a:spAutoFit/>
-          </a:bodyPr>
-          <a:lstStyle/>
-          <a:p>
-            <a:pPr algn="ctr"/>
-            <a:r>
-              <a:rPr lang="en-US" sz="5400" b="1" dirty="0" smtClean="0">
-                <a:ln w="12700">
-                  <a:solidFill>
-                    <a:schemeClr val="tx2">
-                      <a:satMod val="155000"/>
-                    </a:schemeClr>
-                  </a:solidFill>
-                  <a:prstDash val="solid"/>
-                </a:ln>
-                <a:solidFill>
-                  <a:schemeClr val="bg2">
-                    <a:tint val="85000"/>
-                    <a:satMod val="155000"/>
-                  </a:schemeClr>
-                </a:solidFill>
-                <a:effectLst>
-                  <a:outerShdw blurRad="41275" dist="20320" dir="1800000" algn="tl" rotWithShape="0">
-                    <a:srgbClr val="000000">
-                      <a:alpha val="40000"/>
-                    </a:srgbClr>
-                  </a:outerShdw>
-                </a:effectLst>
-              </a:rPr>
-              <a:t>Maze Search Program</a:t>
-            </a:r>
-          </a:p>
-          <a:p>
-            <a:pPr algn="ctr"/>
-            <a:r>
-              <a:rPr lang="en-US" sz="5400" b="1" dirty="0" smtClean="0">
-                <a:ln w="12700">
-                  <a:solidFill>
-                    <a:schemeClr val="tx2">
-                      <a:satMod val="155000"/>
-                    </a:schemeClr>
-                  </a:solidFill>
-                  <a:prstDash val="solid"/>
-                </a:ln>
-                <a:solidFill>
-                  <a:schemeClr val="bg2">
-                    <a:tint val="85000"/>
-                    <a:satMod val="155000"/>
-                  </a:schemeClr>
-                </a:solidFill>
-                <a:effectLst>
-                  <a:outerShdw blurRad="41275" dist="20320" dir="1800000" algn="tl" rotWithShape="0">
-                    <a:srgbClr val="000000">
-                      <a:alpha val="40000"/>
-                    </a:srgbClr>
-                  </a:outerShdw>
-                </a:effectLst>
-              </a:rPr>
-              <a:t>(Using A star)</a:t>
-            </a:r>
-            <a:endParaRPr lang="en-US" sz="5400" b="1" cap="none" spc="0" dirty="0">
-              <a:ln w="12700">
-                <a:solidFill>
-                  <a:schemeClr val="tx2">
-                    <a:satMod val="155000"/>
-                  </a:schemeClr>
-                </a:solidFill>
-                <a:prstDash val="solid"/>
-              </a:ln>
-              <a:solidFill>
-                <a:schemeClr val="bg2">
-                  <a:tint val="85000"/>
-                  <a:satMod val="155000"/>
-                </a:schemeClr>
-              </a:solidFill>
-              <a:effectLst>
-                <a:outerShdw blurRad="41275" dist="20320" dir="1800000" algn="tl" rotWithShape="0">
-                  <a:srgbClr val="000000">
-                    <a:alpha val="40000"/>
-                  </a:srgbClr>
-                </a:outerShdw>
-              </a:effectLst>
-            </a:endParaRPr>
-          </a:p>
-        </p:txBody>
-      </p:sp>
-      <p:sp>
-        <p:nvSpPr>
-          <p:cNvPr id="5" name="Footer Placeholder 4"/>
-          <p:cNvSpPr>
-            <a:spLocks noGrp="1"/>
-          </p:cNvSpPr>
-          <p:nvPr>
-            <p:ph type="ftr" sz="quarter" idx="11"/>
-          </p:nvPr>
-        </p:nvSpPr>
-        <p:spPr/>
-        <p:txBody>
-          <a:bodyPr/>
-          <a:lstStyle/>
-          <a:p>
-            <a:r>
-              <a:rPr lang="en-US" smtClean="0"/>
-              <a:t>By Eng. Ahmed Tarik</a:t>
-            </a:r>
-            <a:endParaRPr lang="en-US"/>
-          </a:p>
-        </p:txBody>
-      </p:sp>
+          <a:ln w="9525">
+            <a:noFill/>
+            <a:miter lim="800000"/>
+            <a:headEnd/>
+            <a:tailEnd/>
+          </a:ln>
+          <a:effectLst/>
+        </p:spPr>
+      </p:pic>
+      <p:pic>
+        <p:nvPicPr>
+          <p:cNvPr id="2050" name="Picture 2"/>
+          <p:cNvPicPr>
+            <a:picLocks noChangeAspect="1" noChangeArrowheads="1"/>
+          </p:cNvPicPr>
+          <p:nvPr/>
+        </p:nvPicPr>
+        <p:blipFill>
+          <a:blip r:embed="rId3"/>
+          <a:srcRect/>
+          <a:stretch>
+            <a:fillRect/>
+          </a:stretch>
+        </p:blipFill>
+        <p:spPr bwMode="auto">
+          <a:xfrm>
+            <a:off x="209550" y="2438400"/>
+            <a:ext cx="7410450" cy="914400"/>
+          </a:xfrm>
+          <a:prstGeom prst="rect">
+            <a:avLst/>
+          </a:prstGeom>
+          <a:noFill/>
+          <a:ln w="9525">
+            <a:noFill/>
+            <a:miter lim="800000"/>
+            <a:headEnd/>
+            <a:tailEnd/>
+          </a:ln>
+          <a:effectLst/>
+        </p:spPr>
+      </p:pic>
     </p:spTree>
   </p:cSld>
   <p:clrMapOvr>
@@ -10130,7 +11122,12 @@
             <p:ph type="title"/>
           </p:nvPr>
         </p:nvSpPr>
-        <p:spPr/>
+        <p:spPr>
+          <a:xfrm>
+            <a:off x="457200" y="76200"/>
+            <a:ext cx="8229600" cy="1143000"/>
+          </a:xfrm>
+        </p:spPr>
         <p:txBody>
           <a:bodyPr/>
           <a:lstStyle/>
@@ -10142,48 +11139,25 @@
                   <a:srgbClr val="0070C0"/>
                 </a:solidFill>
               </a:rPr>
-              <a:t>A star (Maze Search)</a:t>
-            </a:r>
-            <a:endParaRPr lang="ar-EG" dirty="0"/>
-          </a:p>
-        </p:txBody>
-      </p:sp>
-      <p:sp>
-        <p:nvSpPr>
-          <p:cNvPr id="3" name="Content Placeholder 2"/>
-          <p:cNvSpPr>
-            <a:spLocks noGrp="1"/>
-          </p:cNvSpPr>
-          <p:nvPr>
-            <p:ph idx="1"/>
-          </p:nvPr>
-        </p:nvSpPr>
-        <p:spPr>
-          <a:xfrm>
-            <a:off x="5181600" y="1600200"/>
-            <a:ext cx="2514600" cy="685800"/>
-          </a:xfrm>
-        </p:spPr>
-        <p:txBody>
-          <a:bodyPr>
-            <a:normAutofit/>
-          </a:bodyPr>
-          <a:lstStyle/>
-          <a:p>
-            <a:r>
-              <a:rPr lang="en-US" sz="2800" dirty="0" smtClean="0"/>
-              <a:t>A-star Maze</a:t>
-            </a:r>
+              <a:t>Maze Search Program</a:t>
+            </a:r>
+            <a:endParaRPr lang="ar-EG" b="1" dirty="0">
+              <a:solidFill>
+                <a:srgbClr val="0070C0"/>
+              </a:solidFill>
+            </a:endParaRPr>
           </a:p>
         </p:txBody>
       </p:sp>
       <p:pic>
         <p:nvPicPr>
-          <p:cNvPr id="65540" name="Picture 4"/>
+          <p:cNvPr id="4098" name="Picture 2"/>
           <p:cNvPicPr>
-            <a:picLocks noChangeAspect="1" noChangeArrowheads="1"/>
+            <a:picLocks noGrp="1" noChangeAspect="1" noChangeArrowheads="1"/>
           </p:cNvPicPr>
-          <p:nvPr/>
+          <p:nvPr>
+            <p:ph idx="1"/>
+          </p:nvPr>
         </p:nvPicPr>
         <p:blipFill>
           <a:blip r:embed="rId2"/>
@@ -10194,8 +11168,8 @@
         </p:blipFill>
         <p:spPr bwMode="auto">
           <a:xfrm>
-            <a:off x="5105400" y="2743200"/>
-            <a:ext cx="3703160" cy="3124200"/>
+            <a:off x="457200" y="2209800"/>
+            <a:ext cx="8229600" cy="2696656"/>
           </a:xfrm>
           <a:prstGeom prst="rect">
             <a:avLst/>
@@ -10210,133 +11184,9 @@
           <a:effectLst/>
         </p:spPr>
       </p:pic>
-      <p:pic>
-        <p:nvPicPr>
-          <p:cNvPr id="8" name="Picture 1"/>
-          <p:cNvPicPr>
-            <a:picLocks noChangeAspect="1" noChangeArrowheads="1"/>
-          </p:cNvPicPr>
-          <p:nvPr/>
-        </p:nvPicPr>
-        <p:blipFill>
-          <a:blip r:embed="rId3"/>
-          <a:srcRect/>
-          <a:stretch>
-            <a:fillRect/>
-          </a:stretch>
-        </p:blipFill>
-        <p:spPr bwMode="auto">
-          <a:xfrm>
-            <a:off x="533400" y="2743200"/>
-            <a:ext cx="3757466" cy="3200400"/>
-          </a:xfrm>
-          <a:prstGeom prst="rect">
-            <a:avLst/>
-          </a:prstGeom>
-          <a:noFill/>
-          <a:ln w="9525">
-            <a:noFill/>
-            <a:miter lim="800000"/>
-            <a:headEnd/>
-            <a:tailEnd/>
-          </a:ln>
-          <a:effectLst/>
-        </p:spPr>
-      </p:pic>
-      <p:sp>
-        <p:nvSpPr>
-          <p:cNvPr id="9" name="Content Placeholder 2"/>
-          <p:cNvSpPr txBox="1">
-            <a:spLocks/>
-          </p:cNvSpPr>
-          <p:nvPr/>
-        </p:nvSpPr>
-        <p:spPr>
-          <a:xfrm>
-            <a:off x="533400" y="1600200"/>
-            <a:ext cx="3276600" cy="685800"/>
-          </a:xfrm>
-          <a:prstGeom prst="rect">
-            <a:avLst/>
-          </a:prstGeom>
-        </p:spPr>
-        <p:txBody>
-          <a:bodyPr vert="horz" lIns="91440" tIns="45720" rIns="91440" bIns="45720" rtlCol="0">
-            <a:normAutofit/>
-          </a:bodyPr>
-          <a:lstStyle/>
-          <a:p>
-            <a:pPr marL="342900" marR="0" lvl="0" indent="-342900" algn="l" defTabSz="914400" rtl="0" eaLnBrk="1" fontAlgn="auto" latinLnBrk="0" hangingPunct="1">
-              <a:lnSpc>
-                <a:spcPct val="100000"/>
-              </a:lnSpc>
-              <a:spcBef>
-                <a:spcPct val="20000"/>
-              </a:spcBef>
-              <a:spcAft>
-                <a:spcPts val="0"/>
-              </a:spcAft>
-              <a:buClrTx/>
-              <a:buSzTx/>
-              <a:buFont typeface="Arial" pitchFamily="34" charset="0"/>
-              <a:buChar char="•"/>
-              <a:tabLst/>
-              <a:defRPr/>
-            </a:pPr>
-            <a:r>
-              <a:rPr kumimoji="0" lang="en-US" sz="2800" b="0" i="0" u="none" strike="noStrike" kern="1200" cap="none" spc="0" normalizeH="0" baseline="0" noProof="0" dirty="0" smtClean="0">
-                <a:ln>
-                  <a:noFill/>
-                </a:ln>
-                <a:solidFill>
-                  <a:schemeClr val="tx1"/>
-                </a:solidFill>
-                <a:effectLst/>
-                <a:uLnTx/>
-                <a:uFillTx/>
-                <a:latin typeface="+mn-lt"/>
-                <a:ea typeface="+mn-ea"/>
-                <a:cs typeface="+mn-cs"/>
-              </a:rPr>
-              <a:t>Heuristic</a:t>
-            </a:r>
-            <a:r>
-              <a:rPr kumimoji="0" lang="en-US" sz="2800" b="0" i="0" u="none" strike="noStrike" kern="1200" cap="none" spc="0" normalizeH="0" noProof="0" dirty="0" smtClean="0">
-                <a:ln>
-                  <a:noFill/>
-                </a:ln>
-                <a:solidFill>
-                  <a:schemeClr val="tx1"/>
-                </a:solidFill>
-                <a:effectLst/>
-                <a:uLnTx/>
-                <a:uFillTx/>
-                <a:latin typeface="+mn-lt"/>
-                <a:ea typeface="+mn-ea"/>
-                <a:cs typeface="+mn-cs"/>
-              </a:rPr>
-              <a:t> Function</a:t>
-            </a:r>
-            <a:endParaRPr kumimoji="0" lang="en-US" sz="2800" b="0" i="0" u="none" strike="noStrike" kern="1200" cap="none" spc="0" normalizeH="0" baseline="0" noProof="0" dirty="0" smtClean="0">
-              <a:ln>
-                <a:noFill/>
-              </a:ln>
-              <a:solidFill>
-                <a:schemeClr val="tx1"/>
-              </a:solidFill>
-              <a:effectLst/>
-              <a:uLnTx/>
-              <a:uFillTx/>
-              <a:latin typeface="+mn-lt"/>
-              <a:ea typeface="+mn-ea"/>
-              <a:cs typeface="+mn-cs"/>
-            </a:endParaRPr>
-          </a:p>
-        </p:txBody>
-      </p:sp>
-      <p:sp>
-        <p:nvSpPr>
-          <p:cNvPr id="7" name="Footer Placeholder 6"/>
+      <p:sp>
+        <p:nvSpPr>
+          <p:cNvPr id="4" name="Footer Placeholder 3"/>
           <p:cNvSpPr>
             <a:spLocks noGrp="1"/>
           </p:cNvSpPr>
@@ -10362,6 +11212,13 @@
   <p:clrMapOvr>
     <a:masterClrMapping/>
   </p:clrMapOvr>
+  <p:timing>
+    <p:tnLst>
+      <p:par>
+        <p:cTn id="1" dur="indefinite" restart="never" nodeType="tmRoot"/>
+      </p:par>
+    </p:tnLst>
+  </p:timing>
 </p:sld>
 </file>
 
@@ -10384,165 +11241,131 @@
       </p:grpSpPr>
       <p:sp>
         <p:nvSpPr>
-          <p:cNvPr id="2" name="Title 1"/>
-          <p:cNvSpPr>
-            <a:spLocks noGrp="1"/>
-          </p:cNvSpPr>
-          <p:nvPr>
-            <p:ph type="title"/>
-          </p:nvPr>
+          <p:cNvPr id="4" name="Rectangle 3"/>
+          <p:cNvSpPr/>
+          <p:nvPr/>
         </p:nvSpPr>
         <p:spPr>
           <a:xfrm>
-            <a:off x="457200" y="76200"/>
-            <a:ext cx="8229600" cy="1143000"/>
-          </a:xfrm>
-        </p:spPr>
-        <p:txBody>
-          <a:bodyPr/>
-          <a:lstStyle/>
-          <a:p>
-            <a:pPr algn="l"/>
-            <a:r>
-              <a:rPr lang="en-US" b="1" dirty="0" smtClean="0">
-                <a:solidFill>
-                  <a:srgbClr val="0070C0"/>
-                </a:solidFill>
-              </a:rPr>
-              <a:t>Maze Search (A star)</a:t>
-            </a:r>
-            <a:endParaRPr lang="ar-EG" b="1" dirty="0">
-              <a:solidFill>
-                <a:srgbClr val="0070C0"/>
-              </a:solidFill>
-            </a:endParaRPr>
-          </a:p>
-        </p:txBody>
-      </p:sp>
-      <p:sp>
-        <p:nvSpPr>
-          <p:cNvPr id="6" name="Footer Placeholder 5"/>
-          <p:cNvSpPr>
-            <a:spLocks noGrp="1"/>
-          </p:cNvSpPr>
-          <p:nvPr>
-            <p:ph type="ftr" sz="quarter" idx="11"/>
-          </p:nvPr>
-        </p:nvSpPr>
-        <p:spPr/>
-        <p:txBody>
-          <a:bodyPr/>
-          <a:lstStyle/>
-          <a:p>
-            <a:r>
-              <a:rPr lang="en-US" smtClean="0"/>
-              <a:t>By Eng. Ahmed Tarik</a:t>
-            </a:r>
-            <a:endParaRPr lang="en-US"/>
-          </a:p>
-        </p:txBody>
-      </p:sp>
-      <p:pic>
-        <p:nvPicPr>
-          <p:cNvPr id="3074" name="Picture 2"/>
-          <p:cNvPicPr>
-            <a:picLocks noGrp="1" noChangeAspect="1" noChangeArrowheads="1"/>
-          </p:cNvPicPr>
-          <p:nvPr>
-            <p:ph idx="1"/>
-          </p:nvPr>
-        </p:nvPicPr>
-        <p:blipFill>
-          <a:blip r:embed="rId2"/>
-          <a:srcRect/>
-          <a:stretch>
-            <a:fillRect/>
-          </a:stretch>
-        </p:blipFill>
-        <p:spPr bwMode="auto">
-          <a:xfrm>
-            <a:off x="381000" y="1143000"/>
-            <a:ext cx="5410200" cy="1600200"/>
+            <a:off x="533400" y="2590800"/>
+            <a:ext cx="8001000" cy="1754326"/>
           </a:xfrm>
           <a:prstGeom prst="rect">
             <a:avLst/>
           </a:prstGeom>
           <a:noFill/>
-          <a:ln w="9525">
-            <a:noFill/>
-            <a:miter lim="800000"/>
-            <a:headEnd/>
-            <a:tailEnd/>
-          </a:ln>
-          <a:effectLst/>
-        </p:spPr>
-      </p:pic>
-      <p:pic>
-        <p:nvPicPr>
-          <p:cNvPr id="13" name="Picture 12"/>
-          <p:cNvPicPr>
-            <a:picLocks noChangeAspect="1" noChangeArrowheads="1"/>
-          </p:cNvPicPr>
-          <p:nvPr/>
-        </p:nvPicPr>
-        <p:blipFill>
-          <a:blip r:embed="rId3"/>
-          <a:srcRect/>
-          <a:stretch>
-            <a:fillRect/>
-          </a:stretch>
-        </p:blipFill>
-        <p:spPr bwMode="auto">
-          <a:xfrm>
-            <a:off x="5920686" y="533400"/>
-            <a:ext cx="3070914" cy="2590800"/>
-          </a:xfrm>
-          <a:prstGeom prst="rect">
-            <a:avLst/>
-          </a:prstGeom>
-          <a:noFill/>
-          <a:ln w="9525">
-            <a:noFill/>
-            <a:miter lim="800000"/>
-            <a:headEnd/>
-            <a:tailEnd/>
-          </a:ln>
-          <a:effectLst/>
-        </p:spPr>
-      </p:pic>
-      <p:pic>
-        <p:nvPicPr>
-          <p:cNvPr id="3075" name="Picture 3"/>
-          <p:cNvPicPr>
-            <a:picLocks noChangeAspect="1" noChangeArrowheads="1"/>
-          </p:cNvPicPr>
-          <p:nvPr/>
-        </p:nvPicPr>
-        <p:blipFill>
-          <a:blip r:embed="rId4"/>
-          <a:srcRect/>
-          <a:stretch>
-            <a:fillRect/>
-          </a:stretch>
-        </p:blipFill>
-        <p:spPr bwMode="auto">
-          <a:xfrm>
-            <a:off x="381000" y="2971800"/>
-            <a:ext cx="5524500" cy="2447925"/>
-          </a:xfrm>
-          <a:prstGeom prst="rect">
-            <a:avLst/>
-          </a:prstGeom>
-          <a:noFill/>
-          <a:ln w="9525">
-            <a:noFill/>
-            <a:miter lim="800000"/>
-            <a:headEnd/>
-            <a:tailEnd/>
-          </a:ln>
-          <a:effectLst/>
-        </p:spPr>
-      </p:pic>
+        </p:spPr>
+        <p:txBody>
+          <a:bodyPr wrap="square" lIns="91440" tIns="45720" rIns="91440" bIns="45720">
+            <a:spAutoFit/>
+          </a:bodyPr>
+          <a:lstStyle/>
+          <a:p>
+            <a:pPr algn="ctr"/>
+            <a:r>
+              <a:rPr lang="en-US" sz="5400" b="1" dirty="0" smtClean="0">
+                <a:ln w="12700">
+                  <a:solidFill>
+                    <a:schemeClr val="tx2">
+                      <a:satMod val="155000"/>
+                    </a:schemeClr>
+                  </a:solidFill>
+                  <a:prstDash val="solid"/>
+                </a:ln>
+                <a:solidFill>
+                  <a:schemeClr val="bg2">
+                    <a:tint val="85000"/>
+                    <a:satMod val="155000"/>
+                  </a:schemeClr>
+                </a:solidFill>
+                <a:effectLst>
+                  <a:outerShdw blurRad="41275" dist="20320" dir="1800000" algn="tl" rotWithShape="0">
+                    <a:srgbClr val="000000">
+                      <a:alpha val="40000"/>
+                    </a:srgbClr>
+                  </a:outerShdw>
+                </a:effectLst>
+              </a:rPr>
+              <a:t>Maze Search Program</a:t>
+            </a:r>
+          </a:p>
+          <a:p>
+            <a:pPr algn="ctr"/>
+            <a:r>
+              <a:rPr lang="en-US" sz="5400" b="1" dirty="0" smtClean="0">
+                <a:ln w="12700">
+                  <a:solidFill>
+                    <a:schemeClr val="tx2">
+                      <a:satMod val="155000"/>
+                    </a:schemeClr>
+                  </a:solidFill>
+                  <a:prstDash val="solid"/>
+                </a:ln>
+                <a:solidFill>
+                  <a:schemeClr val="bg2">
+                    <a:tint val="85000"/>
+                    <a:satMod val="155000"/>
+                  </a:schemeClr>
+                </a:solidFill>
+                <a:effectLst>
+                  <a:outerShdw blurRad="41275" dist="20320" dir="1800000" algn="tl" rotWithShape="0">
+                    <a:srgbClr val="000000">
+                      <a:alpha val="40000"/>
+                    </a:srgbClr>
+                  </a:outerShdw>
+                </a:effectLst>
+              </a:rPr>
+              <a:t>(Using A star)</a:t>
+            </a:r>
+            <a:endParaRPr lang="en-US" sz="5400" b="1" cap="none" spc="0" dirty="0">
+              <a:ln w="12700">
+                <a:solidFill>
+                  <a:schemeClr val="tx2">
+                    <a:satMod val="155000"/>
+                  </a:schemeClr>
+                </a:solidFill>
+                <a:prstDash val="solid"/>
+              </a:ln>
+              <a:solidFill>
+                <a:schemeClr val="bg2">
+                  <a:tint val="85000"/>
+                  <a:satMod val="155000"/>
+                </a:schemeClr>
+              </a:solidFill>
+              <a:effectLst>
+                <a:outerShdw blurRad="41275" dist="20320" dir="1800000" algn="tl" rotWithShape="0">
+                  <a:srgbClr val="000000">
+                    <a:alpha val="40000"/>
+                  </a:srgbClr>
+                </a:outerShdw>
+              </a:effectLst>
+            </a:endParaRPr>
+          </a:p>
+        </p:txBody>
+      </p:sp>
+      <p:sp>
+        <p:nvSpPr>
+          <p:cNvPr id="5" name="Footer Placeholder 4"/>
+          <p:cNvSpPr>
+            <a:spLocks noGrp="1"/>
+          </p:cNvSpPr>
+          <p:nvPr>
+            <p:ph type="ftr" sz="quarter" idx="11"/>
+          </p:nvPr>
+        </p:nvSpPr>
+        <p:spPr/>
+        <p:txBody>
+          <a:bodyPr/>
+          <a:lstStyle/>
+          <a:p>
+            <a:r>
+              <a:rPr lang="en-US" smtClean="0"/>
+              <a:t>By Eng. Ahmed Tarik</a:t>
+            </a:r>
+            <a:endParaRPr lang="en-US"/>
+          </a:p>
+        </p:txBody>
+      </p:sp>
     </p:spTree>
   </p:cSld>
   <p:clrMapOvr>
@@ -10585,59 +11408,56 @@
             <p:ph type="title"/>
           </p:nvPr>
         </p:nvSpPr>
+        <p:spPr/>
+        <p:txBody>
+          <a:bodyPr/>
+          <a:lstStyle/>
+          <a:p>
+            <a:pPr algn="l"/>
+            <a:r>
+              <a:rPr lang="en-US" b="1" dirty="0" smtClean="0">
+                <a:solidFill>
+                  <a:srgbClr val="0070C0"/>
+                </a:solidFill>
+              </a:rPr>
+              <a:t>A star (Maze Search)</a:t>
+            </a:r>
+            <a:endParaRPr lang="ar-EG" dirty="0"/>
+          </a:p>
+        </p:txBody>
+      </p:sp>
+      <p:sp>
+        <p:nvSpPr>
+          <p:cNvPr id="3" name="Content Placeholder 2"/>
+          <p:cNvSpPr>
+            <a:spLocks noGrp="1"/>
+          </p:cNvSpPr>
+          <p:nvPr>
+            <p:ph idx="1"/>
+          </p:nvPr>
+        </p:nvSpPr>
         <p:spPr>
           <a:xfrm>
-            <a:off x="457200" y="76200"/>
-            <a:ext cx="8229600" cy="1143000"/>
-          </a:xfrm>
-        </p:spPr>
-        <p:txBody>
-          <a:bodyPr/>
-          <a:lstStyle/>
-          <a:p>
-            <a:pPr algn="l"/>
-            <a:r>
-              <a:rPr lang="en-US" b="1" dirty="0" smtClean="0">
-                <a:solidFill>
-                  <a:srgbClr val="0070C0"/>
-                </a:solidFill>
-              </a:rPr>
-              <a:t>Maze Search (A star)</a:t>
-            </a:r>
-            <a:endParaRPr lang="ar-EG" b="1" dirty="0">
-              <a:solidFill>
-                <a:srgbClr val="0070C0"/>
-              </a:solidFill>
-            </a:endParaRPr>
-          </a:p>
-        </p:txBody>
-      </p:sp>
-      <p:sp>
-        <p:nvSpPr>
-          <p:cNvPr id="6" name="Footer Placeholder 5"/>
-          <p:cNvSpPr>
-            <a:spLocks noGrp="1"/>
-          </p:cNvSpPr>
-          <p:nvPr>
-            <p:ph type="ftr" sz="quarter" idx="11"/>
-          </p:nvPr>
-        </p:nvSpPr>
-        <p:spPr/>
-        <p:txBody>
-          <a:bodyPr/>
-          <a:lstStyle/>
-          <a:p>
-            <a:r>
-              <a:rPr lang="en-US" smtClean="0"/>
-              <a:t>By Eng. Ahmed Tarik</a:t>
-            </a:r>
-            <a:endParaRPr lang="en-US"/>
+            <a:off x="5181600" y="1600200"/>
+            <a:ext cx="2514600" cy="685800"/>
+          </a:xfrm>
+        </p:spPr>
+        <p:txBody>
+          <a:bodyPr>
+            <a:normAutofit/>
+          </a:bodyPr>
+          <a:lstStyle/>
+          <a:p>
+            <a:r>
+              <a:rPr lang="en-US" sz="2800" dirty="0" smtClean="0"/>
+              <a:t>A-star Maze</a:t>
+            </a:r>
           </a:p>
         </p:txBody>
       </p:sp>
       <p:pic>
         <p:nvPicPr>
-          <p:cNvPr id="1028" name="Picture 4"/>
+          <p:cNvPr id="65540" name="Picture 4"/>
           <p:cNvPicPr>
             <a:picLocks noChangeAspect="1" noChangeArrowheads="1"/>
           </p:cNvPicPr>
@@ -10652,8 +11472,8 @@
         </p:blipFill>
         <p:spPr bwMode="auto">
           <a:xfrm>
-            <a:off x="609600" y="1466850"/>
-            <a:ext cx="5457825" cy="752475"/>
+            <a:off x="5105400" y="2743200"/>
+            <a:ext cx="3703160" cy="3124200"/>
           </a:xfrm>
           <a:prstGeom prst="rect">
             <a:avLst/>
@@ -10670,7 +11490,7 @@
       </p:pic>
       <p:pic>
         <p:nvPicPr>
-          <p:cNvPr id="1029" name="Picture 5"/>
+          <p:cNvPr id="8" name="Picture 1"/>
           <p:cNvPicPr>
             <a:picLocks noChangeAspect="1" noChangeArrowheads="1"/>
           </p:cNvPicPr>
@@ -10685,8 +11505,8 @@
         </p:blipFill>
         <p:spPr bwMode="auto">
           <a:xfrm>
-            <a:off x="609600" y="1209675"/>
-            <a:ext cx="5391150" cy="257175"/>
+            <a:off x="533400" y="2743200"/>
+            <a:ext cx="3757466" cy="3200400"/>
           </a:xfrm>
           <a:prstGeom prst="rect">
             <a:avLst/>
@@ -10701,119 +11521,125 @@
           <a:effectLst/>
         </p:spPr>
       </p:pic>
-      <p:pic>
-        <p:nvPicPr>
-          <p:cNvPr id="1030" name="Picture 6"/>
-          <p:cNvPicPr>
-            <a:picLocks noChangeAspect="1" noChangeArrowheads="1"/>
-          </p:cNvPicPr>
+      <p:sp>
+        <p:nvSpPr>
+          <p:cNvPr id="9" name="Content Placeholder 2"/>
+          <p:cNvSpPr txBox="1">
+            <a:spLocks/>
+          </p:cNvSpPr>
           <p:nvPr/>
-        </p:nvPicPr>
-        <p:blipFill>
-          <a:blip r:embed="rId4"/>
-          <a:srcRect/>
-          <a:stretch>
-            <a:fillRect/>
-          </a:stretch>
-        </p:blipFill>
-        <p:spPr bwMode="auto">
-          <a:xfrm>
-            <a:off x="609600" y="2428875"/>
-            <a:ext cx="6276975" cy="695325"/>
+        </p:nvSpPr>
+        <p:spPr>
+          <a:xfrm>
+            <a:off x="533400" y="1600200"/>
+            <a:ext cx="3276600" cy="685800"/>
           </a:xfrm>
           <a:prstGeom prst="rect">
             <a:avLst/>
           </a:prstGeom>
-          <a:noFill/>
-          <a:ln w="9525">
-            <a:noFill/>
-            <a:miter lim="800000"/>
-            <a:headEnd/>
-            <a:tailEnd/>
-          </a:ln>
-          <a:effectLst/>
-        </p:spPr>
-      </p:pic>
-      <p:pic>
-        <p:nvPicPr>
-          <p:cNvPr id="17" name="Picture 2"/>
-          <p:cNvPicPr>
-            <a:picLocks noChangeAspect="1" noChangeArrowheads="1"/>
-          </p:cNvPicPr>
-          <p:nvPr/>
-        </p:nvPicPr>
-        <p:blipFill>
-          <a:blip r:embed="rId5"/>
-          <a:srcRect/>
-          <a:stretch>
-            <a:fillRect/>
-          </a:stretch>
-        </p:blipFill>
-        <p:spPr bwMode="auto">
-          <a:xfrm>
-            <a:off x="590550" y="4847613"/>
-            <a:ext cx="7029450" cy="867387"/>
-          </a:xfrm>
-          <a:prstGeom prst="rect">
-            <a:avLst/>
-          </a:prstGeom>
-          <a:noFill/>
-          <a:ln w="9525">
-            <a:noFill/>
-            <a:miter lim="800000"/>
-            <a:headEnd/>
-            <a:tailEnd/>
-          </a:ln>
-          <a:effectLst/>
-        </p:spPr>
-      </p:pic>
-      <p:pic>
-        <p:nvPicPr>
-          <p:cNvPr id="3076" name="Picture 4"/>
-          <p:cNvPicPr>
-            <a:picLocks noGrp="1" noChangeAspect="1" noChangeArrowheads="1"/>
-          </p:cNvPicPr>
-          <p:nvPr>
-            <p:ph idx="1"/>
-          </p:nvPr>
-        </p:nvPicPr>
-        <p:blipFill>
-          <a:blip r:embed="rId6"/>
-          <a:srcRect/>
-          <a:stretch>
-            <a:fillRect/>
-          </a:stretch>
-        </p:blipFill>
-        <p:spPr bwMode="auto">
-          <a:xfrm>
-            <a:off x="609600" y="3376054"/>
-            <a:ext cx="8229600" cy="1195946"/>
-          </a:xfrm>
-          <a:prstGeom prst="rect">
-            <a:avLst/>
-          </a:prstGeom>
-          <a:noFill/>
-          <a:ln w="9525">
-            <a:noFill/>
-            <a:miter lim="800000"/>
-            <a:headEnd/>
-            <a:tailEnd/>
-          </a:ln>
-          <a:effectLst/>
-        </p:spPr>
-      </p:pic>
+        </p:spPr>
+        <p:txBody>
+          <a:bodyPr vert="horz" lIns="91440" tIns="45720" rIns="91440" bIns="45720" rtlCol="0">
+            <a:normAutofit/>
+          </a:bodyPr>
+          <a:lstStyle/>
+          <a:p>
+            <a:pPr marL="342900" marR="0" lvl="0" indent="-342900" algn="l" defTabSz="914400" rtl="0" eaLnBrk="1" fontAlgn="auto" latinLnBrk="0" hangingPunct="1">
+              <a:lnSpc>
+                <a:spcPct val="100000"/>
+              </a:lnSpc>
+              <a:spcBef>
+                <a:spcPct val="20000"/>
+              </a:spcBef>
+              <a:spcAft>
+                <a:spcPts val="0"/>
+              </a:spcAft>
+              <a:buClrTx/>
+              <a:buSzTx/>
+              <a:buFont typeface="Arial" pitchFamily="34" charset="0"/>
+              <a:buChar char="•"/>
+              <a:tabLst/>
+              <a:defRPr/>
+            </a:pPr>
+            <a:r>
+              <a:rPr kumimoji="0" lang="en-US" sz="2800" b="0" i="0" u="none" strike="noStrike" kern="1200" cap="none" spc="0" normalizeH="0" baseline="0" noProof="0" dirty="0" smtClean="0">
+                <a:ln>
+                  <a:noFill/>
+                </a:ln>
+                <a:solidFill>
+                  <a:schemeClr val="tx1"/>
+                </a:solidFill>
+                <a:effectLst/>
+                <a:uLnTx/>
+                <a:uFillTx/>
+                <a:latin typeface="+mn-lt"/>
+                <a:ea typeface="+mn-ea"/>
+                <a:cs typeface="+mn-cs"/>
+              </a:rPr>
+              <a:t>Heuristic</a:t>
+            </a:r>
+            <a:r>
+              <a:rPr kumimoji="0" lang="en-US" sz="2800" b="0" i="0" u="none" strike="noStrike" kern="1200" cap="none" spc="0" normalizeH="0" noProof="0" dirty="0" smtClean="0">
+                <a:ln>
+                  <a:noFill/>
+                </a:ln>
+                <a:solidFill>
+                  <a:schemeClr val="tx1"/>
+                </a:solidFill>
+                <a:effectLst/>
+                <a:uLnTx/>
+                <a:uFillTx/>
+                <a:latin typeface="+mn-lt"/>
+                <a:ea typeface="+mn-ea"/>
+                <a:cs typeface="+mn-cs"/>
+              </a:rPr>
+              <a:t> Function</a:t>
+            </a:r>
+            <a:endParaRPr kumimoji="0" lang="en-US" sz="2800" b="0" i="0" u="none" strike="noStrike" kern="1200" cap="none" spc="0" normalizeH="0" baseline="0" noProof="0" dirty="0" smtClean="0">
+              <a:ln>
+                <a:noFill/>
+              </a:ln>
+              <a:solidFill>
+                <a:schemeClr val="tx1"/>
+              </a:solidFill>
+              <a:effectLst/>
+              <a:uLnTx/>
+              <a:uFillTx/>
+              <a:latin typeface="+mn-lt"/>
+              <a:ea typeface="+mn-ea"/>
+              <a:cs typeface="+mn-cs"/>
+            </a:endParaRPr>
+          </a:p>
+        </p:txBody>
+      </p:sp>
+      <p:sp>
+        <p:nvSpPr>
+          <p:cNvPr id="7" name="Footer Placeholder 6"/>
+          <p:cNvSpPr>
+            <a:spLocks noGrp="1"/>
+          </p:cNvSpPr>
+          <p:nvPr>
+            <p:ph type="ftr" sz="quarter" idx="11"/>
+          </p:nvPr>
+        </p:nvSpPr>
+        <p:spPr/>
+        <p:txBody>
+          <a:bodyPr/>
+          <a:lstStyle/>
+          <a:p>
+            <a:r>
+              <a:rPr lang="en-US" smtClean="0"/>
+              <a:t>By Eng. Ahmed Tarik</a:t>
+            </a:r>
+            <a:endParaRPr lang="en-US"/>
+          </a:p>
+        </p:txBody>
+      </p:sp>
     </p:spTree>
   </p:cSld>
   <p:clrMapOvr>
     <a:masterClrMapping/>
   </p:clrMapOvr>
-  <p:timing>
-    <p:tnLst>
-      <p:par>
-        <p:cTn id="1" dur="indefinite" restart="never" nodeType="tmRoot"/>
-      </p:par>
-    </p:tnLst>
-  </p:timing>
 </p:sld>
 </file>
 
@@ -10871,9 +11697,32 @@
           </a:p>
         </p:txBody>
       </p:sp>
+      <p:sp>
+        <p:nvSpPr>
+          <p:cNvPr id="6" name="Footer Placeholder 5"/>
+          <p:cNvSpPr>
+            <a:spLocks noGrp="1"/>
+          </p:cNvSpPr>
+          <p:nvPr>
+            <p:ph type="ftr" sz="quarter" idx="11"/>
+          </p:nvPr>
+        </p:nvSpPr>
+        <p:spPr/>
+        <p:txBody>
+          <a:bodyPr/>
+          <a:lstStyle/>
+          <a:p>
+            <a:r>
+              <a:rPr lang="en-US" smtClean="0"/>
+              <a:t>By Eng. Ahmed Tarik</a:t>
+            </a:r>
+            <a:endParaRPr lang="en-US"/>
+          </a:p>
+        </p:txBody>
+      </p:sp>
       <p:pic>
         <p:nvPicPr>
-          <p:cNvPr id="4098" name="Picture 2"/>
+          <p:cNvPr id="3074" name="Picture 2"/>
           <p:cNvPicPr>
             <a:picLocks noGrp="1" noChangeAspect="1" noChangeArrowheads="1"/>
           </p:cNvPicPr>
@@ -10890,8 +11739,8 @@
         </p:blipFill>
         <p:spPr bwMode="auto">
           <a:xfrm>
-            <a:off x="457200" y="2209800"/>
-            <a:ext cx="8229600" cy="2696656"/>
+            <a:off x="381000" y="1143000"/>
+            <a:ext cx="5410200" cy="1600200"/>
           </a:xfrm>
           <a:prstGeom prst="rect">
             <a:avLst/>
@@ -10906,29 +11755,72 @@
           <a:effectLst/>
         </p:spPr>
       </p:pic>
-      <p:sp>
-        <p:nvSpPr>
-          <p:cNvPr id="4" name="Footer Placeholder 3"/>
-          <p:cNvSpPr>
-            <a:spLocks noGrp="1"/>
-          </p:cNvSpPr>
-          <p:nvPr>
-            <p:ph type="ftr" sz="quarter" idx="11"/>
-          </p:nvPr>
-        </p:nvSpPr>
-        <p:spPr/>
-        <p:txBody>
-          <a:bodyPr/>
-          <a:lstStyle/>
-          <a:p>
-            <a:r>
-              <a:rPr lang="en-US" smtClean="0"/>
-              <a:t>By Eng. Ahmed Tarik</a:t>
-            </a:r>
-            <a:endParaRPr lang="en-US"/>
-          </a:p>
-        </p:txBody>
-      </p:sp>
+      <p:pic>
+        <p:nvPicPr>
+          <p:cNvPr id="13" name="Picture 12"/>
+          <p:cNvPicPr>
+            <a:picLocks noChangeAspect="1" noChangeArrowheads="1"/>
+          </p:cNvPicPr>
+          <p:nvPr/>
+        </p:nvPicPr>
+        <p:blipFill>
+          <a:blip r:embed="rId3"/>
+          <a:srcRect/>
+          <a:stretch>
+            <a:fillRect/>
+          </a:stretch>
+        </p:blipFill>
+        <p:spPr bwMode="auto">
+          <a:xfrm>
+            <a:off x="5920686" y="533400"/>
+            <a:ext cx="3070914" cy="2590800"/>
+          </a:xfrm>
+          <a:prstGeom prst="rect">
+            <a:avLst/>
+          </a:prstGeom>
+          <a:noFill/>
+          <a:ln w="9525">
+            <a:noFill/>
+            <a:miter lim="800000"/>
+            <a:headEnd/>
+            <a:tailEnd/>
+          </a:ln>
+          <a:effectLst/>
+        </p:spPr>
+      </p:pic>
+      <p:pic>
+        <p:nvPicPr>
+          <p:cNvPr id="3075" name="Picture 3"/>
+          <p:cNvPicPr>
+            <a:picLocks noChangeAspect="1" noChangeArrowheads="1"/>
+          </p:cNvPicPr>
+          <p:nvPr/>
+        </p:nvPicPr>
+        <p:blipFill>
+          <a:blip r:embed="rId4"/>
+          <a:srcRect/>
+          <a:stretch>
+            <a:fillRect/>
+          </a:stretch>
+        </p:blipFill>
+        <p:spPr bwMode="auto">
+          <a:xfrm>
+            <a:off x="381000" y="2971800"/>
+            <a:ext cx="5524500" cy="2447925"/>
+          </a:xfrm>
+          <a:prstGeom prst="rect">
+            <a:avLst/>
+          </a:prstGeom>
+          <a:noFill/>
+          <a:ln w="9525">
+            <a:noFill/>
+            <a:miter lim="800000"/>
+            <a:headEnd/>
+            <a:tailEnd/>
+          </a:ln>
+          <a:effectLst/>
+        </p:spPr>
+      </p:pic>
     </p:spTree>
   </p:cSld>
   <p:clrMapOvr>
@@ -10945,6 +11837,392 @@
 </file>
 
 <file path=ppt/slides/slide37.xml><?xml version="1.0" encoding="utf-8"?>
+<p:sld xmlns:a="http://schemas.openxmlformats.org/drawingml/2006/main" xmlns:r="http://schemas.openxmlformats.org/officeDocument/2006/relationships" xmlns:p="http://schemas.openxmlformats.org/presentationml/2006/main">
+  <p:cSld>
+    <p:spTree>
+      <p:nvGrpSpPr>
+        <p:cNvPr id="1" name=""/>
+        <p:cNvGrpSpPr/>
+        <p:nvPr/>
+      </p:nvGrpSpPr>
+      <p:grpSpPr>
+        <a:xfrm>
+          <a:off x="0" y="0"/>
+          <a:ext cx="0" cy="0"/>
+          <a:chOff x="0" y="0"/>
+          <a:chExt cx="0" cy="0"/>
+        </a:xfrm>
+      </p:grpSpPr>
+      <p:sp>
+        <p:nvSpPr>
+          <p:cNvPr id="2" name="Title 1"/>
+          <p:cNvSpPr>
+            <a:spLocks noGrp="1"/>
+          </p:cNvSpPr>
+          <p:nvPr>
+            <p:ph type="title"/>
+          </p:nvPr>
+        </p:nvSpPr>
+        <p:spPr>
+          <a:xfrm>
+            <a:off x="457200" y="76200"/>
+            <a:ext cx="8229600" cy="1143000"/>
+          </a:xfrm>
+        </p:spPr>
+        <p:txBody>
+          <a:bodyPr/>
+          <a:lstStyle/>
+          <a:p>
+            <a:pPr algn="l"/>
+            <a:r>
+              <a:rPr lang="en-US" b="1" dirty="0" smtClean="0">
+                <a:solidFill>
+                  <a:srgbClr val="0070C0"/>
+                </a:solidFill>
+              </a:rPr>
+              <a:t>Maze Search (A star)</a:t>
+            </a:r>
+            <a:endParaRPr lang="ar-EG" b="1" dirty="0">
+              <a:solidFill>
+                <a:srgbClr val="0070C0"/>
+              </a:solidFill>
+            </a:endParaRPr>
+          </a:p>
+        </p:txBody>
+      </p:sp>
+      <p:sp>
+        <p:nvSpPr>
+          <p:cNvPr id="6" name="Footer Placeholder 5"/>
+          <p:cNvSpPr>
+            <a:spLocks noGrp="1"/>
+          </p:cNvSpPr>
+          <p:nvPr>
+            <p:ph type="ftr" sz="quarter" idx="11"/>
+          </p:nvPr>
+        </p:nvSpPr>
+        <p:spPr/>
+        <p:txBody>
+          <a:bodyPr/>
+          <a:lstStyle/>
+          <a:p>
+            <a:r>
+              <a:rPr lang="en-US" smtClean="0"/>
+              <a:t>By Eng. Ahmed Tarik</a:t>
+            </a:r>
+            <a:endParaRPr lang="en-US"/>
+          </a:p>
+        </p:txBody>
+      </p:sp>
+      <p:pic>
+        <p:nvPicPr>
+          <p:cNvPr id="1028" name="Picture 4"/>
+          <p:cNvPicPr>
+            <a:picLocks noChangeAspect="1" noChangeArrowheads="1"/>
+          </p:cNvPicPr>
+          <p:nvPr/>
+        </p:nvPicPr>
+        <p:blipFill>
+          <a:blip r:embed="rId2"/>
+          <a:srcRect/>
+          <a:stretch>
+            <a:fillRect/>
+          </a:stretch>
+        </p:blipFill>
+        <p:spPr bwMode="auto">
+          <a:xfrm>
+            <a:off x="609600" y="1466850"/>
+            <a:ext cx="5457825" cy="752475"/>
+          </a:xfrm>
+          <a:prstGeom prst="rect">
+            <a:avLst/>
+          </a:prstGeom>
+          <a:noFill/>
+          <a:ln w="9525">
+            <a:noFill/>
+            <a:miter lim="800000"/>
+            <a:headEnd/>
+            <a:tailEnd/>
+          </a:ln>
+          <a:effectLst/>
+        </p:spPr>
+      </p:pic>
+      <p:pic>
+        <p:nvPicPr>
+          <p:cNvPr id="1029" name="Picture 5"/>
+          <p:cNvPicPr>
+            <a:picLocks noChangeAspect="1" noChangeArrowheads="1"/>
+          </p:cNvPicPr>
+          <p:nvPr/>
+        </p:nvPicPr>
+        <p:blipFill>
+          <a:blip r:embed="rId3"/>
+          <a:srcRect/>
+          <a:stretch>
+            <a:fillRect/>
+          </a:stretch>
+        </p:blipFill>
+        <p:spPr bwMode="auto">
+          <a:xfrm>
+            <a:off x="609600" y="1209675"/>
+            <a:ext cx="5391150" cy="257175"/>
+          </a:xfrm>
+          <a:prstGeom prst="rect">
+            <a:avLst/>
+          </a:prstGeom>
+          <a:noFill/>
+          <a:ln w="9525">
+            <a:noFill/>
+            <a:miter lim="800000"/>
+            <a:headEnd/>
+            <a:tailEnd/>
+          </a:ln>
+          <a:effectLst/>
+        </p:spPr>
+      </p:pic>
+      <p:pic>
+        <p:nvPicPr>
+          <p:cNvPr id="1030" name="Picture 6"/>
+          <p:cNvPicPr>
+            <a:picLocks noChangeAspect="1" noChangeArrowheads="1"/>
+          </p:cNvPicPr>
+          <p:nvPr/>
+        </p:nvPicPr>
+        <p:blipFill>
+          <a:blip r:embed="rId4"/>
+          <a:srcRect/>
+          <a:stretch>
+            <a:fillRect/>
+          </a:stretch>
+        </p:blipFill>
+        <p:spPr bwMode="auto">
+          <a:xfrm>
+            <a:off x="609600" y="2428875"/>
+            <a:ext cx="6276975" cy="695325"/>
+          </a:xfrm>
+          <a:prstGeom prst="rect">
+            <a:avLst/>
+          </a:prstGeom>
+          <a:noFill/>
+          <a:ln w="9525">
+            <a:noFill/>
+            <a:miter lim="800000"/>
+            <a:headEnd/>
+            <a:tailEnd/>
+          </a:ln>
+          <a:effectLst/>
+        </p:spPr>
+      </p:pic>
+      <p:pic>
+        <p:nvPicPr>
+          <p:cNvPr id="17" name="Picture 2"/>
+          <p:cNvPicPr>
+            <a:picLocks noChangeAspect="1" noChangeArrowheads="1"/>
+          </p:cNvPicPr>
+          <p:nvPr/>
+        </p:nvPicPr>
+        <p:blipFill>
+          <a:blip r:embed="rId5"/>
+          <a:srcRect/>
+          <a:stretch>
+            <a:fillRect/>
+          </a:stretch>
+        </p:blipFill>
+        <p:spPr bwMode="auto">
+          <a:xfrm>
+            <a:off x="590550" y="4847613"/>
+            <a:ext cx="7029450" cy="867387"/>
+          </a:xfrm>
+          <a:prstGeom prst="rect">
+            <a:avLst/>
+          </a:prstGeom>
+          <a:noFill/>
+          <a:ln w="9525">
+            <a:noFill/>
+            <a:miter lim="800000"/>
+            <a:headEnd/>
+            <a:tailEnd/>
+          </a:ln>
+          <a:effectLst/>
+        </p:spPr>
+      </p:pic>
+      <p:pic>
+        <p:nvPicPr>
+          <p:cNvPr id="3076" name="Picture 4"/>
+          <p:cNvPicPr>
+            <a:picLocks noGrp="1" noChangeAspect="1" noChangeArrowheads="1"/>
+          </p:cNvPicPr>
+          <p:nvPr>
+            <p:ph idx="1"/>
+          </p:nvPr>
+        </p:nvPicPr>
+        <p:blipFill>
+          <a:blip r:embed="rId6"/>
+          <a:srcRect/>
+          <a:stretch>
+            <a:fillRect/>
+          </a:stretch>
+        </p:blipFill>
+        <p:spPr bwMode="auto">
+          <a:xfrm>
+            <a:off x="609600" y="3376054"/>
+            <a:ext cx="8229600" cy="1195946"/>
+          </a:xfrm>
+          <a:prstGeom prst="rect">
+            <a:avLst/>
+          </a:prstGeom>
+          <a:noFill/>
+          <a:ln w="9525">
+            <a:noFill/>
+            <a:miter lim="800000"/>
+            <a:headEnd/>
+            <a:tailEnd/>
+          </a:ln>
+          <a:effectLst/>
+        </p:spPr>
+      </p:pic>
+    </p:spTree>
+  </p:cSld>
+  <p:clrMapOvr>
+    <a:masterClrMapping/>
+  </p:clrMapOvr>
+  <p:timing>
+    <p:tnLst>
+      <p:par>
+        <p:cTn id="1" dur="indefinite" restart="never" nodeType="tmRoot"/>
+      </p:par>
+    </p:tnLst>
+  </p:timing>
+</p:sld>
+</file>
+
+<file path=ppt/slides/slide38.xml><?xml version="1.0" encoding="utf-8"?>
+<p:sld xmlns:a="http://schemas.openxmlformats.org/drawingml/2006/main" xmlns:r="http://schemas.openxmlformats.org/officeDocument/2006/relationships" xmlns:p="http://schemas.openxmlformats.org/presentationml/2006/main">
+  <p:cSld>
+    <p:spTree>
+      <p:nvGrpSpPr>
+        <p:cNvPr id="1" name=""/>
+        <p:cNvGrpSpPr/>
+        <p:nvPr/>
+      </p:nvGrpSpPr>
+      <p:grpSpPr>
+        <a:xfrm>
+          <a:off x="0" y="0"/>
+          <a:ext cx="0" cy="0"/>
+          <a:chOff x="0" y="0"/>
+          <a:chExt cx="0" cy="0"/>
+        </a:xfrm>
+      </p:grpSpPr>
+      <p:sp>
+        <p:nvSpPr>
+          <p:cNvPr id="2" name="Title 1"/>
+          <p:cNvSpPr>
+            <a:spLocks noGrp="1"/>
+          </p:cNvSpPr>
+          <p:nvPr>
+            <p:ph type="title"/>
+          </p:nvPr>
+        </p:nvSpPr>
+        <p:spPr>
+          <a:xfrm>
+            <a:off x="457200" y="76200"/>
+            <a:ext cx="8229600" cy="1143000"/>
+          </a:xfrm>
+        </p:spPr>
+        <p:txBody>
+          <a:bodyPr/>
+          <a:lstStyle/>
+          <a:p>
+            <a:pPr algn="l"/>
+            <a:r>
+              <a:rPr lang="en-US" b="1" dirty="0" smtClean="0">
+                <a:solidFill>
+                  <a:srgbClr val="0070C0"/>
+                </a:solidFill>
+              </a:rPr>
+              <a:t>Maze Search (A star)</a:t>
+            </a:r>
+            <a:endParaRPr lang="ar-EG" b="1" dirty="0">
+              <a:solidFill>
+                <a:srgbClr val="0070C0"/>
+              </a:solidFill>
+            </a:endParaRPr>
+          </a:p>
+        </p:txBody>
+      </p:sp>
+      <p:pic>
+        <p:nvPicPr>
+          <p:cNvPr id="4098" name="Picture 2"/>
+          <p:cNvPicPr>
+            <a:picLocks noGrp="1" noChangeAspect="1" noChangeArrowheads="1"/>
+          </p:cNvPicPr>
+          <p:nvPr>
+            <p:ph idx="1"/>
+          </p:nvPr>
+        </p:nvPicPr>
+        <p:blipFill>
+          <a:blip r:embed="rId2"/>
+          <a:srcRect/>
+          <a:stretch>
+            <a:fillRect/>
+          </a:stretch>
+        </p:blipFill>
+        <p:spPr bwMode="auto">
+          <a:xfrm>
+            <a:off x="457200" y="2209800"/>
+            <a:ext cx="8229600" cy="2696656"/>
+          </a:xfrm>
+          <a:prstGeom prst="rect">
+            <a:avLst/>
+          </a:prstGeom>
+          <a:noFill/>
+          <a:ln w="9525">
+            <a:noFill/>
+            <a:miter lim="800000"/>
+            <a:headEnd/>
+            <a:tailEnd/>
+          </a:ln>
+          <a:effectLst/>
+        </p:spPr>
+      </p:pic>
+      <p:sp>
+        <p:nvSpPr>
+          <p:cNvPr id="4" name="Footer Placeholder 3"/>
+          <p:cNvSpPr>
+            <a:spLocks noGrp="1"/>
+          </p:cNvSpPr>
+          <p:nvPr>
+            <p:ph type="ftr" sz="quarter" idx="11"/>
+          </p:nvPr>
+        </p:nvSpPr>
+        <p:spPr/>
+        <p:txBody>
+          <a:bodyPr/>
+          <a:lstStyle/>
+          <a:p>
+            <a:r>
+              <a:rPr lang="en-US" smtClean="0"/>
+              <a:t>By Eng. Ahmed Tarik</a:t>
+            </a:r>
+            <a:endParaRPr lang="en-US"/>
+          </a:p>
+        </p:txBody>
+      </p:sp>
+    </p:spTree>
+  </p:cSld>
+  <p:clrMapOvr>
+    <a:masterClrMapping/>
+  </p:clrMapOvr>
+  <p:timing>
+    <p:tnLst>
+      <p:par>
+        <p:cTn id="1" dur="indefinite" restart="never" nodeType="tmRoot"/>
+      </p:par>
+    </p:tnLst>
+  </p:timing>
+</p:sld>
+</file>
+
+<file path=ppt/slides/slide39.xml><?xml version="1.0" encoding="utf-8"?>
 <p:sld xmlns:a="http://schemas.openxmlformats.org/drawingml/2006/main" xmlns:r="http://schemas.openxmlformats.org/officeDocument/2006/relationships" xmlns:p="http://schemas.openxmlformats.org/presentationml/2006/main">
   <p:cSld>
     <p:spTree>

--- a/a-star-I.pptx
+++ b/a-star-I.pptx
@@ -5,7 +5,7 @@
     <p:sldMasterId id="2147483648" r:id="rId1"/>
   </p:sldMasterIdLst>
   <p:notesMasterIdLst>
-    <p:notesMasterId r:id="rId41"/>
+    <p:notesMasterId r:id="rId42"/>
   </p:notesMasterIdLst>
   <p:sldIdLst>
     <p:sldId id="398" r:id="rId2"/>
@@ -28,25 +28,26 @@
     <p:sldId id="383" r:id="rId19"/>
     <p:sldId id="384" r:id="rId20"/>
     <p:sldId id="385" r:id="rId21"/>
-    <p:sldId id="409" r:id="rId22"/>
-    <p:sldId id="386" r:id="rId23"/>
-    <p:sldId id="387" r:id="rId24"/>
-    <p:sldId id="388" r:id="rId25"/>
-    <p:sldId id="389" r:id="rId26"/>
-    <p:sldId id="390" r:id="rId27"/>
-    <p:sldId id="391" r:id="rId28"/>
-    <p:sldId id="392" r:id="rId29"/>
-    <p:sldId id="396" r:id="rId30"/>
-    <p:sldId id="400" r:id="rId31"/>
-    <p:sldId id="401" r:id="rId32"/>
-    <p:sldId id="402" r:id="rId33"/>
-    <p:sldId id="403" r:id="rId34"/>
-    <p:sldId id="404" r:id="rId35"/>
-    <p:sldId id="405" r:id="rId36"/>
-    <p:sldId id="406" r:id="rId37"/>
-    <p:sldId id="407" r:id="rId38"/>
-    <p:sldId id="408" r:id="rId39"/>
-    <p:sldId id="397" r:id="rId40"/>
+    <p:sldId id="413" r:id="rId22"/>
+    <p:sldId id="409" r:id="rId23"/>
+    <p:sldId id="386" r:id="rId24"/>
+    <p:sldId id="387" r:id="rId25"/>
+    <p:sldId id="388" r:id="rId26"/>
+    <p:sldId id="389" r:id="rId27"/>
+    <p:sldId id="390" r:id="rId28"/>
+    <p:sldId id="391" r:id="rId29"/>
+    <p:sldId id="392" r:id="rId30"/>
+    <p:sldId id="396" r:id="rId31"/>
+    <p:sldId id="400" r:id="rId32"/>
+    <p:sldId id="401" r:id="rId33"/>
+    <p:sldId id="402" r:id="rId34"/>
+    <p:sldId id="403" r:id="rId35"/>
+    <p:sldId id="404" r:id="rId36"/>
+    <p:sldId id="405" r:id="rId37"/>
+    <p:sldId id="406" r:id="rId38"/>
+    <p:sldId id="407" r:id="rId39"/>
+    <p:sldId id="408" r:id="rId40"/>
+    <p:sldId id="397" r:id="rId41"/>
   </p:sldIdLst>
   <p:sldSz cx="9144000" cy="6858000" type="screen4x3"/>
   <p:notesSz cx="6858000" cy="9144000"/>
@@ -4117,11 +4118,7 @@
             </a:r>
             <a:r>
               <a:rPr lang="en-US" sz="2800" b="1" dirty="0" smtClean="0"/>
-              <a:t> </a:t>
-            </a:r>
-            <a:r>
-              <a:rPr lang="en-US" sz="2800" b="1" dirty="0" smtClean="0"/>
-              <a:t>order:</a:t>
+              <a:t> order:</a:t>
             </a:r>
             <a:endParaRPr kumimoji="0" lang="en-US" sz="2800" b="1" i="0" u="none" strike="noStrike" kern="1200" cap="none" spc="0" normalizeH="0" baseline="0" noProof="0" dirty="0" smtClean="0">
               <a:ln>
@@ -4377,17 +4374,8 @@
             <a:pPr lvl="1"/>
             <a:r>
               <a:rPr lang="en-US" sz="2400" dirty="0" smtClean="0"/>
-              <a:t>[[</a:t>
-            </a:r>
-            <a:r>
-              <a:rPr lang="en-US" sz="2400" dirty="0" smtClean="0"/>
-              <a:t>0, (0, 0), [(0, 0</a:t>
-            </a:r>
-            <a:r>
-              <a:rPr lang="en-US" sz="2400" dirty="0" smtClean="0"/>
-              <a:t>)]]]</a:t>
-            </a:r>
-            <a:endParaRPr lang="en-US" sz="2400" dirty="0" smtClean="0"/>
+              <a:t>[[0, (0, 0), [(0, 0)]]]</a:t>
+            </a:r>
           </a:p>
           <a:p>
             <a:pPr lvl="1"/>
@@ -4402,7 +4390,6 @@
               <a:rPr lang="en-US" sz="2400" dirty="0" smtClean="0"/>
               <a:t>[[1, (1, 0), [(0, 0), (1, 0)]], [2, (1, 1), [(0, 0), (0, 1), (1, 1)]]]</a:t>
             </a:r>
-            <a:endParaRPr lang="en-US" sz="2400" dirty="0" smtClean="0"/>
           </a:p>
         </p:txBody>
       </p:sp>
@@ -4486,11 +4473,7 @@
             </a:r>
             <a:r>
               <a:rPr lang="en-US" sz="2800" b="1" dirty="0" smtClean="0"/>
-              <a:t> </a:t>
-            </a:r>
-            <a:r>
-              <a:rPr lang="en-US" sz="2800" b="1" dirty="0" smtClean="0"/>
-              <a:t>order: (pop order)</a:t>
+              <a:t> order: (pop order)</a:t>
             </a:r>
             <a:endParaRPr kumimoji="0" lang="en-US" sz="2800" b="1" i="0" u="none" strike="noStrike" kern="1200" cap="none" spc="0" normalizeH="0" baseline="0" noProof="0" dirty="0" smtClean="0">
               <a:ln>
@@ -5581,61 +5564,21 @@
             <a:pPr lvl="1"/>
             <a:r>
               <a:rPr lang="en-US" sz="2400" dirty="0" smtClean="0"/>
-              <a:t>[[</a:t>
-            </a:r>
+              <a:t>[[9, 6, (4, 2)] ]</a:t>
+            </a:r>
+          </a:p>
+          <a:p>
+            <a:pPr lvl="1"/>
             <a:r>
               <a:rPr lang="en-US" sz="2400" dirty="0" smtClean="0"/>
-              <a:t>9, 6, (4, 2</a:t>
-            </a:r>
+              <a:t>[[11, 7, (3, 2)], [9, 7, (4, 3)] ]</a:t>
+            </a:r>
+          </a:p>
+          <a:p>
+            <a:pPr lvl="1"/>
             <a:r>
               <a:rPr lang="en-US" sz="2400" dirty="0" smtClean="0"/>
-              <a:t>)] ]</a:t>
-            </a:r>
-          </a:p>
-          <a:p>
-            <a:pPr lvl="1"/>
-            <a:r>
-              <a:rPr lang="en-US" sz="2400" dirty="0" smtClean="0"/>
-              <a:t>[[</a:t>
-            </a:r>
-            <a:r>
-              <a:rPr lang="en-US" sz="2400" dirty="0" smtClean="0"/>
-              <a:t>11, 7, (3, 2</a:t>
-            </a:r>
-            <a:r>
-              <a:rPr lang="en-US" sz="2400" dirty="0" smtClean="0"/>
-              <a:t>)], </a:t>
-            </a:r>
-            <a:r>
-              <a:rPr lang="en-US" sz="2400" dirty="0" smtClean="0"/>
-              <a:t>[9, 7, (4, 3</a:t>
-            </a:r>
-            <a:r>
-              <a:rPr lang="en-US" sz="2400" dirty="0" smtClean="0"/>
-              <a:t>)] ]</a:t>
-            </a:r>
-          </a:p>
-          <a:p>
-            <a:pPr lvl="1"/>
-            <a:r>
-              <a:rPr lang="en-US" sz="2400" dirty="0" smtClean="0"/>
-              <a:t>[[</a:t>
-            </a:r>
-            <a:r>
-              <a:rPr lang="en-US" sz="2400" dirty="0" smtClean="0"/>
-              <a:t>11, 7, (3, 2</a:t>
-            </a:r>
-            <a:r>
-              <a:rPr lang="en-US" sz="2400" dirty="0" smtClean="0"/>
-              <a:t>)], </a:t>
-            </a:r>
-            <a:r>
-              <a:rPr lang="en-US" sz="2400" dirty="0" smtClean="0"/>
-              <a:t>[11, 8, (3, 3</a:t>
-            </a:r>
-            <a:r>
-              <a:rPr lang="en-US" sz="2400" dirty="0" smtClean="0"/>
-              <a:t>)] ]</a:t>
+              <a:t>[[11, 7, (3, 2)], [11, 8, (3, 3)] ]</a:t>
             </a:r>
           </a:p>
         </p:txBody>
@@ -5923,11 +5866,7 @@
             </a:r>
             <a:r>
               <a:rPr lang="en-US" sz="2800" b="1" dirty="0" smtClean="0"/>
-              <a:t> </a:t>
-            </a:r>
-            <a:r>
-              <a:rPr lang="en-US" sz="2800" b="1" dirty="0" smtClean="0"/>
-              <a:t>order: (pop order)</a:t>
+              <a:t> order: (pop order)</a:t>
             </a:r>
             <a:endParaRPr kumimoji="0" lang="en-US" sz="2800" b="1" i="0" u="none" strike="noStrike" kern="1200" cap="none" spc="0" normalizeH="0" baseline="0" noProof="0" dirty="0" smtClean="0">
               <a:ln>
@@ -6161,11 +6100,7 @@
             </a:r>
             <a:r>
               <a:rPr lang="en-US" sz="2800" b="1" dirty="0" smtClean="0"/>
-              <a:t> </a:t>
-            </a:r>
-            <a:r>
-              <a:rPr lang="en-US" sz="2800" b="1" dirty="0" smtClean="0"/>
-              <a:t>order: (pop order)</a:t>
+              <a:t> order: (pop order)</a:t>
             </a:r>
             <a:endParaRPr kumimoji="0" lang="en-US" sz="2800" b="1" i="0" u="none" strike="noStrike" kern="1200" cap="none" spc="0" normalizeH="0" baseline="0" noProof="0" dirty="0" smtClean="0">
               <a:ln>
@@ -6805,7 +6740,7 @@
         <p:spPr>
           <a:xfrm>
             <a:off x="533400" y="1219200"/>
-            <a:ext cx="7696200" cy="2362200"/>
+            <a:ext cx="7696200" cy="3124200"/>
           </a:xfrm>
         </p:spPr>
         <p:txBody>
@@ -6819,28 +6754,38 @@
             </a:pPr>
             <a:r>
               <a:rPr lang="en-US" sz="2400" dirty="0" smtClean="0"/>
-              <a:t>&gt;&gt;&gt; </a:t>
+              <a:t>&gt;&gt;&gt; x= [[1,3,5,7],[10,5],[4,2,0]]</a:t>
+            </a:r>
+          </a:p>
+          <a:p>
+            <a:pPr>
+              <a:buNone/>
+            </a:pPr>
+            <a:r>
+              <a:rPr lang="en-US" sz="2400" dirty="0" smtClean="0"/>
+              <a:t>&gt;&gt;&gt; min(x)</a:t>
+            </a:r>
+          </a:p>
+          <a:p>
+            <a:pPr>
+              <a:buNone/>
+            </a:pPr>
+            <a:r>
+              <a:rPr lang="en-US" sz="2400" dirty="0" smtClean="0"/>
+              <a:t>[1, 3, 5, 7]</a:t>
+            </a:r>
+          </a:p>
+          <a:p>
+            <a:pPr>
+              <a:buNone/>
+            </a:pPr>
+            <a:r>
+              <a:rPr lang="en-US" sz="2400" dirty="0" smtClean="0"/>
+              <a:t>&gt;&gt;&gt; min(x, key=</a:t>
             </a:r>
             <a:r>
               <a:rPr lang="en-US" sz="2400" dirty="0" err="1" smtClean="0"/>
-              <a:t>dict</a:t>
-            </a:r>
-            <a:r>
-              <a:rPr lang="en-US" sz="2400" dirty="0" smtClean="0"/>
-              <a:t> = {'a':20,'b':30,'c':10,'d':40}</a:t>
-            </a:r>
-          </a:p>
-          <a:p>
-            <a:pPr>
-              <a:buNone/>
-            </a:pPr>
-            <a:r>
-              <a:rPr lang="en-US" sz="2400" dirty="0" smtClean="0"/>
-              <a:t>&gt;&gt;&gt; min(</a:t>
-            </a:r>
-            <a:r>
-              <a:rPr lang="en-US" sz="2400" dirty="0" err="1" smtClean="0"/>
-              <a:t>dict</a:t>
+              <a:t>len</a:t>
             </a:r>
             <a:r>
               <a:rPr lang="en-US" sz="2400" dirty="0" smtClean="0"/>
@@ -6853,7 +6798,7 @@
             </a:pPr>
             <a:r>
               <a:rPr lang="en-US" sz="2400" dirty="0" smtClean="0"/>
-              <a:t>'a'</a:t>
+              <a:t>[10, 5]</a:t>
             </a:r>
           </a:p>
           <a:p>
@@ -6862,24 +6807,16 @@
             </a:pPr>
             <a:r>
               <a:rPr lang="en-US" sz="2400" dirty="0" smtClean="0"/>
-              <a:t>&gt;&gt;&gt; min(</a:t>
-            </a:r>
-            <a:r>
-              <a:rPr lang="en-US" sz="2400" dirty="0" err="1" smtClean="0"/>
-              <a:t>dict</a:t>
-            </a:r>
+              <a:t>&gt;&gt;&gt; min(x, key= lambda p:p[1])</a:t>
+            </a:r>
+          </a:p>
+          <a:p>
+            <a:pPr>
+              <a:buNone/>
+            </a:pPr>
             <a:r>
               <a:rPr lang="en-US" sz="2400" dirty="0" smtClean="0"/>
-              <a:t>, key=lambda p:dict[p])</a:t>
-            </a:r>
-          </a:p>
-          <a:p>
-            <a:pPr>
-              <a:buNone/>
-            </a:pPr>
-            <a:r>
-              <a:rPr lang="en-US" sz="2400" dirty="0" smtClean="0"/>
-              <a:t>'c'</a:t>
+              <a:t>[4, 2, 0]</a:t>
             </a:r>
             <a:endParaRPr lang="ar-EG" sz="2400" dirty="0"/>
           </a:p>
@@ -6910,7 +6847,7 @@
       </p:sp>
       <p:pic>
         <p:nvPicPr>
-          <p:cNvPr id="1026" name="Picture 2"/>
+          <p:cNvPr id="3" name="Picture 2"/>
           <p:cNvPicPr>
             <a:picLocks noChangeAspect="1" noChangeArrowheads="1"/>
           </p:cNvPicPr>
@@ -6925,8 +6862,8 @@
         </p:blipFill>
         <p:spPr bwMode="auto">
           <a:xfrm>
-            <a:off x="685800" y="3733800"/>
-            <a:ext cx="6696075" cy="1543050"/>
+            <a:off x="2286000" y="3962400"/>
+            <a:ext cx="5438775" cy="2162175"/>
           </a:xfrm>
           <a:prstGeom prst="rect">
             <a:avLst/>
@@ -7000,7 +6937,7 @@
                   <a:srgbClr val="0070C0"/>
                 </a:solidFill>
               </a:rPr>
-              <a:t>A star (Sudoku game)</a:t>
+              <a:t>Python (key=lambda)</a:t>
             </a:r>
             <a:endParaRPr lang="ar-EG" b="1" dirty="0">
               <a:solidFill>
@@ -7022,135 +6959,113 @@
         </p:nvSpPr>
         <p:spPr>
           <a:xfrm>
-            <a:off x="457200" y="1219200"/>
-            <a:ext cx="8229600" cy="5410200"/>
-          </a:xfrm>
-        </p:spPr>
+            <a:off x="533400" y="1219200"/>
+            <a:ext cx="7696200" cy="2362200"/>
+          </a:xfrm>
+        </p:spPr>
+        <p:txBody>
+          <a:bodyPr>
+            <a:noAutofit/>
+          </a:bodyPr>
+          <a:lstStyle/>
+          <a:p>
+            <a:pPr>
+              <a:buNone/>
+            </a:pPr>
+            <a:r>
+              <a:rPr lang="en-US" sz="2400" dirty="0" smtClean="0"/>
+              <a:t>&gt;&gt;&gt; </a:t>
+            </a:r>
+            <a:r>
+              <a:rPr lang="en-US" sz="2400" dirty="0" err="1" smtClean="0"/>
+              <a:t>dict</a:t>
+            </a:r>
+            <a:r>
+              <a:rPr lang="en-US" sz="2400" dirty="0" smtClean="0"/>
+              <a:t> = {'a':20,'b':30,'c':10,'d':40}</a:t>
+            </a:r>
+          </a:p>
+          <a:p>
+            <a:pPr>
+              <a:buNone/>
+            </a:pPr>
+            <a:r>
+              <a:rPr lang="en-US" sz="2400" dirty="0" smtClean="0"/>
+              <a:t>&gt;&gt;&gt; min(</a:t>
+            </a:r>
+            <a:r>
+              <a:rPr lang="en-US" sz="2400" dirty="0" err="1" smtClean="0"/>
+              <a:t>dict</a:t>
+            </a:r>
+            <a:r>
+              <a:rPr lang="en-US" sz="2400" dirty="0" smtClean="0"/>
+              <a:t>)</a:t>
+            </a:r>
+          </a:p>
+          <a:p>
+            <a:pPr>
+              <a:buNone/>
+            </a:pPr>
+            <a:r>
+              <a:rPr lang="en-US" sz="2400" dirty="0" smtClean="0"/>
+              <a:t>'a'</a:t>
+            </a:r>
+          </a:p>
+          <a:p>
+            <a:pPr>
+              <a:buNone/>
+            </a:pPr>
+            <a:r>
+              <a:rPr lang="en-US" sz="2400" dirty="0" smtClean="0"/>
+              <a:t>&gt;&gt;&gt; min(</a:t>
+            </a:r>
+            <a:r>
+              <a:rPr lang="en-US" sz="2400" dirty="0" err="1" smtClean="0"/>
+              <a:t>dict</a:t>
+            </a:r>
+            <a:r>
+              <a:rPr lang="en-US" sz="2400" dirty="0" smtClean="0"/>
+              <a:t>, key=lambda p:dict[p])</a:t>
+            </a:r>
+          </a:p>
+          <a:p>
+            <a:pPr>
+              <a:buNone/>
+            </a:pPr>
+            <a:r>
+              <a:rPr lang="en-US" sz="2400" dirty="0" smtClean="0"/>
+              <a:t>'c'</a:t>
+            </a:r>
+            <a:endParaRPr lang="ar-EG" sz="2400" dirty="0"/>
+          </a:p>
+        </p:txBody>
+      </p:sp>
+      <p:sp>
+        <p:nvSpPr>
+          <p:cNvPr id="7" name="Footer Placeholder 6"/>
+          <p:cNvSpPr>
+            <a:spLocks noGrp="1"/>
+          </p:cNvSpPr>
+          <p:nvPr>
+            <p:ph type="ftr" sz="quarter" idx="11"/>
+          </p:nvPr>
+        </p:nvSpPr>
+        <p:spPr/>
         <p:txBody>
           <a:bodyPr/>
           <a:lstStyle/>
           <a:p>
-            <a:pPr>
-              <a:buNone/>
-            </a:pPr>
-            <a:r>
-              <a:rPr lang="en-US" sz="2000" dirty="0" smtClean="0"/>
-              <a:t>from copy import </a:t>
-            </a:r>
-            <a:r>
-              <a:rPr lang="en-US" sz="2000" dirty="0" err="1" smtClean="0"/>
-              <a:t>deepcopy</a:t>
-            </a:r>
-            <a:endParaRPr lang="en-US" sz="2000" dirty="0" smtClean="0"/>
-          </a:p>
-          <a:p>
-            <a:pPr>
-              <a:buNone/>
-            </a:pPr>
-            <a:endParaRPr lang="en-US" sz="2000" dirty="0" smtClean="0"/>
-          </a:p>
-          <a:p>
-            <a:pPr>
-              <a:buNone/>
-            </a:pPr>
-            <a:r>
-              <a:rPr lang="en-US" sz="2000" dirty="0" smtClean="0"/>
-              <a:t>Grid = [['4', '.', '7',     '3', '.', '9',      '8', '.', '5'],</a:t>
-            </a:r>
-          </a:p>
-          <a:p>
-            <a:pPr>
-              <a:buNone/>
-            </a:pPr>
-            <a:r>
-              <a:rPr lang="en-US" sz="2000" dirty="0" smtClean="0"/>
-              <a:t>             ['.', '3', '.',     '.', '.', '.',      '.', '.', '.'],</a:t>
-            </a:r>
-          </a:p>
-          <a:p>
-            <a:pPr>
-              <a:buNone/>
-            </a:pPr>
-            <a:r>
-              <a:rPr lang="en-US" sz="2000" dirty="0" smtClean="0"/>
-              <a:t>             ['.', '.', '.',     '7', '.', '.',      '.', '.', '.'],</a:t>
-            </a:r>
-          </a:p>
-          <a:p>
-            <a:pPr>
-              <a:buNone/>
-            </a:pPr>
-            <a:r>
-              <a:rPr lang="en-US" sz="2000" dirty="0" smtClean="0"/>
-              <a:t>        </a:t>
-            </a:r>
-          </a:p>
-          <a:p>
-            <a:pPr>
-              <a:buNone/>
-            </a:pPr>
-            <a:r>
-              <a:rPr lang="en-US" sz="2000" dirty="0" smtClean="0"/>
-              <a:t>             ['.', '2', '.',     '.', '.', '.',      '.', '6', '.'],</a:t>
-            </a:r>
-          </a:p>
-          <a:p>
-            <a:pPr>
-              <a:buNone/>
-            </a:pPr>
-            <a:r>
-              <a:rPr lang="en-US" sz="2000" dirty="0" smtClean="0"/>
-              <a:t>             ['.', '.', '.',     '.', '8', '.',      '4', '.', '.'],</a:t>
-            </a:r>
-          </a:p>
-          <a:p>
-            <a:pPr>
-              <a:buNone/>
-            </a:pPr>
-            <a:r>
-              <a:rPr lang="en-US" sz="2000" dirty="0" smtClean="0"/>
-              <a:t>             ['.', '.', '.',     '.', '1', '.',      '.', '.', '.'],</a:t>
-            </a:r>
-          </a:p>
-          <a:p>
-            <a:pPr>
-              <a:buNone/>
-            </a:pPr>
-            <a:endParaRPr lang="en-US" sz="2000" dirty="0" smtClean="0"/>
-          </a:p>
-          <a:p>
-            <a:pPr>
-              <a:buNone/>
-            </a:pPr>
-            <a:r>
-              <a:rPr lang="en-US" sz="2000" dirty="0" smtClean="0"/>
-              <a:t>             ['.', '.', '.',     '6', '.', '3',      '.', '7', '.'],</a:t>
-            </a:r>
-          </a:p>
-          <a:p>
-            <a:pPr>
-              <a:buNone/>
-            </a:pPr>
-            <a:r>
-              <a:rPr lang="en-US" sz="2000" dirty="0" smtClean="0"/>
-              <a:t>             ['5', '.', '.',     '2', '.', '.',      '.', '.', '.'],</a:t>
-            </a:r>
-          </a:p>
-          <a:p>
-            <a:pPr>
-              <a:buNone/>
-            </a:pPr>
-            <a:r>
-              <a:rPr lang="en-US" sz="2000" dirty="0" smtClean="0"/>
-              <a:t>             ['1', '.', '4',     '.', '.', '.',      '.', '.', '.']]</a:t>
-            </a:r>
-            <a:endParaRPr lang="ar-EG" sz="2000" dirty="0"/>
+            <a:r>
+              <a:rPr lang="en-US" smtClean="0"/>
+              <a:t>By Eng. Ahmed Tarik</a:t>
+            </a:r>
+            <a:endParaRPr lang="en-US"/>
           </a:p>
         </p:txBody>
       </p:sp>
       <p:pic>
         <p:nvPicPr>
-          <p:cNvPr id="5" name="Picture 2"/>
+          <p:cNvPr id="1026" name="Picture 2"/>
           <p:cNvPicPr>
             <a:picLocks noChangeAspect="1" noChangeArrowheads="1"/>
           </p:cNvPicPr>
@@ -7165,8 +7080,8 @@
         </p:blipFill>
         <p:spPr bwMode="auto">
           <a:xfrm>
-            <a:off x="5562600" y="739254"/>
-            <a:ext cx="3276600" cy="2689746"/>
+            <a:off x="685800" y="3733800"/>
+            <a:ext cx="6696075" cy="1543050"/>
           </a:xfrm>
           <a:prstGeom prst="rect">
             <a:avLst/>
@@ -7181,29 +7096,6 @@
           <a:effectLst/>
         </p:spPr>
       </p:pic>
-      <p:sp>
-        <p:nvSpPr>
-          <p:cNvPr id="7" name="Footer Placeholder 6"/>
-          <p:cNvSpPr>
-            <a:spLocks noGrp="1"/>
-          </p:cNvSpPr>
-          <p:nvPr>
-            <p:ph type="ftr" sz="quarter" idx="11"/>
-          </p:nvPr>
-        </p:nvSpPr>
-        <p:spPr/>
-        <p:txBody>
-          <a:bodyPr/>
-          <a:lstStyle/>
-          <a:p>
-            <a:r>
-              <a:rPr lang="en-US" smtClean="0"/>
-              <a:t>By Eng. Ahmed Tarik</a:t>
-            </a:r>
-            <a:endParaRPr lang="en-US"/>
-          </a:p>
-        </p:txBody>
-      </p:sp>
     </p:spTree>
   </p:cSld>
   <p:clrMapOvr>
@@ -7297,22 +7189,20 @@
               <a:buNone/>
             </a:pPr>
             <a:r>
+              <a:rPr lang="en-US" sz="2000" dirty="0" smtClean="0"/>
+              <a:t>from copy import </a:t>
+            </a:r>
+            <a:r>
               <a:rPr lang="en-US" sz="2000" dirty="0" err="1" smtClean="0"/>
-              <a:t>square_indx</a:t>
-            </a:r>
-            <a:r>
-              <a:rPr lang="en-US" sz="2000" dirty="0" smtClean="0"/>
-              <a:t> = [[(0,3),(0,3)],</a:t>
-            </a:r>
+              <a:t>deepcopy</a:t>
+            </a:r>
+            <a:endParaRPr lang="en-US" sz="2000" dirty="0" smtClean="0"/>
           </a:p>
           <a:p>
             <a:pPr>
               <a:buNone/>
             </a:pPr>
-            <a:r>
-              <a:rPr lang="en-US" sz="2000" dirty="0" smtClean="0"/>
-              <a:t>                            [(0,3),(3,6)],</a:t>
-            </a:r>
+            <a:endParaRPr lang="en-US" sz="2000" dirty="0" smtClean="0"/>
           </a:p>
           <a:p>
             <a:pPr>
@@ -7320,7 +7210,7 @@
             </a:pPr>
             <a:r>
               <a:rPr lang="en-US" sz="2000" dirty="0" smtClean="0"/>
-              <a:t>                            [(0,3),(6,9)],</a:t>
+              <a:t>Grid = [['4', '.', '7',     '3', '.', '9',      '8', '.', '5'],</a:t>
             </a:r>
           </a:p>
           <a:p>
@@ -7329,7 +7219,7 @@
             </a:pPr>
             <a:r>
               <a:rPr lang="en-US" sz="2000" dirty="0" smtClean="0"/>
-              <a:t>               </a:t>
+              <a:t>             ['.', '3', '.',     '.', '.', '.',      '.', '.', '.'],</a:t>
             </a:r>
           </a:p>
           <a:p>
@@ -7338,7 +7228,7 @@
             </a:pPr>
             <a:r>
               <a:rPr lang="en-US" sz="2000" dirty="0" smtClean="0"/>
-              <a:t>                            [(3,6),(0,3)],</a:t>
+              <a:t>             ['.', '.', '.',     '7', '.', '.',      '.', '.', '.'],</a:t>
             </a:r>
           </a:p>
           <a:p>
@@ -7347,7 +7237,7 @@
             </a:pPr>
             <a:r>
               <a:rPr lang="en-US" sz="2000" dirty="0" smtClean="0"/>
-              <a:t>                            [(3,6),(3,6)],</a:t>
+              <a:t>        </a:t>
             </a:r>
           </a:p>
           <a:p>
@@ -7356,7 +7246,7 @@
             </a:pPr>
             <a:r>
               <a:rPr lang="en-US" sz="2000" dirty="0" smtClean="0"/>
-              <a:t>                            [(3,6),(6,9)],</a:t>
+              <a:t>             ['.', '2', '.',     '.', '.', '.',      '.', '6', '.'],</a:t>
             </a:r>
           </a:p>
           <a:p>
@@ -7365,7 +7255,7 @@
             </a:pPr>
             <a:r>
               <a:rPr lang="en-US" sz="2000" dirty="0" smtClean="0"/>
-              <a:t>               </a:t>
+              <a:t>             ['.', '.', '.',     '.', '8', '.',      '4', '.', '.'],</a:t>
             </a:r>
           </a:p>
           <a:p>
@@ -7374,17 +7264,14 @@
             </a:pPr>
             <a:r>
               <a:rPr lang="en-US" sz="2000" dirty="0" smtClean="0"/>
-              <a:t>                            [(6,9),(0,3)],</a:t>
+              <a:t>             ['.', '.', '.',     '.', '1', '.',      '.', '.', '.'],</a:t>
             </a:r>
           </a:p>
           <a:p>
             <a:pPr>
               <a:buNone/>
             </a:pPr>
-            <a:r>
-              <a:rPr lang="en-US" sz="2000" dirty="0" smtClean="0"/>
-              <a:t>                            [(6,9),(3,6)],</a:t>
-            </a:r>
+            <a:endParaRPr lang="en-US" sz="2000" dirty="0" smtClean="0"/>
           </a:p>
           <a:p>
             <a:pPr>
@@ -7392,14 +7279,17 @@
             </a:pPr>
             <a:r>
               <a:rPr lang="en-US" sz="2000" dirty="0" smtClean="0"/>
-              <a:t>                            [(6,9),(6,9)]]</a:t>
+              <a:t>             ['.', '.', '.',     '6', '.', '3',      '.', '7', '.'],</a:t>
             </a:r>
           </a:p>
           <a:p>
             <a:pPr>
               <a:buNone/>
             </a:pPr>
-            <a:endParaRPr lang="en-US" sz="2000" dirty="0" smtClean="0"/>
+            <a:r>
+              <a:rPr lang="en-US" sz="2000" dirty="0" smtClean="0"/>
+              <a:t>             ['5', '.', '.',     '2', '.', '.',      '.', '.', '.'],</a:t>
+            </a:r>
           </a:p>
           <a:p>
             <a:pPr>
@@ -7407,7 +7297,7 @@
             </a:pPr>
             <a:r>
               <a:rPr lang="en-US" sz="2000" dirty="0" smtClean="0"/>
-              <a:t>elements = ['1','2','3','4','5','6','7','8','9']</a:t>
+              <a:t>             ['1', '.', '4',     '.', '.', '.',      '.', '.', '.']]</a:t>
             </a:r>
             <a:endParaRPr lang="ar-EG" sz="2000" dirty="0"/>
           </a:p>
@@ -7555,33 +7445,19 @@
           </a:xfrm>
         </p:spPr>
         <p:txBody>
-          <a:bodyPr>
-            <a:normAutofit fontScale="92500" lnSpcReduction="20000"/>
-          </a:bodyPr>
+          <a:bodyPr/>
           <a:lstStyle/>
           <a:p>
             <a:pPr>
               <a:buNone/>
             </a:pPr>
             <a:r>
-              <a:rPr lang="en-US" sz="2000" dirty="0" smtClean="0"/>
-              <a:t>def </a:t>
-            </a:r>
-            <a:r>
               <a:rPr lang="en-US" sz="2000" dirty="0" err="1" smtClean="0"/>
-              <a:t>get_rows</a:t>
-            </a:r>
-            <a:r>
-              <a:rPr lang="en-US" sz="2000" dirty="0" smtClean="0"/>
-              <a:t>(</a:t>
-            </a:r>
-            <a:r>
-              <a:rPr lang="en-US" sz="2000" dirty="0" err="1" smtClean="0"/>
-              <a:t>new_Grid</a:t>
-            </a:r>
-            <a:r>
-              <a:rPr lang="en-US" sz="2000" dirty="0" smtClean="0"/>
-              <a:t>):</a:t>
+              <a:t>square_indx</a:t>
+            </a:r>
+            <a:r>
+              <a:rPr lang="en-US" sz="2000" dirty="0" smtClean="0"/>
+              <a:t> = [[(0,3),(0,3)],</a:t>
             </a:r>
           </a:p>
           <a:p>
@@ -7590,7 +7466,7 @@
             </a:pPr>
             <a:r>
               <a:rPr lang="en-US" sz="2000" dirty="0" smtClean="0"/>
-              <a:t>    rows = []</a:t>
+              <a:t>                            [(0,3),(3,6)],</a:t>
             </a:r>
           </a:p>
           <a:p>
@@ -7599,15 +7475,7 @@
             </a:pPr>
             <a:r>
               <a:rPr lang="en-US" sz="2000" dirty="0" smtClean="0"/>
-              <a:t>    for </a:t>
-            </a:r>
-            <a:r>
-              <a:rPr lang="en-US" sz="2000" dirty="0" err="1" smtClean="0"/>
-              <a:t>i</a:t>
-            </a:r>
-            <a:r>
-              <a:rPr lang="en-US" sz="2000" dirty="0" smtClean="0"/>
-              <a:t> in range(0,9):</a:t>
+              <a:t>                            [(0,3),(6,9)],</a:t>
             </a:r>
           </a:p>
           <a:p>
@@ -7616,7 +7484,7 @@
             </a:pPr>
             <a:r>
               <a:rPr lang="en-US" sz="2000" dirty="0" smtClean="0"/>
-              <a:t>        row = {}</a:t>
+              <a:t>               </a:t>
             </a:r>
           </a:p>
           <a:p>
@@ -7625,7 +7493,7 @@
             </a:pPr>
             <a:r>
               <a:rPr lang="en-US" sz="2000" dirty="0" smtClean="0"/>
-              <a:t>        for y in range(0,9):</a:t>
+              <a:t>                            [(3,6),(0,3)],</a:t>
             </a:r>
           </a:p>
           <a:p>
@@ -7634,31 +7502,7 @@
             </a:pPr>
             <a:r>
               <a:rPr lang="en-US" sz="2000" dirty="0" smtClean="0"/>
-              <a:t>            row[(</a:t>
-            </a:r>
-            <a:r>
-              <a:rPr lang="en-US" sz="2000" dirty="0" err="1" smtClean="0"/>
-              <a:t>i,y</a:t>
-            </a:r>
-            <a:r>
-              <a:rPr lang="en-US" sz="2000" dirty="0" smtClean="0"/>
-              <a:t>)] = </a:t>
-            </a:r>
-            <a:r>
-              <a:rPr lang="en-US" sz="2000" dirty="0" err="1" smtClean="0"/>
-              <a:t>new_Grid</a:t>
-            </a:r>
-            <a:r>
-              <a:rPr lang="en-US" sz="2000" dirty="0" smtClean="0"/>
-              <a:t>[</a:t>
-            </a:r>
-            <a:r>
-              <a:rPr lang="en-US" sz="2000" dirty="0" err="1" smtClean="0"/>
-              <a:t>i</a:t>
-            </a:r>
-            <a:r>
-              <a:rPr lang="en-US" sz="2000" dirty="0" smtClean="0"/>
-              <a:t>][y]</a:t>
+              <a:t>                            [(3,6),(3,6)],</a:t>
             </a:r>
           </a:p>
           <a:p>
@@ -7667,15 +7511,7 @@
             </a:pPr>
             <a:r>
               <a:rPr lang="en-US" sz="2000" dirty="0" smtClean="0"/>
-              <a:t>        </a:t>
-            </a:r>
-            <a:r>
-              <a:rPr lang="en-US" sz="2000" dirty="0" err="1" smtClean="0"/>
-              <a:t>rows.append</a:t>
-            </a:r>
-            <a:r>
-              <a:rPr lang="en-US" sz="2000" dirty="0" smtClean="0"/>
-              <a:t>(row)</a:t>
+              <a:t>                            [(3,6),(6,9)],</a:t>
             </a:r>
           </a:p>
           <a:p>
@@ -7684,13 +7520,40 @@
             </a:pPr>
             <a:r>
               <a:rPr lang="en-US" sz="2000" dirty="0" smtClean="0"/>
-              <a:t>    return rows</a:t>
+              <a:t>               </a:t>
             </a:r>
           </a:p>
           <a:p>
             <a:pPr>
               <a:buNone/>
             </a:pPr>
+            <a:r>
+              <a:rPr lang="en-US" sz="2000" dirty="0" smtClean="0"/>
+              <a:t>                            [(6,9),(0,3)],</a:t>
+            </a:r>
+          </a:p>
+          <a:p>
+            <a:pPr>
+              <a:buNone/>
+            </a:pPr>
+            <a:r>
+              <a:rPr lang="en-US" sz="2000" dirty="0" smtClean="0"/>
+              <a:t>                            [(6,9),(3,6)],</a:t>
+            </a:r>
+          </a:p>
+          <a:p>
+            <a:pPr>
+              <a:buNone/>
+            </a:pPr>
+            <a:r>
+              <a:rPr lang="en-US" sz="2000" dirty="0" smtClean="0"/>
+              <a:t>                            [(6,9),(6,9)]]</a:t>
+            </a:r>
+          </a:p>
+          <a:p>
+            <a:pPr>
+              <a:buNone/>
+            </a:pPr>
             <a:endParaRPr lang="en-US" sz="2000" dirty="0" smtClean="0"/>
           </a:p>
           <a:p>
@@ -7699,150 +7562,7 @@
             </a:pPr>
             <a:r>
               <a:rPr lang="en-US" sz="2000" dirty="0" smtClean="0"/>
-              <a:t>def </a:t>
-            </a:r>
-            <a:r>
-              <a:rPr lang="en-US" sz="2000" dirty="0" err="1" smtClean="0"/>
-              <a:t>get_cols</a:t>
-            </a:r>
-            <a:r>
-              <a:rPr lang="en-US" sz="2000" dirty="0" smtClean="0"/>
-              <a:t>(</a:t>
-            </a:r>
-            <a:r>
-              <a:rPr lang="en-US" sz="2000" dirty="0" err="1" smtClean="0"/>
-              <a:t>new_Grid</a:t>
-            </a:r>
-            <a:r>
-              <a:rPr lang="en-US" sz="2000" dirty="0" smtClean="0"/>
-              <a:t>):</a:t>
-            </a:r>
-          </a:p>
-          <a:p>
-            <a:pPr>
-              <a:buNone/>
-            </a:pPr>
-            <a:r>
-              <a:rPr lang="en-US" sz="2000" dirty="0" smtClean="0"/>
-              <a:t>    cols = []</a:t>
-            </a:r>
-          </a:p>
-          <a:p>
-            <a:pPr>
-              <a:buNone/>
-            </a:pPr>
-            <a:r>
-              <a:rPr lang="en-US" sz="2000" dirty="0" smtClean="0"/>
-              <a:t>    for </a:t>
-            </a:r>
-            <a:r>
-              <a:rPr lang="en-US" sz="2000" dirty="0" err="1" smtClean="0"/>
-              <a:t>i</a:t>
-            </a:r>
-            <a:r>
-              <a:rPr lang="en-US" sz="2000" dirty="0" smtClean="0"/>
-              <a:t> in range(0,9):</a:t>
-            </a:r>
-          </a:p>
-          <a:p>
-            <a:pPr>
-              <a:buNone/>
-            </a:pPr>
-            <a:r>
-              <a:rPr lang="en-US" sz="2000" dirty="0" smtClean="0"/>
-              <a:t>        </a:t>
-            </a:r>
-            <a:r>
-              <a:rPr lang="en-US" sz="2000" dirty="0" err="1" smtClean="0"/>
-              <a:t>col</a:t>
-            </a:r>
-            <a:r>
-              <a:rPr lang="en-US" sz="2000" dirty="0" smtClean="0"/>
-              <a:t> = {}</a:t>
-            </a:r>
-          </a:p>
-          <a:p>
-            <a:pPr>
-              <a:buNone/>
-            </a:pPr>
-            <a:r>
-              <a:rPr lang="en-US" sz="2000" dirty="0" smtClean="0"/>
-              <a:t>        for x in range(0,9):</a:t>
-            </a:r>
-          </a:p>
-          <a:p>
-            <a:pPr>
-              <a:buNone/>
-            </a:pPr>
-            <a:r>
-              <a:rPr lang="en-US" sz="2000" dirty="0" smtClean="0"/>
-              <a:t>            </a:t>
-            </a:r>
-            <a:r>
-              <a:rPr lang="en-US" sz="2000" dirty="0" err="1" smtClean="0"/>
-              <a:t>col</a:t>
-            </a:r>
-            <a:r>
-              <a:rPr lang="en-US" sz="2000" dirty="0" smtClean="0"/>
-              <a:t>[(</a:t>
-            </a:r>
-            <a:r>
-              <a:rPr lang="en-US" sz="2000" dirty="0" err="1" smtClean="0"/>
-              <a:t>x,i</a:t>
-            </a:r>
-            <a:r>
-              <a:rPr lang="en-US" sz="2000" dirty="0" smtClean="0"/>
-              <a:t>)] = </a:t>
-            </a:r>
-            <a:r>
-              <a:rPr lang="en-US" sz="2000" dirty="0" err="1" smtClean="0"/>
-              <a:t>new_Grid</a:t>
-            </a:r>
-            <a:r>
-              <a:rPr lang="en-US" sz="2000" dirty="0" smtClean="0"/>
-              <a:t>[x][</a:t>
-            </a:r>
-            <a:r>
-              <a:rPr lang="en-US" sz="2000" dirty="0" err="1" smtClean="0"/>
-              <a:t>i</a:t>
-            </a:r>
-            <a:r>
-              <a:rPr lang="en-US" sz="2000" dirty="0" smtClean="0"/>
-              <a:t>]</a:t>
-            </a:r>
-          </a:p>
-          <a:p>
-            <a:pPr>
-              <a:buNone/>
-            </a:pPr>
-            <a:r>
-              <a:rPr lang="en-US" sz="2000" dirty="0" smtClean="0"/>
-              <a:t>        </a:t>
-            </a:r>
-            <a:r>
-              <a:rPr lang="en-US" sz="2000" dirty="0" err="1" smtClean="0"/>
-              <a:t>cols.append</a:t>
-            </a:r>
-            <a:r>
-              <a:rPr lang="en-US" sz="2000" dirty="0" smtClean="0"/>
-              <a:t>(</a:t>
-            </a:r>
-            <a:r>
-              <a:rPr lang="en-US" sz="2000" dirty="0" err="1" smtClean="0"/>
-              <a:t>col</a:t>
-            </a:r>
-            <a:r>
-              <a:rPr lang="en-US" sz="2000" dirty="0" smtClean="0"/>
-              <a:t>)</a:t>
-            </a:r>
-          </a:p>
-          <a:p>
-            <a:pPr>
-              <a:buNone/>
-            </a:pPr>
-            <a:r>
-              <a:rPr lang="en-US" sz="2000" dirty="0" smtClean="0"/>
-              <a:t>    return cols</a:t>
+              <a:t>elements = ['1','2','3','4','5','6','7','8','9']</a:t>
             </a:r>
             <a:endParaRPr lang="ar-EG" sz="2000" dirty="0"/>
           </a:p>
@@ -7865,7 +7585,7 @@
         </p:blipFill>
         <p:spPr bwMode="auto">
           <a:xfrm>
-            <a:off x="5257800" y="914400"/>
+            <a:off x="5562600" y="739254"/>
             <a:ext cx="3276600" cy="2689746"/>
           </a:xfrm>
           <a:prstGeom prst="rect">
@@ -7991,7 +7711,7 @@
         </p:spPr>
         <p:txBody>
           <a:bodyPr>
-            <a:normAutofit lnSpcReduction="10000"/>
+            <a:normAutofit fontScale="92500" lnSpcReduction="20000"/>
           </a:bodyPr>
           <a:lstStyle/>
           <a:p>
@@ -8004,7 +7724,7 @@
             </a:r>
             <a:r>
               <a:rPr lang="en-US" sz="2000" dirty="0" err="1" smtClean="0"/>
-              <a:t>get_squares</a:t>
+              <a:t>get_rows</a:t>
             </a:r>
             <a:r>
               <a:rPr lang="en-US" sz="2000" dirty="0" smtClean="0"/>
@@ -8025,7 +7745,7 @@
             </a:pPr>
             <a:r>
               <a:rPr lang="en-US" sz="2000" dirty="0" smtClean="0"/>
-              <a:t>    squares = []</a:t>
+              <a:t>    rows = []</a:t>
             </a:r>
           </a:p>
           <a:p>
@@ -8051,7 +7771,7 @@
             </a:pPr>
             <a:r>
               <a:rPr lang="en-US" sz="2000" dirty="0" smtClean="0"/>
-              <a:t>        square = {}</a:t>
+              <a:t>        row = {}</a:t>
             </a:r>
           </a:p>
           <a:p>
@@ -8060,11 +7780,28 @@
             </a:pPr>
             <a:r>
               <a:rPr lang="en-US" sz="2000" dirty="0" smtClean="0"/>
-              <a:t>        for x in range(</a:t>
+              <a:t>        for y in range(0,9):</a:t>
+            </a:r>
+          </a:p>
+          <a:p>
+            <a:pPr>
+              <a:buNone/>
+            </a:pPr>
+            <a:r>
+              <a:rPr lang="en-US" sz="2000" dirty="0" smtClean="0"/>
+              <a:t>            row[(</a:t>
             </a:r>
             <a:r>
               <a:rPr lang="en-US" sz="2000" dirty="0" err="1" smtClean="0"/>
-              <a:t>square_indx</a:t>
+              <a:t>i,y</a:t>
+            </a:r>
+            <a:r>
+              <a:rPr lang="en-US" sz="2000" dirty="0" smtClean="0"/>
+              <a:t>)] = </a:t>
+            </a:r>
+            <a:r>
+              <a:rPr lang="en-US" sz="2000" dirty="0" err="1" smtClean="0"/>
+              <a:t>new_Grid</a:t>
             </a:r>
             <a:r>
               <a:rPr lang="en-US" sz="2000" dirty="0" smtClean="0"/>
@@ -8076,15 +7813,82 @@
             </a:r>
             <a:r>
               <a:rPr lang="en-US" sz="2000" dirty="0" smtClean="0"/>
-              <a:t>][0][0],</a:t>
+              <a:t>][y]</a:t>
+            </a:r>
+          </a:p>
+          <a:p>
+            <a:pPr>
+              <a:buNone/>
+            </a:pPr>
+            <a:r>
+              <a:rPr lang="en-US" sz="2000" dirty="0" smtClean="0"/>
+              <a:t>        </a:t>
             </a:r>
             <a:r>
               <a:rPr lang="en-US" sz="2000" dirty="0" err="1" smtClean="0"/>
-              <a:t>square_indx</a:t>
-            </a:r>
-            <a:r>
-              <a:rPr lang="en-US" sz="2000" dirty="0" smtClean="0"/>
-              <a:t>[</a:t>
+              <a:t>rows.append</a:t>
+            </a:r>
+            <a:r>
+              <a:rPr lang="en-US" sz="2000" dirty="0" smtClean="0"/>
+              <a:t>(row)</a:t>
+            </a:r>
+          </a:p>
+          <a:p>
+            <a:pPr>
+              <a:buNone/>
+            </a:pPr>
+            <a:r>
+              <a:rPr lang="en-US" sz="2000" dirty="0" smtClean="0"/>
+              <a:t>    return rows</a:t>
+            </a:r>
+          </a:p>
+          <a:p>
+            <a:pPr>
+              <a:buNone/>
+            </a:pPr>
+            <a:endParaRPr lang="en-US" sz="2000" dirty="0" smtClean="0"/>
+          </a:p>
+          <a:p>
+            <a:pPr>
+              <a:buNone/>
+            </a:pPr>
+            <a:r>
+              <a:rPr lang="en-US" sz="2000" dirty="0" smtClean="0"/>
+              <a:t>def </a:t>
+            </a:r>
+            <a:r>
+              <a:rPr lang="en-US" sz="2000" dirty="0" err="1" smtClean="0"/>
+              <a:t>get_cols</a:t>
+            </a:r>
+            <a:r>
+              <a:rPr lang="en-US" sz="2000" dirty="0" smtClean="0"/>
+              <a:t>(</a:t>
+            </a:r>
+            <a:r>
+              <a:rPr lang="en-US" sz="2000" dirty="0" err="1" smtClean="0"/>
+              <a:t>new_Grid</a:t>
+            </a:r>
+            <a:r>
+              <a:rPr lang="en-US" sz="2000" dirty="0" smtClean="0"/>
+              <a:t>):</a:t>
+            </a:r>
+          </a:p>
+          <a:p>
+            <a:pPr>
+              <a:buNone/>
+            </a:pPr>
+            <a:r>
+              <a:rPr lang="en-US" sz="2000" dirty="0" smtClean="0"/>
+              <a:t>    cols = []</a:t>
+            </a:r>
+          </a:p>
+          <a:p>
+            <a:pPr>
+              <a:buNone/>
+            </a:pPr>
+            <a:r>
+              <a:rPr lang="en-US" sz="2000" dirty="0" smtClean="0"/>
+              <a:t>    for </a:t>
             </a:r>
             <a:r>
               <a:rPr lang="en-US" sz="2000" dirty="0" err="1" smtClean="0"/>
@@ -8092,7 +7896,7 @@
             </a:r>
             <a:r>
               <a:rPr lang="en-US" sz="2000" dirty="0" smtClean="0"/>
-              <a:t>][0][1]):</a:t>
+              <a:t> in range(0,9):</a:t>
             </a:r>
           </a:p>
           <a:p>
@@ -8101,15 +7905,57 @@
             </a:pPr>
             <a:r>
               <a:rPr lang="en-US" sz="2000" dirty="0" smtClean="0"/>
-              <a:t>            for y in range(</a:t>
+              <a:t>        </a:t>
             </a:r>
             <a:r>
               <a:rPr lang="en-US" sz="2000" dirty="0" err="1" smtClean="0"/>
-              <a:t>square_indx</a:t>
-            </a:r>
-            <a:r>
-              <a:rPr lang="en-US" sz="2000" dirty="0" smtClean="0"/>
-              <a:t>[</a:t>
+              <a:t>col</a:t>
+            </a:r>
+            <a:r>
+              <a:rPr lang="en-US" sz="2000" dirty="0" smtClean="0"/>
+              <a:t> = {}</a:t>
+            </a:r>
+          </a:p>
+          <a:p>
+            <a:pPr>
+              <a:buNone/>
+            </a:pPr>
+            <a:r>
+              <a:rPr lang="en-US" sz="2000" dirty="0" smtClean="0"/>
+              <a:t>        for x in range(0,9):</a:t>
+            </a:r>
+          </a:p>
+          <a:p>
+            <a:pPr>
+              <a:buNone/>
+            </a:pPr>
+            <a:r>
+              <a:rPr lang="en-US" sz="2000" dirty="0" smtClean="0"/>
+              <a:t>            </a:t>
+            </a:r>
+            <a:r>
+              <a:rPr lang="en-US" sz="2000" dirty="0" err="1" smtClean="0"/>
+              <a:t>col</a:t>
+            </a:r>
+            <a:r>
+              <a:rPr lang="en-US" sz="2000" dirty="0" smtClean="0"/>
+              <a:t>[(</a:t>
+            </a:r>
+            <a:r>
+              <a:rPr lang="en-US" sz="2000" dirty="0" err="1" smtClean="0"/>
+              <a:t>x,i</a:t>
+            </a:r>
+            <a:r>
+              <a:rPr lang="en-US" sz="2000" dirty="0" smtClean="0"/>
+              <a:t>)] = </a:t>
+            </a:r>
+            <a:r>
+              <a:rPr lang="en-US" sz="2000" dirty="0" err="1" smtClean="0"/>
+              <a:t>new_Grid</a:t>
+            </a:r>
+            <a:r>
+              <a:rPr lang="en-US" sz="2000" dirty="0" smtClean="0"/>
+              <a:t>[x][</a:t>
             </a:r>
             <a:r>
               <a:rPr lang="en-US" sz="2000" dirty="0" err="1" smtClean="0"/>
@@ -8117,23 +7963,32 @@
             </a:r>
             <a:r>
               <a:rPr lang="en-US" sz="2000" dirty="0" smtClean="0"/>
-              <a:t>][1][0],</a:t>
+              <a:t>]</a:t>
+            </a:r>
+          </a:p>
+          <a:p>
+            <a:pPr>
+              <a:buNone/>
+            </a:pPr>
+            <a:r>
+              <a:rPr lang="en-US" sz="2000" dirty="0" smtClean="0"/>
+              <a:t>        </a:t>
             </a:r>
             <a:r>
               <a:rPr lang="en-US" sz="2000" dirty="0" err="1" smtClean="0"/>
-              <a:t>square_indx</a:t>
-            </a:r>
-            <a:r>
-              <a:rPr lang="en-US" sz="2000" dirty="0" smtClean="0"/>
-              <a:t>[</a:t>
+              <a:t>cols.append</a:t>
+            </a:r>
+            <a:r>
+              <a:rPr lang="en-US" sz="2000" dirty="0" smtClean="0"/>
+              <a:t>(</a:t>
             </a:r>
             <a:r>
               <a:rPr lang="en-US" sz="2000" dirty="0" err="1" smtClean="0"/>
-              <a:t>i</a:t>
-            </a:r>
-            <a:r>
-              <a:rPr lang="en-US" sz="2000" dirty="0" smtClean="0"/>
-              <a:t>][1][1]):</a:t>
+              <a:t>col</a:t>
+            </a:r>
+            <a:r>
+              <a:rPr lang="en-US" sz="2000" dirty="0" smtClean="0"/>
+              <a:t>)</a:t>
             </a:r>
           </a:p>
           <a:p>
@@ -8142,185 +7997,7 @@
             </a:pPr>
             <a:r>
               <a:rPr lang="en-US" sz="2000" dirty="0" smtClean="0"/>
-              <a:t>                square[(</a:t>
-            </a:r>
-            <a:r>
-              <a:rPr lang="en-US" sz="2000" dirty="0" err="1" smtClean="0"/>
-              <a:t>x,y</a:t>
-            </a:r>
-            <a:r>
-              <a:rPr lang="en-US" sz="2000" dirty="0" smtClean="0"/>
-              <a:t>)] = </a:t>
-            </a:r>
-            <a:r>
-              <a:rPr lang="en-US" sz="2000" dirty="0" err="1" smtClean="0"/>
-              <a:t>new_Grid</a:t>
-            </a:r>
-            <a:r>
-              <a:rPr lang="en-US" sz="2000" dirty="0" smtClean="0"/>
-              <a:t>[x][y]</a:t>
-            </a:r>
-          </a:p>
-          <a:p>
-            <a:pPr>
-              <a:buNone/>
-            </a:pPr>
-            <a:r>
-              <a:rPr lang="en-US" sz="2000" dirty="0" smtClean="0"/>
-              <a:t>        </a:t>
-            </a:r>
-            <a:r>
-              <a:rPr lang="en-US" sz="2000" dirty="0" err="1" smtClean="0"/>
-              <a:t>squares.append</a:t>
-            </a:r>
-            <a:r>
-              <a:rPr lang="en-US" sz="2000" dirty="0" smtClean="0"/>
-              <a:t>(square)</a:t>
-            </a:r>
-          </a:p>
-          <a:p>
-            <a:pPr>
-              <a:buNone/>
-            </a:pPr>
-            <a:r>
-              <a:rPr lang="en-US" sz="2000" dirty="0" smtClean="0"/>
-              <a:t>    return squares</a:t>
-            </a:r>
-          </a:p>
-          <a:p>
-            <a:pPr>
-              <a:buNone/>
-            </a:pPr>
-            <a:endParaRPr lang="en-US" sz="2000" dirty="0" smtClean="0"/>
-          </a:p>
-          <a:p>
-            <a:pPr>
-              <a:buNone/>
-            </a:pPr>
-            <a:r>
-              <a:rPr lang="en-US" sz="2000" dirty="0" smtClean="0"/>
-              <a:t>def </a:t>
-            </a:r>
-            <a:r>
-              <a:rPr lang="en-US" sz="2000" dirty="0" err="1" smtClean="0"/>
-              <a:t>get_all_related_cells</a:t>
-            </a:r>
-            <a:r>
-              <a:rPr lang="en-US" sz="2000" dirty="0" smtClean="0"/>
-              <a:t>(</a:t>
-            </a:r>
-            <a:r>
-              <a:rPr lang="en-US" sz="2000" dirty="0" err="1" smtClean="0"/>
-              <a:t>new_Grid</a:t>
-            </a:r>
-            <a:r>
-              <a:rPr lang="en-US" sz="2000" dirty="0" smtClean="0"/>
-              <a:t>):</a:t>
-            </a:r>
-          </a:p>
-          <a:p>
-            <a:pPr>
-              <a:buNone/>
-            </a:pPr>
-            <a:r>
-              <a:rPr lang="en-US" sz="2000" dirty="0" smtClean="0"/>
-              <a:t>    squares = </a:t>
-            </a:r>
-            <a:r>
-              <a:rPr lang="en-US" sz="2000" dirty="0" err="1" smtClean="0"/>
-              <a:t>get_squares</a:t>
-            </a:r>
-            <a:r>
-              <a:rPr lang="en-US" sz="2000" dirty="0" smtClean="0"/>
-              <a:t>(</a:t>
-            </a:r>
-            <a:r>
-              <a:rPr lang="en-US" sz="2000" dirty="0" err="1" smtClean="0"/>
-              <a:t>new_Grid</a:t>
-            </a:r>
-            <a:r>
-              <a:rPr lang="en-US" sz="2000" dirty="0" smtClean="0"/>
-              <a:t>)</a:t>
-            </a:r>
-          </a:p>
-          <a:p>
-            <a:pPr>
-              <a:buNone/>
-            </a:pPr>
-            <a:r>
-              <a:rPr lang="en-US" sz="2000" dirty="0" smtClean="0"/>
-              <a:t>    rows = </a:t>
-            </a:r>
-            <a:r>
-              <a:rPr lang="en-US" sz="2000" dirty="0" err="1" smtClean="0"/>
-              <a:t>get_rows</a:t>
-            </a:r>
-            <a:r>
-              <a:rPr lang="en-US" sz="2000" dirty="0" smtClean="0"/>
-              <a:t>(</a:t>
-            </a:r>
-            <a:r>
-              <a:rPr lang="en-US" sz="2000" dirty="0" err="1" smtClean="0"/>
-              <a:t>new_Grid</a:t>
-            </a:r>
-            <a:r>
-              <a:rPr lang="en-US" sz="2000" dirty="0" smtClean="0"/>
-              <a:t>)</a:t>
-            </a:r>
-          </a:p>
-          <a:p>
-            <a:pPr>
-              <a:buNone/>
-            </a:pPr>
-            <a:r>
-              <a:rPr lang="en-US" sz="2000" dirty="0" smtClean="0"/>
-              <a:t>    cols = </a:t>
-            </a:r>
-            <a:r>
-              <a:rPr lang="en-US" sz="2000" dirty="0" err="1" smtClean="0"/>
-              <a:t>get_cols</a:t>
-            </a:r>
-            <a:r>
-              <a:rPr lang="en-US" sz="2000" dirty="0" smtClean="0"/>
-              <a:t>(</a:t>
-            </a:r>
-            <a:r>
-              <a:rPr lang="en-US" sz="2000" dirty="0" err="1" smtClean="0"/>
-              <a:t>new_Grid</a:t>
-            </a:r>
-            <a:r>
-              <a:rPr lang="en-US" sz="2000" dirty="0" smtClean="0"/>
-              <a:t>)</a:t>
-            </a:r>
-          </a:p>
-          <a:p>
-            <a:pPr>
-              <a:buNone/>
-            </a:pPr>
-            <a:r>
-              <a:rPr lang="en-US" sz="2000" dirty="0" smtClean="0"/>
-              <a:t>    </a:t>
-            </a:r>
-            <a:r>
-              <a:rPr lang="en-US" sz="2000" dirty="0" err="1" smtClean="0"/>
-              <a:t>all_vec</a:t>
-            </a:r>
-            <a:r>
-              <a:rPr lang="en-US" sz="2000" dirty="0" smtClean="0"/>
-              <a:t> = squares + rows + cols</a:t>
-            </a:r>
-          </a:p>
-          <a:p>
-            <a:pPr>
-              <a:buNone/>
-            </a:pPr>
-            <a:r>
-              <a:rPr lang="en-US" sz="2000" dirty="0" smtClean="0"/>
-              <a:t>    return </a:t>
-            </a:r>
-            <a:r>
-              <a:rPr lang="en-US" sz="2000" dirty="0" err="1" smtClean="0"/>
-              <a:t>all_vec</a:t>
+              <a:t>    return cols</a:t>
             </a:r>
             <a:endParaRPr lang="ar-EG" sz="2000" dirty="0"/>
           </a:p>
@@ -8343,7 +8020,7 @@
         </p:blipFill>
         <p:spPr bwMode="auto">
           <a:xfrm>
-            <a:off x="5562600" y="3581400"/>
+            <a:off x="5257800" y="914400"/>
             <a:ext cx="3276600" cy="2689746"/>
           </a:xfrm>
           <a:prstGeom prst="rect">
@@ -8469,7 +8146,7 @@
         </p:spPr>
         <p:txBody>
           <a:bodyPr>
-            <a:normAutofit/>
+            <a:normAutofit lnSpcReduction="10000"/>
           </a:bodyPr>
           <a:lstStyle/>
           <a:p>
@@ -8482,27 +8159,11 @@
             </a:r>
             <a:r>
               <a:rPr lang="en-US" sz="2000" dirty="0" err="1" smtClean="0"/>
-              <a:t>get_legal_for_cell</a:t>
+              <a:t>get_squares</a:t>
             </a:r>
             <a:r>
               <a:rPr lang="en-US" sz="2000" dirty="0" smtClean="0"/>
               <a:t>(</a:t>
-            </a:r>
-            <a:r>
-              <a:rPr lang="en-US" sz="2000" dirty="0" err="1" smtClean="0"/>
-              <a:t>cell_r</a:t>
-            </a:r>
-            <a:r>
-              <a:rPr lang="en-US" sz="2000" dirty="0" smtClean="0"/>
-              <a:t>, </a:t>
-            </a:r>
-            <a:r>
-              <a:rPr lang="en-US" sz="2000" dirty="0" err="1" smtClean="0"/>
-              <a:t>cell_c</a:t>
-            </a:r>
-            <a:r>
-              <a:rPr lang="en-US" sz="2000" dirty="0" smtClean="0"/>
-              <a:t>, </a:t>
             </a:r>
             <a:r>
               <a:rPr lang="en-US" sz="2000" dirty="0" err="1" smtClean="0"/>
@@ -8519,7 +8180,272 @@
             </a:pPr>
             <a:r>
               <a:rPr lang="en-US" sz="2000" dirty="0" smtClean="0"/>
-              <a:t>    map = {}</a:t>
+              <a:t>    squares = []</a:t>
+            </a:r>
+          </a:p>
+          <a:p>
+            <a:pPr>
+              <a:buNone/>
+            </a:pPr>
+            <a:r>
+              <a:rPr lang="en-US" sz="2000" dirty="0" smtClean="0"/>
+              <a:t>    for </a:t>
+            </a:r>
+            <a:r>
+              <a:rPr lang="en-US" sz="2000" dirty="0" err="1" smtClean="0"/>
+              <a:t>i</a:t>
+            </a:r>
+            <a:r>
+              <a:rPr lang="en-US" sz="2000" dirty="0" smtClean="0"/>
+              <a:t> in range(0,9):</a:t>
+            </a:r>
+          </a:p>
+          <a:p>
+            <a:pPr>
+              <a:buNone/>
+            </a:pPr>
+            <a:r>
+              <a:rPr lang="en-US" sz="2000" dirty="0" smtClean="0"/>
+              <a:t>        square = {}</a:t>
+            </a:r>
+          </a:p>
+          <a:p>
+            <a:pPr>
+              <a:buNone/>
+            </a:pPr>
+            <a:r>
+              <a:rPr lang="en-US" sz="2000" dirty="0" smtClean="0"/>
+              <a:t>        for x in range(</a:t>
+            </a:r>
+            <a:r>
+              <a:rPr lang="en-US" sz="2000" dirty="0" err="1" smtClean="0"/>
+              <a:t>square_indx</a:t>
+            </a:r>
+            <a:r>
+              <a:rPr lang="en-US" sz="2000" dirty="0" smtClean="0"/>
+              <a:t>[</a:t>
+            </a:r>
+            <a:r>
+              <a:rPr lang="en-US" sz="2000" dirty="0" err="1" smtClean="0"/>
+              <a:t>i</a:t>
+            </a:r>
+            <a:r>
+              <a:rPr lang="en-US" sz="2000" dirty="0" smtClean="0"/>
+              <a:t>][0][0],</a:t>
+            </a:r>
+            <a:r>
+              <a:rPr lang="en-US" sz="2000" dirty="0" err="1" smtClean="0"/>
+              <a:t>square_indx</a:t>
+            </a:r>
+            <a:r>
+              <a:rPr lang="en-US" sz="2000" dirty="0" smtClean="0"/>
+              <a:t>[</a:t>
+            </a:r>
+            <a:r>
+              <a:rPr lang="en-US" sz="2000" dirty="0" err="1" smtClean="0"/>
+              <a:t>i</a:t>
+            </a:r>
+            <a:r>
+              <a:rPr lang="en-US" sz="2000" dirty="0" smtClean="0"/>
+              <a:t>][0][1]):</a:t>
+            </a:r>
+          </a:p>
+          <a:p>
+            <a:pPr>
+              <a:buNone/>
+            </a:pPr>
+            <a:r>
+              <a:rPr lang="en-US" sz="2000" dirty="0" smtClean="0"/>
+              <a:t>            for y in range(</a:t>
+            </a:r>
+            <a:r>
+              <a:rPr lang="en-US" sz="2000" dirty="0" err="1" smtClean="0"/>
+              <a:t>square_indx</a:t>
+            </a:r>
+            <a:r>
+              <a:rPr lang="en-US" sz="2000" dirty="0" smtClean="0"/>
+              <a:t>[</a:t>
+            </a:r>
+            <a:r>
+              <a:rPr lang="en-US" sz="2000" dirty="0" err="1" smtClean="0"/>
+              <a:t>i</a:t>
+            </a:r>
+            <a:r>
+              <a:rPr lang="en-US" sz="2000" dirty="0" smtClean="0"/>
+              <a:t>][1][0],</a:t>
+            </a:r>
+            <a:r>
+              <a:rPr lang="en-US" sz="2000" dirty="0" err="1" smtClean="0"/>
+              <a:t>square_indx</a:t>
+            </a:r>
+            <a:r>
+              <a:rPr lang="en-US" sz="2000" dirty="0" smtClean="0"/>
+              <a:t>[</a:t>
+            </a:r>
+            <a:r>
+              <a:rPr lang="en-US" sz="2000" dirty="0" err="1" smtClean="0"/>
+              <a:t>i</a:t>
+            </a:r>
+            <a:r>
+              <a:rPr lang="en-US" sz="2000" dirty="0" smtClean="0"/>
+              <a:t>][1][1]):</a:t>
+            </a:r>
+          </a:p>
+          <a:p>
+            <a:pPr>
+              <a:buNone/>
+            </a:pPr>
+            <a:r>
+              <a:rPr lang="en-US" sz="2000" dirty="0" smtClean="0"/>
+              <a:t>                square[(</a:t>
+            </a:r>
+            <a:r>
+              <a:rPr lang="en-US" sz="2000" dirty="0" err="1" smtClean="0"/>
+              <a:t>x,y</a:t>
+            </a:r>
+            <a:r>
+              <a:rPr lang="en-US" sz="2000" dirty="0" smtClean="0"/>
+              <a:t>)] = </a:t>
+            </a:r>
+            <a:r>
+              <a:rPr lang="en-US" sz="2000" dirty="0" err="1" smtClean="0"/>
+              <a:t>new_Grid</a:t>
+            </a:r>
+            <a:r>
+              <a:rPr lang="en-US" sz="2000" dirty="0" smtClean="0"/>
+              <a:t>[x][y]</a:t>
+            </a:r>
+          </a:p>
+          <a:p>
+            <a:pPr>
+              <a:buNone/>
+            </a:pPr>
+            <a:r>
+              <a:rPr lang="en-US" sz="2000" dirty="0" smtClean="0"/>
+              <a:t>        </a:t>
+            </a:r>
+            <a:r>
+              <a:rPr lang="en-US" sz="2000" dirty="0" err="1" smtClean="0"/>
+              <a:t>squares.append</a:t>
+            </a:r>
+            <a:r>
+              <a:rPr lang="en-US" sz="2000" dirty="0" smtClean="0"/>
+              <a:t>(square)</a:t>
+            </a:r>
+          </a:p>
+          <a:p>
+            <a:pPr>
+              <a:buNone/>
+            </a:pPr>
+            <a:r>
+              <a:rPr lang="en-US" sz="2000" dirty="0" smtClean="0"/>
+              <a:t>    return squares</a:t>
+            </a:r>
+          </a:p>
+          <a:p>
+            <a:pPr>
+              <a:buNone/>
+            </a:pPr>
+            <a:endParaRPr lang="en-US" sz="2000" dirty="0" smtClean="0"/>
+          </a:p>
+          <a:p>
+            <a:pPr>
+              <a:buNone/>
+            </a:pPr>
+            <a:r>
+              <a:rPr lang="en-US" sz="2000" dirty="0" smtClean="0"/>
+              <a:t>def </a:t>
+            </a:r>
+            <a:r>
+              <a:rPr lang="en-US" sz="2000" dirty="0" err="1" smtClean="0"/>
+              <a:t>get_all_related_cells</a:t>
+            </a:r>
+            <a:r>
+              <a:rPr lang="en-US" sz="2000" dirty="0" smtClean="0"/>
+              <a:t>(</a:t>
+            </a:r>
+            <a:r>
+              <a:rPr lang="en-US" sz="2000" dirty="0" err="1" smtClean="0"/>
+              <a:t>new_Grid</a:t>
+            </a:r>
+            <a:r>
+              <a:rPr lang="en-US" sz="2000" dirty="0" smtClean="0"/>
+              <a:t>):</a:t>
+            </a:r>
+          </a:p>
+          <a:p>
+            <a:pPr>
+              <a:buNone/>
+            </a:pPr>
+            <a:r>
+              <a:rPr lang="en-US" sz="2000" dirty="0" smtClean="0"/>
+              <a:t>    squares = </a:t>
+            </a:r>
+            <a:r>
+              <a:rPr lang="en-US" sz="2000" dirty="0" err="1" smtClean="0"/>
+              <a:t>get_squares</a:t>
+            </a:r>
+            <a:r>
+              <a:rPr lang="en-US" sz="2000" dirty="0" smtClean="0"/>
+              <a:t>(</a:t>
+            </a:r>
+            <a:r>
+              <a:rPr lang="en-US" sz="2000" dirty="0" err="1" smtClean="0"/>
+              <a:t>new_Grid</a:t>
+            </a:r>
+            <a:r>
+              <a:rPr lang="en-US" sz="2000" dirty="0" smtClean="0"/>
+              <a:t>)</a:t>
+            </a:r>
+          </a:p>
+          <a:p>
+            <a:pPr>
+              <a:buNone/>
+            </a:pPr>
+            <a:r>
+              <a:rPr lang="en-US" sz="2000" dirty="0" smtClean="0"/>
+              <a:t>    rows = </a:t>
+            </a:r>
+            <a:r>
+              <a:rPr lang="en-US" sz="2000" dirty="0" err="1" smtClean="0"/>
+              <a:t>get_rows</a:t>
+            </a:r>
+            <a:r>
+              <a:rPr lang="en-US" sz="2000" dirty="0" smtClean="0"/>
+              <a:t>(</a:t>
+            </a:r>
+            <a:r>
+              <a:rPr lang="en-US" sz="2000" dirty="0" err="1" smtClean="0"/>
+              <a:t>new_Grid</a:t>
+            </a:r>
+            <a:r>
+              <a:rPr lang="en-US" sz="2000" dirty="0" smtClean="0"/>
+              <a:t>)</a:t>
+            </a:r>
+          </a:p>
+          <a:p>
+            <a:pPr>
+              <a:buNone/>
+            </a:pPr>
+            <a:r>
+              <a:rPr lang="en-US" sz="2000" dirty="0" smtClean="0"/>
+              <a:t>    cols = </a:t>
+            </a:r>
+            <a:r>
+              <a:rPr lang="en-US" sz="2000" dirty="0" err="1" smtClean="0"/>
+              <a:t>get_cols</a:t>
+            </a:r>
+            <a:r>
+              <a:rPr lang="en-US" sz="2000" dirty="0" smtClean="0"/>
+              <a:t>(</a:t>
+            </a:r>
+            <a:r>
+              <a:rPr lang="en-US" sz="2000" dirty="0" err="1" smtClean="0"/>
+              <a:t>new_Grid</a:t>
+            </a:r>
+            <a:r>
+              <a:rPr lang="en-US" sz="2000" dirty="0" smtClean="0"/>
+              <a:t>)</a:t>
             </a:r>
           </a:p>
           <a:p>
@@ -8536,23 +8462,7 @@
             </a:r>
             <a:r>
               <a:rPr lang="en-US" sz="2000" dirty="0" smtClean="0"/>
-              <a:t> = </a:t>
-            </a:r>
-            <a:r>
-              <a:rPr lang="en-US" sz="2000" dirty="0" err="1" smtClean="0"/>
-              <a:t>get_all_related_cells</a:t>
-            </a:r>
-            <a:r>
-              <a:rPr lang="en-US" sz="2000" dirty="0" smtClean="0"/>
-              <a:t>(</a:t>
-            </a:r>
-            <a:r>
-              <a:rPr lang="en-US" sz="2000" dirty="0" err="1" smtClean="0"/>
-              <a:t>new_Grid</a:t>
-            </a:r>
-            <a:r>
-              <a:rPr lang="en-US" sz="2000" dirty="0" smtClean="0"/>
-              <a:t>)</a:t>
+              <a:t> = squares + rows + cols</a:t>
             </a:r>
           </a:p>
           <a:p>
@@ -8561,139 +8471,11 @@
             </a:pPr>
             <a:r>
               <a:rPr lang="en-US" sz="2000" dirty="0" smtClean="0"/>
-              <a:t>    for a in </a:t>
+              <a:t>    return </a:t>
             </a:r>
             <a:r>
               <a:rPr lang="en-US" sz="2000" dirty="0" err="1" smtClean="0"/>
               <a:t>all_vec</a:t>
-            </a:r>
-            <a:r>
-              <a:rPr lang="en-US" sz="2000" dirty="0" smtClean="0"/>
-              <a:t>:</a:t>
-            </a:r>
-          </a:p>
-          <a:p>
-            <a:pPr>
-              <a:buNone/>
-            </a:pPr>
-            <a:r>
-              <a:rPr lang="en-US" sz="2000" dirty="0" smtClean="0"/>
-              <a:t>        if (</a:t>
-            </a:r>
-            <a:r>
-              <a:rPr lang="en-US" sz="2000" dirty="0" err="1" smtClean="0"/>
-              <a:t>cell_r</a:t>
-            </a:r>
-            <a:r>
-              <a:rPr lang="en-US" sz="2000" dirty="0" smtClean="0"/>
-              <a:t>, </a:t>
-            </a:r>
-            <a:r>
-              <a:rPr lang="en-US" sz="2000" dirty="0" err="1" smtClean="0"/>
-              <a:t>cell_c</a:t>
-            </a:r>
-            <a:r>
-              <a:rPr lang="en-US" sz="2000" dirty="0" smtClean="0"/>
-              <a:t>) in </a:t>
-            </a:r>
-            <a:r>
-              <a:rPr lang="en-US" sz="2000" dirty="0" err="1" smtClean="0"/>
-              <a:t>a.keys</a:t>
-            </a:r>
-            <a:r>
-              <a:rPr lang="en-US" sz="2000" dirty="0" smtClean="0"/>
-              <a:t>():</a:t>
-            </a:r>
-          </a:p>
-          <a:p>
-            <a:pPr>
-              <a:buNone/>
-            </a:pPr>
-            <a:r>
-              <a:rPr lang="en-US" sz="2000" dirty="0" smtClean="0"/>
-              <a:t>            </a:t>
-            </a:r>
-            <a:r>
-              <a:rPr lang="en-US" sz="2000" dirty="0" err="1" smtClean="0"/>
-              <a:t>map.update</a:t>
-            </a:r>
-            <a:r>
-              <a:rPr lang="en-US" sz="2000" dirty="0" smtClean="0"/>
-              <a:t>(a)</a:t>
-            </a:r>
-          </a:p>
-          <a:p>
-            <a:pPr>
-              <a:buNone/>
-            </a:pPr>
-            <a:endParaRPr lang="en-US" sz="2000" dirty="0" smtClean="0"/>
-          </a:p>
-          <a:p>
-            <a:pPr>
-              <a:buNone/>
-            </a:pPr>
-            <a:r>
-              <a:rPr lang="en-US" sz="2000" dirty="0" smtClean="0"/>
-              <a:t>    exist = []</a:t>
-            </a:r>
-          </a:p>
-          <a:p>
-            <a:pPr>
-              <a:buNone/>
-            </a:pPr>
-            <a:r>
-              <a:rPr lang="en-US" sz="2000" dirty="0" smtClean="0"/>
-              <a:t>    for m in map:</a:t>
-            </a:r>
-          </a:p>
-          <a:p>
-            <a:pPr>
-              <a:buNone/>
-            </a:pPr>
-            <a:r>
-              <a:rPr lang="en-US" sz="2000" dirty="0" smtClean="0"/>
-              <a:t>        if not map[m]=='.':</a:t>
-            </a:r>
-          </a:p>
-          <a:p>
-            <a:pPr>
-              <a:buNone/>
-            </a:pPr>
-            <a:r>
-              <a:rPr lang="en-US" sz="2000" dirty="0" smtClean="0"/>
-              <a:t>            </a:t>
-            </a:r>
-            <a:r>
-              <a:rPr lang="en-US" sz="2000" dirty="0" err="1" smtClean="0"/>
-              <a:t>exist.append</a:t>
-            </a:r>
-            <a:r>
-              <a:rPr lang="en-US" sz="2000" dirty="0" smtClean="0"/>
-              <a:t>(map[m])</a:t>
-            </a:r>
-          </a:p>
-          <a:p>
-            <a:pPr>
-              <a:buNone/>
-            </a:pPr>
-            <a:endParaRPr lang="en-US" sz="2000" dirty="0" smtClean="0"/>
-          </a:p>
-          <a:p>
-            <a:pPr>
-              <a:buNone/>
-            </a:pPr>
-            <a:r>
-              <a:rPr lang="en-US" sz="2000" dirty="0" smtClean="0"/>
-              <a:t>    rest = list(set(elements) - set(exist))</a:t>
-            </a:r>
-          </a:p>
-          <a:p>
-            <a:pPr>
-              <a:buNone/>
-            </a:pPr>
-            <a:r>
-              <a:rPr lang="en-US" sz="2000" dirty="0" smtClean="0"/>
-              <a:t>    return rest</a:t>
             </a:r>
             <a:endParaRPr lang="ar-EG" sz="2000" dirty="0"/>
           </a:p>
@@ -8716,7 +8498,7 @@
         </p:blipFill>
         <p:spPr bwMode="auto">
           <a:xfrm>
-            <a:off x="5562600" y="1524000"/>
+            <a:off x="5562600" y="3581400"/>
             <a:ext cx="3276600" cy="2689746"/>
           </a:xfrm>
           <a:prstGeom prst="rect">
@@ -8842,7 +8624,7 @@
         </p:spPr>
         <p:txBody>
           <a:bodyPr>
-            <a:normAutofit lnSpcReduction="10000"/>
+            <a:normAutofit/>
           </a:bodyPr>
           <a:lstStyle/>
           <a:p>
@@ -8850,43 +8632,39 @@
               <a:buNone/>
             </a:pPr>
             <a:r>
-              <a:rPr lang="en-US" sz="2000" b="1" dirty="0" smtClean="0">
-                <a:solidFill>
-                  <a:srgbClr val="0070C0"/>
-                </a:solidFill>
-              </a:rPr>
+              <a:rPr lang="en-US" sz="2000" dirty="0" smtClean="0"/>
               <a:t>def </a:t>
             </a:r>
             <a:r>
-              <a:rPr lang="en-US" sz="2000" b="1" dirty="0" err="1" smtClean="0">
-                <a:solidFill>
-                  <a:srgbClr val="0070C0"/>
-                </a:solidFill>
-              </a:rPr>
-              <a:t>get_legal_for_all</a:t>
-            </a:r>
-            <a:r>
-              <a:rPr lang="en-US" sz="2000" b="1" dirty="0" smtClean="0">
-                <a:solidFill>
-                  <a:srgbClr val="0070C0"/>
-                </a:solidFill>
-              </a:rPr>
+              <a:rPr lang="en-US" sz="2000" dirty="0" err="1" smtClean="0"/>
+              <a:t>get_legal_for_cell</a:t>
+            </a:r>
+            <a:r>
+              <a:rPr lang="en-US" sz="2000" dirty="0" smtClean="0"/>
               <a:t>(</a:t>
             </a:r>
             <a:r>
-              <a:rPr lang="en-US" sz="2000" b="1" dirty="0" err="1" smtClean="0">
-                <a:solidFill>
-                  <a:srgbClr val="0070C0"/>
-                </a:solidFill>
-              </a:rPr>
+              <a:rPr lang="en-US" sz="2000" dirty="0" err="1" smtClean="0"/>
+              <a:t>cell_r</a:t>
+            </a:r>
+            <a:r>
+              <a:rPr lang="en-US" sz="2000" dirty="0" smtClean="0"/>
+              <a:t>, </a:t>
+            </a:r>
+            <a:r>
+              <a:rPr lang="en-US" sz="2000" dirty="0" err="1" smtClean="0"/>
+              <a:t>cell_c</a:t>
+            </a:r>
+            <a:r>
+              <a:rPr lang="en-US" sz="2000" dirty="0" smtClean="0"/>
+              <a:t>, </a:t>
+            </a:r>
+            <a:r>
+              <a:rPr lang="en-US" sz="2000" dirty="0" err="1" smtClean="0"/>
               <a:t>new_Grid</a:t>
             </a:r>
             <a:r>
-              <a:rPr lang="en-US" sz="2000" b="1" dirty="0" smtClean="0">
-                <a:solidFill>
-                  <a:srgbClr val="0070C0"/>
-                </a:solidFill>
-              </a:rPr>
+              <a:rPr lang="en-US" sz="2000" dirty="0" smtClean="0"/>
               <a:t>):</a:t>
             </a:r>
           </a:p>
@@ -8895,28 +8673,41 @@
               <a:buNone/>
             </a:pPr>
             <a:r>
-              <a:rPr lang="en-US" sz="2000" b="1" dirty="0" smtClean="0">
-                <a:solidFill>
-                  <a:srgbClr val="0070C0"/>
-                </a:solidFill>
-              </a:rPr>
+              <a:rPr lang="en-US" sz="2000" dirty="0" smtClean="0"/>
+              <a:t>    map = {}</a:t>
+            </a:r>
+          </a:p>
+          <a:p>
+            <a:pPr>
+              <a:buNone/>
+            </a:pPr>
+            <a:r>
+              <a:rPr lang="en-US" sz="2000" dirty="0" smtClean="0"/>
               <a:t>    </a:t>
             </a:r>
             <a:r>
-              <a:rPr lang="en-US" sz="2000" b="1" dirty="0" err="1" smtClean="0">
-                <a:solidFill>
-                  <a:srgbClr val="0070C0"/>
-                </a:solidFill>
-              </a:rPr>
-              <a:t>legal_for_all</a:t>
-            </a:r>
-            <a:r>
-              <a:rPr lang="en-US" sz="2000" b="1" dirty="0" smtClean="0">
-                <a:solidFill>
-                  <a:srgbClr val="0070C0"/>
-                </a:solidFill>
-              </a:rPr>
-              <a:t> = {}</a:t>
+              <a:rPr lang="en-US" sz="2000" dirty="0" err="1" smtClean="0"/>
+              <a:t>all_vec</a:t>
+            </a:r>
+            <a:r>
+              <a:rPr lang="en-US" sz="2000" dirty="0" smtClean="0"/>
+              <a:t> = </a:t>
+            </a:r>
+            <a:r>
+              <a:rPr lang="en-US" sz="2000" dirty="0" err="1" smtClean="0"/>
+              <a:t>get_all_related_cells</a:t>
+            </a:r>
+            <a:r>
+              <a:rPr lang="en-US" sz="2000" dirty="0" smtClean="0"/>
+              <a:t>(</a:t>
+            </a:r>
+            <a:r>
+              <a:rPr lang="en-US" sz="2000" dirty="0" err="1" smtClean="0"/>
+              <a:t>new_Grid</a:t>
+            </a:r>
+            <a:r>
+              <a:rPr lang="en-US" sz="2000" dirty="0" smtClean="0"/>
+              <a:t>)</a:t>
             </a:r>
           </a:p>
           <a:p>
@@ -8924,12 +8715,16 @@
               <a:buNone/>
             </a:pPr>
             <a:r>
-              <a:rPr lang="en-US" sz="2000" b="1" dirty="0" smtClean="0">
-                <a:solidFill>
-                  <a:srgbClr val="0070C0"/>
-                </a:solidFill>
-              </a:rPr>
-              <a:t>    for r in range(0,9):</a:t>
+              <a:rPr lang="en-US" sz="2000" dirty="0" smtClean="0"/>
+              <a:t>    for a in </a:t>
+            </a:r>
+            <a:r>
+              <a:rPr lang="en-US" sz="2000" dirty="0" err="1" smtClean="0"/>
+              <a:t>all_vec</a:t>
+            </a:r>
+            <a:r>
+              <a:rPr lang="en-US" sz="2000" dirty="0" smtClean="0"/>
+              <a:t>:</a:t>
             </a:r>
           </a:p>
           <a:p>
@@ -8937,12 +8732,32 @@
               <a:buNone/>
             </a:pPr>
             <a:r>
-              <a:rPr lang="en-US" sz="2000" b="1" dirty="0" smtClean="0">
-                <a:solidFill>
-                  <a:srgbClr val="0070C0"/>
-                </a:solidFill>
-              </a:rPr>
-              <a:t>        for c in range(0,9):</a:t>
+              <a:rPr lang="en-US" sz="2000" dirty="0" smtClean="0"/>
+              <a:t>        if (</a:t>
+            </a:r>
+            <a:r>
+              <a:rPr lang="en-US" sz="2000" dirty="0" err="1" smtClean="0"/>
+              <a:t>cell_r</a:t>
+            </a:r>
+            <a:r>
+              <a:rPr lang="en-US" sz="2000" dirty="0" smtClean="0"/>
+              <a:t>, </a:t>
+            </a:r>
+            <a:r>
+              <a:rPr lang="en-US" sz="2000" dirty="0" err="1" smtClean="0"/>
+              <a:t>cell_c</a:t>
+            </a:r>
+            <a:r>
+              <a:rPr lang="en-US" sz="2000" dirty="0" smtClean="0"/>
+              <a:t>) in </a:t>
+            </a:r>
+            <a:r>
+              <a:rPr lang="en-US" sz="2000" dirty="0" err="1" smtClean="0"/>
+              <a:t>a.keys</a:t>
+            </a:r>
+            <a:r>
+              <a:rPr lang="en-US" sz="2000" dirty="0" smtClean="0"/>
+              <a:t>():</a:t>
             </a:r>
           </a:p>
           <a:p>
@@ -8950,186 +8765,49 @@
               <a:buNone/>
             </a:pPr>
             <a:r>
-              <a:rPr lang="en-US" sz="2000" b="1" dirty="0" smtClean="0">
-                <a:solidFill>
-                  <a:srgbClr val="0070C0"/>
-                </a:solidFill>
-              </a:rPr>
-              <a:t>            if </a:t>
-            </a:r>
-            <a:r>
-              <a:rPr lang="en-US" sz="2000" b="1" dirty="0" err="1" smtClean="0">
-                <a:solidFill>
-                  <a:srgbClr val="0070C0"/>
-                </a:solidFill>
-              </a:rPr>
-              <a:t>new_Grid</a:t>
-            </a:r>
-            <a:r>
-              <a:rPr lang="en-US" sz="2000" b="1" dirty="0" smtClean="0">
-                <a:solidFill>
-                  <a:srgbClr val="0070C0"/>
-                </a:solidFill>
-              </a:rPr>
-              <a:t>[r][c]=='.':</a:t>
+              <a:rPr lang="en-US" sz="2000" dirty="0" smtClean="0"/>
+              <a:t>            </a:t>
+            </a:r>
+            <a:r>
+              <a:rPr lang="en-US" sz="2000" dirty="0" err="1" smtClean="0"/>
+              <a:t>map.update</a:t>
+            </a:r>
+            <a:r>
+              <a:rPr lang="en-US" sz="2000" dirty="0" smtClean="0"/>
+              <a:t>(a)</a:t>
             </a:r>
           </a:p>
           <a:p>
             <a:pPr>
               <a:buNone/>
             </a:pPr>
-            <a:r>
-              <a:rPr lang="en-US" sz="2000" b="1" dirty="0" smtClean="0">
-                <a:solidFill>
-                  <a:srgbClr val="0070C0"/>
-                </a:solidFill>
-              </a:rPr>
-              <a:t>                </a:t>
-            </a:r>
-            <a:r>
-              <a:rPr lang="en-US" sz="2000" b="1" dirty="0" err="1" smtClean="0">
-                <a:solidFill>
-                  <a:srgbClr val="0070C0"/>
-                </a:solidFill>
-              </a:rPr>
-              <a:t>legal_for_all</a:t>
-            </a:r>
-            <a:r>
-              <a:rPr lang="en-US" sz="2000" b="1" dirty="0" smtClean="0">
-                <a:solidFill>
-                  <a:srgbClr val="0070C0"/>
-                </a:solidFill>
-              </a:rPr>
-              <a:t>[(</a:t>
-            </a:r>
-            <a:r>
-              <a:rPr lang="en-US" sz="2000" b="1" dirty="0" err="1" smtClean="0">
-                <a:solidFill>
-                  <a:srgbClr val="0070C0"/>
-                </a:solidFill>
-              </a:rPr>
-              <a:t>r,c</a:t>
-            </a:r>
-            <a:r>
-              <a:rPr lang="en-US" sz="2000" b="1" dirty="0" smtClean="0">
-                <a:solidFill>
-                  <a:srgbClr val="0070C0"/>
-                </a:solidFill>
-              </a:rPr>
-              <a:t>)] = </a:t>
-            </a:r>
-            <a:r>
-              <a:rPr lang="en-US" sz="2000" b="1" dirty="0" err="1" smtClean="0">
-                <a:solidFill>
-                  <a:srgbClr val="0070C0"/>
-                </a:solidFill>
-              </a:rPr>
-              <a:t>get_legal_for_cell</a:t>
-            </a:r>
-            <a:r>
-              <a:rPr lang="en-US" sz="2000" b="1" dirty="0" smtClean="0">
-                <a:solidFill>
-                  <a:srgbClr val="0070C0"/>
-                </a:solidFill>
-              </a:rPr>
-              <a:t>(r, c, </a:t>
-            </a:r>
-            <a:r>
-              <a:rPr lang="en-US" sz="2000" b="1" dirty="0" err="1" smtClean="0">
-                <a:solidFill>
-                  <a:srgbClr val="0070C0"/>
-                </a:solidFill>
-              </a:rPr>
-              <a:t>new_Grid</a:t>
-            </a:r>
-            <a:r>
-              <a:rPr lang="en-US" sz="2000" b="1" dirty="0" smtClean="0">
-                <a:solidFill>
-                  <a:srgbClr val="0070C0"/>
-                </a:solidFill>
-              </a:rPr>
-              <a:t>)</a:t>
-            </a:r>
+            <a:endParaRPr lang="en-US" sz="2000" dirty="0" smtClean="0"/>
           </a:p>
           <a:p>
             <a:pPr>
               <a:buNone/>
             </a:pPr>
             <a:r>
-              <a:rPr lang="en-US" sz="2000" b="1" dirty="0" smtClean="0">
-                <a:solidFill>
-                  <a:srgbClr val="0070C0"/>
-                </a:solidFill>
-              </a:rPr>
-              <a:t>    return </a:t>
-            </a:r>
-            <a:r>
-              <a:rPr lang="en-US" sz="2000" b="1" dirty="0" err="1" smtClean="0">
-                <a:solidFill>
-                  <a:srgbClr val="0070C0"/>
-                </a:solidFill>
-              </a:rPr>
-              <a:t>legal_for_all</a:t>
-            </a:r>
-            <a:endParaRPr lang="en-US" sz="2000" b="1" dirty="0" smtClean="0">
-              <a:solidFill>
-                <a:srgbClr val="0070C0"/>
-              </a:solidFill>
-            </a:endParaRPr>
+              <a:rPr lang="en-US" sz="2000" dirty="0" smtClean="0"/>
+              <a:t>    exist = []</a:t>
+            </a:r>
           </a:p>
           <a:p>
             <a:pPr>
               <a:buNone/>
             </a:pPr>
-            <a:endParaRPr lang="en-US" sz="2000" b="1" dirty="0" smtClean="0">
-              <a:solidFill>
-                <a:srgbClr val="0070C0"/>
-              </a:solidFill>
-            </a:endParaRPr>
+            <a:r>
+              <a:rPr lang="en-US" sz="2000" dirty="0" smtClean="0"/>
+              <a:t>    for m in map:</a:t>
+            </a:r>
           </a:p>
           <a:p>
             <a:pPr>
               <a:buNone/>
             </a:pPr>
             <a:r>
-              <a:rPr lang="en-US" sz="2000" b="1" dirty="0" smtClean="0">
-                <a:solidFill>
-                  <a:srgbClr val="0070C0"/>
-                </a:solidFill>
-              </a:rPr>
-              <a:t>def </a:t>
-            </a:r>
-            <a:r>
-              <a:rPr lang="en-US" sz="2000" b="1" dirty="0" err="1" smtClean="0">
-                <a:solidFill>
-                  <a:srgbClr val="0070C0"/>
-                </a:solidFill>
-              </a:rPr>
-              <a:t>get_next_cell</a:t>
-            </a:r>
-            <a:r>
-              <a:rPr lang="en-US" sz="2000" b="1" dirty="0" smtClean="0">
-                <a:solidFill>
-                  <a:srgbClr val="0070C0"/>
-                </a:solidFill>
-              </a:rPr>
-              <a:t>(</a:t>
-            </a:r>
-            <a:r>
-              <a:rPr lang="en-US" sz="2000" b="1" dirty="0" err="1" smtClean="0">
-                <a:solidFill>
-                  <a:srgbClr val="0070C0"/>
-                </a:solidFill>
-              </a:rPr>
-              <a:t>new_Grid</a:t>
-            </a:r>
-            <a:r>
-              <a:rPr lang="en-US" sz="2000" b="1" dirty="0" smtClean="0">
-                <a:solidFill>
-                  <a:srgbClr val="0070C0"/>
-                </a:solidFill>
-              </a:rPr>
-              <a:t>):</a:t>
+              <a:rPr lang="en-US" sz="2000" dirty="0" smtClean="0"/>
+              <a:t>        if not map[m]=='.':</a:t>
             </a:r>
           </a:p>
           <a:p>
@@ -9137,150 +8815,31 @@
               <a:buNone/>
             </a:pPr>
             <a:r>
-              <a:rPr lang="en-US" sz="2000" b="1" dirty="0" smtClean="0">
-                <a:solidFill>
-                  <a:srgbClr val="0070C0"/>
-                </a:solidFill>
-              </a:rPr>
-              <a:t>    </a:t>
-            </a:r>
-            <a:r>
-              <a:rPr lang="en-US" sz="2000" b="1" dirty="0" err="1" smtClean="0">
-                <a:solidFill>
-                  <a:srgbClr val="0070C0"/>
-                </a:solidFill>
-              </a:rPr>
-              <a:t>legal_for_all</a:t>
-            </a:r>
-            <a:r>
-              <a:rPr lang="en-US" sz="2000" b="1" dirty="0" smtClean="0">
-                <a:solidFill>
-                  <a:srgbClr val="0070C0"/>
-                </a:solidFill>
-              </a:rPr>
-              <a:t> = </a:t>
-            </a:r>
-            <a:r>
-              <a:rPr lang="en-US" sz="2000" b="1" dirty="0" err="1" smtClean="0">
-                <a:solidFill>
-                  <a:srgbClr val="0070C0"/>
-                </a:solidFill>
-              </a:rPr>
-              <a:t>get_legal_for_all</a:t>
-            </a:r>
-            <a:r>
-              <a:rPr lang="en-US" sz="2000" b="1" dirty="0" smtClean="0">
-                <a:solidFill>
-                  <a:srgbClr val="0070C0"/>
-                </a:solidFill>
-              </a:rPr>
-              <a:t>(</a:t>
-            </a:r>
-            <a:r>
-              <a:rPr lang="en-US" sz="2000" b="1" dirty="0" err="1" smtClean="0">
-                <a:solidFill>
-                  <a:srgbClr val="0070C0"/>
-                </a:solidFill>
-              </a:rPr>
-              <a:t>new_Grid</a:t>
-            </a:r>
-            <a:r>
-              <a:rPr lang="en-US" sz="2000" b="1" dirty="0" smtClean="0">
-                <a:solidFill>
-                  <a:srgbClr val="0070C0"/>
-                </a:solidFill>
-              </a:rPr>
-              <a:t>)</a:t>
+              <a:rPr lang="en-US" sz="2000" dirty="0" smtClean="0"/>
+              <a:t>            </a:t>
+            </a:r>
+            <a:r>
+              <a:rPr lang="en-US" sz="2000" dirty="0" err="1" smtClean="0"/>
+              <a:t>exist.append</a:t>
+            </a:r>
+            <a:r>
+              <a:rPr lang="en-US" sz="2000" dirty="0" smtClean="0"/>
+              <a:t>(map[m])</a:t>
             </a:r>
           </a:p>
           <a:p>
             <a:pPr>
               <a:buNone/>
             </a:pPr>
-            <a:r>
-              <a:rPr lang="en-US" sz="2000" b="1" dirty="0" smtClean="0">
-                <a:solidFill>
-                  <a:srgbClr val="0070C0"/>
-                </a:solidFill>
-              </a:rPr>
-              <a:t>    if </a:t>
-            </a:r>
-            <a:r>
-              <a:rPr lang="en-US" sz="2000" b="1" dirty="0" err="1" smtClean="0">
-                <a:solidFill>
-                  <a:srgbClr val="0070C0"/>
-                </a:solidFill>
-              </a:rPr>
-              <a:t>len</a:t>
-            </a:r>
-            <a:r>
-              <a:rPr lang="en-US" sz="2000" b="1" dirty="0" smtClean="0">
-                <a:solidFill>
-                  <a:srgbClr val="0070C0"/>
-                </a:solidFill>
-              </a:rPr>
-              <a:t>(</a:t>
-            </a:r>
-            <a:r>
-              <a:rPr lang="en-US" sz="2000" b="1" dirty="0" err="1" smtClean="0">
-                <a:solidFill>
-                  <a:srgbClr val="0070C0"/>
-                </a:solidFill>
-              </a:rPr>
-              <a:t>legal_for_all</a:t>
-            </a:r>
-            <a:r>
-              <a:rPr lang="en-US" sz="2000" b="1" dirty="0" smtClean="0">
-                <a:solidFill>
-                  <a:srgbClr val="0070C0"/>
-                </a:solidFill>
-              </a:rPr>
-              <a:t>)&gt;0:</a:t>
-            </a:r>
+            <a:endParaRPr lang="en-US" sz="2000" dirty="0" smtClean="0"/>
           </a:p>
           <a:p>
             <a:pPr>
               <a:buNone/>
             </a:pPr>
             <a:r>
-              <a:rPr lang="en-US" sz="2000" b="1" dirty="0" smtClean="0">
-                <a:solidFill>
-                  <a:srgbClr val="0070C0"/>
-                </a:solidFill>
-              </a:rPr>
-              <a:t>        key = min(</a:t>
-            </a:r>
-            <a:r>
-              <a:rPr lang="en-US" sz="2000" b="1" dirty="0" err="1" smtClean="0">
-                <a:solidFill>
-                  <a:srgbClr val="0070C0"/>
-                </a:solidFill>
-              </a:rPr>
-              <a:t>legal_for_all</a:t>
-            </a:r>
-            <a:r>
-              <a:rPr lang="en-US" sz="2000" b="1" dirty="0" smtClean="0">
-                <a:solidFill>
-                  <a:srgbClr val="0070C0"/>
-                </a:solidFill>
-              </a:rPr>
-              <a:t>, key=lambda p:len(</a:t>
-            </a:r>
-            <a:r>
-              <a:rPr lang="en-US" sz="2000" b="1" dirty="0" err="1" smtClean="0">
-                <a:solidFill>
-                  <a:srgbClr val="0070C0"/>
-                </a:solidFill>
-              </a:rPr>
-              <a:t>legal_for_all</a:t>
-            </a:r>
-            <a:r>
-              <a:rPr lang="en-US" sz="2000" b="1" dirty="0" smtClean="0">
-                <a:solidFill>
-                  <a:srgbClr val="0070C0"/>
-                </a:solidFill>
-              </a:rPr>
-              <a:t>[p]))</a:t>
+              <a:rPr lang="en-US" sz="2000" dirty="0" smtClean="0"/>
+              <a:t>    rest = list(set(elements) - set(exist))</a:t>
             </a:r>
           </a:p>
           <a:p>
@@ -9288,66 +8847,49 @@
               <a:buNone/>
             </a:pPr>
             <a:r>
-              <a:rPr lang="en-US" sz="2000" b="1" dirty="0" smtClean="0">
-                <a:solidFill>
-                  <a:srgbClr val="0070C0"/>
-                </a:solidFill>
-              </a:rPr>
-              <a:t>    else:</a:t>
-            </a:r>
-          </a:p>
-          <a:p>
-            <a:pPr>
-              <a:buNone/>
-            </a:pPr>
-            <a:r>
-              <a:rPr lang="en-US" sz="2000" b="1" dirty="0" smtClean="0">
-                <a:solidFill>
-                  <a:srgbClr val="0070C0"/>
-                </a:solidFill>
-              </a:rPr>
-              <a:t>        key=(</a:t>
-            </a:r>
-            <a:r>
-              <a:rPr lang="en-US" sz="2000" b="1" dirty="0" err="1" smtClean="0">
-                <a:solidFill>
-                  <a:srgbClr val="0070C0"/>
-                </a:solidFill>
-              </a:rPr>
-              <a:t>None,None</a:t>
-            </a:r>
-            <a:r>
-              <a:rPr lang="en-US" sz="2000" b="1" dirty="0" smtClean="0">
-                <a:solidFill>
-                  <a:srgbClr val="0070C0"/>
-                </a:solidFill>
-              </a:rPr>
-              <a:t>)     # only when grid completed</a:t>
-            </a:r>
-          </a:p>
-          <a:p>
-            <a:pPr>
-              <a:buNone/>
-            </a:pPr>
-            <a:r>
-              <a:rPr lang="en-US" sz="2000" b="1" dirty="0" smtClean="0">
-                <a:solidFill>
-                  <a:srgbClr val="0070C0"/>
-                </a:solidFill>
-              </a:rPr>
-              <a:t>    return key</a:t>
-            </a:r>
-            <a:endParaRPr lang="ar-EG" sz="2000" b="1" dirty="0">
-              <a:solidFill>
-                <a:srgbClr val="0070C0"/>
-              </a:solidFill>
-            </a:endParaRPr>
-          </a:p>
-        </p:txBody>
-      </p:sp>
-      <p:sp>
-        <p:nvSpPr>
-          <p:cNvPr id="4" name="Footer Placeholder 3"/>
+              <a:rPr lang="en-US" sz="2000" dirty="0" smtClean="0"/>
+              <a:t>    return rest</a:t>
+            </a:r>
+            <a:endParaRPr lang="ar-EG" sz="2000" dirty="0"/>
+          </a:p>
+        </p:txBody>
+      </p:sp>
+      <p:pic>
+        <p:nvPicPr>
+          <p:cNvPr id="5" name="Picture 2"/>
+          <p:cNvPicPr>
+            <a:picLocks noChangeAspect="1" noChangeArrowheads="1"/>
+          </p:cNvPicPr>
+          <p:nvPr/>
+        </p:nvPicPr>
+        <p:blipFill>
+          <a:blip r:embed="rId2"/>
+          <a:srcRect/>
+          <a:stretch>
+            <a:fillRect/>
+          </a:stretch>
+        </p:blipFill>
+        <p:spPr bwMode="auto">
+          <a:xfrm>
+            <a:off x="5562600" y="1524000"/>
+            <a:ext cx="3276600" cy="2689746"/>
+          </a:xfrm>
+          <a:prstGeom prst="rect">
+            <a:avLst/>
+          </a:prstGeom>
+          <a:noFill/>
+          <a:ln w="9525">
+            <a:noFill/>
+            <a:miter lim="800000"/>
+            <a:headEnd/>
+            <a:tailEnd/>
+          </a:ln>
+          <a:effectLst/>
+        </p:spPr>
+      </p:pic>
+      <p:sp>
+        <p:nvSpPr>
+          <p:cNvPr id="7" name="Footer Placeholder 6"/>
           <p:cNvSpPr>
             <a:spLocks noGrp="1"/>
           </p:cNvSpPr>
@@ -9455,7 +8997,7 @@
         </p:spPr>
         <p:txBody>
           <a:bodyPr>
-            <a:normAutofit/>
+            <a:normAutofit lnSpcReduction="10000"/>
           </a:bodyPr>
           <a:lstStyle/>
           <a:p>
@@ -9463,23 +9005,43 @@
               <a:buNone/>
             </a:pPr>
             <a:r>
-              <a:rPr lang="en-US" sz="2000" dirty="0" smtClean="0"/>
+              <a:rPr lang="en-US" sz="2000" b="1" dirty="0" smtClean="0">
+                <a:solidFill>
+                  <a:srgbClr val="0070C0"/>
+                </a:solidFill>
+              </a:rPr>
               <a:t>def </a:t>
             </a:r>
             <a:r>
-              <a:rPr lang="en-US" sz="2000" dirty="0" err="1" smtClean="0"/>
-              <a:t>is_complete</a:t>
-            </a:r>
-            <a:r>
-              <a:rPr lang="en-US" sz="2000" dirty="0" smtClean="0"/>
+              <a:rPr lang="en-US" sz="2000" b="1" dirty="0" err="1" smtClean="0">
+                <a:solidFill>
+                  <a:srgbClr val="0070C0"/>
+                </a:solidFill>
+              </a:rPr>
+              <a:t>get_legal_for_all</a:t>
+            </a:r>
+            <a:r>
+              <a:rPr lang="en-US" sz="2000" b="1" dirty="0" smtClean="0">
+                <a:solidFill>
+                  <a:srgbClr val="0070C0"/>
+                </a:solidFill>
+              </a:rPr>
               <a:t>(</a:t>
             </a:r>
             <a:r>
-              <a:rPr lang="en-US" sz="2000" dirty="0" err="1" smtClean="0"/>
+              <a:rPr lang="en-US" sz="2000" b="1" dirty="0" err="1" smtClean="0">
+                <a:solidFill>
+                  <a:srgbClr val="0070C0"/>
+                </a:solidFill>
+              </a:rPr>
               <a:t>new_Grid</a:t>
             </a:r>
             <a:r>
-              <a:rPr lang="en-US" sz="2000" dirty="0" smtClean="0"/>
+              <a:rPr lang="en-US" sz="2000" b="1" dirty="0" smtClean="0">
+                <a:solidFill>
+                  <a:srgbClr val="0070C0"/>
+                </a:solidFill>
+              </a:rPr>
               <a:t>):</a:t>
             </a:r>
           </a:p>
@@ -9488,16 +9050,28 @@
               <a:buNone/>
             </a:pPr>
             <a:r>
-              <a:rPr lang="en-US" sz="2000" dirty="0" smtClean="0"/>
+              <a:rPr lang="en-US" sz="2000" b="1" dirty="0" smtClean="0">
+                <a:solidFill>
+                  <a:srgbClr val="0070C0"/>
+                </a:solidFill>
+              </a:rPr>
               <a:t>    </a:t>
             </a:r>
             <a:r>
-              <a:rPr lang="en-US" sz="2000" dirty="0" err="1" smtClean="0"/>
-              <a:t>grid_complete</a:t>
-            </a:r>
-            <a:r>
-              <a:rPr lang="en-US" sz="2000" dirty="0" smtClean="0"/>
-              <a:t> = True</a:t>
+              <a:rPr lang="en-US" sz="2000" b="1" dirty="0" err="1" smtClean="0">
+                <a:solidFill>
+                  <a:srgbClr val="0070C0"/>
+                </a:solidFill>
+              </a:rPr>
+              <a:t>legal_for_all</a:t>
+            </a:r>
+            <a:r>
+              <a:rPr lang="en-US" sz="2000" b="1" dirty="0" smtClean="0">
+                <a:solidFill>
+                  <a:srgbClr val="0070C0"/>
+                </a:solidFill>
+              </a:rPr>
+              <a:t> = {}</a:t>
             </a:r>
           </a:p>
           <a:p>
@@ -9505,16 +9079,54 @@
               <a:buNone/>
             </a:pPr>
             <a:r>
-              <a:rPr lang="en-US" sz="2000" dirty="0" smtClean="0"/>
-              <a:t>    for r in </a:t>
-            </a:r>
-            <a:r>
-              <a:rPr lang="en-US" sz="2000" dirty="0" err="1" smtClean="0"/>
+              <a:rPr lang="en-US" sz="2000" b="1" dirty="0" smtClean="0">
+                <a:solidFill>
+                  <a:srgbClr val="0070C0"/>
+                </a:solidFill>
+              </a:rPr>
+              <a:t>    for r in range(0,9):</a:t>
+            </a:r>
+          </a:p>
+          <a:p>
+            <a:pPr>
+              <a:buNone/>
+            </a:pPr>
+            <a:r>
+              <a:rPr lang="en-US" sz="2000" b="1" dirty="0" smtClean="0">
+                <a:solidFill>
+                  <a:srgbClr val="0070C0"/>
+                </a:solidFill>
+              </a:rPr>
+              <a:t>        for c in range(0,9):</a:t>
+            </a:r>
+          </a:p>
+          <a:p>
+            <a:pPr>
+              <a:buNone/>
+            </a:pPr>
+            <a:r>
+              <a:rPr lang="en-US" sz="2000" b="1" dirty="0" smtClean="0">
+                <a:solidFill>
+                  <a:srgbClr val="0070C0"/>
+                </a:solidFill>
+              </a:rPr>
+              <a:t>            if </a:t>
+            </a:r>
+            <a:r>
+              <a:rPr lang="en-US" sz="2000" b="1" dirty="0" err="1" smtClean="0">
+                <a:solidFill>
+                  <a:srgbClr val="0070C0"/>
+                </a:solidFill>
+              </a:rPr>
               <a:t>new_Grid</a:t>
             </a:r>
             <a:r>
-              <a:rPr lang="en-US" sz="2000" dirty="0" smtClean="0"/>
-              <a:t>:</a:t>
+              <a:rPr lang="en-US" sz="2000" b="1" dirty="0" smtClean="0">
+                <a:solidFill>
+                  <a:srgbClr val="0070C0"/>
+                </a:solidFill>
+              </a:rPr>
+              <a:t>[r][c]=='.':</a:t>
             </a:r>
           </a:p>
           <a:p>
@@ -9522,24 +9134,218 @@
               <a:buNone/>
             </a:pPr>
             <a:r>
-              <a:rPr lang="en-US" sz="2000" dirty="0" smtClean="0"/>
-              <a:t>        </a:t>
-            </a:r>
-            <a:r>
-              <a:rPr lang="en-US" sz="2000" dirty="0" err="1" smtClean="0"/>
-              <a:t>grid_complete</a:t>
-            </a:r>
-            <a:r>
-              <a:rPr lang="en-US" sz="2000" dirty="0" smtClean="0"/>
+              <a:rPr lang="en-US" sz="2000" b="1" dirty="0" smtClean="0">
+                <a:solidFill>
+                  <a:srgbClr val="0070C0"/>
+                </a:solidFill>
+              </a:rPr>
+              <a:t>                </a:t>
+            </a:r>
+            <a:r>
+              <a:rPr lang="en-US" sz="2000" b="1" dirty="0" err="1" smtClean="0">
+                <a:solidFill>
+                  <a:srgbClr val="0070C0"/>
+                </a:solidFill>
+              </a:rPr>
+              <a:t>legal_for_all</a:t>
+            </a:r>
+            <a:r>
+              <a:rPr lang="en-US" sz="2000" b="1" dirty="0" smtClean="0">
+                <a:solidFill>
+                  <a:srgbClr val="0070C0"/>
+                </a:solidFill>
+              </a:rPr>
+              <a:t>[(</a:t>
+            </a:r>
+            <a:r>
+              <a:rPr lang="en-US" sz="2000" b="1" dirty="0" err="1" smtClean="0">
+                <a:solidFill>
+                  <a:srgbClr val="0070C0"/>
+                </a:solidFill>
+              </a:rPr>
+              <a:t>r,c</a:t>
+            </a:r>
+            <a:r>
+              <a:rPr lang="en-US" sz="2000" b="1" dirty="0" smtClean="0">
+                <a:solidFill>
+                  <a:srgbClr val="0070C0"/>
+                </a:solidFill>
+              </a:rPr>
+              <a:t>)] = </a:t>
+            </a:r>
+            <a:r>
+              <a:rPr lang="en-US" sz="2000" b="1" dirty="0" err="1" smtClean="0">
+                <a:solidFill>
+                  <a:srgbClr val="0070C0"/>
+                </a:solidFill>
+              </a:rPr>
+              <a:t>get_legal_for_cell</a:t>
+            </a:r>
+            <a:r>
+              <a:rPr lang="en-US" sz="2000" b="1" dirty="0" smtClean="0">
+                <a:solidFill>
+                  <a:srgbClr val="0070C0"/>
+                </a:solidFill>
+              </a:rPr>
+              <a:t>(r, c, </a:t>
+            </a:r>
+            <a:r>
+              <a:rPr lang="en-US" sz="2000" b="1" dirty="0" err="1" smtClean="0">
+                <a:solidFill>
+                  <a:srgbClr val="0070C0"/>
+                </a:solidFill>
+              </a:rPr>
+              <a:t>new_Grid</a:t>
+            </a:r>
+            <a:r>
+              <a:rPr lang="en-US" sz="2000" b="1" dirty="0" smtClean="0">
+                <a:solidFill>
+                  <a:srgbClr val="0070C0"/>
+                </a:solidFill>
+              </a:rPr>
+              <a:t>)</a:t>
+            </a:r>
+          </a:p>
+          <a:p>
+            <a:pPr>
+              <a:buNone/>
+            </a:pPr>
+            <a:r>
+              <a:rPr lang="en-US" sz="2000" b="1" dirty="0" smtClean="0">
+                <a:solidFill>
+                  <a:srgbClr val="0070C0"/>
+                </a:solidFill>
+              </a:rPr>
+              <a:t>    return </a:t>
+            </a:r>
+            <a:r>
+              <a:rPr lang="en-US" sz="2000" b="1" dirty="0" err="1" smtClean="0">
+                <a:solidFill>
+                  <a:srgbClr val="0070C0"/>
+                </a:solidFill>
+              </a:rPr>
+              <a:t>legal_for_all</a:t>
+            </a:r>
+            <a:endParaRPr lang="en-US" sz="2000" b="1" dirty="0" smtClean="0">
+              <a:solidFill>
+                <a:srgbClr val="0070C0"/>
+              </a:solidFill>
+            </a:endParaRPr>
+          </a:p>
+          <a:p>
+            <a:pPr>
+              <a:buNone/>
+            </a:pPr>
+            <a:endParaRPr lang="en-US" sz="2000" b="1" dirty="0" smtClean="0">
+              <a:solidFill>
+                <a:srgbClr val="0070C0"/>
+              </a:solidFill>
+            </a:endParaRPr>
+          </a:p>
+          <a:p>
+            <a:pPr>
+              <a:buNone/>
+            </a:pPr>
+            <a:r>
+              <a:rPr lang="en-US" sz="2000" b="1" dirty="0" smtClean="0">
+                <a:solidFill>
+                  <a:srgbClr val="0070C0"/>
+                </a:solidFill>
+              </a:rPr>
+              <a:t>def </a:t>
+            </a:r>
+            <a:r>
+              <a:rPr lang="en-US" sz="2000" b="1" dirty="0" err="1" smtClean="0">
+                <a:solidFill>
+                  <a:srgbClr val="0070C0"/>
+                </a:solidFill>
+              </a:rPr>
+              <a:t>get_next_cell</a:t>
+            </a:r>
+            <a:r>
+              <a:rPr lang="en-US" sz="2000" b="1" dirty="0" smtClean="0">
+                <a:solidFill>
+                  <a:srgbClr val="0070C0"/>
+                </a:solidFill>
+              </a:rPr>
+              <a:t>(</a:t>
+            </a:r>
+            <a:r>
+              <a:rPr lang="en-US" sz="2000" b="1" dirty="0" err="1" smtClean="0">
+                <a:solidFill>
+                  <a:srgbClr val="0070C0"/>
+                </a:solidFill>
+              </a:rPr>
+              <a:t>new_Grid</a:t>
+            </a:r>
+            <a:r>
+              <a:rPr lang="en-US" sz="2000" b="1" dirty="0" smtClean="0">
+                <a:solidFill>
+                  <a:srgbClr val="0070C0"/>
+                </a:solidFill>
+              </a:rPr>
+              <a:t>):</a:t>
+            </a:r>
+          </a:p>
+          <a:p>
+            <a:pPr>
+              <a:buNone/>
+            </a:pPr>
+            <a:r>
+              <a:rPr lang="en-US" sz="2000" b="1" dirty="0" smtClean="0">
+                <a:solidFill>
+                  <a:srgbClr val="0070C0"/>
+                </a:solidFill>
+              </a:rPr>
+              <a:t>    </a:t>
+            </a:r>
+            <a:r>
+              <a:rPr lang="en-US" sz="2000" b="1" dirty="0" err="1" smtClean="0">
+                <a:solidFill>
+                  <a:srgbClr val="0070C0"/>
+                </a:solidFill>
+              </a:rPr>
+              <a:t>legal_for_all</a:t>
+            </a:r>
+            <a:r>
+              <a:rPr lang="en-US" sz="2000" b="1" dirty="0" smtClean="0">
+                <a:solidFill>
+                  <a:srgbClr val="0070C0"/>
+                </a:solidFill>
+              </a:rPr>
               <a:t> = </a:t>
             </a:r>
             <a:r>
-              <a:rPr lang="en-US" sz="2000" dirty="0" err="1" smtClean="0"/>
-              <a:t>grid_complete</a:t>
-            </a:r>
-            <a:r>
-              <a:rPr lang="en-US" sz="2000" dirty="0" smtClean="0"/>
-              <a:t> and not ('.' in r)</a:t>
+              <a:rPr lang="en-US" sz="2000" b="1" dirty="0" err="1" smtClean="0">
+                <a:solidFill>
+                  <a:srgbClr val="0070C0"/>
+                </a:solidFill>
+              </a:rPr>
+              <a:t>get_legal_for_all</a:t>
+            </a:r>
+            <a:r>
+              <a:rPr lang="en-US" sz="2000" b="1" dirty="0" smtClean="0">
+                <a:solidFill>
+                  <a:srgbClr val="0070C0"/>
+                </a:solidFill>
+              </a:rPr>
+              <a:t>(</a:t>
+            </a:r>
+            <a:r>
+              <a:rPr lang="en-US" sz="2000" b="1" dirty="0" err="1" smtClean="0">
+                <a:solidFill>
+                  <a:srgbClr val="0070C0"/>
+                </a:solidFill>
+              </a:rPr>
+              <a:t>new_Grid</a:t>
+            </a:r>
+            <a:r>
+              <a:rPr lang="en-US" sz="2000" b="1" dirty="0" smtClean="0">
+                <a:solidFill>
+                  <a:srgbClr val="0070C0"/>
+                </a:solidFill>
+              </a:rPr>
+              <a:t>)</a:t>
             </a:r>
           </a:p>
           <a:p>
@@ -9547,44 +9353,102 @@
               <a:buNone/>
             </a:pPr>
             <a:r>
-              <a:rPr lang="en-US" sz="2000" dirty="0" smtClean="0"/>
-              <a:t>    return </a:t>
-            </a:r>
-            <a:r>
-              <a:rPr lang="en-US" sz="2000" dirty="0" err="1" smtClean="0"/>
-              <a:t>grid_complete</a:t>
-            </a:r>
-            <a:endParaRPr lang="en-US" sz="2000" dirty="0" smtClean="0"/>
+              <a:rPr lang="en-US" sz="2000" b="1" dirty="0" smtClean="0">
+                <a:solidFill>
+                  <a:srgbClr val="0070C0"/>
+                </a:solidFill>
+              </a:rPr>
+              <a:t>    if </a:t>
+            </a:r>
+            <a:r>
+              <a:rPr lang="en-US" sz="2000" b="1" dirty="0" err="1" smtClean="0">
+                <a:solidFill>
+                  <a:srgbClr val="0070C0"/>
+                </a:solidFill>
+              </a:rPr>
+              <a:t>len</a:t>
+            </a:r>
+            <a:r>
+              <a:rPr lang="en-US" sz="2000" b="1" dirty="0" smtClean="0">
+                <a:solidFill>
+                  <a:srgbClr val="0070C0"/>
+                </a:solidFill>
+              </a:rPr>
+              <a:t>(</a:t>
+            </a:r>
+            <a:r>
+              <a:rPr lang="en-US" sz="2000" b="1" dirty="0" err="1" smtClean="0">
+                <a:solidFill>
+                  <a:srgbClr val="0070C0"/>
+                </a:solidFill>
+              </a:rPr>
+              <a:t>legal_for_all</a:t>
+            </a:r>
+            <a:r>
+              <a:rPr lang="en-US" sz="2000" b="1" dirty="0" smtClean="0">
+                <a:solidFill>
+                  <a:srgbClr val="0070C0"/>
+                </a:solidFill>
+              </a:rPr>
+              <a:t>)&gt;0:</a:t>
+            </a:r>
           </a:p>
           <a:p>
             <a:pPr>
               <a:buNone/>
             </a:pPr>
-            <a:endParaRPr lang="en-US" sz="2000" dirty="0" smtClean="0"/>
+            <a:r>
+              <a:rPr lang="en-US" sz="2000" b="1" dirty="0" smtClean="0">
+                <a:solidFill>
+                  <a:srgbClr val="0070C0"/>
+                </a:solidFill>
+              </a:rPr>
+              <a:t>        key = min(</a:t>
+            </a:r>
+            <a:r>
+              <a:rPr lang="en-US" sz="2000" b="1" dirty="0" err="1" smtClean="0">
+                <a:solidFill>
+                  <a:srgbClr val="0070C0"/>
+                </a:solidFill>
+              </a:rPr>
+              <a:t>legal_for_all</a:t>
+            </a:r>
+            <a:r>
+              <a:rPr lang="en-US" sz="2000" b="1" dirty="0" smtClean="0">
+                <a:solidFill>
+                  <a:srgbClr val="0070C0"/>
+                </a:solidFill>
+              </a:rPr>
+              <a:t>, key=lambda p:len(</a:t>
+            </a:r>
+            <a:r>
+              <a:rPr lang="en-US" sz="2000" b="1" dirty="0" err="1" smtClean="0">
+                <a:solidFill>
+                  <a:srgbClr val="0070C0"/>
+                </a:solidFill>
+              </a:rPr>
+              <a:t>legal_for_all</a:t>
+            </a:r>
+            <a:r>
+              <a:rPr lang="en-US" sz="2000" b="1" dirty="0" smtClean="0">
+                <a:solidFill>
+                  <a:srgbClr val="0070C0"/>
+                </a:solidFill>
+              </a:rPr>
+              <a:t>[p]))</a:t>
+            </a:r>
           </a:p>
           <a:p>
             <a:pPr>
               <a:buNone/>
             </a:pPr>
             <a:r>
-              <a:rPr lang="en-US" sz="2000" dirty="0" smtClean="0"/>
-              <a:t>def </a:t>
-            </a:r>
-            <a:r>
-              <a:rPr lang="en-US" sz="2000" dirty="0" err="1" smtClean="0"/>
-              <a:t>print_grid</a:t>
-            </a:r>
-            <a:r>
-              <a:rPr lang="en-US" sz="2000" dirty="0" smtClean="0"/>
-              <a:t>(</a:t>
-            </a:r>
-            <a:r>
-              <a:rPr lang="en-US" sz="2000" dirty="0" err="1" smtClean="0"/>
-              <a:t>new_Grid</a:t>
-            </a:r>
-            <a:r>
-              <a:rPr lang="en-US" sz="2000" dirty="0" smtClean="0"/>
-              <a:t>):</a:t>
+              <a:rPr lang="en-US" sz="2000" b="1" dirty="0" smtClean="0">
+                <a:solidFill>
+                  <a:srgbClr val="0070C0"/>
+                </a:solidFill>
+              </a:rPr>
+              <a:t>    else:</a:t>
             </a:r>
           </a:p>
           <a:p>
@@ -9592,16 +9456,28 @@
               <a:buNone/>
             </a:pPr>
             <a:r>
-              <a:rPr lang="en-US" sz="2000" dirty="0" smtClean="0"/>
-              <a:t>    for item in </a:t>
-            </a:r>
-            <a:r>
-              <a:rPr lang="en-US" sz="2000" dirty="0" err="1" smtClean="0"/>
-              <a:t>new_Grid</a:t>
-            </a:r>
-            <a:r>
-              <a:rPr lang="en-US" sz="2000" dirty="0" smtClean="0"/>
-              <a:t>:</a:t>
+              <a:rPr lang="en-US" sz="2000" b="1" dirty="0" smtClean="0">
+                <a:solidFill>
+                  <a:srgbClr val="0070C0"/>
+                </a:solidFill>
+              </a:rPr>
+              <a:t>        key=(</a:t>
+            </a:r>
+            <a:r>
+              <a:rPr lang="en-US" sz="2000" b="1" dirty="0" err="1" smtClean="0">
+                <a:solidFill>
+                  <a:srgbClr val="0070C0"/>
+                </a:solidFill>
+              </a:rPr>
+              <a:t>None,None</a:t>
+            </a:r>
+            <a:r>
+              <a:rPr lang="en-US" sz="2000" b="1" dirty="0" smtClean="0">
+                <a:solidFill>
+                  <a:srgbClr val="0070C0"/>
+                </a:solidFill>
+              </a:rPr>
+              <a:t>)     # only when grid completed</a:t>
             </a:r>
           </a:p>
           <a:p>
@@ -9609,57 +9485,24 @@
               <a:buNone/>
             </a:pPr>
             <a:r>
-              <a:rPr lang="en-US" sz="2000" dirty="0" smtClean="0"/>
-              <a:t>        print item</a:t>
-            </a:r>
-          </a:p>
-          <a:p>
-            <a:pPr>
-              <a:buNone/>
-            </a:pPr>
-            <a:r>
-              <a:rPr lang="en-US" sz="2000" dirty="0" smtClean="0"/>
-              <a:t>    print</a:t>
-            </a:r>
-          </a:p>
-        </p:txBody>
-      </p:sp>
-      <p:pic>
-        <p:nvPicPr>
-          <p:cNvPr id="4" name="Picture 2"/>
-          <p:cNvPicPr>
-            <a:picLocks noChangeAspect="1" noChangeArrowheads="1"/>
-          </p:cNvPicPr>
-          <p:nvPr/>
-        </p:nvPicPr>
-        <p:blipFill>
-          <a:blip r:embed="rId2"/>
-          <a:srcRect/>
-          <a:stretch>
-            <a:fillRect/>
-          </a:stretch>
-        </p:blipFill>
-        <p:spPr bwMode="auto">
-          <a:xfrm>
-            <a:off x="5334000" y="2514600"/>
-            <a:ext cx="3276600" cy="2689746"/>
-          </a:xfrm>
-          <a:prstGeom prst="rect">
-            <a:avLst/>
-          </a:prstGeom>
-          <a:noFill/>
-          <a:ln w="9525">
-            <a:noFill/>
-            <a:miter lim="800000"/>
-            <a:headEnd/>
-            <a:tailEnd/>
-          </a:ln>
-          <a:effectLst/>
-        </p:spPr>
-      </p:pic>
-      <p:sp>
-        <p:nvSpPr>
-          <p:cNvPr id="5" name="Footer Placeholder 4"/>
+              <a:rPr lang="en-US" sz="2000" b="1" dirty="0" smtClean="0">
+                <a:solidFill>
+                  <a:srgbClr val="0070C0"/>
+                </a:solidFill>
+              </a:rPr>
+              <a:t>    return key</a:t>
+            </a:r>
+            <a:endParaRPr lang="ar-EG" sz="2000" b="1" dirty="0">
+              <a:solidFill>
+                <a:srgbClr val="0070C0"/>
+              </a:solidFill>
+            </a:endParaRPr>
+          </a:p>
+        </p:txBody>
+      </p:sp>
+      <p:sp>
+        <p:nvSpPr>
+          <p:cNvPr id="4" name="Footer Placeholder 3"/>
           <p:cNvSpPr>
             <a:spLocks noGrp="1"/>
           </p:cNvSpPr>
@@ -9776,24 +9619,7 @@
             </a:pPr>
             <a:r>
               <a:rPr lang="en-US" sz="2000" dirty="0" smtClean="0"/>
-              <a:t>def solve_step_in_sudoko(</a:t>
-            </a:r>
-            <a:r>
-              <a:rPr lang="en-US" sz="2000" dirty="0" err="1" smtClean="0"/>
-              <a:t>last_Grid</a:t>
-            </a:r>
-            <a:r>
-              <a:rPr lang="en-US" sz="2000" dirty="0" smtClean="0"/>
-              <a:t>):</a:t>
-            </a:r>
-          </a:p>
-          <a:p>
-            <a:pPr>
-              <a:buNone/>
-            </a:pPr>
-            <a:r>
-              <a:rPr lang="en-US" sz="2000" dirty="0" smtClean="0"/>
-              <a:t>    if </a:t>
+              <a:t>def </a:t>
             </a:r>
             <a:r>
               <a:rPr lang="en-US" sz="2000" dirty="0" err="1" smtClean="0"/>
@@ -9805,7 +9631,7 @@
             </a:r>
             <a:r>
               <a:rPr lang="en-US" sz="2000" dirty="0" err="1" smtClean="0"/>
-              <a:t>last_Grid</a:t>
+              <a:t>new_Grid</a:t>
             </a:r>
             <a:r>
               <a:rPr lang="en-US" sz="2000" dirty="0" smtClean="0"/>
@@ -9818,7 +9644,15 @@
             </a:pPr>
             <a:r>
               <a:rPr lang="en-US" sz="2000" dirty="0" smtClean="0"/>
-              <a:t>        print 'Complete:'</a:t>
+              <a:t>    </a:t>
+            </a:r>
+            <a:r>
+              <a:rPr lang="en-US" sz="2000" dirty="0" err="1" smtClean="0"/>
+              <a:t>grid_complete</a:t>
+            </a:r>
+            <a:r>
+              <a:rPr lang="en-US" sz="2000" dirty="0" smtClean="0"/>
+              <a:t> = True</a:t>
             </a:r>
           </a:p>
           <a:p>
@@ -9827,7 +9661,69 @@
             </a:pPr>
             <a:r>
               <a:rPr lang="en-US" sz="2000" dirty="0" smtClean="0"/>
+              <a:t>    for r in </a:t>
+            </a:r>
+            <a:r>
+              <a:rPr lang="en-US" sz="2000" dirty="0" err="1" smtClean="0"/>
+              <a:t>new_Grid</a:t>
+            </a:r>
+            <a:r>
+              <a:rPr lang="en-US" sz="2000" dirty="0" smtClean="0"/>
+              <a:t>:</a:t>
+            </a:r>
+          </a:p>
+          <a:p>
+            <a:pPr>
+              <a:buNone/>
+            </a:pPr>
+            <a:r>
+              <a:rPr lang="en-US" sz="2000" dirty="0" smtClean="0"/>
               <a:t>        </a:t>
+            </a:r>
+            <a:r>
+              <a:rPr lang="en-US" sz="2000" dirty="0" err="1" smtClean="0"/>
+              <a:t>grid_complete</a:t>
+            </a:r>
+            <a:r>
+              <a:rPr lang="en-US" sz="2000" dirty="0" smtClean="0"/>
+              <a:t> = </a:t>
+            </a:r>
+            <a:r>
+              <a:rPr lang="en-US" sz="2000" dirty="0" err="1" smtClean="0"/>
+              <a:t>grid_complete</a:t>
+            </a:r>
+            <a:r>
+              <a:rPr lang="en-US" sz="2000" dirty="0" smtClean="0"/>
+              <a:t> and not ('.' in r)</a:t>
+            </a:r>
+          </a:p>
+          <a:p>
+            <a:pPr>
+              <a:buNone/>
+            </a:pPr>
+            <a:r>
+              <a:rPr lang="en-US" sz="2000" dirty="0" smtClean="0"/>
+              <a:t>    return </a:t>
+            </a:r>
+            <a:r>
+              <a:rPr lang="en-US" sz="2000" dirty="0" err="1" smtClean="0"/>
+              <a:t>grid_complete</a:t>
+            </a:r>
+            <a:endParaRPr lang="en-US" sz="2000" dirty="0" smtClean="0"/>
+          </a:p>
+          <a:p>
+            <a:pPr>
+              <a:buNone/>
+            </a:pPr>
+            <a:endParaRPr lang="en-US" sz="2000" dirty="0" smtClean="0"/>
+          </a:p>
+          <a:p>
+            <a:pPr>
+              <a:buNone/>
+            </a:pPr>
+            <a:r>
+              <a:rPr lang="en-US" sz="2000" dirty="0" smtClean="0"/>
+              <a:t>def </a:t>
             </a:r>
             <a:r>
               <a:rPr lang="en-US" sz="2000" dirty="0" err="1" smtClean="0"/>
@@ -9839,11 +9735,11 @@
             </a:r>
             <a:r>
               <a:rPr lang="en-US" sz="2000" dirty="0" err="1" smtClean="0"/>
-              <a:t>last_Grid</a:t>
-            </a:r>
-            <a:r>
-              <a:rPr lang="en-US" sz="2000" dirty="0" smtClean="0"/>
-              <a:t>)</a:t>
+              <a:t>new_Grid</a:t>
+            </a:r>
+            <a:r>
+              <a:rPr lang="en-US" sz="2000" dirty="0" smtClean="0"/>
+              <a:t>):</a:t>
             </a:r>
           </a:p>
           <a:p>
@@ -9852,133 +9748,7 @@
             </a:pPr>
             <a:r>
               <a:rPr lang="en-US" sz="2000" dirty="0" smtClean="0"/>
-              <a:t>        return 0</a:t>
-            </a:r>
-          </a:p>
-          <a:p>
-            <a:pPr>
-              <a:buNone/>
-            </a:pPr>
-            <a:r>
-              <a:rPr lang="en-US" sz="2000" b="1" dirty="0" smtClean="0">
-                <a:solidFill>
-                  <a:srgbClr val="0070C0"/>
-                </a:solidFill>
-              </a:rPr>
-              <a:t>    </a:t>
-            </a:r>
-            <a:r>
-              <a:rPr lang="en-US" sz="2000" b="1" dirty="0" err="1" smtClean="0">
-                <a:solidFill>
-                  <a:srgbClr val="0070C0"/>
-                </a:solidFill>
-              </a:rPr>
-              <a:t>r,c</a:t>
-            </a:r>
-            <a:r>
-              <a:rPr lang="en-US" sz="2000" b="1" dirty="0" smtClean="0">
-                <a:solidFill>
-                  <a:srgbClr val="0070C0"/>
-                </a:solidFill>
-              </a:rPr>
-              <a:t> = </a:t>
-            </a:r>
-            <a:r>
-              <a:rPr lang="en-US" sz="2000" b="1" dirty="0" err="1" smtClean="0">
-                <a:solidFill>
-                  <a:srgbClr val="0070C0"/>
-                </a:solidFill>
-              </a:rPr>
-              <a:t>get_next_cell</a:t>
-            </a:r>
-            <a:r>
-              <a:rPr lang="en-US" sz="2000" b="1" dirty="0" smtClean="0">
-                <a:solidFill>
-                  <a:srgbClr val="0070C0"/>
-                </a:solidFill>
-              </a:rPr>
-              <a:t>(</a:t>
-            </a:r>
-            <a:r>
-              <a:rPr lang="en-US" sz="2000" b="1" dirty="0" err="1" smtClean="0">
-                <a:solidFill>
-                  <a:srgbClr val="0070C0"/>
-                </a:solidFill>
-              </a:rPr>
-              <a:t>last_Grid</a:t>
-            </a:r>
-            <a:r>
-              <a:rPr lang="en-US" sz="2000" b="1" dirty="0" smtClean="0">
-                <a:solidFill>
-                  <a:srgbClr val="0070C0"/>
-                </a:solidFill>
-              </a:rPr>
-              <a:t>)</a:t>
-            </a:r>
-          </a:p>
-          <a:p>
-            <a:pPr>
-              <a:buNone/>
-            </a:pPr>
-            <a:r>
-              <a:rPr lang="en-US" sz="2000" dirty="0" smtClean="0"/>
-              <a:t>    </a:t>
-            </a:r>
-            <a:r>
-              <a:rPr lang="en-US" sz="2000" dirty="0" err="1" smtClean="0"/>
-              <a:t>legal_for_cell</a:t>
-            </a:r>
-            <a:r>
-              <a:rPr lang="en-US" sz="2000" dirty="0" smtClean="0"/>
-              <a:t> = </a:t>
-            </a:r>
-            <a:r>
-              <a:rPr lang="en-US" sz="2000" dirty="0" err="1" smtClean="0"/>
-              <a:t>get_legal_for_cell</a:t>
-            </a:r>
-            <a:r>
-              <a:rPr lang="en-US" sz="2000" dirty="0" smtClean="0"/>
-              <a:t>(r, c, </a:t>
-            </a:r>
-            <a:r>
-              <a:rPr lang="en-US" sz="2000" dirty="0" err="1" smtClean="0"/>
-              <a:t>last_Grid</a:t>
-            </a:r>
-            <a:r>
-              <a:rPr lang="en-US" sz="2000" dirty="0" smtClean="0"/>
-              <a:t>)</a:t>
-            </a:r>
-          </a:p>
-          <a:p>
-            <a:pPr>
-              <a:buNone/>
-            </a:pPr>
-            <a:endParaRPr lang="en-US" sz="2000" dirty="0" smtClean="0"/>
-          </a:p>
-          <a:p>
-            <a:pPr>
-              <a:buNone/>
-            </a:pPr>
-            <a:r>
-              <a:rPr lang="en-US" sz="2000" dirty="0" smtClean="0"/>
               <a:t>    for item in </a:t>
-            </a:r>
-            <a:r>
-              <a:rPr lang="en-US" sz="2000" dirty="0" err="1" smtClean="0"/>
-              <a:t>legal_for_cell</a:t>
-            </a:r>
-            <a:r>
-              <a:rPr lang="en-US" sz="2000" dirty="0" smtClean="0"/>
-              <a:t>:</a:t>
-            </a:r>
-          </a:p>
-          <a:p>
-            <a:pPr>
-              <a:buNone/>
-            </a:pPr>
-            <a:r>
-              <a:rPr lang="en-US" sz="2000" dirty="0" smtClean="0"/>
-              <a:t>        </a:t>
             </a:r>
             <a:r>
               <a:rPr lang="en-US" sz="2000" dirty="0" err="1" smtClean="0"/>
@@ -9986,23 +9756,7 @@
             </a:r>
             <a:r>
               <a:rPr lang="en-US" sz="2000" dirty="0" smtClean="0"/>
-              <a:t> = </a:t>
-            </a:r>
-            <a:r>
-              <a:rPr lang="en-US" sz="2000" dirty="0" err="1" smtClean="0"/>
-              <a:t>deepcopy</a:t>
-            </a:r>
-            <a:r>
-              <a:rPr lang="en-US" sz="2000" dirty="0" smtClean="0"/>
-              <a:t>(</a:t>
-            </a:r>
-            <a:r>
-              <a:rPr lang="en-US" sz="2000" dirty="0" err="1" smtClean="0"/>
-              <a:t>last_Grid</a:t>
-            </a:r>
-            <a:r>
-              <a:rPr lang="en-US" sz="2000" dirty="0" smtClean="0"/>
-              <a:t>)</a:t>
+              <a:t>:</a:t>
             </a:r>
           </a:p>
           <a:p>
@@ -10011,15 +9765,7 @@
             </a:pPr>
             <a:r>
               <a:rPr lang="en-US" sz="2000" dirty="0" smtClean="0"/>
-              <a:t>        </a:t>
-            </a:r>
-            <a:r>
-              <a:rPr lang="en-US" sz="2000" dirty="0" err="1" smtClean="0"/>
-              <a:t>new_Grid</a:t>
-            </a:r>
-            <a:r>
-              <a:rPr lang="en-US" sz="2000" dirty="0" smtClean="0"/>
-              <a:t>[r][c] = item</a:t>
+              <a:t>        print item</a:t>
             </a:r>
           </a:p>
           <a:p>
@@ -10028,44 +9774,8 @@
             </a:pPr>
             <a:r>
               <a:rPr lang="en-US" sz="2000" dirty="0" smtClean="0"/>
-              <a:t>        </a:t>
-            </a:r>
-            <a:r>
-              <a:rPr lang="en-US" sz="2000" dirty="0" err="1" smtClean="0"/>
-              <a:t>solve_step_in_sudoko</a:t>
-            </a:r>
-            <a:r>
-              <a:rPr lang="en-US" sz="2000" dirty="0" smtClean="0"/>
-              <a:t>(</a:t>
-            </a:r>
-            <a:r>
-              <a:rPr lang="en-US" sz="2000" dirty="0" err="1" smtClean="0"/>
-              <a:t>new_Grid</a:t>
-            </a:r>
-            <a:r>
-              <a:rPr lang="en-US" sz="2000" dirty="0" smtClean="0"/>
-              <a:t>)</a:t>
-            </a:r>
-          </a:p>
-          <a:p>
-            <a:pPr>
-              <a:buNone/>
-            </a:pPr>
-            <a:endParaRPr lang="en-US" sz="2000" dirty="0" smtClean="0"/>
-          </a:p>
-          <a:p>
-            <a:pPr>
-              <a:buNone/>
-            </a:pPr>
-            <a:r>
-              <a:rPr lang="en-US" sz="2000" dirty="0" err="1" smtClean="0"/>
-              <a:t>solve_step_in_sudoko</a:t>
-            </a:r>
-            <a:r>
-              <a:rPr lang="en-US" sz="2000" dirty="0" smtClean="0"/>
-              <a:t>(Grid)</a:t>
-            </a:r>
-            <a:endParaRPr lang="ar-EG" sz="2000" dirty="0"/>
+              <a:t>    print</a:t>
+            </a:r>
           </a:p>
         </p:txBody>
       </p:sp>
@@ -10086,7 +9796,7 @@
         </p:blipFill>
         <p:spPr bwMode="auto">
           <a:xfrm>
-            <a:off x="5410200" y="533400"/>
+            <a:off x="5334000" y="2514600"/>
             <a:ext cx="3276600" cy="2689746"/>
           </a:xfrm>
           <a:prstGeom prst="rect">
@@ -10169,7 +9879,7 @@
         </p:nvSpPr>
         <p:spPr>
           <a:xfrm>
-            <a:off x="457200" y="0"/>
+            <a:off x="457200" y="76200"/>
             <a:ext cx="8229600" cy="1143000"/>
           </a:xfrm>
         </p:spPr>
@@ -10194,15 +9904,333 @@
           </a:p>
         </p:txBody>
       </p:sp>
+      <p:sp>
+        <p:nvSpPr>
+          <p:cNvPr id="6" name="Content Placeholder 5"/>
+          <p:cNvSpPr>
+            <a:spLocks noGrp="1"/>
+          </p:cNvSpPr>
+          <p:nvPr>
+            <p:ph idx="1"/>
+          </p:nvPr>
+        </p:nvSpPr>
+        <p:spPr>
+          <a:xfrm>
+            <a:off x="457200" y="1219200"/>
+            <a:ext cx="8229600" cy="5410200"/>
+          </a:xfrm>
+        </p:spPr>
+        <p:txBody>
+          <a:bodyPr>
+            <a:normAutofit/>
+          </a:bodyPr>
+          <a:lstStyle/>
+          <a:p>
+            <a:pPr>
+              <a:buNone/>
+            </a:pPr>
+            <a:r>
+              <a:rPr lang="en-US" sz="2000" dirty="0" smtClean="0"/>
+              <a:t>def solve_step_in_sudoko(</a:t>
+            </a:r>
+            <a:r>
+              <a:rPr lang="en-US" sz="2000" dirty="0" err="1" smtClean="0"/>
+              <a:t>last_Grid</a:t>
+            </a:r>
+            <a:r>
+              <a:rPr lang="en-US" sz="2000" dirty="0" smtClean="0"/>
+              <a:t>):</a:t>
+            </a:r>
+          </a:p>
+          <a:p>
+            <a:pPr>
+              <a:buNone/>
+            </a:pPr>
+            <a:r>
+              <a:rPr lang="en-US" sz="2000" dirty="0" smtClean="0"/>
+              <a:t>    if </a:t>
+            </a:r>
+            <a:r>
+              <a:rPr lang="en-US" sz="2000" dirty="0" err="1" smtClean="0"/>
+              <a:t>is_complete</a:t>
+            </a:r>
+            <a:r>
+              <a:rPr lang="en-US" sz="2000" dirty="0" smtClean="0"/>
+              <a:t>(</a:t>
+            </a:r>
+            <a:r>
+              <a:rPr lang="en-US" sz="2000" dirty="0" err="1" smtClean="0"/>
+              <a:t>last_Grid</a:t>
+            </a:r>
+            <a:r>
+              <a:rPr lang="en-US" sz="2000" dirty="0" smtClean="0"/>
+              <a:t>):</a:t>
+            </a:r>
+          </a:p>
+          <a:p>
+            <a:pPr>
+              <a:buNone/>
+            </a:pPr>
+            <a:r>
+              <a:rPr lang="en-US" sz="2000" dirty="0" smtClean="0"/>
+              <a:t>        print 'Complete:'</a:t>
+            </a:r>
+          </a:p>
+          <a:p>
+            <a:pPr>
+              <a:buNone/>
+            </a:pPr>
+            <a:r>
+              <a:rPr lang="en-US" sz="2000" dirty="0" smtClean="0"/>
+              <a:t>        </a:t>
+            </a:r>
+            <a:r>
+              <a:rPr lang="en-US" sz="2000" dirty="0" err="1" smtClean="0"/>
+              <a:t>print_grid</a:t>
+            </a:r>
+            <a:r>
+              <a:rPr lang="en-US" sz="2000" dirty="0" smtClean="0"/>
+              <a:t>(</a:t>
+            </a:r>
+            <a:r>
+              <a:rPr lang="en-US" sz="2000" dirty="0" err="1" smtClean="0"/>
+              <a:t>last_Grid</a:t>
+            </a:r>
+            <a:r>
+              <a:rPr lang="en-US" sz="2000" dirty="0" smtClean="0"/>
+              <a:t>)</a:t>
+            </a:r>
+          </a:p>
+          <a:p>
+            <a:pPr>
+              <a:buNone/>
+            </a:pPr>
+            <a:r>
+              <a:rPr lang="en-US" sz="2000" dirty="0" smtClean="0"/>
+              <a:t>        return 0</a:t>
+            </a:r>
+          </a:p>
+          <a:p>
+            <a:pPr>
+              <a:buNone/>
+            </a:pPr>
+            <a:r>
+              <a:rPr lang="en-US" sz="2000" b="1" dirty="0" smtClean="0">
+                <a:solidFill>
+                  <a:srgbClr val="0070C0"/>
+                </a:solidFill>
+              </a:rPr>
+              <a:t>    </a:t>
+            </a:r>
+            <a:r>
+              <a:rPr lang="en-US" sz="2000" b="1" dirty="0" err="1" smtClean="0">
+                <a:solidFill>
+                  <a:srgbClr val="0070C0"/>
+                </a:solidFill>
+              </a:rPr>
+              <a:t>r,c</a:t>
+            </a:r>
+            <a:r>
+              <a:rPr lang="en-US" sz="2000" b="1" dirty="0" smtClean="0">
+                <a:solidFill>
+                  <a:srgbClr val="0070C0"/>
+                </a:solidFill>
+              </a:rPr>
+              <a:t> = </a:t>
+            </a:r>
+            <a:r>
+              <a:rPr lang="en-US" sz="2000" b="1" dirty="0" err="1" smtClean="0">
+                <a:solidFill>
+                  <a:srgbClr val="0070C0"/>
+                </a:solidFill>
+              </a:rPr>
+              <a:t>get_next_cell</a:t>
+            </a:r>
+            <a:r>
+              <a:rPr lang="en-US" sz="2000" b="1" dirty="0" smtClean="0">
+                <a:solidFill>
+                  <a:srgbClr val="0070C0"/>
+                </a:solidFill>
+              </a:rPr>
+              <a:t>(</a:t>
+            </a:r>
+            <a:r>
+              <a:rPr lang="en-US" sz="2000" b="1" dirty="0" err="1" smtClean="0">
+                <a:solidFill>
+                  <a:srgbClr val="0070C0"/>
+                </a:solidFill>
+              </a:rPr>
+              <a:t>last_Grid</a:t>
+            </a:r>
+            <a:r>
+              <a:rPr lang="en-US" sz="2000" b="1" dirty="0" smtClean="0">
+                <a:solidFill>
+                  <a:srgbClr val="0070C0"/>
+                </a:solidFill>
+              </a:rPr>
+              <a:t>)</a:t>
+            </a:r>
+          </a:p>
+          <a:p>
+            <a:pPr>
+              <a:buNone/>
+            </a:pPr>
+            <a:r>
+              <a:rPr lang="en-US" sz="2000" dirty="0" smtClean="0"/>
+              <a:t>    </a:t>
+            </a:r>
+            <a:r>
+              <a:rPr lang="en-US" sz="2000" dirty="0" err="1" smtClean="0"/>
+              <a:t>legal_for_cell</a:t>
+            </a:r>
+            <a:r>
+              <a:rPr lang="en-US" sz="2000" dirty="0" smtClean="0"/>
+              <a:t> = </a:t>
+            </a:r>
+            <a:r>
+              <a:rPr lang="en-US" sz="2000" dirty="0" err="1" smtClean="0"/>
+              <a:t>get_legal_for_cell</a:t>
+            </a:r>
+            <a:r>
+              <a:rPr lang="en-US" sz="2000" dirty="0" smtClean="0"/>
+              <a:t>(r, c, </a:t>
+            </a:r>
+            <a:r>
+              <a:rPr lang="en-US" sz="2000" dirty="0" err="1" smtClean="0"/>
+              <a:t>last_Grid</a:t>
+            </a:r>
+            <a:r>
+              <a:rPr lang="en-US" sz="2000" dirty="0" smtClean="0"/>
+              <a:t>)</a:t>
+            </a:r>
+          </a:p>
+          <a:p>
+            <a:pPr>
+              <a:buNone/>
+            </a:pPr>
+            <a:endParaRPr lang="en-US" sz="2000" dirty="0" smtClean="0"/>
+          </a:p>
+          <a:p>
+            <a:pPr>
+              <a:buNone/>
+            </a:pPr>
+            <a:r>
+              <a:rPr lang="en-US" sz="2000" dirty="0" smtClean="0"/>
+              <a:t>    for item in </a:t>
+            </a:r>
+            <a:r>
+              <a:rPr lang="en-US" sz="2000" dirty="0" err="1" smtClean="0"/>
+              <a:t>legal_for_cell</a:t>
+            </a:r>
+            <a:r>
+              <a:rPr lang="en-US" sz="2000" dirty="0" smtClean="0"/>
+              <a:t>:</a:t>
+            </a:r>
+          </a:p>
+          <a:p>
+            <a:pPr>
+              <a:buNone/>
+            </a:pPr>
+            <a:r>
+              <a:rPr lang="en-US" sz="2000" dirty="0" smtClean="0"/>
+              <a:t>        </a:t>
+            </a:r>
+            <a:r>
+              <a:rPr lang="en-US" sz="2000" dirty="0" err="1" smtClean="0"/>
+              <a:t>new_Grid</a:t>
+            </a:r>
+            <a:r>
+              <a:rPr lang="en-US" sz="2000" dirty="0" smtClean="0"/>
+              <a:t> = </a:t>
+            </a:r>
+            <a:r>
+              <a:rPr lang="en-US" sz="2000" dirty="0" err="1" smtClean="0"/>
+              <a:t>deepcopy</a:t>
+            </a:r>
+            <a:r>
+              <a:rPr lang="en-US" sz="2000" dirty="0" smtClean="0"/>
+              <a:t>(</a:t>
+            </a:r>
+            <a:r>
+              <a:rPr lang="en-US" sz="2000" dirty="0" err="1" smtClean="0"/>
+              <a:t>last_Grid</a:t>
+            </a:r>
+            <a:r>
+              <a:rPr lang="en-US" sz="2000" dirty="0" smtClean="0"/>
+              <a:t>)</a:t>
+            </a:r>
+          </a:p>
+          <a:p>
+            <a:pPr>
+              <a:buNone/>
+            </a:pPr>
+            <a:r>
+              <a:rPr lang="en-US" sz="2000" dirty="0" smtClean="0"/>
+              <a:t>        </a:t>
+            </a:r>
+            <a:r>
+              <a:rPr lang="en-US" sz="2000" dirty="0" err="1" smtClean="0"/>
+              <a:t>new_Grid</a:t>
+            </a:r>
+            <a:r>
+              <a:rPr lang="en-US" sz="2000" dirty="0" smtClean="0"/>
+              <a:t>[r][c] = item</a:t>
+            </a:r>
+          </a:p>
+          <a:p>
+            <a:pPr>
+              <a:buNone/>
+            </a:pPr>
+            <a:r>
+              <a:rPr lang="en-US" sz="2000" dirty="0" smtClean="0"/>
+              <a:t>        </a:t>
+            </a:r>
+            <a:r>
+              <a:rPr lang="en-US" sz="2000" dirty="0" err="1" smtClean="0"/>
+              <a:t>solve_step_in_sudoko</a:t>
+            </a:r>
+            <a:r>
+              <a:rPr lang="en-US" sz="2000" dirty="0" smtClean="0"/>
+              <a:t>(</a:t>
+            </a:r>
+            <a:r>
+              <a:rPr lang="en-US" sz="2000" dirty="0" err="1" smtClean="0"/>
+              <a:t>new_Grid</a:t>
+            </a:r>
+            <a:r>
+              <a:rPr lang="en-US" sz="2000" dirty="0" smtClean="0"/>
+              <a:t>)</a:t>
+            </a:r>
+          </a:p>
+          <a:p>
+            <a:pPr>
+              <a:buNone/>
+            </a:pPr>
+            <a:endParaRPr lang="en-US" sz="2000" dirty="0" smtClean="0"/>
+          </a:p>
+          <a:p>
+            <a:pPr>
+              <a:buNone/>
+            </a:pPr>
+            <a:r>
+              <a:rPr lang="en-US" sz="2000" dirty="0" err="1" smtClean="0"/>
+              <a:t>solve_step_in_sudoko</a:t>
+            </a:r>
+            <a:r>
+              <a:rPr lang="en-US" sz="2000" dirty="0" smtClean="0"/>
+              <a:t>(Grid)</a:t>
+            </a:r>
+            <a:endParaRPr lang="ar-EG" sz="2000" dirty="0"/>
+          </a:p>
+        </p:txBody>
+      </p:sp>
       <p:pic>
         <p:nvPicPr>
-          <p:cNvPr id="13314" name="Picture 2"/>
+          <p:cNvPr id="4" name="Picture 2"/>
           <p:cNvPicPr>
-            <a:picLocks noGrp="1" noChangeAspect="1" noChangeArrowheads="1"/>
+            <a:picLocks noChangeAspect="1" noChangeArrowheads="1"/>
           </p:cNvPicPr>
-          <p:nvPr>
-            <p:ph idx="1"/>
-          </p:nvPr>
+          <p:nvPr/>
         </p:nvPicPr>
         <p:blipFill>
           <a:blip r:embed="rId2"/>
@@ -10213,8 +10241,8 @@
         </p:blipFill>
         <p:spPr bwMode="auto">
           <a:xfrm>
-            <a:off x="533400" y="1524000"/>
-            <a:ext cx="8104007" cy="3810000"/>
+            <a:off x="5410200" y="533400"/>
+            <a:ext cx="3276600" cy="2689746"/>
           </a:xfrm>
           <a:prstGeom prst="rect">
             <a:avLst/>
@@ -10231,7 +10259,7 @@
       </p:pic>
       <p:sp>
         <p:nvSpPr>
-          <p:cNvPr id="4" name="Footer Placeholder 3"/>
+          <p:cNvPr id="5" name="Footer Placeholder 4"/>
           <p:cNvSpPr>
             <a:spLocks noGrp="1"/>
           </p:cNvSpPr>
@@ -10449,82 +10477,79 @@
       </p:grpSpPr>
       <p:sp>
         <p:nvSpPr>
-          <p:cNvPr id="4" name="Rectangle 3"/>
-          <p:cNvSpPr/>
-          <p:nvPr/>
+          <p:cNvPr id="2" name="Title 1"/>
+          <p:cNvSpPr>
+            <a:spLocks noGrp="1"/>
+          </p:cNvSpPr>
+          <p:nvPr>
+            <p:ph type="title"/>
+          </p:nvPr>
         </p:nvSpPr>
         <p:spPr>
           <a:xfrm>
-            <a:off x="533400" y="2590800"/>
-            <a:ext cx="8001000" cy="923330"/>
+            <a:off x="457200" y="0"/>
+            <a:ext cx="8229600" cy="1143000"/>
+          </a:xfrm>
+        </p:spPr>
+        <p:txBody>
+          <a:bodyPr/>
+          <a:lstStyle/>
+          <a:p>
+            <a:pPr algn="l"/>
+            <a:r>
+              <a:rPr lang="en-US" b="1" dirty="0" smtClean="0">
+                <a:solidFill>
+                  <a:srgbClr val="0070C0"/>
+                </a:solidFill>
+              </a:rPr>
+              <a:t>A star (Sudoku game)</a:t>
+            </a:r>
+            <a:endParaRPr lang="ar-EG" b="1" dirty="0">
+              <a:solidFill>
+                <a:srgbClr val="0070C0"/>
+              </a:solidFill>
+            </a:endParaRPr>
+          </a:p>
+        </p:txBody>
+      </p:sp>
+      <p:pic>
+        <p:nvPicPr>
+          <p:cNvPr id="13314" name="Picture 2"/>
+          <p:cNvPicPr>
+            <a:picLocks noGrp="1" noChangeAspect="1" noChangeArrowheads="1"/>
+          </p:cNvPicPr>
+          <p:nvPr>
+            <p:ph idx="1"/>
+          </p:nvPr>
+        </p:nvPicPr>
+        <p:blipFill>
+          <a:blip r:embed="rId2"/>
+          <a:srcRect/>
+          <a:stretch>
+            <a:fillRect/>
+          </a:stretch>
+        </p:blipFill>
+        <p:spPr bwMode="auto">
+          <a:xfrm>
+            <a:off x="533400" y="1524000"/>
+            <a:ext cx="8104007" cy="3810000"/>
           </a:xfrm>
           <a:prstGeom prst="rect">
             <a:avLst/>
           </a:prstGeom>
           <a:noFill/>
-        </p:spPr>
-        <p:txBody>
-          <a:bodyPr wrap="square" lIns="91440" tIns="45720" rIns="91440" bIns="45720">
-            <a:spAutoFit/>
-          </a:bodyPr>
-          <a:lstStyle/>
-          <a:p>
-            <a:pPr algn="ctr"/>
-            <a:r>
-              <a:rPr lang="en-US" sz="5400" b="1" dirty="0" smtClean="0">
-                <a:ln w="12700">
-                  <a:solidFill>
-                    <a:schemeClr val="tx2">
-                      <a:satMod val="155000"/>
-                    </a:schemeClr>
-                  </a:solidFill>
-                  <a:prstDash val="solid"/>
-                </a:ln>
-                <a:solidFill>
-                  <a:schemeClr val="bg2">
-                    <a:tint val="85000"/>
-                    <a:satMod val="155000"/>
-                  </a:schemeClr>
-                </a:solidFill>
-                <a:effectLst>
-                  <a:outerShdw blurRad="41275" dist="20320" dir="1800000" algn="tl" rotWithShape="0">
-                    <a:srgbClr val="000000">
-                      <a:alpha val="40000"/>
-                    </a:srgbClr>
-                  </a:outerShdw>
-                </a:effectLst>
-              </a:rPr>
-              <a:t>Maze Search Program</a:t>
-            </a:r>
-            <a:endParaRPr lang="en-US" sz="5400" b="1" cap="none" spc="0" dirty="0">
-              <a:ln w="12700">
-                <a:solidFill>
-                  <a:schemeClr val="tx2">
-                    <a:satMod val="155000"/>
-                  </a:schemeClr>
-                </a:solidFill>
-                <a:prstDash val="solid"/>
-              </a:ln>
-              <a:solidFill>
-                <a:schemeClr val="bg2">
-                  <a:tint val="85000"/>
-                  <a:satMod val="155000"/>
-                </a:schemeClr>
-              </a:solidFill>
-              <a:effectLst>
-                <a:outerShdw blurRad="41275" dist="20320" dir="1800000" algn="tl" rotWithShape="0">
-                  <a:srgbClr val="000000">
-                    <a:alpha val="40000"/>
-                  </a:srgbClr>
-                </a:outerShdw>
-              </a:effectLst>
-            </a:endParaRPr>
-          </a:p>
-        </p:txBody>
-      </p:sp>
-      <p:sp>
-        <p:nvSpPr>
-          <p:cNvPr id="5" name="Footer Placeholder 4"/>
+          <a:ln w="9525">
+            <a:noFill/>
+            <a:miter lim="800000"/>
+            <a:headEnd/>
+            <a:tailEnd/>
+          </a:ln>
+          <a:effectLst/>
+        </p:spPr>
+      </p:pic>
+      <p:sp>
+        <p:nvSpPr>
+          <p:cNvPr id="4" name="Footer Placeholder 3"/>
           <p:cNvSpPr>
             <a:spLocks noGrp="1"/>
           </p:cNvSpPr>
@@ -10538,12 +10563,8 @@
           <a:lstStyle/>
           <a:p>
             <a:r>
-              <a:rPr lang="en-US" dirty="0" smtClean="0"/>
-              <a:t>By Eng. Ahmed </a:t>
-            </a:r>
-            <a:r>
-              <a:rPr lang="en-US" dirty="0" err="1" smtClean="0"/>
-              <a:t>Tarik</a:t>
+              <a:rPr lang="en-US" smtClean="0"/>
+              <a:t>By Eng. Ahmed Tarik</a:t>
             </a:r>
             <a:endParaRPr lang="en-US"/>
           </a:p>
@@ -10583,343 +10604,106 @@
       </p:grpSpPr>
       <p:sp>
         <p:nvSpPr>
-          <p:cNvPr id="2" name="Title 1"/>
-          <p:cNvSpPr>
-            <a:spLocks noGrp="1"/>
-          </p:cNvSpPr>
-          <p:nvPr>
-            <p:ph type="title"/>
-          </p:nvPr>
+          <p:cNvPr id="4" name="Rectangle 3"/>
+          <p:cNvSpPr/>
+          <p:nvPr/>
         </p:nvSpPr>
         <p:spPr>
           <a:xfrm>
-            <a:off x="457200" y="76200"/>
-            <a:ext cx="8229600" cy="1143000"/>
-          </a:xfrm>
-        </p:spPr>
-        <p:txBody>
-          <a:bodyPr/>
-          <a:lstStyle/>
-          <a:p>
-            <a:pPr algn="l"/>
-            <a:r>
-              <a:rPr lang="en-US" b="1" dirty="0" smtClean="0">
-                <a:solidFill>
-                  <a:srgbClr val="0070C0"/>
-                </a:solidFill>
-              </a:rPr>
-              <a:t>Maze Search Program</a:t>
-            </a:r>
-            <a:endParaRPr lang="ar-EG" b="1" dirty="0">
-              <a:solidFill>
-                <a:srgbClr val="0070C0"/>
-              </a:solidFill>
-            </a:endParaRPr>
-          </a:p>
-        </p:txBody>
-      </p:sp>
-      <p:sp>
-        <p:nvSpPr>
-          <p:cNvPr id="6" name="Footer Placeholder 5"/>
-          <p:cNvSpPr>
-            <a:spLocks noGrp="1"/>
-          </p:cNvSpPr>
-          <p:nvPr>
-            <p:ph type="ftr" sz="quarter" idx="11"/>
-          </p:nvPr>
-        </p:nvSpPr>
-        <p:spPr/>
-        <p:txBody>
-          <a:bodyPr/>
-          <a:lstStyle/>
-          <a:p>
-            <a:r>
-              <a:rPr lang="en-US" smtClean="0"/>
-              <a:t>By Eng. Ahmed Tarik</a:t>
-            </a:r>
-            <a:endParaRPr lang="en-US"/>
-          </a:p>
-        </p:txBody>
-      </p:sp>
-      <p:pic>
-        <p:nvPicPr>
-          <p:cNvPr id="1026" name="Picture 2"/>
-          <p:cNvPicPr>
-            <a:picLocks noGrp="1" noChangeAspect="1" noChangeArrowheads="1"/>
-          </p:cNvPicPr>
-          <p:nvPr>
-            <p:ph idx="1"/>
-          </p:nvPr>
-        </p:nvPicPr>
-        <p:blipFill>
-          <a:blip r:embed="rId2"/>
-          <a:srcRect/>
-          <a:stretch>
-            <a:fillRect/>
-          </a:stretch>
-        </p:blipFill>
-        <p:spPr bwMode="auto">
-          <a:xfrm>
-            <a:off x="609600" y="1219200"/>
-            <a:ext cx="4857750" cy="1495425"/>
+            <a:off x="533400" y="2590800"/>
+            <a:ext cx="8001000" cy="923330"/>
           </a:xfrm>
           <a:prstGeom prst="rect">
             <a:avLst/>
           </a:prstGeom>
           <a:noFill/>
-          <a:ln w="9525">
-            <a:noFill/>
-            <a:miter lim="800000"/>
-            <a:headEnd/>
-            <a:tailEnd/>
-          </a:ln>
-          <a:effectLst/>
-        </p:spPr>
-      </p:pic>
-      <p:pic>
-        <p:nvPicPr>
-          <p:cNvPr id="1028" name="Picture 4"/>
-          <p:cNvPicPr>
-            <a:picLocks noChangeAspect="1" noChangeArrowheads="1"/>
-          </p:cNvPicPr>
-          <p:nvPr/>
-        </p:nvPicPr>
-        <p:blipFill>
-          <a:blip r:embed="rId3"/>
-          <a:srcRect/>
-          <a:stretch>
-            <a:fillRect/>
-          </a:stretch>
-        </p:blipFill>
-        <p:spPr bwMode="auto">
-          <a:xfrm>
-            <a:off x="609600" y="3200400"/>
-            <a:ext cx="5457825" cy="752475"/>
-          </a:xfrm>
-          <a:prstGeom prst="rect">
-            <a:avLst/>
-          </a:prstGeom>
-          <a:noFill/>
-          <a:ln w="9525">
-            <a:noFill/>
-            <a:miter lim="800000"/>
-            <a:headEnd/>
-            <a:tailEnd/>
-          </a:ln>
-          <a:effectLst/>
-        </p:spPr>
-      </p:pic>
-      <p:pic>
-        <p:nvPicPr>
-          <p:cNvPr id="1029" name="Picture 5"/>
-          <p:cNvPicPr>
-            <a:picLocks noChangeAspect="1" noChangeArrowheads="1"/>
-          </p:cNvPicPr>
-          <p:nvPr/>
-        </p:nvPicPr>
-        <p:blipFill>
-          <a:blip r:embed="rId4"/>
-          <a:srcRect/>
-          <a:stretch>
-            <a:fillRect/>
-          </a:stretch>
-        </p:blipFill>
-        <p:spPr bwMode="auto">
-          <a:xfrm>
-            <a:off x="609600" y="2943225"/>
-            <a:ext cx="5391150" cy="257175"/>
-          </a:xfrm>
-          <a:prstGeom prst="rect">
-            <a:avLst/>
-          </a:prstGeom>
-          <a:noFill/>
-          <a:ln w="9525">
-            <a:noFill/>
-            <a:miter lim="800000"/>
-            <a:headEnd/>
-            <a:tailEnd/>
-          </a:ln>
-          <a:effectLst/>
-        </p:spPr>
-      </p:pic>
-      <p:pic>
-        <p:nvPicPr>
-          <p:cNvPr id="1030" name="Picture 6"/>
-          <p:cNvPicPr>
-            <a:picLocks noChangeAspect="1" noChangeArrowheads="1"/>
-          </p:cNvPicPr>
-          <p:nvPr/>
-        </p:nvPicPr>
-        <p:blipFill>
-          <a:blip r:embed="rId5"/>
-          <a:srcRect/>
-          <a:stretch>
-            <a:fillRect/>
-          </a:stretch>
-        </p:blipFill>
-        <p:spPr bwMode="auto">
-          <a:xfrm>
-            <a:off x="609600" y="4191000"/>
-            <a:ext cx="6276975" cy="695325"/>
-          </a:xfrm>
-          <a:prstGeom prst="rect">
-            <a:avLst/>
-          </a:prstGeom>
-          <a:noFill/>
-          <a:ln w="9525">
-            <a:noFill/>
-            <a:miter lim="800000"/>
-            <a:headEnd/>
-            <a:tailEnd/>
-          </a:ln>
-          <a:effectLst/>
-        </p:spPr>
-      </p:pic>
-      <p:sp>
-        <p:nvSpPr>
-          <p:cNvPr id="12" name="Content Placeholder 5"/>
-          <p:cNvSpPr txBox="1">
-            <a:spLocks/>
-          </p:cNvSpPr>
-          <p:nvPr/>
-        </p:nvSpPr>
-        <p:spPr>
-          <a:xfrm>
-            <a:off x="609600" y="5181600"/>
-            <a:ext cx="4038600" cy="838200"/>
-          </a:xfrm>
-          <a:prstGeom prst="rect">
-            <a:avLst/>
-          </a:prstGeom>
-        </p:spPr>
-        <p:txBody>
-          <a:bodyPr vert="horz" lIns="91440" tIns="45720" rIns="91440" bIns="45720" rtlCol="0">
-            <a:noAutofit/>
+        </p:spPr>
+        <p:txBody>
+          <a:bodyPr wrap="square" lIns="91440" tIns="45720" rIns="91440" bIns="45720">
+            <a:spAutoFit/>
           </a:bodyPr>
           <a:lstStyle/>
           <a:p>
-            <a:pPr marL="342900" marR="0" lvl="0" indent="-342900" algn="l" defTabSz="914400" rtl="0" eaLnBrk="1" fontAlgn="auto" latinLnBrk="0" hangingPunct="1">
-              <a:lnSpc>
-                <a:spcPct val="100000"/>
-              </a:lnSpc>
-              <a:spcBef>
-                <a:spcPct val="20000"/>
-              </a:spcBef>
-              <a:spcAft>
-                <a:spcPts val="0"/>
-              </a:spcAft>
-              <a:buClrTx/>
-              <a:buSzTx/>
-              <a:buFont typeface="Arial" pitchFamily="34" charset="0"/>
-              <a:buChar char="•"/>
-              <a:tabLst/>
-              <a:defRPr/>
-            </a:pPr>
-            <a:r>
-              <a:rPr lang="en-US" sz="2400" b="1" dirty="0" smtClean="0"/>
-              <a:t>Moves order:</a:t>
-            </a:r>
-          </a:p>
-          <a:p>
-            <a:pPr marL="342900" marR="0" lvl="0" indent="-342900" algn="l" defTabSz="914400" rtl="0" eaLnBrk="1" fontAlgn="auto" latinLnBrk="0" hangingPunct="1">
-              <a:lnSpc>
-                <a:spcPct val="100000"/>
-              </a:lnSpc>
-              <a:spcBef>
-                <a:spcPct val="20000"/>
-              </a:spcBef>
-              <a:spcAft>
-                <a:spcPts val="0"/>
-              </a:spcAft>
-              <a:buClrTx/>
-              <a:buSzTx/>
-              <a:tabLst/>
-              <a:defRPr/>
-            </a:pPr>
-            <a:r>
-              <a:rPr kumimoji="0" lang="en-US" sz="2400" b="1" i="0" u="none" strike="noStrike" kern="1200" cap="none" spc="0" normalizeH="0" baseline="0" noProof="0" dirty="0" smtClean="0">
-                <a:ln>
-                  <a:noFill/>
+            <a:pPr algn="ctr"/>
+            <a:r>
+              <a:rPr lang="en-US" sz="5400" b="1" dirty="0" smtClean="0">
+                <a:ln w="12700">
+                  <a:solidFill>
+                    <a:schemeClr val="tx2">
+                      <a:satMod val="155000"/>
+                    </a:schemeClr>
+                  </a:solidFill>
+                  <a:prstDash val="solid"/>
                 </a:ln>
                 <a:solidFill>
-                  <a:schemeClr val="tx1"/>
-                </a:solidFill>
-                <a:effectLst/>
-                <a:uLnTx/>
-                <a:uFillTx/>
-                <a:latin typeface="+mn-lt"/>
-                <a:ea typeface="+mn-ea"/>
-                <a:cs typeface="+mn-cs"/>
+                  <a:schemeClr val="bg2">
+                    <a:tint val="85000"/>
+                    <a:satMod val="155000"/>
+                  </a:schemeClr>
+                </a:solidFill>
+                <a:effectLst>
+                  <a:outerShdw blurRad="41275" dist="20320" dir="1800000" algn="tl" rotWithShape="0">
+                    <a:srgbClr val="000000">
+                      <a:alpha val="40000"/>
+                    </a:srgbClr>
+                  </a:outerShdw>
+                </a:effectLst>
               </a:rPr>
-              <a:t>	Up -&gt; Left</a:t>
-            </a:r>
-            <a:r>
-              <a:rPr kumimoji="0" lang="en-US" sz="2400" b="1" i="0" u="none" strike="noStrike" kern="1200" cap="none" spc="0" normalizeH="0" noProof="0" dirty="0" smtClean="0">
-                <a:ln>
-                  <a:noFill/>
-                </a:ln>
-                <a:solidFill>
-                  <a:schemeClr val="tx1"/>
-                </a:solidFill>
-                <a:effectLst/>
-                <a:uLnTx/>
-                <a:uFillTx/>
-                <a:latin typeface="+mn-lt"/>
-                <a:ea typeface="+mn-ea"/>
-                <a:cs typeface="+mn-cs"/>
-              </a:rPr>
-              <a:t> -&gt; Down -&gt; Right</a:t>
-            </a:r>
-            <a:endParaRPr kumimoji="0" lang="ar-EG" sz="2400" b="1" i="0" u="none" strike="noStrike" kern="1200" cap="none" spc="0" normalizeH="0" baseline="0" noProof="0" dirty="0">
-              <a:ln>
-                <a:noFill/>
+              <a:t>Maze Search Program</a:t>
+            </a:r>
+            <a:endParaRPr lang="en-US" sz="5400" b="1" cap="none" spc="0" dirty="0">
+              <a:ln w="12700">
+                <a:solidFill>
+                  <a:schemeClr val="tx2">
+                    <a:satMod val="155000"/>
+                  </a:schemeClr>
+                </a:solidFill>
+                <a:prstDash val="solid"/>
               </a:ln>
               <a:solidFill>
-                <a:schemeClr val="tx1"/>
+                <a:schemeClr val="bg2">
+                  <a:tint val="85000"/>
+                  <a:satMod val="155000"/>
+                </a:schemeClr>
               </a:solidFill>
-              <a:effectLst/>
-              <a:uLnTx/>
-              <a:uFillTx/>
-              <a:latin typeface="+mn-lt"/>
-              <a:ea typeface="+mn-ea"/>
-              <a:cs typeface="+mn-cs"/>
+              <a:effectLst>
+                <a:outerShdw blurRad="41275" dist="20320" dir="1800000" algn="tl" rotWithShape="0">
+                  <a:srgbClr val="000000">
+                    <a:alpha val="40000"/>
+                  </a:srgbClr>
+                </a:outerShdw>
+              </a:effectLst>
             </a:endParaRPr>
           </a:p>
         </p:txBody>
       </p:sp>
-      <p:pic>
-        <p:nvPicPr>
-          <p:cNvPr id="14" name="Picture 2"/>
-          <p:cNvPicPr>
-            <a:picLocks noChangeAspect="1" noChangeArrowheads="1"/>
-          </p:cNvPicPr>
-          <p:nvPr/>
-        </p:nvPicPr>
-        <p:blipFill>
-          <a:blip r:embed="rId6"/>
-          <a:srcRect/>
-          <a:stretch>
-            <a:fillRect/>
-          </a:stretch>
-        </p:blipFill>
-        <p:spPr bwMode="auto">
-          <a:xfrm>
-            <a:off x="5715000" y="1143000"/>
-            <a:ext cx="3064826" cy="2590800"/>
-          </a:xfrm>
-          <a:prstGeom prst="rect">
-            <a:avLst/>
-          </a:prstGeom>
-          <a:noFill/>
-          <a:ln w="9525">
-            <a:noFill/>
-            <a:miter lim="800000"/>
-            <a:headEnd/>
-            <a:tailEnd/>
-          </a:ln>
-          <a:effectLst/>
-        </p:spPr>
-      </p:pic>
+      <p:sp>
+        <p:nvSpPr>
+          <p:cNvPr id="5" name="Footer Placeholder 4"/>
+          <p:cNvSpPr>
+            <a:spLocks noGrp="1"/>
+          </p:cNvSpPr>
+          <p:nvPr>
+            <p:ph type="ftr" sz="quarter" idx="11"/>
+          </p:nvPr>
+        </p:nvSpPr>
+        <p:spPr/>
+        <p:txBody>
+          <a:bodyPr/>
+          <a:lstStyle/>
+          <a:p>
+            <a:r>
+              <a:rPr lang="en-US" dirty="0" smtClean="0"/>
+              <a:t>By Eng. Ahmed </a:t>
+            </a:r>
+            <a:r>
+              <a:rPr lang="en-US" dirty="0" err="1" smtClean="0"/>
+              <a:t>Tarik</a:t>
+            </a:r>
+            <a:endParaRPr lang="en-US"/>
+          </a:p>
+        </p:txBody>
+      </p:sp>
     </p:spTree>
   </p:cSld>
   <p:clrMapOvr>
@@ -11014,7 +10798,7 @@
       </p:sp>
       <p:pic>
         <p:nvPicPr>
-          <p:cNvPr id="11" name="Picture 7"/>
+          <p:cNvPr id="1026" name="Picture 2"/>
           <p:cNvPicPr>
             <a:picLocks noGrp="1" noChangeAspect="1" noChangeArrowheads="1"/>
           </p:cNvPicPr>
@@ -11031,8 +10815,8 @@
         </p:blipFill>
         <p:spPr bwMode="auto">
           <a:xfrm>
-            <a:off x="191751" y="1371600"/>
-            <a:ext cx="8876049" cy="762000"/>
+            <a:off x="609600" y="1219200"/>
+            <a:ext cx="4857750" cy="1495425"/>
           </a:xfrm>
           <a:prstGeom prst="rect">
             <a:avLst/>
@@ -11049,7 +10833,7 @@
       </p:pic>
       <p:pic>
         <p:nvPicPr>
-          <p:cNvPr id="2050" name="Picture 2"/>
+          <p:cNvPr id="1028" name="Picture 4"/>
           <p:cNvPicPr>
             <a:picLocks noChangeAspect="1" noChangeArrowheads="1"/>
           </p:cNvPicPr>
@@ -11064,8 +10848,219 @@
         </p:blipFill>
         <p:spPr bwMode="auto">
           <a:xfrm>
-            <a:off x="209550" y="2438400"/>
-            <a:ext cx="7410450" cy="914400"/>
+            <a:off x="609600" y="3200400"/>
+            <a:ext cx="5457825" cy="752475"/>
+          </a:xfrm>
+          <a:prstGeom prst="rect">
+            <a:avLst/>
+          </a:prstGeom>
+          <a:noFill/>
+          <a:ln w="9525">
+            <a:noFill/>
+            <a:miter lim="800000"/>
+            <a:headEnd/>
+            <a:tailEnd/>
+          </a:ln>
+          <a:effectLst/>
+        </p:spPr>
+      </p:pic>
+      <p:pic>
+        <p:nvPicPr>
+          <p:cNvPr id="1029" name="Picture 5"/>
+          <p:cNvPicPr>
+            <a:picLocks noChangeAspect="1" noChangeArrowheads="1"/>
+          </p:cNvPicPr>
+          <p:nvPr/>
+        </p:nvPicPr>
+        <p:blipFill>
+          <a:blip r:embed="rId4"/>
+          <a:srcRect/>
+          <a:stretch>
+            <a:fillRect/>
+          </a:stretch>
+        </p:blipFill>
+        <p:spPr bwMode="auto">
+          <a:xfrm>
+            <a:off x="609600" y="2943225"/>
+            <a:ext cx="5391150" cy="257175"/>
+          </a:xfrm>
+          <a:prstGeom prst="rect">
+            <a:avLst/>
+          </a:prstGeom>
+          <a:noFill/>
+          <a:ln w="9525">
+            <a:noFill/>
+            <a:miter lim="800000"/>
+            <a:headEnd/>
+            <a:tailEnd/>
+          </a:ln>
+          <a:effectLst/>
+        </p:spPr>
+      </p:pic>
+      <p:pic>
+        <p:nvPicPr>
+          <p:cNvPr id="1030" name="Picture 6"/>
+          <p:cNvPicPr>
+            <a:picLocks noChangeAspect="1" noChangeArrowheads="1"/>
+          </p:cNvPicPr>
+          <p:nvPr/>
+        </p:nvPicPr>
+        <p:blipFill>
+          <a:blip r:embed="rId5"/>
+          <a:srcRect/>
+          <a:stretch>
+            <a:fillRect/>
+          </a:stretch>
+        </p:blipFill>
+        <p:spPr bwMode="auto">
+          <a:xfrm>
+            <a:off x="609600" y="4191000"/>
+            <a:ext cx="6276975" cy="695325"/>
+          </a:xfrm>
+          <a:prstGeom prst="rect">
+            <a:avLst/>
+          </a:prstGeom>
+          <a:noFill/>
+          <a:ln w="9525">
+            <a:noFill/>
+            <a:miter lim="800000"/>
+            <a:headEnd/>
+            <a:tailEnd/>
+          </a:ln>
+          <a:effectLst/>
+        </p:spPr>
+      </p:pic>
+      <p:sp>
+        <p:nvSpPr>
+          <p:cNvPr id="12" name="Content Placeholder 5"/>
+          <p:cNvSpPr txBox="1">
+            <a:spLocks/>
+          </p:cNvSpPr>
+          <p:nvPr/>
+        </p:nvSpPr>
+        <p:spPr>
+          <a:xfrm>
+            <a:off x="609600" y="5181600"/>
+            <a:ext cx="4038600" cy="838200"/>
+          </a:xfrm>
+          <a:prstGeom prst="rect">
+            <a:avLst/>
+          </a:prstGeom>
+        </p:spPr>
+        <p:txBody>
+          <a:bodyPr vert="horz" lIns="91440" tIns="45720" rIns="91440" bIns="45720" rtlCol="0">
+            <a:noAutofit/>
+          </a:bodyPr>
+          <a:lstStyle/>
+          <a:p>
+            <a:pPr marL="342900" marR="0" lvl="0" indent="-342900" algn="l" defTabSz="914400" rtl="0" eaLnBrk="1" fontAlgn="auto" latinLnBrk="0" hangingPunct="1">
+              <a:lnSpc>
+                <a:spcPct val="100000"/>
+              </a:lnSpc>
+              <a:spcBef>
+                <a:spcPct val="20000"/>
+              </a:spcBef>
+              <a:spcAft>
+                <a:spcPts val="0"/>
+              </a:spcAft>
+              <a:buClrTx/>
+              <a:buSzTx/>
+              <a:buFont typeface="Arial" pitchFamily="34" charset="0"/>
+              <a:buChar char="•"/>
+              <a:tabLst/>
+              <a:defRPr/>
+            </a:pPr>
+            <a:r>
+              <a:rPr lang="en-US" sz="2400" b="1" dirty="0" smtClean="0"/>
+              <a:t>Moves order:</a:t>
+            </a:r>
+          </a:p>
+          <a:p>
+            <a:pPr marL="342900" marR="0" lvl="0" indent="-342900" algn="l" defTabSz="914400" rtl="0" eaLnBrk="1" fontAlgn="auto" latinLnBrk="0" hangingPunct="1">
+              <a:lnSpc>
+                <a:spcPct val="100000"/>
+              </a:lnSpc>
+              <a:spcBef>
+                <a:spcPct val="20000"/>
+              </a:spcBef>
+              <a:spcAft>
+                <a:spcPts val="0"/>
+              </a:spcAft>
+              <a:buClrTx/>
+              <a:buSzTx/>
+              <a:tabLst/>
+              <a:defRPr/>
+            </a:pPr>
+            <a:r>
+              <a:rPr kumimoji="0" lang="en-US" sz="2400" b="1" i="0" u="none" strike="noStrike" kern="1200" cap="none" spc="0" normalizeH="0" baseline="0" noProof="0" dirty="0" smtClean="0">
+                <a:ln>
+                  <a:noFill/>
+                </a:ln>
+                <a:solidFill>
+                  <a:schemeClr val="tx1"/>
+                </a:solidFill>
+                <a:effectLst/>
+                <a:uLnTx/>
+                <a:uFillTx/>
+                <a:latin typeface="+mn-lt"/>
+                <a:ea typeface="+mn-ea"/>
+                <a:cs typeface="+mn-cs"/>
+              </a:rPr>
+              <a:t>	Up -&gt; Left</a:t>
+            </a:r>
+            <a:r>
+              <a:rPr kumimoji="0" lang="en-US" sz="2400" b="1" i="0" u="none" strike="noStrike" kern="1200" cap="none" spc="0" normalizeH="0" noProof="0" dirty="0" smtClean="0">
+                <a:ln>
+                  <a:noFill/>
+                </a:ln>
+                <a:solidFill>
+                  <a:schemeClr val="tx1"/>
+                </a:solidFill>
+                <a:effectLst/>
+                <a:uLnTx/>
+                <a:uFillTx/>
+                <a:latin typeface="+mn-lt"/>
+                <a:ea typeface="+mn-ea"/>
+                <a:cs typeface="+mn-cs"/>
+              </a:rPr>
+              <a:t> -&gt; Down -&gt; Right</a:t>
+            </a:r>
+            <a:endParaRPr kumimoji="0" lang="ar-EG" sz="2400" b="1" i="0" u="none" strike="noStrike" kern="1200" cap="none" spc="0" normalizeH="0" baseline="0" noProof="0" dirty="0">
+              <a:ln>
+                <a:noFill/>
+              </a:ln>
+              <a:solidFill>
+                <a:schemeClr val="tx1"/>
+              </a:solidFill>
+              <a:effectLst/>
+              <a:uLnTx/>
+              <a:uFillTx/>
+              <a:latin typeface="+mn-lt"/>
+              <a:ea typeface="+mn-ea"/>
+              <a:cs typeface="+mn-cs"/>
+            </a:endParaRPr>
+          </a:p>
+        </p:txBody>
+      </p:sp>
+      <p:pic>
+        <p:nvPicPr>
+          <p:cNvPr id="14" name="Picture 2"/>
+          <p:cNvPicPr>
+            <a:picLocks noChangeAspect="1" noChangeArrowheads="1"/>
+          </p:cNvPicPr>
+          <p:nvPr/>
+        </p:nvPicPr>
+        <p:blipFill>
+          <a:blip r:embed="rId6"/>
+          <a:srcRect/>
+          <a:stretch>
+            <a:fillRect/>
+          </a:stretch>
+        </p:blipFill>
+        <p:spPr bwMode="auto">
+          <a:xfrm>
+            <a:off x="5715000" y="1143000"/>
+            <a:ext cx="3064826" cy="2590800"/>
           </a:xfrm>
           <a:prstGeom prst="rect">
             <a:avLst/>
@@ -11149,9 +11144,32 @@
           </a:p>
         </p:txBody>
       </p:sp>
+      <p:sp>
+        <p:nvSpPr>
+          <p:cNvPr id="6" name="Footer Placeholder 5"/>
+          <p:cNvSpPr>
+            <a:spLocks noGrp="1"/>
+          </p:cNvSpPr>
+          <p:nvPr>
+            <p:ph type="ftr" sz="quarter" idx="11"/>
+          </p:nvPr>
+        </p:nvSpPr>
+        <p:spPr/>
+        <p:txBody>
+          <a:bodyPr/>
+          <a:lstStyle/>
+          <a:p>
+            <a:r>
+              <a:rPr lang="en-US" smtClean="0"/>
+              <a:t>By Eng. Ahmed Tarik</a:t>
+            </a:r>
+            <a:endParaRPr lang="en-US"/>
+          </a:p>
+        </p:txBody>
+      </p:sp>
       <p:pic>
         <p:nvPicPr>
-          <p:cNvPr id="4098" name="Picture 2"/>
+          <p:cNvPr id="11" name="Picture 7"/>
           <p:cNvPicPr>
             <a:picLocks noGrp="1" noChangeAspect="1" noChangeArrowheads="1"/>
           </p:cNvPicPr>
@@ -11168,8 +11186,8 @@
         </p:blipFill>
         <p:spPr bwMode="auto">
           <a:xfrm>
-            <a:off x="457200" y="2209800"/>
-            <a:ext cx="8229600" cy="2696656"/>
+            <a:off x="191751" y="1371600"/>
+            <a:ext cx="8876049" cy="762000"/>
           </a:xfrm>
           <a:prstGeom prst="rect">
             <a:avLst/>
@@ -11184,29 +11202,39 @@
           <a:effectLst/>
         </p:spPr>
       </p:pic>
-      <p:sp>
-        <p:nvSpPr>
-          <p:cNvPr id="4" name="Footer Placeholder 3"/>
-          <p:cNvSpPr>
-            <a:spLocks noGrp="1"/>
-          </p:cNvSpPr>
-          <p:nvPr>
-            <p:ph type="ftr" sz="quarter" idx="11"/>
-          </p:nvPr>
-        </p:nvSpPr>
-        <p:spPr/>
-        <p:txBody>
-          <a:bodyPr/>
-          <a:lstStyle/>
-          <a:p>
-            <a:r>
-              <a:rPr lang="en-US" smtClean="0"/>
-              <a:t>By Eng. Ahmed Tarik</a:t>
-            </a:r>
-            <a:endParaRPr lang="en-US"/>
-          </a:p>
-        </p:txBody>
-      </p:sp>
+      <p:pic>
+        <p:nvPicPr>
+          <p:cNvPr id="2050" name="Picture 2"/>
+          <p:cNvPicPr>
+            <a:picLocks noChangeAspect="1" noChangeArrowheads="1"/>
+          </p:cNvPicPr>
+          <p:nvPr/>
+        </p:nvPicPr>
+        <p:blipFill>
+          <a:blip r:embed="rId3"/>
+          <a:srcRect/>
+          <a:stretch>
+            <a:fillRect/>
+          </a:stretch>
+        </p:blipFill>
+        <p:spPr bwMode="auto">
+          <a:xfrm>
+            <a:off x="209550" y="2438400"/>
+            <a:ext cx="7410450" cy="914400"/>
+          </a:xfrm>
+          <a:prstGeom prst="rect">
+            <a:avLst/>
+          </a:prstGeom>
+          <a:noFill/>
+          <a:ln w="9525">
+            <a:noFill/>
+            <a:miter lim="800000"/>
+            <a:headEnd/>
+            <a:tailEnd/>
+          </a:ln>
+          <a:effectLst/>
+        </p:spPr>
+      </p:pic>
     </p:spTree>
   </p:cSld>
   <p:clrMapOvr>
@@ -11241,111 +11269,79 @@
       </p:grpSpPr>
       <p:sp>
         <p:nvSpPr>
-          <p:cNvPr id="4" name="Rectangle 3"/>
-          <p:cNvSpPr/>
-          <p:nvPr/>
+          <p:cNvPr id="2" name="Title 1"/>
+          <p:cNvSpPr>
+            <a:spLocks noGrp="1"/>
+          </p:cNvSpPr>
+          <p:nvPr>
+            <p:ph type="title"/>
+          </p:nvPr>
         </p:nvSpPr>
         <p:spPr>
           <a:xfrm>
-            <a:off x="533400" y="2590800"/>
-            <a:ext cx="8001000" cy="1754326"/>
+            <a:off x="457200" y="76200"/>
+            <a:ext cx="8229600" cy="1143000"/>
+          </a:xfrm>
+        </p:spPr>
+        <p:txBody>
+          <a:bodyPr/>
+          <a:lstStyle/>
+          <a:p>
+            <a:pPr algn="l"/>
+            <a:r>
+              <a:rPr lang="en-US" b="1" dirty="0" smtClean="0">
+                <a:solidFill>
+                  <a:srgbClr val="0070C0"/>
+                </a:solidFill>
+              </a:rPr>
+              <a:t>Maze Search Program</a:t>
+            </a:r>
+            <a:endParaRPr lang="ar-EG" b="1" dirty="0">
+              <a:solidFill>
+                <a:srgbClr val="0070C0"/>
+              </a:solidFill>
+            </a:endParaRPr>
+          </a:p>
+        </p:txBody>
+      </p:sp>
+      <p:pic>
+        <p:nvPicPr>
+          <p:cNvPr id="4098" name="Picture 2"/>
+          <p:cNvPicPr>
+            <a:picLocks noGrp="1" noChangeAspect="1" noChangeArrowheads="1"/>
+          </p:cNvPicPr>
+          <p:nvPr>
+            <p:ph idx="1"/>
+          </p:nvPr>
+        </p:nvPicPr>
+        <p:blipFill>
+          <a:blip r:embed="rId2"/>
+          <a:srcRect/>
+          <a:stretch>
+            <a:fillRect/>
+          </a:stretch>
+        </p:blipFill>
+        <p:spPr bwMode="auto">
+          <a:xfrm>
+            <a:off x="457200" y="2209800"/>
+            <a:ext cx="8229600" cy="2696656"/>
           </a:xfrm>
           <a:prstGeom prst="rect">
             <a:avLst/>
           </a:prstGeom>
           <a:noFill/>
-        </p:spPr>
-        <p:txBody>
-          <a:bodyPr wrap="square" lIns="91440" tIns="45720" rIns="91440" bIns="45720">
-            <a:spAutoFit/>
-          </a:bodyPr>
-          <a:lstStyle/>
-          <a:p>
-            <a:pPr algn="ctr"/>
-            <a:r>
-              <a:rPr lang="en-US" sz="5400" b="1" dirty="0" smtClean="0">
-                <a:ln w="12700">
-                  <a:solidFill>
-                    <a:schemeClr val="tx2">
-                      <a:satMod val="155000"/>
-                    </a:schemeClr>
-                  </a:solidFill>
-                  <a:prstDash val="solid"/>
-                </a:ln>
-                <a:solidFill>
-                  <a:schemeClr val="bg2">
-                    <a:tint val="85000"/>
-                    <a:satMod val="155000"/>
-                  </a:schemeClr>
-                </a:solidFill>
-                <a:effectLst>
-                  <a:outerShdw blurRad="41275" dist="20320" dir="1800000" algn="tl" rotWithShape="0">
-                    <a:srgbClr val="000000">
-                      <a:alpha val="40000"/>
-                    </a:srgbClr>
-                  </a:outerShdw>
-                </a:effectLst>
-              </a:rPr>
-              <a:t>Maze Search Program</a:t>
-            </a:r>
-          </a:p>
-          <a:p>
-            <a:pPr algn="ctr"/>
-            <a:r>
-              <a:rPr lang="en-US" sz="5400" b="1" dirty="0" smtClean="0">
-                <a:ln w="12700">
-                  <a:solidFill>
-                    <a:schemeClr val="tx2">
-                      <a:satMod val="155000"/>
-                    </a:schemeClr>
-                  </a:solidFill>
-                  <a:prstDash val="solid"/>
-                </a:ln>
-                <a:solidFill>
-                  <a:schemeClr val="bg2">
-                    <a:tint val="85000"/>
-                    <a:satMod val="155000"/>
-                  </a:schemeClr>
-                </a:solidFill>
-                <a:effectLst>
-                  <a:outerShdw blurRad="41275" dist="20320" dir="1800000" algn="tl" rotWithShape="0">
-                    <a:srgbClr val="000000">
-                      <a:alpha val="40000"/>
-                    </a:srgbClr>
-                  </a:outerShdw>
-                </a:effectLst>
-              </a:rPr>
-              <a:t>(Using A star)</a:t>
-            </a:r>
-            <a:endParaRPr lang="en-US" sz="5400" b="1" cap="none" spc="0" dirty="0">
-              <a:ln w="12700">
-                <a:solidFill>
-                  <a:schemeClr val="tx2">
-                    <a:satMod val="155000"/>
-                  </a:schemeClr>
-                </a:solidFill>
-                <a:prstDash val="solid"/>
-              </a:ln>
-              <a:solidFill>
-                <a:schemeClr val="bg2">
-                  <a:tint val="85000"/>
-                  <a:satMod val="155000"/>
-                </a:schemeClr>
-              </a:solidFill>
-              <a:effectLst>
-                <a:outerShdw blurRad="41275" dist="20320" dir="1800000" algn="tl" rotWithShape="0">
-                  <a:srgbClr val="000000">
-                    <a:alpha val="40000"/>
-                  </a:srgbClr>
-                </a:outerShdw>
-              </a:effectLst>
-            </a:endParaRPr>
-          </a:p>
-        </p:txBody>
-      </p:sp>
-      <p:sp>
-        <p:nvSpPr>
-          <p:cNvPr id="5" name="Footer Placeholder 4"/>
+          <a:ln w="9525">
+            <a:noFill/>
+            <a:miter lim="800000"/>
+            <a:headEnd/>
+            <a:tailEnd/>
+          </a:ln>
+          <a:effectLst/>
+        </p:spPr>
+      </p:pic>
+      <p:sp>
+        <p:nvSpPr>
+          <p:cNvPr id="4" name="Footer Placeholder 3"/>
           <p:cNvSpPr>
             <a:spLocks noGrp="1"/>
           </p:cNvSpPr>
@@ -11400,221 +11396,111 @@
       </p:grpSpPr>
       <p:sp>
         <p:nvSpPr>
-          <p:cNvPr id="2" name="Title 1"/>
-          <p:cNvSpPr>
-            <a:spLocks noGrp="1"/>
-          </p:cNvSpPr>
-          <p:nvPr>
-            <p:ph type="title"/>
-          </p:nvPr>
-        </p:nvSpPr>
-        <p:spPr/>
-        <p:txBody>
-          <a:bodyPr/>
-          <a:lstStyle/>
-          <a:p>
-            <a:pPr algn="l"/>
-            <a:r>
-              <a:rPr lang="en-US" b="1" dirty="0" smtClean="0">
-                <a:solidFill>
-                  <a:srgbClr val="0070C0"/>
-                </a:solidFill>
-              </a:rPr>
-              <a:t>A star (Maze Search)</a:t>
-            </a:r>
-            <a:endParaRPr lang="ar-EG" dirty="0"/>
-          </a:p>
-        </p:txBody>
-      </p:sp>
-      <p:sp>
-        <p:nvSpPr>
-          <p:cNvPr id="3" name="Content Placeholder 2"/>
-          <p:cNvSpPr>
-            <a:spLocks noGrp="1"/>
-          </p:cNvSpPr>
-          <p:nvPr>
-            <p:ph idx="1"/>
-          </p:nvPr>
+          <p:cNvPr id="4" name="Rectangle 3"/>
+          <p:cNvSpPr/>
+          <p:nvPr/>
         </p:nvSpPr>
         <p:spPr>
           <a:xfrm>
-            <a:off x="5181600" y="1600200"/>
-            <a:ext cx="2514600" cy="685800"/>
-          </a:xfrm>
-        </p:spPr>
-        <p:txBody>
-          <a:bodyPr>
-            <a:normAutofit/>
-          </a:bodyPr>
-          <a:lstStyle/>
-          <a:p>
-            <a:r>
-              <a:rPr lang="en-US" sz="2800" dirty="0" smtClean="0"/>
-              <a:t>A-star Maze</a:t>
-            </a:r>
-          </a:p>
-        </p:txBody>
-      </p:sp>
-      <p:pic>
-        <p:nvPicPr>
-          <p:cNvPr id="65540" name="Picture 4"/>
-          <p:cNvPicPr>
-            <a:picLocks noChangeAspect="1" noChangeArrowheads="1"/>
-          </p:cNvPicPr>
-          <p:nvPr/>
-        </p:nvPicPr>
-        <p:blipFill>
-          <a:blip r:embed="rId2"/>
-          <a:srcRect/>
-          <a:stretch>
-            <a:fillRect/>
-          </a:stretch>
-        </p:blipFill>
-        <p:spPr bwMode="auto">
-          <a:xfrm>
-            <a:off x="5105400" y="2743200"/>
-            <a:ext cx="3703160" cy="3124200"/>
+            <a:off x="533400" y="2590800"/>
+            <a:ext cx="8001000" cy="1754326"/>
           </a:xfrm>
           <a:prstGeom prst="rect">
             <a:avLst/>
           </a:prstGeom>
           <a:noFill/>
-          <a:ln w="9525">
-            <a:noFill/>
-            <a:miter lim="800000"/>
-            <a:headEnd/>
-            <a:tailEnd/>
-          </a:ln>
-          <a:effectLst/>
-        </p:spPr>
-      </p:pic>
-      <p:pic>
-        <p:nvPicPr>
-          <p:cNvPr id="8" name="Picture 1"/>
-          <p:cNvPicPr>
-            <a:picLocks noChangeAspect="1" noChangeArrowheads="1"/>
-          </p:cNvPicPr>
-          <p:nvPr/>
-        </p:nvPicPr>
-        <p:blipFill>
-          <a:blip r:embed="rId3"/>
-          <a:srcRect/>
-          <a:stretch>
-            <a:fillRect/>
-          </a:stretch>
-        </p:blipFill>
-        <p:spPr bwMode="auto">
-          <a:xfrm>
-            <a:off x="533400" y="2743200"/>
-            <a:ext cx="3757466" cy="3200400"/>
-          </a:xfrm>
-          <a:prstGeom prst="rect">
-            <a:avLst/>
-          </a:prstGeom>
-          <a:noFill/>
-          <a:ln w="9525">
-            <a:noFill/>
-            <a:miter lim="800000"/>
-            <a:headEnd/>
-            <a:tailEnd/>
-          </a:ln>
-          <a:effectLst/>
-        </p:spPr>
-      </p:pic>
-      <p:sp>
-        <p:nvSpPr>
-          <p:cNvPr id="9" name="Content Placeholder 2"/>
-          <p:cNvSpPr txBox="1">
-            <a:spLocks/>
-          </p:cNvSpPr>
-          <p:nvPr/>
-        </p:nvSpPr>
-        <p:spPr>
-          <a:xfrm>
-            <a:off x="533400" y="1600200"/>
-            <a:ext cx="3276600" cy="685800"/>
-          </a:xfrm>
-          <a:prstGeom prst="rect">
-            <a:avLst/>
-          </a:prstGeom>
-        </p:spPr>
-        <p:txBody>
-          <a:bodyPr vert="horz" lIns="91440" tIns="45720" rIns="91440" bIns="45720" rtlCol="0">
-            <a:normAutofit/>
+        </p:spPr>
+        <p:txBody>
+          <a:bodyPr wrap="square" lIns="91440" tIns="45720" rIns="91440" bIns="45720">
+            <a:spAutoFit/>
           </a:bodyPr>
           <a:lstStyle/>
           <a:p>
-            <a:pPr marL="342900" marR="0" lvl="0" indent="-342900" algn="l" defTabSz="914400" rtl="0" eaLnBrk="1" fontAlgn="auto" latinLnBrk="0" hangingPunct="1">
-              <a:lnSpc>
-                <a:spcPct val="100000"/>
-              </a:lnSpc>
-              <a:spcBef>
-                <a:spcPct val="20000"/>
-              </a:spcBef>
-              <a:spcAft>
-                <a:spcPts val="0"/>
-              </a:spcAft>
-              <a:buClrTx/>
-              <a:buSzTx/>
-              <a:buFont typeface="Arial" pitchFamily="34" charset="0"/>
-              <a:buChar char="•"/>
-              <a:tabLst/>
-              <a:defRPr/>
-            </a:pPr>
-            <a:r>
-              <a:rPr kumimoji="0" lang="en-US" sz="2800" b="0" i="0" u="none" strike="noStrike" kern="1200" cap="none" spc="0" normalizeH="0" baseline="0" noProof="0" dirty="0" smtClean="0">
-                <a:ln>
-                  <a:noFill/>
+            <a:pPr algn="ctr"/>
+            <a:r>
+              <a:rPr lang="en-US" sz="5400" b="1" dirty="0" smtClean="0">
+                <a:ln w="12700">
+                  <a:solidFill>
+                    <a:schemeClr val="tx2">
+                      <a:satMod val="155000"/>
+                    </a:schemeClr>
+                  </a:solidFill>
+                  <a:prstDash val="solid"/>
                 </a:ln>
                 <a:solidFill>
-                  <a:schemeClr val="tx1"/>
-                </a:solidFill>
-                <a:effectLst/>
-                <a:uLnTx/>
-                <a:uFillTx/>
-                <a:latin typeface="+mn-lt"/>
-                <a:ea typeface="+mn-ea"/>
-                <a:cs typeface="+mn-cs"/>
+                  <a:schemeClr val="bg2">
+                    <a:tint val="85000"/>
+                    <a:satMod val="155000"/>
+                  </a:schemeClr>
+                </a:solidFill>
+                <a:effectLst>
+                  <a:outerShdw blurRad="41275" dist="20320" dir="1800000" algn="tl" rotWithShape="0">
+                    <a:srgbClr val="000000">
+                      <a:alpha val="40000"/>
+                    </a:srgbClr>
+                  </a:outerShdw>
+                </a:effectLst>
               </a:rPr>
-              <a:t>Heuristic</a:t>
-            </a:r>
-            <a:r>
-              <a:rPr kumimoji="0" lang="en-US" sz="2800" b="0" i="0" u="none" strike="noStrike" kern="1200" cap="none" spc="0" normalizeH="0" noProof="0" dirty="0" smtClean="0">
-                <a:ln>
-                  <a:noFill/>
+              <a:t>Maze Search Program</a:t>
+            </a:r>
+          </a:p>
+          <a:p>
+            <a:pPr algn="ctr"/>
+            <a:r>
+              <a:rPr lang="en-US" sz="5400" b="1" dirty="0" smtClean="0">
+                <a:ln w="12700">
+                  <a:solidFill>
+                    <a:schemeClr val="tx2">
+                      <a:satMod val="155000"/>
+                    </a:schemeClr>
+                  </a:solidFill>
+                  <a:prstDash val="solid"/>
                 </a:ln>
                 <a:solidFill>
-                  <a:schemeClr val="tx1"/>
-                </a:solidFill>
-                <a:effectLst/>
-                <a:uLnTx/>
-                <a:uFillTx/>
-                <a:latin typeface="+mn-lt"/>
-                <a:ea typeface="+mn-ea"/>
-                <a:cs typeface="+mn-cs"/>
+                  <a:schemeClr val="bg2">
+                    <a:tint val="85000"/>
+                    <a:satMod val="155000"/>
+                  </a:schemeClr>
+                </a:solidFill>
+                <a:effectLst>
+                  <a:outerShdw blurRad="41275" dist="20320" dir="1800000" algn="tl" rotWithShape="0">
+                    <a:srgbClr val="000000">
+                      <a:alpha val="40000"/>
+                    </a:srgbClr>
+                  </a:outerShdw>
+                </a:effectLst>
               </a:rPr>
-              <a:t> Function</a:t>
-            </a:r>
-            <a:endParaRPr kumimoji="0" lang="en-US" sz="2800" b="0" i="0" u="none" strike="noStrike" kern="1200" cap="none" spc="0" normalizeH="0" baseline="0" noProof="0" dirty="0" smtClean="0">
-              <a:ln>
-                <a:noFill/>
+              <a:t>(Using A star)</a:t>
+            </a:r>
+            <a:endParaRPr lang="en-US" sz="5400" b="1" cap="none" spc="0" dirty="0">
+              <a:ln w="12700">
+                <a:solidFill>
+                  <a:schemeClr val="tx2">
+                    <a:satMod val="155000"/>
+                  </a:schemeClr>
+                </a:solidFill>
+                <a:prstDash val="solid"/>
               </a:ln>
               <a:solidFill>
-                <a:schemeClr val="tx1"/>
+                <a:schemeClr val="bg2">
+                  <a:tint val="85000"/>
+                  <a:satMod val="155000"/>
+                </a:schemeClr>
               </a:solidFill>
-              <a:effectLst/>
-              <a:uLnTx/>
-              <a:uFillTx/>
-              <a:latin typeface="+mn-lt"/>
-              <a:ea typeface="+mn-ea"/>
-              <a:cs typeface="+mn-cs"/>
+              <a:effectLst>
+                <a:outerShdw blurRad="41275" dist="20320" dir="1800000" algn="tl" rotWithShape="0">
+                  <a:srgbClr val="000000">
+                    <a:alpha val="40000"/>
+                  </a:srgbClr>
+                </a:outerShdw>
+              </a:effectLst>
             </a:endParaRPr>
           </a:p>
         </p:txBody>
       </p:sp>
       <p:sp>
         <p:nvSpPr>
-          <p:cNvPr id="7" name="Footer Placeholder 6"/>
+          <p:cNvPr id="5" name="Footer Placeholder 4"/>
           <p:cNvSpPr>
             <a:spLocks noGrp="1"/>
           </p:cNvSpPr>
@@ -11640,6 +11526,13 @@
   <p:clrMapOvr>
     <a:masterClrMapping/>
   </p:clrMapOvr>
+  <p:timing>
+    <p:tnLst>
+      <p:par>
+        <p:cTn id="1" dur="indefinite" restart="never" nodeType="tmRoot"/>
+      </p:par>
+    </p:tnLst>
+  </p:timing>
 </p:sld>
 </file>
 
@@ -11670,65 +11563,60 @@
             <p:ph type="title"/>
           </p:nvPr>
         </p:nvSpPr>
+        <p:spPr/>
+        <p:txBody>
+          <a:bodyPr/>
+          <a:lstStyle/>
+          <a:p>
+            <a:pPr algn="l"/>
+            <a:r>
+              <a:rPr lang="en-US" b="1" dirty="0" smtClean="0">
+                <a:solidFill>
+                  <a:srgbClr val="0070C0"/>
+                </a:solidFill>
+              </a:rPr>
+              <a:t>A star (Maze Search)</a:t>
+            </a:r>
+            <a:endParaRPr lang="ar-EG" dirty="0"/>
+          </a:p>
+        </p:txBody>
+      </p:sp>
+      <p:sp>
+        <p:nvSpPr>
+          <p:cNvPr id="3" name="Content Placeholder 2"/>
+          <p:cNvSpPr>
+            <a:spLocks noGrp="1"/>
+          </p:cNvSpPr>
+          <p:nvPr>
+            <p:ph idx="1"/>
+          </p:nvPr>
+        </p:nvSpPr>
         <p:spPr>
           <a:xfrm>
-            <a:off x="457200" y="76200"/>
-            <a:ext cx="8229600" cy="1143000"/>
-          </a:xfrm>
-        </p:spPr>
-        <p:txBody>
-          <a:bodyPr/>
-          <a:lstStyle/>
-          <a:p>
-            <a:pPr algn="l"/>
-            <a:r>
-              <a:rPr lang="en-US" b="1" dirty="0" smtClean="0">
-                <a:solidFill>
-                  <a:srgbClr val="0070C0"/>
-                </a:solidFill>
-              </a:rPr>
-              <a:t>Maze Search (A star)</a:t>
-            </a:r>
-            <a:endParaRPr lang="ar-EG" b="1" dirty="0">
-              <a:solidFill>
-                <a:srgbClr val="0070C0"/>
-              </a:solidFill>
-            </a:endParaRPr>
-          </a:p>
-        </p:txBody>
-      </p:sp>
-      <p:sp>
-        <p:nvSpPr>
-          <p:cNvPr id="6" name="Footer Placeholder 5"/>
-          <p:cNvSpPr>
-            <a:spLocks noGrp="1"/>
-          </p:cNvSpPr>
-          <p:nvPr>
-            <p:ph type="ftr" sz="quarter" idx="11"/>
-          </p:nvPr>
-        </p:nvSpPr>
-        <p:spPr/>
-        <p:txBody>
-          <a:bodyPr/>
-          <a:lstStyle/>
-          <a:p>
-            <a:r>
-              <a:rPr lang="en-US" smtClean="0"/>
-              <a:t>By Eng. Ahmed Tarik</a:t>
-            </a:r>
-            <a:endParaRPr lang="en-US"/>
+            <a:off x="5181600" y="1600200"/>
+            <a:ext cx="2514600" cy="685800"/>
+          </a:xfrm>
+        </p:spPr>
+        <p:txBody>
+          <a:bodyPr>
+            <a:normAutofit/>
+          </a:bodyPr>
+          <a:lstStyle/>
+          <a:p>
+            <a:r>
+              <a:rPr lang="en-US" sz="2800" dirty="0" smtClean="0"/>
+              <a:t>A-star Maze</a:t>
+            </a:r>
           </a:p>
         </p:txBody>
       </p:sp>
       <p:pic>
         <p:nvPicPr>
-          <p:cNvPr id="3074" name="Picture 2"/>
+          <p:cNvPr id="65540" name="Picture 4"/>
           <p:cNvPicPr>
-            <a:picLocks noGrp="1" noChangeAspect="1" noChangeArrowheads="1"/>
+            <a:picLocks noChangeAspect="1" noChangeArrowheads="1"/>
           </p:cNvPicPr>
-          <p:nvPr>
-            <p:ph idx="1"/>
-          </p:nvPr>
+          <p:nvPr/>
         </p:nvPicPr>
         <p:blipFill>
           <a:blip r:embed="rId2"/>
@@ -11739,8 +11627,8 @@
         </p:blipFill>
         <p:spPr bwMode="auto">
           <a:xfrm>
-            <a:off x="381000" y="1143000"/>
-            <a:ext cx="5410200" cy="1600200"/>
+            <a:off x="5105400" y="2743200"/>
+            <a:ext cx="3703160" cy="3124200"/>
           </a:xfrm>
           <a:prstGeom prst="rect">
             <a:avLst/>
@@ -11757,7 +11645,7 @@
       </p:pic>
       <p:pic>
         <p:nvPicPr>
-          <p:cNvPr id="13" name="Picture 12"/>
+          <p:cNvPr id="8" name="Picture 1"/>
           <p:cNvPicPr>
             <a:picLocks noChangeAspect="1" noChangeArrowheads="1"/>
           </p:cNvPicPr>
@@ -11772,8 +11660,8 @@
         </p:blipFill>
         <p:spPr bwMode="auto">
           <a:xfrm>
-            <a:off x="5920686" y="533400"/>
-            <a:ext cx="3070914" cy="2590800"/>
+            <a:off x="533400" y="2743200"/>
+            <a:ext cx="3757466" cy="3200400"/>
           </a:xfrm>
           <a:prstGeom prst="rect">
             <a:avLst/>
@@ -11788,51 +11676,125 @@
           <a:effectLst/>
         </p:spPr>
       </p:pic>
-      <p:pic>
-        <p:nvPicPr>
-          <p:cNvPr id="3075" name="Picture 3"/>
-          <p:cNvPicPr>
-            <a:picLocks noChangeAspect="1" noChangeArrowheads="1"/>
-          </p:cNvPicPr>
+      <p:sp>
+        <p:nvSpPr>
+          <p:cNvPr id="9" name="Content Placeholder 2"/>
+          <p:cNvSpPr txBox="1">
+            <a:spLocks/>
+          </p:cNvSpPr>
           <p:nvPr/>
-        </p:nvPicPr>
-        <p:blipFill>
-          <a:blip r:embed="rId4"/>
-          <a:srcRect/>
-          <a:stretch>
-            <a:fillRect/>
-          </a:stretch>
-        </p:blipFill>
-        <p:spPr bwMode="auto">
-          <a:xfrm>
-            <a:off x="381000" y="2971800"/>
-            <a:ext cx="5524500" cy="2447925"/>
+        </p:nvSpPr>
+        <p:spPr>
+          <a:xfrm>
+            <a:off x="533400" y="1600200"/>
+            <a:ext cx="3276600" cy="685800"/>
           </a:xfrm>
           <a:prstGeom prst="rect">
             <a:avLst/>
           </a:prstGeom>
-          <a:noFill/>
-          <a:ln w="9525">
-            <a:noFill/>
-            <a:miter lim="800000"/>
-            <a:headEnd/>
-            <a:tailEnd/>
-          </a:ln>
-          <a:effectLst/>
-        </p:spPr>
-      </p:pic>
+        </p:spPr>
+        <p:txBody>
+          <a:bodyPr vert="horz" lIns="91440" tIns="45720" rIns="91440" bIns="45720" rtlCol="0">
+            <a:normAutofit/>
+          </a:bodyPr>
+          <a:lstStyle/>
+          <a:p>
+            <a:pPr marL="342900" marR="0" lvl="0" indent="-342900" algn="l" defTabSz="914400" rtl="0" eaLnBrk="1" fontAlgn="auto" latinLnBrk="0" hangingPunct="1">
+              <a:lnSpc>
+                <a:spcPct val="100000"/>
+              </a:lnSpc>
+              <a:spcBef>
+                <a:spcPct val="20000"/>
+              </a:spcBef>
+              <a:spcAft>
+                <a:spcPts val="0"/>
+              </a:spcAft>
+              <a:buClrTx/>
+              <a:buSzTx/>
+              <a:buFont typeface="Arial" pitchFamily="34" charset="0"/>
+              <a:buChar char="•"/>
+              <a:tabLst/>
+              <a:defRPr/>
+            </a:pPr>
+            <a:r>
+              <a:rPr kumimoji="0" lang="en-US" sz="2800" b="0" i="0" u="none" strike="noStrike" kern="1200" cap="none" spc="0" normalizeH="0" baseline="0" noProof="0" dirty="0" smtClean="0">
+                <a:ln>
+                  <a:noFill/>
+                </a:ln>
+                <a:solidFill>
+                  <a:schemeClr val="tx1"/>
+                </a:solidFill>
+                <a:effectLst/>
+                <a:uLnTx/>
+                <a:uFillTx/>
+                <a:latin typeface="+mn-lt"/>
+                <a:ea typeface="+mn-ea"/>
+                <a:cs typeface="+mn-cs"/>
+              </a:rPr>
+              <a:t>Heuristic</a:t>
+            </a:r>
+            <a:r>
+              <a:rPr kumimoji="0" lang="en-US" sz="2800" b="0" i="0" u="none" strike="noStrike" kern="1200" cap="none" spc="0" normalizeH="0" noProof="0" dirty="0" smtClean="0">
+                <a:ln>
+                  <a:noFill/>
+                </a:ln>
+                <a:solidFill>
+                  <a:schemeClr val="tx1"/>
+                </a:solidFill>
+                <a:effectLst/>
+                <a:uLnTx/>
+                <a:uFillTx/>
+                <a:latin typeface="+mn-lt"/>
+                <a:ea typeface="+mn-ea"/>
+                <a:cs typeface="+mn-cs"/>
+              </a:rPr>
+              <a:t> Function</a:t>
+            </a:r>
+            <a:endParaRPr kumimoji="0" lang="en-US" sz="2800" b="0" i="0" u="none" strike="noStrike" kern="1200" cap="none" spc="0" normalizeH="0" baseline="0" noProof="0" dirty="0" smtClean="0">
+              <a:ln>
+                <a:noFill/>
+              </a:ln>
+              <a:solidFill>
+                <a:schemeClr val="tx1"/>
+              </a:solidFill>
+              <a:effectLst/>
+              <a:uLnTx/>
+              <a:uFillTx/>
+              <a:latin typeface="+mn-lt"/>
+              <a:ea typeface="+mn-ea"/>
+              <a:cs typeface="+mn-cs"/>
+            </a:endParaRPr>
+          </a:p>
+        </p:txBody>
+      </p:sp>
+      <p:sp>
+        <p:nvSpPr>
+          <p:cNvPr id="7" name="Footer Placeholder 6"/>
+          <p:cNvSpPr>
+            <a:spLocks noGrp="1"/>
+          </p:cNvSpPr>
+          <p:nvPr>
+            <p:ph type="ftr" sz="quarter" idx="11"/>
+          </p:nvPr>
+        </p:nvSpPr>
+        <p:spPr/>
+        <p:txBody>
+          <a:bodyPr/>
+          <a:lstStyle/>
+          <a:p>
+            <a:r>
+              <a:rPr lang="en-US" smtClean="0"/>
+              <a:t>By Eng. Ahmed Tarik</a:t>
+            </a:r>
+            <a:endParaRPr lang="en-US"/>
+          </a:p>
+        </p:txBody>
+      </p:sp>
     </p:spTree>
   </p:cSld>
   <p:clrMapOvr>
     <a:masterClrMapping/>
   </p:clrMapOvr>
-  <p:timing>
-    <p:tnLst>
-      <p:par>
-        <p:cTn id="1" dur="indefinite" restart="never" nodeType="tmRoot"/>
-      </p:par>
-    </p:tnLst>
-  </p:timing>
 </p:sld>
 </file>
 
@@ -11915,11 +11877,13 @@
       </p:sp>
       <p:pic>
         <p:nvPicPr>
-          <p:cNvPr id="1028" name="Picture 4"/>
+          <p:cNvPr id="3074" name="Picture 2"/>
           <p:cNvPicPr>
-            <a:picLocks noChangeAspect="1" noChangeArrowheads="1"/>
+            <a:picLocks noGrp="1" noChangeAspect="1" noChangeArrowheads="1"/>
           </p:cNvPicPr>
-          <p:nvPr/>
+          <p:nvPr>
+            <p:ph idx="1"/>
+          </p:nvPr>
         </p:nvPicPr>
         <p:blipFill>
           <a:blip r:embed="rId2"/>
@@ -11930,8 +11894,8 @@
         </p:blipFill>
         <p:spPr bwMode="auto">
           <a:xfrm>
-            <a:off x="609600" y="1466850"/>
-            <a:ext cx="5457825" cy="752475"/>
+            <a:off x="381000" y="1143000"/>
+            <a:ext cx="5410200" cy="1600200"/>
           </a:xfrm>
           <a:prstGeom prst="rect">
             <a:avLst/>
@@ -11948,7 +11912,7 @@
       </p:pic>
       <p:pic>
         <p:nvPicPr>
-          <p:cNvPr id="1029" name="Picture 5"/>
+          <p:cNvPr id="13" name="Picture 12"/>
           <p:cNvPicPr>
             <a:picLocks noChangeAspect="1" noChangeArrowheads="1"/>
           </p:cNvPicPr>
@@ -11963,8 +11927,8 @@
         </p:blipFill>
         <p:spPr bwMode="auto">
           <a:xfrm>
-            <a:off x="609600" y="1209675"/>
-            <a:ext cx="5391150" cy="257175"/>
+            <a:off x="5920686" y="533400"/>
+            <a:ext cx="3070914" cy="2590800"/>
           </a:xfrm>
           <a:prstGeom prst="rect">
             <a:avLst/>
@@ -11981,7 +11945,7 @@
       </p:pic>
       <p:pic>
         <p:nvPicPr>
-          <p:cNvPr id="1030" name="Picture 6"/>
+          <p:cNvPr id="3075" name="Picture 3"/>
           <p:cNvPicPr>
             <a:picLocks noChangeAspect="1" noChangeArrowheads="1"/>
           </p:cNvPicPr>
@@ -11996,76 +11960,8 @@
         </p:blipFill>
         <p:spPr bwMode="auto">
           <a:xfrm>
-            <a:off x="609600" y="2428875"/>
-            <a:ext cx="6276975" cy="695325"/>
-          </a:xfrm>
-          <a:prstGeom prst="rect">
-            <a:avLst/>
-          </a:prstGeom>
-          <a:noFill/>
-          <a:ln w="9525">
-            <a:noFill/>
-            <a:miter lim="800000"/>
-            <a:headEnd/>
-            <a:tailEnd/>
-          </a:ln>
-          <a:effectLst/>
-        </p:spPr>
-      </p:pic>
-      <p:pic>
-        <p:nvPicPr>
-          <p:cNvPr id="17" name="Picture 2"/>
-          <p:cNvPicPr>
-            <a:picLocks noChangeAspect="1" noChangeArrowheads="1"/>
-          </p:cNvPicPr>
-          <p:nvPr/>
-        </p:nvPicPr>
-        <p:blipFill>
-          <a:blip r:embed="rId5"/>
-          <a:srcRect/>
-          <a:stretch>
-            <a:fillRect/>
-          </a:stretch>
-        </p:blipFill>
-        <p:spPr bwMode="auto">
-          <a:xfrm>
-            <a:off x="590550" y="4847613"/>
-            <a:ext cx="7029450" cy="867387"/>
-          </a:xfrm>
-          <a:prstGeom prst="rect">
-            <a:avLst/>
-          </a:prstGeom>
-          <a:noFill/>
-          <a:ln w="9525">
-            <a:noFill/>
-            <a:miter lim="800000"/>
-            <a:headEnd/>
-            <a:tailEnd/>
-          </a:ln>
-          <a:effectLst/>
-        </p:spPr>
-      </p:pic>
-      <p:pic>
-        <p:nvPicPr>
-          <p:cNvPr id="3076" name="Picture 4"/>
-          <p:cNvPicPr>
-            <a:picLocks noGrp="1" noChangeAspect="1" noChangeArrowheads="1"/>
-          </p:cNvPicPr>
-          <p:nvPr>
-            <p:ph idx="1"/>
-          </p:nvPr>
-        </p:nvPicPr>
-        <p:blipFill>
-          <a:blip r:embed="rId6"/>
-          <a:srcRect/>
-          <a:stretch>
-            <a:fillRect/>
-          </a:stretch>
-        </p:blipFill>
-        <p:spPr bwMode="auto">
-          <a:xfrm>
-            <a:off x="609600" y="3376054"/>
-            <a:ext cx="8229600" cy="1195946"/>
+            <a:off x="381000" y="2971800"/>
+            <a:ext cx="5524500" cy="2447925"/>
           </a:xfrm>
           <a:prstGeom prst="rect">
             <a:avLst/>
@@ -12149,15 +12045,36 @@
           </a:p>
         </p:txBody>
       </p:sp>
+      <p:sp>
+        <p:nvSpPr>
+          <p:cNvPr id="6" name="Footer Placeholder 5"/>
+          <p:cNvSpPr>
+            <a:spLocks noGrp="1"/>
+          </p:cNvSpPr>
+          <p:nvPr>
+            <p:ph type="ftr" sz="quarter" idx="11"/>
+          </p:nvPr>
+        </p:nvSpPr>
+        <p:spPr/>
+        <p:txBody>
+          <a:bodyPr/>
+          <a:lstStyle/>
+          <a:p>
+            <a:r>
+              <a:rPr lang="en-US" smtClean="0"/>
+              <a:t>By Eng. Ahmed Tarik</a:t>
+            </a:r>
+            <a:endParaRPr lang="en-US"/>
+          </a:p>
+        </p:txBody>
+      </p:sp>
       <p:pic>
         <p:nvPicPr>
-          <p:cNvPr id="4098" name="Picture 2"/>
+          <p:cNvPr id="1028" name="Picture 4"/>
           <p:cNvPicPr>
-            <a:picLocks noGrp="1" noChangeAspect="1" noChangeArrowheads="1"/>
+            <a:picLocks noChangeAspect="1" noChangeArrowheads="1"/>
           </p:cNvPicPr>
-          <p:nvPr>
-            <p:ph idx="1"/>
-          </p:nvPr>
+          <p:nvPr/>
         </p:nvPicPr>
         <p:blipFill>
           <a:blip r:embed="rId2"/>
@@ -12168,8 +12085,8 @@
         </p:blipFill>
         <p:spPr bwMode="auto">
           <a:xfrm>
-            <a:off x="457200" y="2209800"/>
-            <a:ext cx="8229600" cy="2696656"/>
+            <a:off x="609600" y="1466850"/>
+            <a:ext cx="5457825" cy="752475"/>
           </a:xfrm>
           <a:prstGeom prst="rect">
             <a:avLst/>
@@ -12184,29 +12101,140 @@
           <a:effectLst/>
         </p:spPr>
       </p:pic>
-      <p:sp>
-        <p:nvSpPr>
-          <p:cNvPr id="4" name="Footer Placeholder 3"/>
-          <p:cNvSpPr>
-            <a:spLocks noGrp="1"/>
-          </p:cNvSpPr>
-          <p:nvPr>
-            <p:ph type="ftr" sz="quarter" idx="11"/>
-          </p:nvPr>
-        </p:nvSpPr>
-        <p:spPr/>
-        <p:txBody>
-          <a:bodyPr/>
-          <a:lstStyle/>
-          <a:p>
-            <a:r>
-              <a:rPr lang="en-US" smtClean="0"/>
-              <a:t>By Eng. Ahmed Tarik</a:t>
-            </a:r>
-            <a:endParaRPr lang="en-US"/>
-          </a:p>
-        </p:txBody>
-      </p:sp>
+      <p:pic>
+        <p:nvPicPr>
+          <p:cNvPr id="1029" name="Picture 5"/>
+          <p:cNvPicPr>
+            <a:picLocks noChangeAspect="1" noChangeArrowheads="1"/>
+          </p:cNvPicPr>
+          <p:nvPr/>
+        </p:nvPicPr>
+        <p:blipFill>
+          <a:blip r:embed="rId3"/>
+          <a:srcRect/>
+          <a:stretch>
+            <a:fillRect/>
+          </a:stretch>
+        </p:blipFill>
+        <p:spPr bwMode="auto">
+          <a:xfrm>
+            <a:off x="609600" y="1209675"/>
+            <a:ext cx="5391150" cy="257175"/>
+          </a:xfrm>
+          <a:prstGeom prst="rect">
+            <a:avLst/>
+          </a:prstGeom>
+          <a:noFill/>
+          <a:ln w="9525">
+            <a:noFill/>
+            <a:miter lim="800000"/>
+            <a:headEnd/>
+            <a:tailEnd/>
+          </a:ln>
+          <a:effectLst/>
+        </p:spPr>
+      </p:pic>
+      <p:pic>
+        <p:nvPicPr>
+          <p:cNvPr id="1030" name="Picture 6"/>
+          <p:cNvPicPr>
+            <a:picLocks noChangeAspect="1" noChangeArrowheads="1"/>
+          </p:cNvPicPr>
+          <p:nvPr/>
+        </p:nvPicPr>
+        <p:blipFill>
+          <a:blip r:embed="rId4"/>
+          <a:srcRect/>
+          <a:stretch>
+            <a:fillRect/>
+          </a:stretch>
+        </p:blipFill>
+        <p:spPr bwMode="auto">
+          <a:xfrm>
+            <a:off x="609600" y="2428875"/>
+            <a:ext cx="6276975" cy="695325"/>
+          </a:xfrm>
+          <a:prstGeom prst="rect">
+            <a:avLst/>
+          </a:prstGeom>
+          <a:noFill/>
+          <a:ln w="9525">
+            <a:noFill/>
+            <a:miter lim="800000"/>
+            <a:headEnd/>
+            <a:tailEnd/>
+          </a:ln>
+          <a:effectLst/>
+        </p:spPr>
+      </p:pic>
+      <p:pic>
+        <p:nvPicPr>
+          <p:cNvPr id="17" name="Picture 2"/>
+          <p:cNvPicPr>
+            <a:picLocks noChangeAspect="1" noChangeArrowheads="1"/>
+          </p:cNvPicPr>
+          <p:nvPr/>
+        </p:nvPicPr>
+        <p:blipFill>
+          <a:blip r:embed="rId5"/>
+          <a:srcRect/>
+          <a:stretch>
+            <a:fillRect/>
+          </a:stretch>
+        </p:blipFill>
+        <p:spPr bwMode="auto">
+          <a:xfrm>
+            <a:off x="590550" y="4847613"/>
+            <a:ext cx="7029450" cy="867387"/>
+          </a:xfrm>
+          <a:prstGeom prst="rect">
+            <a:avLst/>
+          </a:prstGeom>
+          <a:noFill/>
+          <a:ln w="9525">
+            <a:noFill/>
+            <a:miter lim="800000"/>
+            <a:headEnd/>
+            <a:tailEnd/>
+          </a:ln>
+          <a:effectLst/>
+        </p:spPr>
+      </p:pic>
+      <p:pic>
+        <p:nvPicPr>
+          <p:cNvPr id="3076" name="Picture 4"/>
+          <p:cNvPicPr>
+            <a:picLocks noGrp="1" noChangeAspect="1" noChangeArrowheads="1"/>
+          </p:cNvPicPr>
+          <p:nvPr>
+            <p:ph idx="1"/>
+          </p:nvPr>
+        </p:nvPicPr>
+        <p:blipFill>
+          <a:blip r:embed="rId6"/>
+          <a:srcRect/>
+          <a:stretch>
+            <a:fillRect/>
+          </a:stretch>
+        </p:blipFill>
+        <p:spPr bwMode="auto">
+          <a:xfrm>
+            <a:off x="609600" y="3376054"/>
+            <a:ext cx="8229600" cy="1195946"/>
+          </a:xfrm>
+          <a:prstGeom prst="rect">
+            <a:avLst/>
+          </a:prstGeom>
+          <a:noFill/>
+          <a:ln w="9525">
+            <a:noFill/>
+            <a:miter lim="800000"/>
+            <a:headEnd/>
+            <a:tailEnd/>
+          </a:ln>
+          <a:effectLst/>
+        </p:spPr>
+      </p:pic>
     </p:spTree>
   </p:cSld>
   <p:clrMapOvr>
@@ -12251,32 +12279,69 @@
         </p:nvSpPr>
         <p:spPr>
           <a:xfrm>
-            <a:off x="457200" y="152400"/>
+            <a:off x="457200" y="76200"/>
             <a:ext cx="8229600" cy="1143000"/>
           </a:xfrm>
         </p:spPr>
         <p:txBody>
-          <a:bodyPr>
-            <a:normAutofit/>
-          </a:bodyPr>
+          <a:bodyPr/>
           <a:lstStyle/>
           <a:p>
             <a:pPr algn="l"/>
             <a:r>
-              <a:rPr lang="en-US" b="1" smtClean="0">
+              <a:rPr lang="en-US" b="1" dirty="0" smtClean="0">
                 <a:solidFill>
                   <a:srgbClr val="0070C0"/>
                 </a:solidFill>
               </a:rPr>
-              <a:t>Code</a:t>
-            </a:r>
-            <a:endParaRPr lang="ar-EG" dirty="0"/>
-          </a:p>
-        </p:txBody>
-      </p:sp>
-      <p:sp>
-        <p:nvSpPr>
-          <p:cNvPr id="5" name="Footer Placeholder 4"/>
+              <a:t>Maze Search (A star)</a:t>
+            </a:r>
+            <a:endParaRPr lang="ar-EG" b="1" dirty="0">
+              <a:solidFill>
+                <a:srgbClr val="0070C0"/>
+              </a:solidFill>
+            </a:endParaRPr>
+          </a:p>
+        </p:txBody>
+      </p:sp>
+      <p:pic>
+        <p:nvPicPr>
+          <p:cNvPr id="4098" name="Picture 2"/>
+          <p:cNvPicPr>
+            <a:picLocks noGrp="1" noChangeAspect="1" noChangeArrowheads="1"/>
+          </p:cNvPicPr>
+          <p:nvPr>
+            <p:ph idx="1"/>
+          </p:nvPr>
+        </p:nvPicPr>
+        <p:blipFill>
+          <a:blip r:embed="rId2"/>
+          <a:srcRect/>
+          <a:stretch>
+            <a:fillRect/>
+          </a:stretch>
+        </p:blipFill>
+        <p:spPr bwMode="auto">
+          <a:xfrm>
+            <a:off x="457200" y="2209800"/>
+            <a:ext cx="8229600" cy="2696656"/>
+          </a:xfrm>
+          <a:prstGeom prst="rect">
+            <a:avLst/>
+          </a:prstGeom>
+          <a:noFill/>
+          <a:ln w="9525">
+            <a:noFill/>
+            <a:miter lim="800000"/>
+            <a:headEnd/>
+            <a:tailEnd/>
+          </a:ln>
+          <a:effectLst/>
+        </p:spPr>
+      </p:pic>
+      <p:sp>
+        <p:nvSpPr>
+          <p:cNvPr id="4" name="Footer Placeholder 3"/>
           <p:cNvSpPr>
             <a:spLocks noGrp="1"/>
           </p:cNvSpPr>
@@ -12294,50 +12359,6 @@
               <a:t>By Eng. Ahmed Tarik</a:t>
             </a:r>
             <a:endParaRPr lang="en-US"/>
-          </a:p>
-        </p:txBody>
-      </p:sp>
-      <p:sp>
-        <p:nvSpPr>
-          <p:cNvPr id="6" name="Content Placeholder 5"/>
-          <p:cNvSpPr>
-            <a:spLocks noGrp="1"/>
-          </p:cNvSpPr>
-          <p:nvPr>
-            <p:ph idx="1"/>
-          </p:nvPr>
-        </p:nvSpPr>
-        <p:spPr/>
-        <p:txBody>
-          <a:bodyPr/>
-          <a:lstStyle/>
-          <a:p>
-            <a:r>
-              <a:rPr lang="en-US" dirty="0" smtClean="0"/>
-              <a:t>The complete code at</a:t>
-            </a:r>
-          </a:p>
-          <a:p>
-            <a:pPr lvl="1"/>
-            <a:r>
-              <a:rPr lang="en-US" dirty="0" smtClean="0">
-                <a:hlinkClick r:id="rId2"/>
-              </a:rPr>
-              <a:t>https://github.com/ahmed-elhelow/AI-class</a:t>
-            </a:r>
-            <a:endParaRPr lang="en-US" dirty="0" smtClean="0"/>
-          </a:p>
-          <a:p>
-            <a:r>
-              <a:rPr lang="en-US" dirty="0" smtClean="0"/>
-              <a:t>E-mail: </a:t>
-            </a:r>
-            <a:r>
-              <a:rPr lang="en-US" sz="2800" dirty="0" smtClean="0">
-                <a:hlinkClick r:id="rId2"/>
-              </a:rPr>
-              <a:t>Ahmed.elhelow@90daraga.com</a:t>
-            </a:r>
           </a:p>
         </p:txBody>
       </p:sp>
@@ -12489,6 +12510,140 @@
               <a:t>By Eng. Ahmed Tarik</a:t>
             </a:r>
             <a:endParaRPr lang="en-US"/>
+          </a:p>
+        </p:txBody>
+      </p:sp>
+    </p:spTree>
+  </p:cSld>
+  <p:clrMapOvr>
+    <a:masterClrMapping/>
+  </p:clrMapOvr>
+  <p:timing>
+    <p:tnLst>
+      <p:par>
+        <p:cTn id="1" dur="indefinite" restart="never" nodeType="tmRoot"/>
+      </p:par>
+    </p:tnLst>
+  </p:timing>
+</p:sld>
+</file>
+
+<file path=ppt/slides/slide40.xml><?xml version="1.0" encoding="utf-8"?>
+<p:sld xmlns:a="http://schemas.openxmlformats.org/drawingml/2006/main" xmlns:r="http://schemas.openxmlformats.org/officeDocument/2006/relationships" xmlns:p="http://schemas.openxmlformats.org/presentationml/2006/main">
+  <p:cSld>
+    <p:spTree>
+      <p:nvGrpSpPr>
+        <p:cNvPr id="1" name=""/>
+        <p:cNvGrpSpPr/>
+        <p:nvPr/>
+      </p:nvGrpSpPr>
+      <p:grpSpPr>
+        <a:xfrm>
+          <a:off x="0" y="0"/>
+          <a:ext cx="0" cy="0"/>
+          <a:chOff x="0" y="0"/>
+          <a:chExt cx="0" cy="0"/>
+        </a:xfrm>
+      </p:grpSpPr>
+      <p:sp>
+        <p:nvSpPr>
+          <p:cNvPr id="2" name="Title 1"/>
+          <p:cNvSpPr>
+            <a:spLocks noGrp="1"/>
+          </p:cNvSpPr>
+          <p:nvPr>
+            <p:ph type="title"/>
+          </p:nvPr>
+        </p:nvSpPr>
+        <p:spPr>
+          <a:xfrm>
+            <a:off x="457200" y="152400"/>
+            <a:ext cx="8229600" cy="1143000"/>
+          </a:xfrm>
+        </p:spPr>
+        <p:txBody>
+          <a:bodyPr>
+            <a:normAutofit/>
+          </a:bodyPr>
+          <a:lstStyle/>
+          <a:p>
+            <a:pPr algn="l"/>
+            <a:r>
+              <a:rPr lang="en-US" b="1" smtClean="0">
+                <a:solidFill>
+                  <a:srgbClr val="0070C0"/>
+                </a:solidFill>
+              </a:rPr>
+              <a:t>Code</a:t>
+            </a:r>
+            <a:endParaRPr lang="ar-EG" dirty="0"/>
+          </a:p>
+        </p:txBody>
+      </p:sp>
+      <p:sp>
+        <p:nvSpPr>
+          <p:cNvPr id="5" name="Footer Placeholder 4"/>
+          <p:cNvSpPr>
+            <a:spLocks noGrp="1"/>
+          </p:cNvSpPr>
+          <p:nvPr>
+            <p:ph type="ftr" sz="quarter" idx="11"/>
+          </p:nvPr>
+        </p:nvSpPr>
+        <p:spPr/>
+        <p:txBody>
+          <a:bodyPr/>
+          <a:lstStyle/>
+          <a:p>
+            <a:r>
+              <a:rPr lang="en-US" smtClean="0"/>
+              <a:t>By Eng. Ahmed Tarik</a:t>
+            </a:r>
+            <a:endParaRPr lang="en-US"/>
+          </a:p>
+        </p:txBody>
+      </p:sp>
+      <p:sp>
+        <p:nvSpPr>
+          <p:cNvPr id="6" name="Content Placeholder 5"/>
+          <p:cNvSpPr>
+            <a:spLocks noGrp="1"/>
+          </p:cNvSpPr>
+          <p:nvPr>
+            <p:ph idx="1"/>
+          </p:nvPr>
+        </p:nvSpPr>
+        <p:spPr/>
+        <p:txBody>
+          <a:bodyPr/>
+          <a:lstStyle/>
+          <a:p>
+            <a:r>
+              <a:rPr lang="en-US" dirty="0" smtClean="0"/>
+              <a:t>The complete code at</a:t>
+            </a:r>
+          </a:p>
+          <a:p>
+            <a:pPr lvl="1"/>
+            <a:r>
+              <a:rPr lang="en-US" dirty="0" smtClean="0">
+                <a:hlinkClick r:id="rId2"/>
+              </a:rPr>
+              <a:t>https://github.com/ahmed-elhelow/AI-class</a:t>
+            </a:r>
+            <a:endParaRPr lang="en-US" dirty="0" smtClean="0"/>
+          </a:p>
+          <a:p>
+            <a:r>
+              <a:rPr lang="en-US" dirty="0" smtClean="0"/>
+              <a:t>E-mail: </a:t>
+            </a:r>
+            <a:r>
+              <a:rPr lang="en-US" sz="2800" dirty="0" smtClean="0">
+                <a:hlinkClick r:id="rId2"/>
+              </a:rPr>
+              <a:t>Ahmed.elhelow@90daraga.com</a:t>
+            </a:r>
           </a:p>
         </p:txBody>
       </p:sp>

--- a/a-star-I.pptx
+++ b/a-star-I.pptx
@@ -5,7 +5,7 @@
     <p:sldMasterId id="2147483648" r:id="rId1"/>
   </p:sldMasterIdLst>
   <p:notesMasterIdLst>
-    <p:notesMasterId r:id="rId42"/>
+    <p:notesMasterId r:id="rId35"/>
   </p:notesMasterIdLst>
   <p:sldIdLst>
     <p:sldId id="398" r:id="rId2"/>
@@ -29,25 +29,18 @@
     <p:sldId id="384" r:id="rId20"/>
     <p:sldId id="385" r:id="rId21"/>
     <p:sldId id="413" r:id="rId22"/>
-    <p:sldId id="409" r:id="rId23"/>
-    <p:sldId id="386" r:id="rId24"/>
-    <p:sldId id="387" r:id="rId25"/>
-    <p:sldId id="388" r:id="rId26"/>
-    <p:sldId id="389" r:id="rId27"/>
-    <p:sldId id="390" r:id="rId28"/>
-    <p:sldId id="391" r:id="rId29"/>
-    <p:sldId id="392" r:id="rId30"/>
-    <p:sldId id="396" r:id="rId31"/>
-    <p:sldId id="400" r:id="rId32"/>
-    <p:sldId id="401" r:id="rId33"/>
-    <p:sldId id="402" r:id="rId34"/>
-    <p:sldId id="403" r:id="rId35"/>
-    <p:sldId id="404" r:id="rId36"/>
-    <p:sldId id="405" r:id="rId37"/>
-    <p:sldId id="406" r:id="rId38"/>
-    <p:sldId id="407" r:id="rId39"/>
-    <p:sldId id="408" r:id="rId40"/>
-    <p:sldId id="397" r:id="rId41"/>
+    <p:sldId id="414" r:id="rId23"/>
+    <p:sldId id="415" r:id="rId24"/>
+    <p:sldId id="409" r:id="rId25"/>
+    <p:sldId id="386" r:id="rId26"/>
+    <p:sldId id="387" r:id="rId27"/>
+    <p:sldId id="388" r:id="rId28"/>
+    <p:sldId id="389" r:id="rId29"/>
+    <p:sldId id="390" r:id="rId30"/>
+    <p:sldId id="391" r:id="rId31"/>
+    <p:sldId id="392" r:id="rId32"/>
+    <p:sldId id="396" r:id="rId33"/>
+    <p:sldId id="397" r:id="rId34"/>
   </p:sldIdLst>
   <p:sldSz cx="9144000" cy="6858000" type="screen4x3"/>
   <p:notesSz cx="6858000" cy="9144000"/>
@@ -232,7 +225,7 @@
             <a:fld id="{6D5D1359-5E8F-4BE2-BDF3-05C1E1401B85}" type="datetimeFigureOut">
               <a:rPr lang="ar-EG" smtClean="0"/>
               <a:pPr/>
-              <a:t>09/02/1436</a:t>
+              <a:t>16/02/1436</a:t>
             </a:fld>
             <a:endParaRPr lang="ar-EG"/>
           </a:p>
@@ -926,7 +919,7 @@
             <a:fld id="{B2461A4F-3F16-4B98-8DD4-CE552975C00B}" type="datetime1">
               <a:rPr lang="en-US" smtClean="0"/>
               <a:pPr/>
-              <a:t>12/1/2014</a:t>
+              <a:t>12/8/2014</a:t>
             </a:fld>
             <a:endParaRPr lang="en-US"/>
           </a:p>
@@ -1109,7 +1102,7 @@
             <a:fld id="{90D9AD9D-A0E6-4F9C-8994-20B1C86FAF71}" type="datetime1">
               <a:rPr lang="en-US" smtClean="0"/>
               <a:pPr/>
-              <a:t>12/1/2014</a:t>
+              <a:t>12/8/2014</a:t>
             </a:fld>
             <a:endParaRPr lang="en-US"/>
           </a:p>
@@ -1290,7 +1283,7 @@
             <a:fld id="{C35D1103-E412-4008-9E94-036752CB0EE4}" type="datetime1">
               <a:rPr lang="en-US" smtClean="0"/>
               <a:pPr/>
-              <a:t>12/1/2014</a:t>
+              <a:t>12/8/2014</a:t>
             </a:fld>
             <a:endParaRPr lang="en-US"/>
           </a:p>
@@ -1461,7 +1454,7 @@
             <a:fld id="{4DAD29B3-DC82-44E6-A2B4-8E206C5D0D2C}" type="datetime1">
               <a:rPr lang="en-US" smtClean="0"/>
               <a:pPr/>
-              <a:t>12/1/2014</a:t>
+              <a:t>12/8/2014</a:t>
             </a:fld>
             <a:endParaRPr lang="en-US"/>
           </a:p>
@@ -1720,7 +1713,7 @@
             <a:fld id="{3ECA0F9D-4736-471E-9411-3947C4BB3F75}" type="datetime1">
               <a:rPr lang="en-US" smtClean="0"/>
               <a:pPr/>
-              <a:t>12/1/2014</a:t>
+              <a:t>12/8/2014</a:t>
             </a:fld>
             <a:endParaRPr lang="en-US"/>
           </a:p>
@@ -2009,7 +2002,7 @@
             <a:fld id="{8D7B88A1-1B68-4F0C-A1DB-C8C4D1909822}" type="datetime1">
               <a:rPr lang="en-US" smtClean="0"/>
               <a:pPr/>
-              <a:t>12/1/2014</a:t>
+              <a:t>12/8/2014</a:t>
             </a:fld>
             <a:endParaRPr lang="en-US"/>
           </a:p>
@@ -2432,7 +2425,7 @@
             <a:fld id="{6549B400-F429-4D47-BB52-FB53EDF89FA6}" type="datetime1">
               <a:rPr lang="en-US" smtClean="0"/>
               <a:pPr/>
-              <a:t>12/1/2014</a:t>
+              <a:t>12/8/2014</a:t>
             </a:fld>
             <a:endParaRPr lang="en-US"/>
           </a:p>
@@ -2551,7 +2544,7 @@
             <a:fld id="{5549DB19-2CC7-43F6-BD49-A15F3F5C5267}" type="datetime1">
               <a:rPr lang="en-US" smtClean="0"/>
               <a:pPr/>
-              <a:t>12/1/2014</a:t>
+              <a:t>12/8/2014</a:t>
             </a:fld>
             <a:endParaRPr lang="en-US"/>
           </a:p>
@@ -2647,7 +2640,7 @@
             <a:fld id="{D326D750-7864-4F36-BCCD-4BF29D5AA81B}" type="datetime1">
               <a:rPr lang="en-US" smtClean="0"/>
               <a:pPr/>
-              <a:t>12/1/2014</a:t>
+              <a:t>12/8/2014</a:t>
             </a:fld>
             <a:endParaRPr lang="en-US"/>
           </a:p>
@@ -2925,7 +2918,7 @@
             <a:fld id="{1325984C-D88E-469F-B887-0E56CCDB830F}" type="datetime1">
               <a:rPr lang="en-US" smtClean="0"/>
               <a:pPr/>
-              <a:t>12/1/2014</a:t>
+              <a:t>12/8/2014</a:t>
             </a:fld>
             <a:endParaRPr lang="en-US"/>
           </a:p>
@@ -3179,7 +3172,7 @@
             <a:fld id="{BBF8FBD5-6D64-4397-98D3-72013A157CFB}" type="datetime1">
               <a:rPr lang="en-US" smtClean="0"/>
               <a:pPr/>
-              <a:t>12/1/2014</a:t>
+              <a:t>12/8/2014</a:t>
             </a:fld>
             <a:endParaRPr lang="en-US"/>
           </a:p>
@@ -3393,7 +3386,7 @@
             <a:fld id="{873448E6-D844-480B-8AFA-BA19FFAB1E69}" type="datetime1">
               <a:rPr lang="en-US" smtClean="0"/>
               <a:pPr/>
-              <a:t>12/1/2014</a:t>
+              <a:t>12/8/2014</a:t>
             </a:fld>
             <a:endParaRPr lang="en-US"/>
           </a:p>
@@ -7155,6 +7148,545 @@
                   <a:srgbClr val="0070C0"/>
                 </a:solidFill>
               </a:rPr>
+              <a:t>Python (key=lambda)</a:t>
+            </a:r>
+            <a:endParaRPr lang="ar-EG" b="1" dirty="0">
+              <a:solidFill>
+                <a:srgbClr val="0070C0"/>
+              </a:solidFill>
+            </a:endParaRPr>
+          </a:p>
+        </p:txBody>
+      </p:sp>
+      <p:sp>
+        <p:nvSpPr>
+          <p:cNvPr id="6" name="Content Placeholder 5"/>
+          <p:cNvSpPr>
+            <a:spLocks noGrp="1"/>
+          </p:cNvSpPr>
+          <p:nvPr>
+            <p:ph idx="1"/>
+          </p:nvPr>
+        </p:nvSpPr>
+        <p:spPr>
+          <a:xfrm>
+            <a:off x="533400" y="1219200"/>
+            <a:ext cx="7696200" cy="2362200"/>
+          </a:xfrm>
+        </p:spPr>
+        <p:txBody>
+          <a:bodyPr>
+            <a:noAutofit/>
+          </a:bodyPr>
+          <a:lstStyle/>
+          <a:p>
+            <a:pPr>
+              <a:buNone/>
+            </a:pPr>
+            <a:r>
+              <a:rPr lang="en-US" sz="2400" dirty="0" smtClean="0"/>
+              <a:t>&gt;&gt;&gt; </a:t>
+            </a:r>
+            <a:r>
+              <a:rPr lang="en-US" sz="2400" dirty="0" err="1" smtClean="0"/>
+              <a:t>new_Grid</a:t>
+            </a:r>
+            <a:r>
+              <a:rPr lang="en-US" sz="2400" dirty="0" smtClean="0"/>
+              <a:t> = Grid</a:t>
+            </a:r>
+          </a:p>
+          <a:p>
+            <a:pPr>
+              <a:buNone/>
+            </a:pPr>
+            <a:r>
+              <a:rPr lang="en-US" sz="2400" dirty="0" smtClean="0"/>
+              <a:t>&gt;&gt;&gt; </a:t>
+            </a:r>
+            <a:r>
+              <a:rPr lang="en-US" sz="2400" dirty="0" err="1" smtClean="0"/>
+              <a:t>legal_for_all</a:t>
+            </a:r>
+            <a:r>
+              <a:rPr lang="en-US" sz="2400" dirty="0" smtClean="0"/>
+              <a:t> = </a:t>
+            </a:r>
+            <a:r>
+              <a:rPr lang="en-US" sz="2400" dirty="0" err="1" smtClean="0"/>
+              <a:t>get_legal_for_all</a:t>
+            </a:r>
+            <a:r>
+              <a:rPr lang="en-US" sz="2400" dirty="0" smtClean="0"/>
+              <a:t>(</a:t>
+            </a:r>
+            <a:r>
+              <a:rPr lang="en-US" sz="2400" dirty="0" err="1" smtClean="0"/>
+              <a:t>new_Grid</a:t>
+            </a:r>
+            <a:r>
+              <a:rPr lang="en-US" sz="2400" dirty="0" smtClean="0"/>
+              <a:t>)</a:t>
+            </a:r>
+          </a:p>
+          <a:p>
+            <a:pPr>
+              <a:buNone/>
+            </a:pPr>
+            <a:r>
+              <a:rPr lang="en-US" sz="2400" dirty="0" smtClean="0"/>
+              <a:t>&gt;&gt;&gt; print min(</a:t>
+            </a:r>
+            <a:r>
+              <a:rPr lang="en-US" sz="2400" dirty="0" err="1" smtClean="0"/>
+              <a:t>legal_for_all</a:t>
+            </a:r>
+            <a:r>
+              <a:rPr lang="en-US" sz="2400" dirty="0" smtClean="0"/>
+              <a:t>, key=lambda p:len(</a:t>
+            </a:r>
+            <a:r>
+              <a:rPr lang="en-US" sz="2400" dirty="0" err="1" smtClean="0"/>
+              <a:t>legal_for_all</a:t>
+            </a:r>
+            <a:r>
+              <a:rPr lang="en-US" sz="2400" dirty="0" smtClean="0"/>
+              <a:t>[p]))</a:t>
+            </a:r>
+          </a:p>
+          <a:p>
+            <a:pPr>
+              <a:buNone/>
+            </a:pPr>
+            <a:r>
+              <a:rPr lang="en-US" sz="2400" dirty="0" smtClean="0"/>
+              <a:t>(0, 7)</a:t>
+            </a:r>
+            <a:endParaRPr lang="ar-EG" sz="2400" dirty="0"/>
+          </a:p>
+        </p:txBody>
+      </p:sp>
+      <p:sp>
+        <p:nvSpPr>
+          <p:cNvPr id="7" name="Footer Placeholder 6"/>
+          <p:cNvSpPr>
+            <a:spLocks noGrp="1"/>
+          </p:cNvSpPr>
+          <p:nvPr>
+            <p:ph type="ftr" sz="quarter" idx="11"/>
+          </p:nvPr>
+        </p:nvSpPr>
+        <p:spPr/>
+        <p:txBody>
+          <a:bodyPr/>
+          <a:lstStyle/>
+          <a:p>
+            <a:r>
+              <a:rPr lang="en-US" smtClean="0"/>
+              <a:t>By Eng. Ahmed Tarik</a:t>
+            </a:r>
+            <a:endParaRPr lang="en-US"/>
+          </a:p>
+        </p:txBody>
+      </p:sp>
+      <p:pic>
+        <p:nvPicPr>
+          <p:cNvPr id="3" name="Picture 2"/>
+          <p:cNvPicPr>
+            <a:picLocks noChangeAspect="1" noChangeArrowheads="1"/>
+          </p:cNvPicPr>
+          <p:nvPr/>
+        </p:nvPicPr>
+        <p:blipFill>
+          <a:blip r:embed="rId2"/>
+          <a:srcRect/>
+          <a:stretch>
+            <a:fillRect/>
+          </a:stretch>
+        </p:blipFill>
+        <p:spPr bwMode="auto">
+          <a:xfrm>
+            <a:off x="304800" y="3657600"/>
+            <a:ext cx="8534400" cy="729108"/>
+          </a:xfrm>
+          <a:prstGeom prst="rect">
+            <a:avLst/>
+          </a:prstGeom>
+          <a:noFill/>
+          <a:ln w="9525">
+            <a:noFill/>
+            <a:miter lim="800000"/>
+            <a:headEnd/>
+            <a:tailEnd/>
+          </a:ln>
+          <a:effectLst/>
+        </p:spPr>
+      </p:pic>
+    </p:spTree>
+  </p:cSld>
+  <p:clrMapOvr>
+    <a:masterClrMapping/>
+  </p:clrMapOvr>
+  <p:timing>
+    <p:tnLst>
+      <p:par>
+        <p:cTn id="1" dur="indefinite" restart="never" nodeType="tmRoot"/>
+      </p:par>
+    </p:tnLst>
+  </p:timing>
+</p:sld>
+</file>
+
+<file path=ppt/slides/slide23.xml><?xml version="1.0" encoding="utf-8"?>
+<p:sld xmlns:a="http://schemas.openxmlformats.org/drawingml/2006/main" xmlns:r="http://schemas.openxmlformats.org/officeDocument/2006/relationships" xmlns:p="http://schemas.openxmlformats.org/presentationml/2006/main">
+  <p:cSld>
+    <p:spTree>
+      <p:nvGrpSpPr>
+        <p:cNvPr id="1" name=""/>
+        <p:cNvGrpSpPr/>
+        <p:nvPr/>
+      </p:nvGrpSpPr>
+      <p:grpSpPr>
+        <a:xfrm>
+          <a:off x="0" y="0"/>
+          <a:ext cx="0" cy="0"/>
+          <a:chOff x="0" y="0"/>
+          <a:chExt cx="0" cy="0"/>
+        </a:xfrm>
+      </p:grpSpPr>
+      <p:sp>
+        <p:nvSpPr>
+          <p:cNvPr id="2" name="Title 1"/>
+          <p:cNvSpPr>
+            <a:spLocks noGrp="1"/>
+          </p:cNvSpPr>
+          <p:nvPr>
+            <p:ph type="title"/>
+          </p:nvPr>
+        </p:nvSpPr>
+        <p:spPr>
+          <a:xfrm>
+            <a:off x="457200" y="76200"/>
+            <a:ext cx="8229600" cy="1143000"/>
+          </a:xfrm>
+        </p:spPr>
+        <p:txBody>
+          <a:bodyPr/>
+          <a:lstStyle/>
+          <a:p>
+            <a:pPr algn="l"/>
+            <a:r>
+              <a:rPr lang="en-US" b="1" dirty="0" smtClean="0">
+                <a:solidFill>
+                  <a:srgbClr val="0070C0"/>
+                </a:solidFill>
+              </a:rPr>
+              <a:t>Python (key=lambda)</a:t>
+            </a:r>
+            <a:endParaRPr lang="ar-EG" b="1" dirty="0">
+              <a:solidFill>
+                <a:srgbClr val="0070C0"/>
+              </a:solidFill>
+            </a:endParaRPr>
+          </a:p>
+        </p:txBody>
+      </p:sp>
+      <p:sp>
+        <p:nvSpPr>
+          <p:cNvPr id="6" name="Content Placeholder 5"/>
+          <p:cNvSpPr>
+            <a:spLocks noGrp="1"/>
+          </p:cNvSpPr>
+          <p:nvPr>
+            <p:ph idx="1"/>
+          </p:nvPr>
+        </p:nvSpPr>
+        <p:spPr>
+          <a:xfrm>
+            <a:off x="533400" y="1219200"/>
+            <a:ext cx="7696200" cy="3657600"/>
+          </a:xfrm>
+        </p:spPr>
+        <p:txBody>
+          <a:bodyPr>
+            <a:noAutofit/>
+          </a:bodyPr>
+          <a:lstStyle/>
+          <a:p>
+            <a:pPr>
+              <a:buNone/>
+            </a:pPr>
+            <a:r>
+              <a:rPr lang="en-US" sz="2400" dirty="0" smtClean="0"/>
+              <a:t>&gt;&gt;&gt; </a:t>
+            </a:r>
+            <a:r>
+              <a:rPr lang="en-US" sz="2400" dirty="0" err="1" smtClean="0"/>
+              <a:t>new_Grid</a:t>
+            </a:r>
+            <a:r>
+              <a:rPr lang="en-US" sz="2400" dirty="0" smtClean="0"/>
+              <a:t> = Grid</a:t>
+            </a:r>
+          </a:p>
+          <a:p>
+            <a:pPr>
+              <a:buNone/>
+            </a:pPr>
+            <a:r>
+              <a:rPr lang="en-US" sz="2400" dirty="0" smtClean="0"/>
+              <a:t>&gt;&gt;&gt; </a:t>
+            </a:r>
+            <a:r>
+              <a:rPr lang="en-US" sz="2400" dirty="0" err="1" smtClean="0"/>
+              <a:t>legal_for_all</a:t>
+            </a:r>
+            <a:r>
+              <a:rPr lang="en-US" sz="2400" dirty="0" smtClean="0"/>
+              <a:t> = </a:t>
+            </a:r>
+            <a:r>
+              <a:rPr lang="en-US" sz="2400" dirty="0" err="1" smtClean="0"/>
+              <a:t>get_legal_for_all</a:t>
+            </a:r>
+            <a:r>
+              <a:rPr lang="en-US" sz="2400" dirty="0" smtClean="0"/>
+              <a:t>(</a:t>
+            </a:r>
+            <a:r>
+              <a:rPr lang="en-US" sz="2400" dirty="0" err="1" smtClean="0"/>
+              <a:t>new_Grid</a:t>
+            </a:r>
+            <a:r>
+              <a:rPr lang="en-US" sz="2400" dirty="0" smtClean="0"/>
+              <a:t>)</a:t>
+            </a:r>
+          </a:p>
+          <a:p>
+            <a:pPr>
+              <a:buNone/>
+            </a:pPr>
+            <a:r>
+              <a:rPr lang="en-US" sz="2400" dirty="0" smtClean="0"/>
+              <a:t>&gt;&gt;&gt; key = </a:t>
+            </a:r>
+            <a:r>
+              <a:rPr lang="en-US" sz="2400" dirty="0" err="1" smtClean="0"/>
+              <a:t>legal_for_all.keys</a:t>
+            </a:r>
+            <a:r>
+              <a:rPr lang="en-US" sz="2400" dirty="0" smtClean="0"/>
+              <a:t>()[0]</a:t>
+            </a:r>
+          </a:p>
+          <a:p>
+            <a:pPr>
+              <a:buNone/>
+            </a:pPr>
+            <a:r>
+              <a:rPr lang="en-US" sz="2400" dirty="0" smtClean="0"/>
+              <a:t>&gt;&gt;&gt; for k in </a:t>
+            </a:r>
+            <a:r>
+              <a:rPr lang="en-US" sz="2400" dirty="0" err="1" smtClean="0"/>
+              <a:t>legal_for_all</a:t>
+            </a:r>
+            <a:r>
+              <a:rPr lang="en-US" sz="2400" dirty="0" smtClean="0"/>
+              <a:t>:</a:t>
+            </a:r>
+          </a:p>
+          <a:p>
+            <a:pPr>
+              <a:buNone/>
+            </a:pPr>
+            <a:r>
+              <a:rPr lang="en-US" sz="2400" dirty="0" smtClean="0"/>
+              <a:t>	if </a:t>
+            </a:r>
+            <a:r>
+              <a:rPr lang="en-US" sz="2400" dirty="0" err="1" smtClean="0"/>
+              <a:t>len</a:t>
+            </a:r>
+            <a:r>
+              <a:rPr lang="en-US" sz="2400" dirty="0" smtClean="0"/>
+              <a:t>(</a:t>
+            </a:r>
+            <a:r>
+              <a:rPr lang="en-US" sz="2400" dirty="0" err="1" smtClean="0"/>
+              <a:t>legal_for_all</a:t>
+            </a:r>
+            <a:r>
+              <a:rPr lang="en-US" sz="2400" dirty="0" smtClean="0"/>
+              <a:t>[k]) &lt; </a:t>
+            </a:r>
+            <a:r>
+              <a:rPr lang="en-US" sz="2400" dirty="0" err="1" smtClean="0"/>
+              <a:t>len</a:t>
+            </a:r>
+            <a:r>
+              <a:rPr lang="en-US" sz="2400" dirty="0" smtClean="0"/>
+              <a:t>(</a:t>
+            </a:r>
+            <a:r>
+              <a:rPr lang="en-US" sz="2400" dirty="0" err="1" smtClean="0"/>
+              <a:t>legal_for_all</a:t>
+            </a:r>
+            <a:r>
+              <a:rPr lang="en-US" sz="2400" dirty="0" smtClean="0"/>
+              <a:t>[key]):</a:t>
+            </a:r>
+          </a:p>
+          <a:p>
+            <a:pPr>
+              <a:buNone/>
+            </a:pPr>
+            <a:r>
+              <a:rPr lang="en-US" sz="2400" dirty="0" smtClean="0"/>
+              <a:t>		</a:t>
+            </a:r>
+            <a:r>
+              <a:rPr lang="en-US" sz="2400" dirty="0" smtClean="0"/>
+              <a:t>key=k</a:t>
+            </a:r>
+            <a:endParaRPr lang="en-US" sz="2400" dirty="0" smtClean="0"/>
+          </a:p>
+          <a:p>
+            <a:pPr>
+              <a:buNone/>
+            </a:pPr>
+            <a:r>
+              <a:rPr lang="en-US" sz="2400" dirty="0" smtClean="0"/>
+              <a:t>&gt;&gt;&gt; print key</a:t>
+            </a:r>
+          </a:p>
+          <a:p>
+            <a:pPr>
+              <a:buNone/>
+            </a:pPr>
+            <a:r>
+              <a:rPr lang="en-US" sz="2400" dirty="0" smtClean="0"/>
+              <a:t>(0, 7)</a:t>
+            </a:r>
+            <a:endParaRPr lang="ar-EG" sz="2400" dirty="0"/>
+          </a:p>
+        </p:txBody>
+      </p:sp>
+      <p:sp>
+        <p:nvSpPr>
+          <p:cNvPr id="7" name="Footer Placeholder 6"/>
+          <p:cNvSpPr>
+            <a:spLocks noGrp="1"/>
+          </p:cNvSpPr>
+          <p:nvPr>
+            <p:ph type="ftr" sz="quarter" idx="11"/>
+          </p:nvPr>
+        </p:nvSpPr>
+        <p:spPr/>
+        <p:txBody>
+          <a:bodyPr/>
+          <a:lstStyle/>
+          <a:p>
+            <a:r>
+              <a:rPr lang="en-US" smtClean="0"/>
+              <a:t>By Eng. Ahmed Tarik</a:t>
+            </a:r>
+            <a:endParaRPr lang="en-US"/>
+          </a:p>
+        </p:txBody>
+      </p:sp>
+      <p:pic>
+        <p:nvPicPr>
+          <p:cNvPr id="2050" name="Picture 2"/>
+          <p:cNvPicPr>
+            <a:picLocks noChangeAspect="1" noChangeArrowheads="1"/>
+          </p:cNvPicPr>
+          <p:nvPr/>
+        </p:nvPicPr>
+        <p:blipFill>
+          <a:blip r:embed="rId2"/>
+          <a:srcRect/>
+          <a:stretch>
+            <a:fillRect/>
+          </a:stretch>
+        </p:blipFill>
+        <p:spPr bwMode="auto">
+          <a:xfrm>
+            <a:off x="228600" y="4953000"/>
+            <a:ext cx="8686799" cy="1119211"/>
+          </a:xfrm>
+          <a:prstGeom prst="rect">
+            <a:avLst/>
+          </a:prstGeom>
+          <a:noFill/>
+          <a:ln w="9525">
+            <a:noFill/>
+            <a:miter lim="800000"/>
+            <a:headEnd/>
+            <a:tailEnd/>
+          </a:ln>
+          <a:effectLst/>
+        </p:spPr>
+      </p:pic>
+    </p:spTree>
+  </p:cSld>
+  <p:clrMapOvr>
+    <a:masterClrMapping/>
+  </p:clrMapOvr>
+  <p:timing>
+    <p:tnLst>
+      <p:par>
+        <p:cTn id="1" dur="indefinite" restart="never" nodeType="tmRoot"/>
+      </p:par>
+    </p:tnLst>
+  </p:timing>
+</p:sld>
+</file>
+
+<file path=ppt/slides/slide24.xml><?xml version="1.0" encoding="utf-8"?>
+<p:sld xmlns:a="http://schemas.openxmlformats.org/drawingml/2006/main" xmlns:r="http://schemas.openxmlformats.org/officeDocument/2006/relationships" xmlns:p="http://schemas.openxmlformats.org/presentationml/2006/main">
+  <p:cSld>
+    <p:spTree>
+      <p:nvGrpSpPr>
+        <p:cNvPr id="1" name=""/>
+        <p:cNvGrpSpPr/>
+        <p:nvPr/>
+      </p:nvGrpSpPr>
+      <p:grpSpPr>
+        <a:xfrm>
+          <a:off x="0" y="0"/>
+          <a:ext cx="0" cy="0"/>
+          <a:chOff x="0" y="0"/>
+          <a:chExt cx="0" cy="0"/>
+        </a:xfrm>
+      </p:grpSpPr>
+      <p:sp>
+        <p:nvSpPr>
+          <p:cNvPr id="2" name="Title 1"/>
+          <p:cNvSpPr>
+            <a:spLocks noGrp="1"/>
+          </p:cNvSpPr>
+          <p:nvPr>
+            <p:ph type="title"/>
+          </p:nvPr>
+        </p:nvSpPr>
+        <p:spPr>
+          <a:xfrm>
+            <a:off x="457200" y="76200"/>
+            <a:ext cx="8229600" cy="1143000"/>
+          </a:xfrm>
+        </p:spPr>
+        <p:txBody>
+          <a:bodyPr/>
+          <a:lstStyle/>
+          <a:p>
+            <a:pPr algn="l"/>
+            <a:r>
+              <a:rPr lang="en-US" b="1" dirty="0" smtClean="0">
+                <a:solidFill>
+                  <a:srgbClr val="0070C0"/>
+                </a:solidFill>
+              </a:rPr>
               <a:t>A star (Sudoku game)</a:t>
             </a:r>
             <a:endParaRPr lang="ar-EG" b="1" dirty="0">
@@ -7374,7 +7906,7 @@
 </p:sld>
 </file>
 
-<file path=ppt/slides/slide23.xml><?xml version="1.0" encoding="utf-8"?>
+<file path=ppt/slides/slide25.xml><?xml version="1.0" encoding="utf-8"?>
 <p:sld xmlns:a="http://schemas.openxmlformats.org/drawingml/2006/main" xmlns:r="http://schemas.openxmlformats.org/officeDocument/2006/relationships" xmlns:p="http://schemas.openxmlformats.org/presentationml/2006/main">
   <p:cSld>
     <p:spTree>
@@ -7639,7 +8171,7 @@
 </p:sld>
 </file>
 
-<file path=ppt/slides/slide24.xml><?xml version="1.0" encoding="utf-8"?>
+<file path=ppt/slides/slide26.xml><?xml version="1.0" encoding="utf-8"?>
 <p:sld xmlns:a="http://schemas.openxmlformats.org/drawingml/2006/main" xmlns:r="http://schemas.openxmlformats.org/officeDocument/2006/relationships" xmlns:p="http://schemas.openxmlformats.org/presentationml/2006/main">
   <p:cSld>
     <p:spTree>
@@ -8074,7 +8606,7 @@
 </p:sld>
 </file>
 
-<file path=ppt/slides/slide25.xml><?xml version="1.0" encoding="utf-8"?>
+<file path=ppt/slides/slide27.xml><?xml version="1.0" encoding="utf-8"?>
 <p:sld xmlns:a="http://schemas.openxmlformats.org/drawingml/2006/main" xmlns:r="http://schemas.openxmlformats.org/officeDocument/2006/relationships" xmlns:p="http://schemas.openxmlformats.org/presentationml/2006/main">
   <p:cSld>
     <p:spTree>
@@ -8552,7 +9084,7 @@
 </p:sld>
 </file>
 
-<file path=ppt/slides/slide26.xml><?xml version="1.0" encoding="utf-8"?>
+<file path=ppt/slides/slide28.xml><?xml version="1.0" encoding="utf-8"?>
 <p:sld xmlns:a="http://schemas.openxmlformats.org/drawingml/2006/main" xmlns:r="http://schemas.openxmlformats.org/officeDocument/2006/relationships" xmlns:p="http://schemas.openxmlformats.org/presentationml/2006/main">
   <p:cSld>
     <p:spTree>
@@ -8925,7 +9457,7 @@
 </p:sld>
 </file>
 
-<file path=ppt/slides/slide27.xml><?xml version="1.0" encoding="utf-8"?>
+<file path=ppt/slides/slide29.xml><?xml version="1.0" encoding="utf-8"?>
 <p:sld xmlns:a="http://schemas.openxmlformats.org/drawingml/2006/main" xmlns:r="http://schemas.openxmlformats.org/officeDocument/2006/relationships" xmlns:p="http://schemas.openxmlformats.org/presentationml/2006/main">
   <p:cSld>
     <p:spTree>
@@ -9538,7 +10070,170 @@
 </p:sld>
 </file>
 
-<file path=ppt/slides/slide28.xml><?xml version="1.0" encoding="utf-8"?>
+<file path=ppt/slides/slide3.xml><?xml version="1.0" encoding="utf-8"?>
+<p:sld xmlns:a="http://schemas.openxmlformats.org/drawingml/2006/main" xmlns:r="http://schemas.openxmlformats.org/officeDocument/2006/relationships" xmlns:p="http://schemas.openxmlformats.org/presentationml/2006/main">
+  <p:cSld>
+    <p:spTree>
+      <p:nvGrpSpPr>
+        <p:cNvPr id="1" name=""/>
+        <p:cNvGrpSpPr/>
+        <p:nvPr/>
+      </p:nvGrpSpPr>
+      <p:grpSpPr>
+        <a:xfrm>
+          <a:off x="0" y="0"/>
+          <a:ext cx="0" cy="0"/>
+          <a:chOff x="0" y="0"/>
+          <a:chExt cx="0" cy="0"/>
+        </a:xfrm>
+      </p:grpSpPr>
+      <p:sp>
+        <p:nvSpPr>
+          <p:cNvPr id="2" name="Title 1"/>
+          <p:cNvSpPr>
+            <a:spLocks noGrp="1"/>
+          </p:cNvSpPr>
+          <p:nvPr>
+            <p:ph type="title"/>
+          </p:nvPr>
+        </p:nvSpPr>
+        <p:spPr/>
+        <p:txBody>
+          <a:bodyPr/>
+          <a:lstStyle/>
+          <a:p>
+            <a:pPr algn="l"/>
+            <a:r>
+              <a:rPr lang="en-US" b="1" dirty="0" smtClean="0">
+                <a:solidFill>
+                  <a:srgbClr val="0070C0"/>
+                </a:solidFill>
+              </a:rPr>
+              <a:t>Search</a:t>
+            </a:r>
+            <a:endParaRPr lang="ar-EG" b="1" dirty="0">
+              <a:solidFill>
+                <a:srgbClr val="0070C0"/>
+              </a:solidFill>
+            </a:endParaRPr>
+          </a:p>
+        </p:txBody>
+      </p:sp>
+      <p:sp>
+        <p:nvSpPr>
+          <p:cNvPr id="3" name="Content Placeholder 2"/>
+          <p:cNvSpPr>
+            <a:spLocks noGrp="1"/>
+          </p:cNvSpPr>
+          <p:nvPr>
+            <p:ph idx="1"/>
+          </p:nvPr>
+        </p:nvSpPr>
+        <p:spPr/>
+        <p:txBody>
+          <a:bodyPr>
+            <a:normAutofit/>
+          </a:bodyPr>
+          <a:lstStyle/>
+          <a:p>
+            <a:r>
+              <a:rPr lang="en-US" dirty="0" smtClean="0"/>
+              <a:t>Search is a universal </a:t>
+            </a:r>
+            <a:r>
+              <a:rPr lang="en-US" dirty="0" smtClean="0">
+                <a:solidFill>
+                  <a:srgbClr val="0070C0"/>
+                </a:solidFill>
+              </a:rPr>
+              <a:t>problem solving mechanism</a:t>
+            </a:r>
+            <a:r>
+              <a:rPr lang="en-US" dirty="0" smtClean="0"/>
+              <a:t> in artificial intelligence</a:t>
+            </a:r>
+          </a:p>
+          <a:p>
+            <a:r>
+              <a:rPr lang="en-US" dirty="0" smtClean="0"/>
+              <a:t>Search algorithms:</a:t>
+            </a:r>
+          </a:p>
+          <a:p>
+            <a:pPr lvl="1"/>
+            <a:r>
+              <a:rPr lang="en-US" dirty="0" smtClean="0">
+                <a:solidFill>
+                  <a:srgbClr val="0070C0"/>
+                </a:solidFill>
+              </a:rPr>
+              <a:t>Uninformed</a:t>
+            </a:r>
+            <a:r>
+              <a:rPr lang="en-US" dirty="0" smtClean="0"/>
+              <a:t> search or Brute force search</a:t>
+            </a:r>
+          </a:p>
+          <a:p>
+            <a:pPr lvl="1"/>
+            <a:r>
+              <a:rPr lang="en-US" dirty="0" smtClean="0"/>
+              <a:t>Heuristic search or </a:t>
+            </a:r>
+            <a:r>
+              <a:rPr lang="en-US" dirty="0" smtClean="0">
+                <a:solidFill>
+                  <a:srgbClr val="0070C0"/>
+                </a:solidFill>
+              </a:rPr>
+              <a:t>informed</a:t>
+            </a:r>
+            <a:r>
+              <a:rPr lang="en-US" dirty="0" smtClean="0"/>
+              <a:t> search </a:t>
+            </a:r>
+          </a:p>
+        </p:txBody>
+      </p:sp>
+      <p:sp>
+        <p:nvSpPr>
+          <p:cNvPr id="4" name="Footer Placeholder 3"/>
+          <p:cNvSpPr>
+            <a:spLocks noGrp="1"/>
+          </p:cNvSpPr>
+          <p:nvPr>
+            <p:ph type="ftr" sz="quarter" idx="11"/>
+          </p:nvPr>
+        </p:nvSpPr>
+        <p:spPr/>
+        <p:txBody>
+          <a:bodyPr/>
+          <a:lstStyle/>
+          <a:p>
+            <a:r>
+              <a:rPr lang="en-US" smtClean="0"/>
+              <a:t>By Eng. Ahmed Tarik</a:t>
+            </a:r>
+            <a:endParaRPr lang="en-US"/>
+          </a:p>
+        </p:txBody>
+      </p:sp>
+    </p:spTree>
+  </p:cSld>
+  <p:clrMapOvr>
+    <a:masterClrMapping/>
+  </p:clrMapOvr>
+  <p:timing>
+    <p:tnLst>
+      <p:par>
+        <p:cTn id="1" dur="indefinite" restart="never" nodeType="tmRoot"/>
+      </p:par>
+    </p:tnLst>
+  </p:timing>
+</p:sld>
+</file>
+
+<file path=ppt/slides/slide30.xml><?xml version="1.0" encoding="utf-8"?>
 <p:sld xmlns:a="http://schemas.openxmlformats.org/drawingml/2006/main" xmlns:r="http://schemas.openxmlformats.org/officeDocument/2006/relationships" xmlns:p="http://schemas.openxmlformats.org/presentationml/2006/main">
   <p:cSld>
     <p:spTree>
@@ -9850,7 +10545,7 @@
 </p:sld>
 </file>
 
-<file path=ppt/slides/slide29.xml><?xml version="1.0" encoding="utf-8"?>
+<file path=ppt/slides/slide31.xml><?xml version="1.0" encoding="utf-8"?>
 <p:sld xmlns:a="http://schemas.openxmlformats.org/drawingml/2006/main" xmlns:r="http://schemas.openxmlformats.org/officeDocument/2006/relationships" xmlns:p="http://schemas.openxmlformats.org/presentationml/2006/main">
   <p:cSld>
     <p:spTree>
@@ -10295,170 +10990,7 @@
 </p:sld>
 </file>
 
-<file path=ppt/slides/slide3.xml><?xml version="1.0" encoding="utf-8"?>
-<p:sld xmlns:a="http://schemas.openxmlformats.org/drawingml/2006/main" xmlns:r="http://schemas.openxmlformats.org/officeDocument/2006/relationships" xmlns:p="http://schemas.openxmlformats.org/presentationml/2006/main">
-  <p:cSld>
-    <p:spTree>
-      <p:nvGrpSpPr>
-        <p:cNvPr id="1" name=""/>
-        <p:cNvGrpSpPr/>
-        <p:nvPr/>
-      </p:nvGrpSpPr>
-      <p:grpSpPr>
-        <a:xfrm>
-          <a:off x="0" y="0"/>
-          <a:ext cx="0" cy="0"/>
-          <a:chOff x="0" y="0"/>
-          <a:chExt cx="0" cy="0"/>
-        </a:xfrm>
-      </p:grpSpPr>
-      <p:sp>
-        <p:nvSpPr>
-          <p:cNvPr id="2" name="Title 1"/>
-          <p:cNvSpPr>
-            <a:spLocks noGrp="1"/>
-          </p:cNvSpPr>
-          <p:nvPr>
-            <p:ph type="title"/>
-          </p:nvPr>
-        </p:nvSpPr>
-        <p:spPr/>
-        <p:txBody>
-          <a:bodyPr/>
-          <a:lstStyle/>
-          <a:p>
-            <a:pPr algn="l"/>
-            <a:r>
-              <a:rPr lang="en-US" b="1" dirty="0" smtClean="0">
-                <a:solidFill>
-                  <a:srgbClr val="0070C0"/>
-                </a:solidFill>
-              </a:rPr>
-              <a:t>Search</a:t>
-            </a:r>
-            <a:endParaRPr lang="ar-EG" b="1" dirty="0">
-              <a:solidFill>
-                <a:srgbClr val="0070C0"/>
-              </a:solidFill>
-            </a:endParaRPr>
-          </a:p>
-        </p:txBody>
-      </p:sp>
-      <p:sp>
-        <p:nvSpPr>
-          <p:cNvPr id="3" name="Content Placeholder 2"/>
-          <p:cNvSpPr>
-            <a:spLocks noGrp="1"/>
-          </p:cNvSpPr>
-          <p:nvPr>
-            <p:ph idx="1"/>
-          </p:nvPr>
-        </p:nvSpPr>
-        <p:spPr/>
-        <p:txBody>
-          <a:bodyPr>
-            <a:normAutofit/>
-          </a:bodyPr>
-          <a:lstStyle/>
-          <a:p>
-            <a:r>
-              <a:rPr lang="en-US" dirty="0" smtClean="0"/>
-              <a:t>Search is a universal </a:t>
-            </a:r>
-            <a:r>
-              <a:rPr lang="en-US" dirty="0" smtClean="0">
-                <a:solidFill>
-                  <a:srgbClr val="0070C0"/>
-                </a:solidFill>
-              </a:rPr>
-              <a:t>problem solving mechanism</a:t>
-            </a:r>
-            <a:r>
-              <a:rPr lang="en-US" dirty="0" smtClean="0"/>
-              <a:t> in artificial intelligence</a:t>
-            </a:r>
-          </a:p>
-          <a:p>
-            <a:r>
-              <a:rPr lang="en-US" dirty="0" smtClean="0"/>
-              <a:t>Search algorithms:</a:t>
-            </a:r>
-          </a:p>
-          <a:p>
-            <a:pPr lvl="1"/>
-            <a:r>
-              <a:rPr lang="en-US" dirty="0" smtClean="0">
-                <a:solidFill>
-                  <a:srgbClr val="0070C0"/>
-                </a:solidFill>
-              </a:rPr>
-              <a:t>Uninformed</a:t>
-            </a:r>
-            <a:r>
-              <a:rPr lang="en-US" dirty="0" smtClean="0"/>
-              <a:t> search or Brute force search</a:t>
-            </a:r>
-          </a:p>
-          <a:p>
-            <a:pPr lvl="1"/>
-            <a:r>
-              <a:rPr lang="en-US" dirty="0" smtClean="0"/>
-              <a:t>Heuristic search or </a:t>
-            </a:r>
-            <a:r>
-              <a:rPr lang="en-US" dirty="0" smtClean="0">
-                <a:solidFill>
-                  <a:srgbClr val="0070C0"/>
-                </a:solidFill>
-              </a:rPr>
-              <a:t>informed</a:t>
-            </a:r>
-            <a:r>
-              <a:rPr lang="en-US" dirty="0" smtClean="0"/>
-              <a:t> search </a:t>
-            </a:r>
-          </a:p>
-        </p:txBody>
-      </p:sp>
-      <p:sp>
-        <p:nvSpPr>
-          <p:cNvPr id="4" name="Footer Placeholder 3"/>
-          <p:cNvSpPr>
-            <a:spLocks noGrp="1"/>
-          </p:cNvSpPr>
-          <p:nvPr>
-            <p:ph type="ftr" sz="quarter" idx="11"/>
-          </p:nvPr>
-        </p:nvSpPr>
-        <p:spPr/>
-        <p:txBody>
-          <a:bodyPr/>
-          <a:lstStyle/>
-          <a:p>
-            <a:r>
-              <a:rPr lang="en-US" smtClean="0"/>
-              <a:t>By Eng. Ahmed Tarik</a:t>
-            </a:r>
-            <a:endParaRPr lang="en-US"/>
-          </a:p>
-        </p:txBody>
-      </p:sp>
-    </p:spTree>
-  </p:cSld>
-  <p:clrMapOvr>
-    <a:masterClrMapping/>
-  </p:clrMapOvr>
-  <p:timing>
-    <p:tnLst>
-      <p:par>
-        <p:cTn id="1" dur="indefinite" restart="never" nodeType="tmRoot"/>
-      </p:par>
-    </p:tnLst>
-  </p:timing>
-</p:sld>
-</file>
-
-<file path=ppt/slides/slide30.xml><?xml version="1.0" encoding="utf-8"?>
+<file path=ppt/slides/slide32.xml><?xml version="1.0" encoding="utf-8"?>
 <p:sld xmlns:a="http://schemas.openxmlformats.org/drawingml/2006/main" xmlns:r="http://schemas.openxmlformats.org/officeDocument/2006/relationships" xmlns:p="http://schemas.openxmlformats.org/presentationml/2006/main">
   <p:cSld>
     <p:spTree>
@@ -10570,511 +11102,6 @@
           </a:p>
         </p:txBody>
       </p:sp>
-    </p:spTree>
-  </p:cSld>
-  <p:clrMapOvr>
-    <a:masterClrMapping/>
-  </p:clrMapOvr>
-  <p:timing>
-    <p:tnLst>
-      <p:par>
-        <p:cTn id="1" dur="indefinite" restart="never" nodeType="tmRoot"/>
-      </p:par>
-    </p:tnLst>
-  </p:timing>
-</p:sld>
-</file>
-
-<file path=ppt/slides/slide31.xml><?xml version="1.0" encoding="utf-8"?>
-<p:sld xmlns:a="http://schemas.openxmlformats.org/drawingml/2006/main" xmlns:r="http://schemas.openxmlformats.org/officeDocument/2006/relationships" xmlns:p="http://schemas.openxmlformats.org/presentationml/2006/main">
-  <p:cSld>
-    <p:spTree>
-      <p:nvGrpSpPr>
-        <p:cNvPr id="1" name=""/>
-        <p:cNvGrpSpPr/>
-        <p:nvPr/>
-      </p:nvGrpSpPr>
-      <p:grpSpPr>
-        <a:xfrm>
-          <a:off x="0" y="0"/>
-          <a:ext cx="0" cy="0"/>
-          <a:chOff x="0" y="0"/>
-          <a:chExt cx="0" cy="0"/>
-        </a:xfrm>
-      </p:grpSpPr>
-      <p:sp>
-        <p:nvSpPr>
-          <p:cNvPr id="4" name="Rectangle 3"/>
-          <p:cNvSpPr/>
-          <p:nvPr/>
-        </p:nvSpPr>
-        <p:spPr>
-          <a:xfrm>
-            <a:off x="533400" y="2590800"/>
-            <a:ext cx="8001000" cy="923330"/>
-          </a:xfrm>
-          <a:prstGeom prst="rect">
-            <a:avLst/>
-          </a:prstGeom>
-          <a:noFill/>
-        </p:spPr>
-        <p:txBody>
-          <a:bodyPr wrap="square" lIns="91440" tIns="45720" rIns="91440" bIns="45720">
-            <a:spAutoFit/>
-          </a:bodyPr>
-          <a:lstStyle/>
-          <a:p>
-            <a:pPr algn="ctr"/>
-            <a:r>
-              <a:rPr lang="en-US" sz="5400" b="1" dirty="0" smtClean="0">
-                <a:ln w="12700">
-                  <a:solidFill>
-                    <a:schemeClr val="tx2">
-                      <a:satMod val="155000"/>
-                    </a:schemeClr>
-                  </a:solidFill>
-                  <a:prstDash val="solid"/>
-                </a:ln>
-                <a:solidFill>
-                  <a:schemeClr val="bg2">
-                    <a:tint val="85000"/>
-                    <a:satMod val="155000"/>
-                  </a:schemeClr>
-                </a:solidFill>
-                <a:effectLst>
-                  <a:outerShdw blurRad="41275" dist="20320" dir="1800000" algn="tl" rotWithShape="0">
-                    <a:srgbClr val="000000">
-                      <a:alpha val="40000"/>
-                    </a:srgbClr>
-                  </a:outerShdw>
-                </a:effectLst>
-              </a:rPr>
-              <a:t>Maze Search Program</a:t>
-            </a:r>
-            <a:endParaRPr lang="en-US" sz="5400" b="1" cap="none" spc="0" dirty="0">
-              <a:ln w="12700">
-                <a:solidFill>
-                  <a:schemeClr val="tx2">
-                    <a:satMod val="155000"/>
-                  </a:schemeClr>
-                </a:solidFill>
-                <a:prstDash val="solid"/>
-              </a:ln>
-              <a:solidFill>
-                <a:schemeClr val="bg2">
-                  <a:tint val="85000"/>
-                  <a:satMod val="155000"/>
-                </a:schemeClr>
-              </a:solidFill>
-              <a:effectLst>
-                <a:outerShdw blurRad="41275" dist="20320" dir="1800000" algn="tl" rotWithShape="0">
-                  <a:srgbClr val="000000">
-                    <a:alpha val="40000"/>
-                  </a:srgbClr>
-                </a:outerShdw>
-              </a:effectLst>
-            </a:endParaRPr>
-          </a:p>
-        </p:txBody>
-      </p:sp>
-      <p:sp>
-        <p:nvSpPr>
-          <p:cNvPr id="5" name="Footer Placeholder 4"/>
-          <p:cNvSpPr>
-            <a:spLocks noGrp="1"/>
-          </p:cNvSpPr>
-          <p:nvPr>
-            <p:ph type="ftr" sz="quarter" idx="11"/>
-          </p:nvPr>
-        </p:nvSpPr>
-        <p:spPr/>
-        <p:txBody>
-          <a:bodyPr/>
-          <a:lstStyle/>
-          <a:p>
-            <a:r>
-              <a:rPr lang="en-US" dirty="0" smtClean="0"/>
-              <a:t>By Eng. Ahmed </a:t>
-            </a:r>
-            <a:r>
-              <a:rPr lang="en-US" dirty="0" err="1" smtClean="0"/>
-              <a:t>Tarik</a:t>
-            </a:r>
-            <a:endParaRPr lang="en-US"/>
-          </a:p>
-        </p:txBody>
-      </p:sp>
-    </p:spTree>
-  </p:cSld>
-  <p:clrMapOvr>
-    <a:masterClrMapping/>
-  </p:clrMapOvr>
-  <p:timing>
-    <p:tnLst>
-      <p:par>
-        <p:cTn id="1" dur="indefinite" restart="never" nodeType="tmRoot"/>
-      </p:par>
-    </p:tnLst>
-  </p:timing>
-</p:sld>
-</file>
-
-<file path=ppt/slides/slide32.xml><?xml version="1.0" encoding="utf-8"?>
-<p:sld xmlns:a="http://schemas.openxmlformats.org/drawingml/2006/main" xmlns:r="http://schemas.openxmlformats.org/officeDocument/2006/relationships" xmlns:p="http://schemas.openxmlformats.org/presentationml/2006/main">
-  <p:cSld>
-    <p:spTree>
-      <p:nvGrpSpPr>
-        <p:cNvPr id="1" name=""/>
-        <p:cNvGrpSpPr/>
-        <p:nvPr/>
-      </p:nvGrpSpPr>
-      <p:grpSpPr>
-        <a:xfrm>
-          <a:off x="0" y="0"/>
-          <a:ext cx="0" cy="0"/>
-          <a:chOff x="0" y="0"/>
-          <a:chExt cx="0" cy="0"/>
-        </a:xfrm>
-      </p:grpSpPr>
-      <p:sp>
-        <p:nvSpPr>
-          <p:cNvPr id="2" name="Title 1"/>
-          <p:cNvSpPr>
-            <a:spLocks noGrp="1"/>
-          </p:cNvSpPr>
-          <p:nvPr>
-            <p:ph type="title"/>
-          </p:nvPr>
-        </p:nvSpPr>
-        <p:spPr>
-          <a:xfrm>
-            <a:off x="457200" y="76200"/>
-            <a:ext cx="8229600" cy="1143000"/>
-          </a:xfrm>
-        </p:spPr>
-        <p:txBody>
-          <a:bodyPr/>
-          <a:lstStyle/>
-          <a:p>
-            <a:pPr algn="l"/>
-            <a:r>
-              <a:rPr lang="en-US" b="1" dirty="0" smtClean="0">
-                <a:solidFill>
-                  <a:srgbClr val="0070C0"/>
-                </a:solidFill>
-              </a:rPr>
-              <a:t>Maze Search Program</a:t>
-            </a:r>
-            <a:endParaRPr lang="ar-EG" b="1" dirty="0">
-              <a:solidFill>
-                <a:srgbClr val="0070C0"/>
-              </a:solidFill>
-            </a:endParaRPr>
-          </a:p>
-        </p:txBody>
-      </p:sp>
-      <p:sp>
-        <p:nvSpPr>
-          <p:cNvPr id="6" name="Footer Placeholder 5"/>
-          <p:cNvSpPr>
-            <a:spLocks noGrp="1"/>
-          </p:cNvSpPr>
-          <p:nvPr>
-            <p:ph type="ftr" sz="quarter" idx="11"/>
-          </p:nvPr>
-        </p:nvSpPr>
-        <p:spPr/>
-        <p:txBody>
-          <a:bodyPr/>
-          <a:lstStyle/>
-          <a:p>
-            <a:r>
-              <a:rPr lang="en-US" smtClean="0"/>
-              <a:t>By Eng. Ahmed Tarik</a:t>
-            </a:r>
-            <a:endParaRPr lang="en-US"/>
-          </a:p>
-        </p:txBody>
-      </p:sp>
-      <p:pic>
-        <p:nvPicPr>
-          <p:cNvPr id="1026" name="Picture 2"/>
-          <p:cNvPicPr>
-            <a:picLocks noGrp="1" noChangeAspect="1" noChangeArrowheads="1"/>
-          </p:cNvPicPr>
-          <p:nvPr>
-            <p:ph idx="1"/>
-          </p:nvPr>
-        </p:nvPicPr>
-        <p:blipFill>
-          <a:blip r:embed="rId2"/>
-          <a:srcRect/>
-          <a:stretch>
-            <a:fillRect/>
-          </a:stretch>
-        </p:blipFill>
-        <p:spPr bwMode="auto">
-          <a:xfrm>
-            <a:off x="609600" y="1219200"/>
-            <a:ext cx="4857750" cy="1495425"/>
-          </a:xfrm>
-          <a:prstGeom prst="rect">
-            <a:avLst/>
-          </a:prstGeom>
-          <a:noFill/>
-          <a:ln w="9525">
-            <a:noFill/>
-            <a:miter lim="800000"/>
-            <a:headEnd/>
-            <a:tailEnd/>
-          </a:ln>
-          <a:effectLst/>
-        </p:spPr>
-      </p:pic>
-      <p:pic>
-        <p:nvPicPr>
-          <p:cNvPr id="1028" name="Picture 4"/>
-          <p:cNvPicPr>
-            <a:picLocks noChangeAspect="1" noChangeArrowheads="1"/>
-          </p:cNvPicPr>
-          <p:nvPr/>
-        </p:nvPicPr>
-        <p:blipFill>
-          <a:blip r:embed="rId3"/>
-          <a:srcRect/>
-          <a:stretch>
-            <a:fillRect/>
-          </a:stretch>
-        </p:blipFill>
-        <p:spPr bwMode="auto">
-          <a:xfrm>
-            <a:off x="609600" y="3200400"/>
-            <a:ext cx="5457825" cy="752475"/>
-          </a:xfrm>
-          <a:prstGeom prst="rect">
-            <a:avLst/>
-          </a:prstGeom>
-          <a:noFill/>
-          <a:ln w="9525">
-            <a:noFill/>
-            <a:miter lim="800000"/>
-            <a:headEnd/>
-            <a:tailEnd/>
-          </a:ln>
-          <a:effectLst/>
-        </p:spPr>
-      </p:pic>
-      <p:pic>
-        <p:nvPicPr>
-          <p:cNvPr id="1029" name="Picture 5"/>
-          <p:cNvPicPr>
-            <a:picLocks noChangeAspect="1" noChangeArrowheads="1"/>
-          </p:cNvPicPr>
-          <p:nvPr/>
-        </p:nvPicPr>
-        <p:blipFill>
-          <a:blip r:embed="rId4"/>
-          <a:srcRect/>
-          <a:stretch>
-            <a:fillRect/>
-          </a:stretch>
-        </p:blipFill>
-        <p:spPr bwMode="auto">
-          <a:xfrm>
-            <a:off x="609600" y="2943225"/>
-            <a:ext cx="5391150" cy="257175"/>
-          </a:xfrm>
-          <a:prstGeom prst="rect">
-            <a:avLst/>
-          </a:prstGeom>
-          <a:noFill/>
-          <a:ln w="9525">
-            <a:noFill/>
-            <a:miter lim="800000"/>
-            <a:headEnd/>
-            <a:tailEnd/>
-          </a:ln>
-          <a:effectLst/>
-        </p:spPr>
-      </p:pic>
-      <p:pic>
-        <p:nvPicPr>
-          <p:cNvPr id="1030" name="Picture 6"/>
-          <p:cNvPicPr>
-            <a:picLocks noChangeAspect="1" noChangeArrowheads="1"/>
-          </p:cNvPicPr>
-          <p:nvPr/>
-        </p:nvPicPr>
-        <p:blipFill>
-          <a:blip r:embed="rId5"/>
-          <a:srcRect/>
-          <a:stretch>
-            <a:fillRect/>
-          </a:stretch>
-        </p:blipFill>
-        <p:spPr bwMode="auto">
-          <a:xfrm>
-            <a:off x="609600" y="4191000"/>
-            <a:ext cx="6276975" cy="695325"/>
-          </a:xfrm>
-          <a:prstGeom prst="rect">
-            <a:avLst/>
-          </a:prstGeom>
-          <a:noFill/>
-          <a:ln w="9525">
-            <a:noFill/>
-            <a:miter lim="800000"/>
-            <a:headEnd/>
-            <a:tailEnd/>
-          </a:ln>
-          <a:effectLst/>
-        </p:spPr>
-      </p:pic>
-      <p:sp>
-        <p:nvSpPr>
-          <p:cNvPr id="12" name="Content Placeholder 5"/>
-          <p:cNvSpPr txBox="1">
-            <a:spLocks/>
-          </p:cNvSpPr>
-          <p:nvPr/>
-        </p:nvSpPr>
-        <p:spPr>
-          <a:xfrm>
-            <a:off x="609600" y="5181600"/>
-            <a:ext cx="4038600" cy="838200"/>
-          </a:xfrm>
-          <a:prstGeom prst="rect">
-            <a:avLst/>
-          </a:prstGeom>
-        </p:spPr>
-        <p:txBody>
-          <a:bodyPr vert="horz" lIns="91440" tIns="45720" rIns="91440" bIns="45720" rtlCol="0">
-            <a:noAutofit/>
-          </a:bodyPr>
-          <a:lstStyle/>
-          <a:p>
-            <a:pPr marL="342900" marR="0" lvl="0" indent="-342900" algn="l" defTabSz="914400" rtl="0" eaLnBrk="1" fontAlgn="auto" latinLnBrk="0" hangingPunct="1">
-              <a:lnSpc>
-                <a:spcPct val="100000"/>
-              </a:lnSpc>
-              <a:spcBef>
-                <a:spcPct val="20000"/>
-              </a:spcBef>
-              <a:spcAft>
-                <a:spcPts val="0"/>
-              </a:spcAft>
-              <a:buClrTx/>
-              <a:buSzTx/>
-              <a:buFont typeface="Arial" pitchFamily="34" charset="0"/>
-              <a:buChar char="•"/>
-              <a:tabLst/>
-              <a:defRPr/>
-            </a:pPr>
-            <a:r>
-              <a:rPr lang="en-US" sz="2400" b="1" dirty="0" smtClean="0"/>
-              <a:t>Moves order:</a:t>
-            </a:r>
-          </a:p>
-          <a:p>
-            <a:pPr marL="342900" marR="0" lvl="0" indent="-342900" algn="l" defTabSz="914400" rtl="0" eaLnBrk="1" fontAlgn="auto" latinLnBrk="0" hangingPunct="1">
-              <a:lnSpc>
-                <a:spcPct val="100000"/>
-              </a:lnSpc>
-              <a:spcBef>
-                <a:spcPct val="20000"/>
-              </a:spcBef>
-              <a:spcAft>
-                <a:spcPts val="0"/>
-              </a:spcAft>
-              <a:buClrTx/>
-              <a:buSzTx/>
-              <a:tabLst/>
-              <a:defRPr/>
-            </a:pPr>
-            <a:r>
-              <a:rPr kumimoji="0" lang="en-US" sz="2400" b="1" i="0" u="none" strike="noStrike" kern="1200" cap="none" spc="0" normalizeH="0" baseline="0" noProof="0" dirty="0" smtClean="0">
-                <a:ln>
-                  <a:noFill/>
-                </a:ln>
-                <a:solidFill>
-                  <a:schemeClr val="tx1"/>
-                </a:solidFill>
-                <a:effectLst/>
-                <a:uLnTx/>
-                <a:uFillTx/>
-                <a:latin typeface="+mn-lt"/>
-                <a:ea typeface="+mn-ea"/>
-                <a:cs typeface="+mn-cs"/>
-              </a:rPr>
-              <a:t>	Up -&gt; Left</a:t>
-            </a:r>
-            <a:r>
-              <a:rPr kumimoji="0" lang="en-US" sz="2400" b="1" i="0" u="none" strike="noStrike" kern="1200" cap="none" spc="0" normalizeH="0" noProof="0" dirty="0" smtClean="0">
-                <a:ln>
-                  <a:noFill/>
-                </a:ln>
-                <a:solidFill>
-                  <a:schemeClr val="tx1"/>
-                </a:solidFill>
-                <a:effectLst/>
-                <a:uLnTx/>
-                <a:uFillTx/>
-                <a:latin typeface="+mn-lt"/>
-                <a:ea typeface="+mn-ea"/>
-                <a:cs typeface="+mn-cs"/>
-              </a:rPr>
-              <a:t> -&gt; Down -&gt; Right</a:t>
-            </a:r>
-            <a:endParaRPr kumimoji="0" lang="ar-EG" sz="2400" b="1" i="0" u="none" strike="noStrike" kern="1200" cap="none" spc="0" normalizeH="0" baseline="0" noProof="0" dirty="0">
-              <a:ln>
-                <a:noFill/>
-              </a:ln>
-              <a:solidFill>
-                <a:schemeClr val="tx1"/>
-              </a:solidFill>
-              <a:effectLst/>
-              <a:uLnTx/>
-              <a:uFillTx/>
-              <a:latin typeface="+mn-lt"/>
-              <a:ea typeface="+mn-ea"/>
-              <a:cs typeface="+mn-cs"/>
-            </a:endParaRPr>
-          </a:p>
-        </p:txBody>
-      </p:sp>
-      <p:pic>
-        <p:nvPicPr>
-          <p:cNvPr id="14" name="Picture 2"/>
-          <p:cNvPicPr>
-            <a:picLocks noChangeAspect="1" noChangeArrowheads="1"/>
-          </p:cNvPicPr>
-          <p:nvPr/>
-        </p:nvPicPr>
-        <p:blipFill>
-          <a:blip r:embed="rId6"/>
-          <a:srcRect/>
-          <a:stretch>
-            <a:fillRect/>
-          </a:stretch>
-        </p:blipFill>
-        <p:spPr bwMode="auto">
-          <a:xfrm>
-            <a:off x="5715000" y="1143000"/>
-            <a:ext cx="3064826" cy="2590800"/>
-          </a:xfrm>
-          <a:prstGeom prst="rect">
-            <a:avLst/>
-          </a:prstGeom>
-          <a:noFill/>
-          <a:ln w="9525">
-            <a:noFill/>
-            <a:miter lim="800000"/>
-            <a:headEnd/>
-            <a:tailEnd/>
-          </a:ln>
-          <a:effectLst/>
-        </p:spPr>
-      </p:pic>
     </p:spTree>
   </p:cSld>
   <p:clrMapOvr>
@@ -11119,1246 +11146,93 @@
         </p:nvSpPr>
         <p:spPr>
           <a:xfrm>
-            <a:off x="457200" y="76200"/>
+            <a:off x="457200" y="152400"/>
             <a:ext cx="8229600" cy="1143000"/>
           </a:xfrm>
         </p:spPr>
         <p:txBody>
-          <a:bodyPr/>
-          <a:lstStyle/>
-          <a:p>
-            <a:pPr algn="l"/>
-            <a:r>
-              <a:rPr lang="en-US" b="1" dirty="0" smtClean="0">
-                <a:solidFill>
-                  <a:srgbClr val="0070C0"/>
-                </a:solidFill>
-              </a:rPr>
-              <a:t>Maze Search Program</a:t>
-            </a:r>
-            <a:endParaRPr lang="ar-EG" b="1" dirty="0">
-              <a:solidFill>
-                <a:srgbClr val="0070C0"/>
-              </a:solidFill>
-            </a:endParaRPr>
-          </a:p>
-        </p:txBody>
-      </p:sp>
-      <p:sp>
-        <p:nvSpPr>
-          <p:cNvPr id="6" name="Footer Placeholder 5"/>
-          <p:cNvSpPr>
-            <a:spLocks noGrp="1"/>
-          </p:cNvSpPr>
-          <p:nvPr>
-            <p:ph type="ftr" sz="quarter" idx="11"/>
-          </p:nvPr>
-        </p:nvSpPr>
-        <p:spPr/>
-        <p:txBody>
-          <a:bodyPr/>
-          <a:lstStyle/>
-          <a:p>
-            <a:r>
-              <a:rPr lang="en-US" smtClean="0"/>
-              <a:t>By Eng. Ahmed Tarik</a:t>
-            </a:r>
-            <a:endParaRPr lang="en-US"/>
-          </a:p>
-        </p:txBody>
-      </p:sp>
-      <p:pic>
-        <p:nvPicPr>
-          <p:cNvPr id="11" name="Picture 7"/>
-          <p:cNvPicPr>
-            <a:picLocks noGrp="1" noChangeAspect="1" noChangeArrowheads="1"/>
-          </p:cNvPicPr>
-          <p:nvPr>
-            <p:ph idx="1"/>
-          </p:nvPr>
-        </p:nvPicPr>
-        <p:blipFill>
-          <a:blip r:embed="rId2"/>
-          <a:srcRect/>
-          <a:stretch>
-            <a:fillRect/>
-          </a:stretch>
-        </p:blipFill>
-        <p:spPr bwMode="auto">
-          <a:xfrm>
-            <a:off x="191751" y="1371600"/>
-            <a:ext cx="8876049" cy="762000"/>
-          </a:xfrm>
-          <a:prstGeom prst="rect">
-            <a:avLst/>
-          </a:prstGeom>
-          <a:noFill/>
-          <a:ln w="9525">
-            <a:noFill/>
-            <a:miter lim="800000"/>
-            <a:headEnd/>
-            <a:tailEnd/>
-          </a:ln>
-          <a:effectLst/>
-        </p:spPr>
-      </p:pic>
-      <p:pic>
-        <p:nvPicPr>
-          <p:cNvPr id="2050" name="Picture 2"/>
-          <p:cNvPicPr>
-            <a:picLocks noChangeAspect="1" noChangeArrowheads="1"/>
-          </p:cNvPicPr>
-          <p:nvPr/>
-        </p:nvPicPr>
-        <p:blipFill>
-          <a:blip r:embed="rId3"/>
-          <a:srcRect/>
-          <a:stretch>
-            <a:fillRect/>
-          </a:stretch>
-        </p:blipFill>
-        <p:spPr bwMode="auto">
-          <a:xfrm>
-            <a:off x="209550" y="2438400"/>
-            <a:ext cx="7410450" cy="914400"/>
-          </a:xfrm>
-          <a:prstGeom prst="rect">
-            <a:avLst/>
-          </a:prstGeom>
-          <a:noFill/>
-          <a:ln w="9525">
-            <a:noFill/>
-            <a:miter lim="800000"/>
-            <a:headEnd/>
-            <a:tailEnd/>
-          </a:ln>
-          <a:effectLst/>
-        </p:spPr>
-      </p:pic>
-    </p:spTree>
-  </p:cSld>
-  <p:clrMapOvr>
-    <a:masterClrMapping/>
-  </p:clrMapOvr>
-  <p:timing>
-    <p:tnLst>
-      <p:par>
-        <p:cTn id="1" dur="indefinite" restart="never" nodeType="tmRoot"/>
-      </p:par>
-    </p:tnLst>
-  </p:timing>
-</p:sld>
-</file>
-
-<file path=ppt/slides/slide34.xml><?xml version="1.0" encoding="utf-8"?>
-<p:sld xmlns:a="http://schemas.openxmlformats.org/drawingml/2006/main" xmlns:r="http://schemas.openxmlformats.org/officeDocument/2006/relationships" xmlns:p="http://schemas.openxmlformats.org/presentationml/2006/main">
-  <p:cSld>
-    <p:spTree>
-      <p:nvGrpSpPr>
-        <p:cNvPr id="1" name=""/>
-        <p:cNvGrpSpPr/>
-        <p:nvPr/>
-      </p:nvGrpSpPr>
-      <p:grpSpPr>
-        <a:xfrm>
-          <a:off x="0" y="0"/>
-          <a:ext cx="0" cy="0"/>
-          <a:chOff x="0" y="0"/>
-          <a:chExt cx="0" cy="0"/>
-        </a:xfrm>
-      </p:grpSpPr>
-      <p:sp>
-        <p:nvSpPr>
-          <p:cNvPr id="2" name="Title 1"/>
-          <p:cNvSpPr>
-            <a:spLocks noGrp="1"/>
-          </p:cNvSpPr>
-          <p:nvPr>
-            <p:ph type="title"/>
-          </p:nvPr>
-        </p:nvSpPr>
-        <p:spPr>
-          <a:xfrm>
-            <a:off x="457200" y="76200"/>
-            <a:ext cx="8229600" cy="1143000"/>
-          </a:xfrm>
-        </p:spPr>
-        <p:txBody>
-          <a:bodyPr/>
-          <a:lstStyle/>
-          <a:p>
-            <a:pPr algn="l"/>
-            <a:r>
-              <a:rPr lang="en-US" b="1" dirty="0" smtClean="0">
-                <a:solidFill>
-                  <a:srgbClr val="0070C0"/>
-                </a:solidFill>
-              </a:rPr>
-              <a:t>Maze Search Program</a:t>
-            </a:r>
-            <a:endParaRPr lang="ar-EG" b="1" dirty="0">
-              <a:solidFill>
-                <a:srgbClr val="0070C0"/>
-              </a:solidFill>
-            </a:endParaRPr>
-          </a:p>
-        </p:txBody>
-      </p:sp>
-      <p:pic>
-        <p:nvPicPr>
-          <p:cNvPr id="4098" name="Picture 2"/>
-          <p:cNvPicPr>
-            <a:picLocks noGrp="1" noChangeAspect="1" noChangeArrowheads="1"/>
-          </p:cNvPicPr>
-          <p:nvPr>
-            <p:ph idx="1"/>
-          </p:nvPr>
-        </p:nvPicPr>
-        <p:blipFill>
-          <a:blip r:embed="rId2"/>
-          <a:srcRect/>
-          <a:stretch>
-            <a:fillRect/>
-          </a:stretch>
-        </p:blipFill>
-        <p:spPr bwMode="auto">
-          <a:xfrm>
-            <a:off x="457200" y="2209800"/>
-            <a:ext cx="8229600" cy="2696656"/>
-          </a:xfrm>
-          <a:prstGeom prst="rect">
-            <a:avLst/>
-          </a:prstGeom>
-          <a:noFill/>
-          <a:ln w="9525">
-            <a:noFill/>
-            <a:miter lim="800000"/>
-            <a:headEnd/>
-            <a:tailEnd/>
-          </a:ln>
-          <a:effectLst/>
-        </p:spPr>
-      </p:pic>
-      <p:sp>
-        <p:nvSpPr>
-          <p:cNvPr id="4" name="Footer Placeholder 3"/>
-          <p:cNvSpPr>
-            <a:spLocks noGrp="1"/>
-          </p:cNvSpPr>
-          <p:nvPr>
-            <p:ph type="ftr" sz="quarter" idx="11"/>
-          </p:nvPr>
-        </p:nvSpPr>
-        <p:spPr/>
-        <p:txBody>
-          <a:bodyPr/>
-          <a:lstStyle/>
-          <a:p>
-            <a:r>
-              <a:rPr lang="en-US" smtClean="0"/>
-              <a:t>By Eng. Ahmed Tarik</a:t>
-            </a:r>
-            <a:endParaRPr lang="en-US"/>
-          </a:p>
-        </p:txBody>
-      </p:sp>
-    </p:spTree>
-  </p:cSld>
-  <p:clrMapOvr>
-    <a:masterClrMapping/>
-  </p:clrMapOvr>
-  <p:timing>
-    <p:tnLst>
-      <p:par>
-        <p:cTn id="1" dur="indefinite" restart="never" nodeType="tmRoot"/>
-      </p:par>
-    </p:tnLst>
-  </p:timing>
-</p:sld>
-</file>
-
-<file path=ppt/slides/slide35.xml><?xml version="1.0" encoding="utf-8"?>
-<p:sld xmlns:a="http://schemas.openxmlformats.org/drawingml/2006/main" xmlns:r="http://schemas.openxmlformats.org/officeDocument/2006/relationships" xmlns:p="http://schemas.openxmlformats.org/presentationml/2006/main">
-  <p:cSld>
-    <p:spTree>
-      <p:nvGrpSpPr>
-        <p:cNvPr id="1" name=""/>
-        <p:cNvGrpSpPr/>
-        <p:nvPr/>
-      </p:nvGrpSpPr>
-      <p:grpSpPr>
-        <a:xfrm>
-          <a:off x="0" y="0"/>
-          <a:ext cx="0" cy="0"/>
-          <a:chOff x="0" y="0"/>
-          <a:chExt cx="0" cy="0"/>
-        </a:xfrm>
-      </p:grpSpPr>
-      <p:sp>
-        <p:nvSpPr>
-          <p:cNvPr id="4" name="Rectangle 3"/>
-          <p:cNvSpPr/>
-          <p:nvPr/>
-        </p:nvSpPr>
-        <p:spPr>
-          <a:xfrm>
-            <a:off x="533400" y="2590800"/>
-            <a:ext cx="8001000" cy="1754326"/>
-          </a:xfrm>
-          <a:prstGeom prst="rect">
-            <a:avLst/>
-          </a:prstGeom>
-          <a:noFill/>
-        </p:spPr>
-        <p:txBody>
-          <a:bodyPr wrap="square" lIns="91440" tIns="45720" rIns="91440" bIns="45720">
-            <a:spAutoFit/>
-          </a:bodyPr>
-          <a:lstStyle/>
-          <a:p>
-            <a:pPr algn="ctr"/>
-            <a:r>
-              <a:rPr lang="en-US" sz="5400" b="1" dirty="0" smtClean="0">
-                <a:ln w="12700">
-                  <a:solidFill>
-                    <a:schemeClr val="tx2">
-                      <a:satMod val="155000"/>
-                    </a:schemeClr>
-                  </a:solidFill>
-                  <a:prstDash val="solid"/>
-                </a:ln>
-                <a:solidFill>
-                  <a:schemeClr val="bg2">
-                    <a:tint val="85000"/>
-                    <a:satMod val="155000"/>
-                  </a:schemeClr>
-                </a:solidFill>
-                <a:effectLst>
-                  <a:outerShdw blurRad="41275" dist="20320" dir="1800000" algn="tl" rotWithShape="0">
-                    <a:srgbClr val="000000">
-                      <a:alpha val="40000"/>
-                    </a:srgbClr>
-                  </a:outerShdw>
-                </a:effectLst>
-              </a:rPr>
-              <a:t>Maze Search Program</a:t>
-            </a:r>
-          </a:p>
-          <a:p>
-            <a:pPr algn="ctr"/>
-            <a:r>
-              <a:rPr lang="en-US" sz="5400" b="1" dirty="0" smtClean="0">
-                <a:ln w="12700">
-                  <a:solidFill>
-                    <a:schemeClr val="tx2">
-                      <a:satMod val="155000"/>
-                    </a:schemeClr>
-                  </a:solidFill>
-                  <a:prstDash val="solid"/>
-                </a:ln>
-                <a:solidFill>
-                  <a:schemeClr val="bg2">
-                    <a:tint val="85000"/>
-                    <a:satMod val="155000"/>
-                  </a:schemeClr>
-                </a:solidFill>
-                <a:effectLst>
-                  <a:outerShdw blurRad="41275" dist="20320" dir="1800000" algn="tl" rotWithShape="0">
-                    <a:srgbClr val="000000">
-                      <a:alpha val="40000"/>
-                    </a:srgbClr>
-                  </a:outerShdw>
-                </a:effectLst>
-              </a:rPr>
-              <a:t>(Using A star)</a:t>
-            </a:r>
-            <a:endParaRPr lang="en-US" sz="5400" b="1" cap="none" spc="0" dirty="0">
-              <a:ln w="12700">
-                <a:solidFill>
-                  <a:schemeClr val="tx2">
-                    <a:satMod val="155000"/>
-                  </a:schemeClr>
-                </a:solidFill>
-                <a:prstDash val="solid"/>
-              </a:ln>
-              <a:solidFill>
-                <a:schemeClr val="bg2">
-                  <a:tint val="85000"/>
-                  <a:satMod val="155000"/>
-                </a:schemeClr>
-              </a:solidFill>
-              <a:effectLst>
-                <a:outerShdw blurRad="41275" dist="20320" dir="1800000" algn="tl" rotWithShape="0">
-                  <a:srgbClr val="000000">
-                    <a:alpha val="40000"/>
-                  </a:srgbClr>
-                </a:outerShdw>
-              </a:effectLst>
-            </a:endParaRPr>
-          </a:p>
-        </p:txBody>
-      </p:sp>
-      <p:sp>
-        <p:nvSpPr>
-          <p:cNvPr id="5" name="Footer Placeholder 4"/>
-          <p:cNvSpPr>
-            <a:spLocks noGrp="1"/>
-          </p:cNvSpPr>
-          <p:nvPr>
-            <p:ph type="ftr" sz="quarter" idx="11"/>
-          </p:nvPr>
-        </p:nvSpPr>
-        <p:spPr/>
-        <p:txBody>
-          <a:bodyPr/>
-          <a:lstStyle/>
-          <a:p>
-            <a:r>
-              <a:rPr lang="en-US" smtClean="0"/>
-              <a:t>By Eng. Ahmed Tarik</a:t>
-            </a:r>
-            <a:endParaRPr lang="en-US"/>
-          </a:p>
-        </p:txBody>
-      </p:sp>
-    </p:spTree>
-  </p:cSld>
-  <p:clrMapOvr>
-    <a:masterClrMapping/>
-  </p:clrMapOvr>
-  <p:timing>
-    <p:tnLst>
-      <p:par>
-        <p:cTn id="1" dur="indefinite" restart="never" nodeType="tmRoot"/>
-      </p:par>
-    </p:tnLst>
-  </p:timing>
-</p:sld>
-</file>
-
-<file path=ppt/slides/slide36.xml><?xml version="1.0" encoding="utf-8"?>
-<p:sld xmlns:a="http://schemas.openxmlformats.org/drawingml/2006/main" xmlns:r="http://schemas.openxmlformats.org/officeDocument/2006/relationships" xmlns:p="http://schemas.openxmlformats.org/presentationml/2006/main">
-  <p:cSld>
-    <p:spTree>
-      <p:nvGrpSpPr>
-        <p:cNvPr id="1" name=""/>
-        <p:cNvGrpSpPr/>
-        <p:nvPr/>
-      </p:nvGrpSpPr>
-      <p:grpSpPr>
-        <a:xfrm>
-          <a:off x="0" y="0"/>
-          <a:ext cx="0" cy="0"/>
-          <a:chOff x="0" y="0"/>
-          <a:chExt cx="0" cy="0"/>
-        </a:xfrm>
-      </p:grpSpPr>
-      <p:sp>
-        <p:nvSpPr>
-          <p:cNvPr id="2" name="Title 1"/>
-          <p:cNvSpPr>
-            <a:spLocks noGrp="1"/>
-          </p:cNvSpPr>
-          <p:nvPr>
-            <p:ph type="title"/>
-          </p:nvPr>
-        </p:nvSpPr>
-        <p:spPr/>
-        <p:txBody>
-          <a:bodyPr/>
-          <a:lstStyle/>
-          <a:p>
-            <a:pPr algn="l"/>
-            <a:r>
-              <a:rPr lang="en-US" b="1" dirty="0" smtClean="0">
-                <a:solidFill>
-                  <a:srgbClr val="0070C0"/>
-                </a:solidFill>
-              </a:rPr>
-              <a:t>A star (Maze Search)</a:t>
-            </a:r>
-            <a:endParaRPr lang="ar-EG" dirty="0"/>
-          </a:p>
-        </p:txBody>
-      </p:sp>
-      <p:sp>
-        <p:nvSpPr>
-          <p:cNvPr id="3" name="Content Placeholder 2"/>
-          <p:cNvSpPr>
-            <a:spLocks noGrp="1"/>
-          </p:cNvSpPr>
-          <p:nvPr>
-            <p:ph idx="1"/>
-          </p:nvPr>
-        </p:nvSpPr>
-        <p:spPr>
-          <a:xfrm>
-            <a:off x="5181600" y="1600200"/>
-            <a:ext cx="2514600" cy="685800"/>
-          </a:xfrm>
-        </p:spPr>
-        <p:txBody>
           <a:bodyPr>
             <a:normAutofit/>
           </a:bodyPr>
           <a:lstStyle/>
           <a:p>
-            <a:r>
-              <a:rPr lang="en-US" sz="2800" dirty="0" smtClean="0"/>
-              <a:t>A-star Maze</a:t>
-            </a:r>
-          </a:p>
-        </p:txBody>
-      </p:sp>
-      <p:pic>
-        <p:nvPicPr>
-          <p:cNvPr id="65540" name="Picture 4"/>
-          <p:cNvPicPr>
-            <a:picLocks noChangeAspect="1" noChangeArrowheads="1"/>
-          </p:cNvPicPr>
-          <p:nvPr/>
-        </p:nvPicPr>
-        <p:blipFill>
-          <a:blip r:embed="rId2"/>
-          <a:srcRect/>
-          <a:stretch>
-            <a:fillRect/>
-          </a:stretch>
-        </p:blipFill>
-        <p:spPr bwMode="auto">
-          <a:xfrm>
-            <a:off x="5105400" y="2743200"/>
-            <a:ext cx="3703160" cy="3124200"/>
-          </a:xfrm>
-          <a:prstGeom prst="rect">
-            <a:avLst/>
-          </a:prstGeom>
-          <a:noFill/>
-          <a:ln w="9525">
-            <a:noFill/>
-            <a:miter lim="800000"/>
-            <a:headEnd/>
-            <a:tailEnd/>
-          </a:ln>
-          <a:effectLst/>
-        </p:spPr>
-      </p:pic>
-      <p:pic>
-        <p:nvPicPr>
-          <p:cNvPr id="8" name="Picture 1"/>
-          <p:cNvPicPr>
-            <a:picLocks noChangeAspect="1" noChangeArrowheads="1"/>
-          </p:cNvPicPr>
-          <p:nvPr/>
-        </p:nvPicPr>
-        <p:blipFill>
-          <a:blip r:embed="rId3"/>
-          <a:srcRect/>
-          <a:stretch>
-            <a:fillRect/>
-          </a:stretch>
-        </p:blipFill>
-        <p:spPr bwMode="auto">
-          <a:xfrm>
-            <a:off x="533400" y="2743200"/>
-            <a:ext cx="3757466" cy="3200400"/>
-          </a:xfrm>
-          <a:prstGeom prst="rect">
-            <a:avLst/>
-          </a:prstGeom>
-          <a:noFill/>
-          <a:ln w="9525">
-            <a:noFill/>
-            <a:miter lim="800000"/>
-            <a:headEnd/>
-            <a:tailEnd/>
-          </a:ln>
-          <a:effectLst/>
-        </p:spPr>
-      </p:pic>
-      <p:sp>
-        <p:nvSpPr>
-          <p:cNvPr id="9" name="Content Placeholder 2"/>
-          <p:cNvSpPr txBox="1">
-            <a:spLocks/>
-          </p:cNvSpPr>
-          <p:nvPr/>
-        </p:nvSpPr>
-        <p:spPr>
-          <a:xfrm>
-            <a:off x="533400" y="1600200"/>
-            <a:ext cx="3276600" cy="685800"/>
-          </a:xfrm>
-          <a:prstGeom prst="rect">
-            <a:avLst/>
-          </a:prstGeom>
-        </p:spPr>
-        <p:txBody>
-          <a:bodyPr vert="horz" lIns="91440" tIns="45720" rIns="91440" bIns="45720" rtlCol="0">
-            <a:normAutofit/>
-          </a:bodyPr>
-          <a:lstStyle/>
-          <a:p>
-            <a:pPr marL="342900" marR="0" lvl="0" indent="-342900" algn="l" defTabSz="914400" rtl="0" eaLnBrk="1" fontAlgn="auto" latinLnBrk="0" hangingPunct="1">
-              <a:lnSpc>
-                <a:spcPct val="100000"/>
-              </a:lnSpc>
-              <a:spcBef>
-                <a:spcPct val="20000"/>
-              </a:spcBef>
-              <a:spcAft>
-                <a:spcPts val="0"/>
-              </a:spcAft>
-              <a:buClrTx/>
-              <a:buSzTx/>
-              <a:buFont typeface="Arial" pitchFamily="34" charset="0"/>
-              <a:buChar char="•"/>
-              <a:tabLst/>
-              <a:defRPr/>
-            </a:pPr>
-            <a:r>
-              <a:rPr kumimoji="0" lang="en-US" sz="2800" b="0" i="0" u="none" strike="noStrike" kern="1200" cap="none" spc="0" normalizeH="0" baseline="0" noProof="0" dirty="0" smtClean="0">
-                <a:ln>
-                  <a:noFill/>
-                </a:ln>
-                <a:solidFill>
-                  <a:schemeClr val="tx1"/>
-                </a:solidFill>
-                <a:effectLst/>
-                <a:uLnTx/>
-                <a:uFillTx/>
-                <a:latin typeface="+mn-lt"/>
-                <a:ea typeface="+mn-ea"/>
-                <a:cs typeface="+mn-cs"/>
+            <a:pPr algn="l"/>
+            <a:r>
+              <a:rPr lang="en-US" b="1" smtClean="0">
+                <a:solidFill>
+                  <a:srgbClr val="0070C0"/>
+                </a:solidFill>
               </a:rPr>
-              <a:t>Heuristic</a:t>
-            </a:r>
-            <a:r>
-              <a:rPr kumimoji="0" lang="en-US" sz="2800" b="0" i="0" u="none" strike="noStrike" kern="1200" cap="none" spc="0" normalizeH="0" noProof="0" dirty="0" smtClean="0">
-                <a:ln>
-                  <a:noFill/>
-                </a:ln>
-                <a:solidFill>
-                  <a:schemeClr val="tx1"/>
-                </a:solidFill>
-                <a:effectLst/>
-                <a:uLnTx/>
-                <a:uFillTx/>
-                <a:latin typeface="+mn-lt"/>
-                <a:ea typeface="+mn-ea"/>
-                <a:cs typeface="+mn-cs"/>
+              <a:t>Code</a:t>
+            </a:r>
+            <a:endParaRPr lang="ar-EG" dirty="0"/>
+          </a:p>
+        </p:txBody>
+      </p:sp>
+      <p:sp>
+        <p:nvSpPr>
+          <p:cNvPr id="5" name="Footer Placeholder 4"/>
+          <p:cNvSpPr>
+            <a:spLocks noGrp="1"/>
+          </p:cNvSpPr>
+          <p:nvPr>
+            <p:ph type="ftr" sz="quarter" idx="11"/>
+          </p:nvPr>
+        </p:nvSpPr>
+        <p:spPr/>
+        <p:txBody>
+          <a:bodyPr/>
+          <a:lstStyle/>
+          <a:p>
+            <a:r>
+              <a:rPr lang="en-US" smtClean="0"/>
+              <a:t>By Eng. Ahmed Tarik</a:t>
+            </a:r>
+            <a:endParaRPr lang="en-US"/>
+          </a:p>
+        </p:txBody>
+      </p:sp>
+      <p:sp>
+        <p:nvSpPr>
+          <p:cNvPr id="6" name="Content Placeholder 5"/>
+          <p:cNvSpPr>
+            <a:spLocks noGrp="1"/>
+          </p:cNvSpPr>
+          <p:nvPr>
+            <p:ph idx="1"/>
+          </p:nvPr>
+        </p:nvSpPr>
+        <p:spPr/>
+        <p:txBody>
+          <a:bodyPr/>
+          <a:lstStyle/>
+          <a:p>
+            <a:r>
+              <a:rPr lang="en-US" dirty="0" smtClean="0"/>
+              <a:t>The complete code at</a:t>
+            </a:r>
+          </a:p>
+          <a:p>
+            <a:pPr lvl="1"/>
+            <a:r>
+              <a:rPr lang="en-US" dirty="0" smtClean="0">
+                <a:hlinkClick r:id="rId2"/>
               </a:rPr>
-              <a:t> Function</a:t>
-            </a:r>
-            <a:endParaRPr kumimoji="0" lang="en-US" sz="2800" b="0" i="0" u="none" strike="noStrike" kern="1200" cap="none" spc="0" normalizeH="0" baseline="0" noProof="0" dirty="0" smtClean="0">
-              <a:ln>
-                <a:noFill/>
-              </a:ln>
-              <a:solidFill>
-                <a:schemeClr val="tx1"/>
-              </a:solidFill>
-              <a:effectLst/>
-              <a:uLnTx/>
-              <a:uFillTx/>
-              <a:latin typeface="+mn-lt"/>
-              <a:ea typeface="+mn-ea"/>
-              <a:cs typeface="+mn-cs"/>
-            </a:endParaRPr>
-          </a:p>
-        </p:txBody>
-      </p:sp>
-      <p:sp>
-        <p:nvSpPr>
-          <p:cNvPr id="7" name="Footer Placeholder 6"/>
-          <p:cNvSpPr>
-            <a:spLocks noGrp="1"/>
-          </p:cNvSpPr>
-          <p:nvPr>
-            <p:ph type="ftr" sz="quarter" idx="11"/>
-          </p:nvPr>
-        </p:nvSpPr>
-        <p:spPr/>
-        <p:txBody>
-          <a:bodyPr/>
-          <a:lstStyle/>
-          <a:p>
-            <a:r>
-              <a:rPr lang="en-US" smtClean="0"/>
-              <a:t>By Eng. Ahmed Tarik</a:t>
-            </a:r>
-            <a:endParaRPr lang="en-US"/>
-          </a:p>
-        </p:txBody>
-      </p:sp>
-    </p:spTree>
-  </p:cSld>
-  <p:clrMapOvr>
-    <a:masterClrMapping/>
-  </p:clrMapOvr>
-</p:sld>
-</file>
-
-<file path=ppt/slides/slide37.xml><?xml version="1.0" encoding="utf-8"?>
-<p:sld xmlns:a="http://schemas.openxmlformats.org/drawingml/2006/main" xmlns:r="http://schemas.openxmlformats.org/officeDocument/2006/relationships" xmlns:p="http://schemas.openxmlformats.org/presentationml/2006/main">
-  <p:cSld>
-    <p:spTree>
-      <p:nvGrpSpPr>
-        <p:cNvPr id="1" name=""/>
-        <p:cNvGrpSpPr/>
-        <p:nvPr/>
-      </p:nvGrpSpPr>
-      <p:grpSpPr>
-        <a:xfrm>
-          <a:off x="0" y="0"/>
-          <a:ext cx="0" cy="0"/>
-          <a:chOff x="0" y="0"/>
-          <a:chExt cx="0" cy="0"/>
-        </a:xfrm>
-      </p:grpSpPr>
-      <p:sp>
-        <p:nvSpPr>
-          <p:cNvPr id="2" name="Title 1"/>
-          <p:cNvSpPr>
-            <a:spLocks noGrp="1"/>
-          </p:cNvSpPr>
-          <p:nvPr>
-            <p:ph type="title"/>
-          </p:nvPr>
-        </p:nvSpPr>
-        <p:spPr>
-          <a:xfrm>
-            <a:off x="457200" y="76200"/>
-            <a:ext cx="8229600" cy="1143000"/>
-          </a:xfrm>
-        </p:spPr>
-        <p:txBody>
-          <a:bodyPr/>
-          <a:lstStyle/>
-          <a:p>
-            <a:pPr algn="l"/>
-            <a:r>
-              <a:rPr lang="en-US" b="1" dirty="0" smtClean="0">
-                <a:solidFill>
-                  <a:srgbClr val="0070C0"/>
-                </a:solidFill>
+              <a:t>https://github.com/ahmed-elhelow/AI-class</a:t>
+            </a:r>
+            <a:endParaRPr lang="en-US" dirty="0" smtClean="0"/>
+          </a:p>
+          <a:p>
+            <a:r>
+              <a:rPr lang="en-US" dirty="0" smtClean="0"/>
+              <a:t>E-mail: </a:t>
+            </a:r>
+            <a:r>
+              <a:rPr lang="en-US" sz="2800" dirty="0" smtClean="0">
+                <a:hlinkClick r:id="rId2"/>
               </a:rPr>
-              <a:t>Maze Search (A star)</a:t>
-            </a:r>
-            <a:endParaRPr lang="ar-EG" b="1" dirty="0">
-              <a:solidFill>
-                <a:srgbClr val="0070C0"/>
-              </a:solidFill>
-            </a:endParaRPr>
-          </a:p>
-        </p:txBody>
-      </p:sp>
-      <p:sp>
-        <p:nvSpPr>
-          <p:cNvPr id="6" name="Footer Placeholder 5"/>
-          <p:cNvSpPr>
-            <a:spLocks noGrp="1"/>
-          </p:cNvSpPr>
-          <p:nvPr>
-            <p:ph type="ftr" sz="quarter" idx="11"/>
-          </p:nvPr>
-        </p:nvSpPr>
-        <p:spPr/>
-        <p:txBody>
-          <a:bodyPr/>
-          <a:lstStyle/>
-          <a:p>
-            <a:r>
-              <a:rPr lang="en-US" smtClean="0"/>
-              <a:t>By Eng. Ahmed Tarik</a:t>
-            </a:r>
-            <a:endParaRPr lang="en-US"/>
-          </a:p>
-        </p:txBody>
-      </p:sp>
-      <p:pic>
-        <p:nvPicPr>
-          <p:cNvPr id="3074" name="Picture 2"/>
-          <p:cNvPicPr>
-            <a:picLocks noGrp="1" noChangeAspect="1" noChangeArrowheads="1"/>
-          </p:cNvPicPr>
-          <p:nvPr>
-            <p:ph idx="1"/>
-          </p:nvPr>
-        </p:nvPicPr>
-        <p:blipFill>
-          <a:blip r:embed="rId2"/>
-          <a:srcRect/>
-          <a:stretch>
-            <a:fillRect/>
-          </a:stretch>
-        </p:blipFill>
-        <p:spPr bwMode="auto">
-          <a:xfrm>
-            <a:off x="381000" y="1143000"/>
-            <a:ext cx="5410200" cy="1600200"/>
-          </a:xfrm>
-          <a:prstGeom prst="rect">
-            <a:avLst/>
-          </a:prstGeom>
-          <a:noFill/>
-          <a:ln w="9525">
-            <a:noFill/>
-            <a:miter lim="800000"/>
-            <a:headEnd/>
-            <a:tailEnd/>
-          </a:ln>
-          <a:effectLst/>
-        </p:spPr>
-      </p:pic>
-      <p:pic>
-        <p:nvPicPr>
-          <p:cNvPr id="13" name="Picture 12"/>
-          <p:cNvPicPr>
-            <a:picLocks noChangeAspect="1" noChangeArrowheads="1"/>
-          </p:cNvPicPr>
-          <p:nvPr/>
-        </p:nvPicPr>
-        <p:blipFill>
-          <a:blip r:embed="rId3"/>
-          <a:srcRect/>
-          <a:stretch>
-            <a:fillRect/>
-          </a:stretch>
-        </p:blipFill>
-        <p:spPr bwMode="auto">
-          <a:xfrm>
-            <a:off x="5920686" y="533400"/>
-            <a:ext cx="3070914" cy="2590800"/>
-          </a:xfrm>
-          <a:prstGeom prst="rect">
-            <a:avLst/>
-          </a:prstGeom>
-          <a:noFill/>
-          <a:ln w="9525">
-            <a:noFill/>
-            <a:miter lim="800000"/>
-            <a:headEnd/>
-            <a:tailEnd/>
-          </a:ln>
-          <a:effectLst/>
-        </p:spPr>
-      </p:pic>
-      <p:pic>
-        <p:nvPicPr>
-          <p:cNvPr id="3075" name="Picture 3"/>
-          <p:cNvPicPr>
-            <a:picLocks noChangeAspect="1" noChangeArrowheads="1"/>
-          </p:cNvPicPr>
-          <p:nvPr/>
-        </p:nvPicPr>
-        <p:blipFill>
-          <a:blip r:embed="rId4"/>
-          <a:srcRect/>
-          <a:stretch>
-            <a:fillRect/>
-          </a:stretch>
-        </p:blipFill>
-        <p:spPr bwMode="auto">
-          <a:xfrm>
-            <a:off x="381000" y="2971800"/>
-            <a:ext cx="5524500" cy="2447925"/>
-          </a:xfrm>
-          <a:prstGeom prst="rect">
-            <a:avLst/>
-          </a:prstGeom>
-          <a:noFill/>
-          <a:ln w="9525">
-            <a:noFill/>
-            <a:miter lim="800000"/>
-            <a:headEnd/>
-            <a:tailEnd/>
-          </a:ln>
-          <a:effectLst/>
-        </p:spPr>
-      </p:pic>
-    </p:spTree>
-  </p:cSld>
-  <p:clrMapOvr>
-    <a:masterClrMapping/>
-  </p:clrMapOvr>
-  <p:timing>
-    <p:tnLst>
-      <p:par>
-        <p:cTn id="1" dur="indefinite" restart="never" nodeType="tmRoot"/>
-      </p:par>
-    </p:tnLst>
-  </p:timing>
-</p:sld>
-</file>
-
-<file path=ppt/slides/slide38.xml><?xml version="1.0" encoding="utf-8"?>
-<p:sld xmlns:a="http://schemas.openxmlformats.org/drawingml/2006/main" xmlns:r="http://schemas.openxmlformats.org/officeDocument/2006/relationships" xmlns:p="http://schemas.openxmlformats.org/presentationml/2006/main">
-  <p:cSld>
-    <p:spTree>
-      <p:nvGrpSpPr>
-        <p:cNvPr id="1" name=""/>
-        <p:cNvGrpSpPr/>
-        <p:nvPr/>
-      </p:nvGrpSpPr>
-      <p:grpSpPr>
-        <a:xfrm>
-          <a:off x="0" y="0"/>
-          <a:ext cx="0" cy="0"/>
-          <a:chOff x="0" y="0"/>
-          <a:chExt cx="0" cy="0"/>
-        </a:xfrm>
-      </p:grpSpPr>
-      <p:sp>
-        <p:nvSpPr>
-          <p:cNvPr id="2" name="Title 1"/>
-          <p:cNvSpPr>
-            <a:spLocks noGrp="1"/>
-          </p:cNvSpPr>
-          <p:nvPr>
-            <p:ph type="title"/>
-          </p:nvPr>
-        </p:nvSpPr>
-        <p:spPr>
-          <a:xfrm>
-            <a:off x="457200" y="76200"/>
-            <a:ext cx="8229600" cy="1143000"/>
-          </a:xfrm>
-        </p:spPr>
-        <p:txBody>
-          <a:bodyPr/>
-          <a:lstStyle/>
-          <a:p>
-            <a:pPr algn="l"/>
-            <a:r>
-              <a:rPr lang="en-US" b="1" dirty="0" smtClean="0">
-                <a:solidFill>
-                  <a:srgbClr val="0070C0"/>
-                </a:solidFill>
-              </a:rPr>
-              <a:t>Maze Search (A star)</a:t>
-            </a:r>
-            <a:endParaRPr lang="ar-EG" b="1" dirty="0">
-              <a:solidFill>
-                <a:srgbClr val="0070C0"/>
-              </a:solidFill>
-            </a:endParaRPr>
-          </a:p>
-        </p:txBody>
-      </p:sp>
-      <p:sp>
-        <p:nvSpPr>
-          <p:cNvPr id="6" name="Footer Placeholder 5"/>
-          <p:cNvSpPr>
-            <a:spLocks noGrp="1"/>
-          </p:cNvSpPr>
-          <p:nvPr>
-            <p:ph type="ftr" sz="quarter" idx="11"/>
-          </p:nvPr>
-        </p:nvSpPr>
-        <p:spPr/>
-        <p:txBody>
-          <a:bodyPr/>
-          <a:lstStyle/>
-          <a:p>
-            <a:r>
-              <a:rPr lang="en-US" smtClean="0"/>
-              <a:t>By Eng. Ahmed Tarik</a:t>
-            </a:r>
-            <a:endParaRPr lang="en-US"/>
-          </a:p>
-        </p:txBody>
-      </p:sp>
-      <p:pic>
-        <p:nvPicPr>
-          <p:cNvPr id="1028" name="Picture 4"/>
-          <p:cNvPicPr>
-            <a:picLocks noChangeAspect="1" noChangeArrowheads="1"/>
-          </p:cNvPicPr>
-          <p:nvPr/>
-        </p:nvPicPr>
-        <p:blipFill>
-          <a:blip r:embed="rId2"/>
-          <a:srcRect/>
-          <a:stretch>
-            <a:fillRect/>
-          </a:stretch>
-        </p:blipFill>
-        <p:spPr bwMode="auto">
-          <a:xfrm>
-            <a:off x="609600" y="1466850"/>
-            <a:ext cx="5457825" cy="752475"/>
-          </a:xfrm>
-          <a:prstGeom prst="rect">
-            <a:avLst/>
-          </a:prstGeom>
-          <a:noFill/>
-          <a:ln w="9525">
-            <a:noFill/>
-            <a:miter lim="800000"/>
-            <a:headEnd/>
-            <a:tailEnd/>
-          </a:ln>
-          <a:effectLst/>
-        </p:spPr>
-      </p:pic>
-      <p:pic>
-        <p:nvPicPr>
-          <p:cNvPr id="1029" name="Picture 5"/>
-          <p:cNvPicPr>
-            <a:picLocks noChangeAspect="1" noChangeArrowheads="1"/>
-          </p:cNvPicPr>
-          <p:nvPr/>
-        </p:nvPicPr>
-        <p:blipFill>
-          <a:blip r:embed="rId3"/>
-          <a:srcRect/>
-          <a:stretch>
-            <a:fillRect/>
-          </a:stretch>
-        </p:blipFill>
-        <p:spPr bwMode="auto">
-          <a:xfrm>
-            <a:off x="609600" y="1209675"/>
-            <a:ext cx="5391150" cy="257175"/>
-          </a:xfrm>
-          <a:prstGeom prst="rect">
-            <a:avLst/>
-          </a:prstGeom>
-          <a:noFill/>
-          <a:ln w="9525">
-            <a:noFill/>
-            <a:miter lim="800000"/>
-            <a:headEnd/>
-            <a:tailEnd/>
-          </a:ln>
-          <a:effectLst/>
-        </p:spPr>
-      </p:pic>
-      <p:pic>
-        <p:nvPicPr>
-          <p:cNvPr id="1030" name="Picture 6"/>
-          <p:cNvPicPr>
-            <a:picLocks noChangeAspect="1" noChangeArrowheads="1"/>
-          </p:cNvPicPr>
-          <p:nvPr/>
-        </p:nvPicPr>
-        <p:blipFill>
-          <a:blip r:embed="rId4"/>
-          <a:srcRect/>
-          <a:stretch>
-            <a:fillRect/>
-          </a:stretch>
-        </p:blipFill>
-        <p:spPr bwMode="auto">
-          <a:xfrm>
-            <a:off x="609600" y="2428875"/>
-            <a:ext cx="6276975" cy="695325"/>
-          </a:xfrm>
-          <a:prstGeom prst="rect">
-            <a:avLst/>
-          </a:prstGeom>
-          <a:noFill/>
-          <a:ln w="9525">
-            <a:noFill/>
-            <a:miter lim="800000"/>
-            <a:headEnd/>
-            <a:tailEnd/>
-          </a:ln>
-          <a:effectLst/>
-        </p:spPr>
-      </p:pic>
-      <p:pic>
-        <p:nvPicPr>
-          <p:cNvPr id="17" name="Picture 2"/>
-          <p:cNvPicPr>
-            <a:picLocks noChangeAspect="1" noChangeArrowheads="1"/>
-          </p:cNvPicPr>
-          <p:nvPr/>
-        </p:nvPicPr>
-        <p:blipFill>
-          <a:blip r:embed="rId5"/>
-          <a:srcRect/>
-          <a:stretch>
-            <a:fillRect/>
-          </a:stretch>
-        </p:blipFill>
-        <p:spPr bwMode="auto">
-          <a:xfrm>
-            <a:off x="590550" y="4847613"/>
-            <a:ext cx="7029450" cy="867387"/>
-          </a:xfrm>
-          <a:prstGeom prst="rect">
-            <a:avLst/>
-          </a:prstGeom>
-          <a:noFill/>
-          <a:ln w="9525">
-            <a:noFill/>
-            <a:miter lim="800000"/>
-            <a:headEnd/>
-            <a:tailEnd/>
-          </a:ln>
-          <a:effectLst/>
-        </p:spPr>
-      </p:pic>
-      <p:pic>
-        <p:nvPicPr>
-          <p:cNvPr id="3076" name="Picture 4"/>
-          <p:cNvPicPr>
-            <a:picLocks noGrp="1" noChangeAspect="1" noChangeArrowheads="1"/>
-          </p:cNvPicPr>
-          <p:nvPr>
-            <p:ph idx="1"/>
-          </p:nvPr>
-        </p:nvPicPr>
-        <p:blipFill>
-          <a:blip r:embed="rId6"/>
-          <a:srcRect/>
-          <a:stretch>
-            <a:fillRect/>
-          </a:stretch>
-        </p:blipFill>
-        <p:spPr bwMode="auto">
-          <a:xfrm>
-            <a:off x="609600" y="3376054"/>
-            <a:ext cx="8229600" cy="1195946"/>
-          </a:xfrm>
-          <a:prstGeom prst="rect">
-            <a:avLst/>
-          </a:prstGeom>
-          <a:noFill/>
-          <a:ln w="9525">
-            <a:noFill/>
-            <a:miter lim="800000"/>
-            <a:headEnd/>
-            <a:tailEnd/>
-          </a:ln>
-          <a:effectLst/>
-        </p:spPr>
-      </p:pic>
-    </p:spTree>
-  </p:cSld>
-  <p:clrMapOvr>
-    <a:masterClrMapping/>
-  </p:clrMapOvr>
-  <p:timing>
-    <p:tnLst>
-      <p:par>
-        <p:cTn id="1" dur="indefinite" restart="never" nodeType="tmRoot"/>
-      </p:par>
-    </p:tnLst>
-  </p:timing>
-</p:sld>
-</file>
-
-<file path=ppt/slides/slide39.xml><?xml version="1.0" encoding="utf-8"?>
-<p:sld xmlns:a="http://schemas.openxmlformats.org/drawingml/2006/main" xmlns:r="http://schemas.openxmlformats.org/officeDocument/2006/relationships" xmlns:p="http://schemas.openxmlformats.org/presentationml/2006/main">
-  <p:cSld>
-    <p:spTree>
-      <p:nvGrpSpPr>
-        <p:cNvPr id="1" name=""/>
-        <p:cNvGrpSpPr/>
-        <p:nvPr/>
-      </p:nvGrpSpPr>
-      <p:grpSpPr>
-        <a:xfrm>
-          <a:off x="0" y="0"/>
-          <a:ext cx="0" cy="0"/>
-          <a:chOff x="0" y="0"/>
-          <a:chExt cx="0" cy="0"/>
-        </a:xfrm>
-      </p:grpSpPr>
-      <p:sp>
-        <p:nvSpPr>
-          <p:cNvPr id="2" name="Title 1"/>
-          <p:cNvSpPr>
-            <a:spLocks noGrp="1"/>
-          </p:cNvSpPr>
-          <p:nvPr>
-            <p:ph type="title"/>
-          </p:nvPr>
-        </p:nvSpPr>
-        <p:spPr>
-          <a:xfrm>
-            <a:off x="457200" y="76200"/>
-            <a:ext cx="8229600" cy="1143000"/>
-          </a:xfrm>
-        </p:spPr>
-        <p:txBody>
-          <a:bodyPr/>
-          <a:lstStyle/>
-          <a:p>
-            <a:pPr algn="l"/>
-            <a:r>
-              <a:rPr lang="en-US" b="1" dirty="0" smtClean="0">
-                <a:solidFill>
-                  <a:srgbClr val="0070C0"/>
-                </a:solidFill>
-              </a:rPr>
-              <a:t>Maze Search (A star)</a:t>
-            </a:r>
-            <a:endParaRPr lang="ar-EG" b="1" dirty="0">
-              <a:solidFill>
-                <a:srgbClr val="0070C0"/>
-              </a:solidFill>
-            </a:endParaRPr>
-          </a:p>
-        </p:txBody>
-      </p:sp>
-      <p:pic>
-        <p:nvPicPr>
-          <p:cNvPr id="4098" name="Picture 2"/>
-          <p:cNvPicPr>
-            <a:picLocks noGrp="1" noChangeAspect="1" noChangeArrowheads="1"/>
-          </p:cNvPicPr>
-          <p:nvPr>
-            <p:ph idx="1"/>
-          </p:nvPr>
-        </p:nvPicPr>
-        <p:blipFill>
-          <a:blip r:embed="rId2"/>
-          <a:srcRect/>
-          <a:stretch>
-            <a:fillRect/>
-          </a:stretch>
-        </p:blipFill>
-        <p:spPr bwMode="auto">
-          <a:xfrm>
-            <a:off x="457200" y="2209800"/>
-            <a:ext cx="8229600" cy="2696656"/>
-          </a:xfrm>
-          <a:prstGeom prst="rect">
-            <a:avLst/>
-          </a:prstGeom>
-          <a:noFill/>
-          <a:ln w="9525">
-            <a:noFill/>
-            <a:miter lim="800000"/>
-            <a:headEnd/>
-            <a:tailEnd/>
-          </a:ln>
-          <a:effectLst/>
-        </p:spPr>
-      </p:pic>
-      <p:sp>
-        <p:nvSpPr>
-          <p:cNvPr id="4" name="Footer Placeholder 3"/>
-          <p:cNvSpPr>
-            <a:spLocks noGrp="1"/>
-          </p:cNvSpPr>
-          <p:nvPr>
-            <p:ph type="ftr" sz="quarter" idx="11"/>
-          </p:nvPr>
-        </p:nvSpPr>
-        <p:spPr/>
-        <p:txBody>
-          <a:bodyPr/>
-          <a:lstStyle/>
-          <a:p>
-            <a:r>
-              <a:rPr lang="en-US" smtClean="0"/>
-              <a:t>By Eng. Ahmed Tarik</a:t>
-            </a:r>
-            <a:endParaRPr lang="en-US"/>
+              <a:t>Ahmed.elhelow@90daraga.com</a:t>
+            </a:r>
           </a:p>
         </p:txBody>
       </p:sp>
@@ -12510,140 +11384,6 @@
               <a:t>By Eng. Ahmed Tarik</a:t>
             </a:r>
             <a:endParaRPr lang="en-US"/>
-          </a:p>
-        </p:txBody>
-      </p:sp>
-    </p:spTree>
-  </p:cSld>
-  <p:clrMapOvr>
-    <a:masterClrMapping/>
-  </p:clrMapOvr>
-  <p:timing>
-    <p:tnLst>
-      <p:par>
-        <p:cTn id="1" dur="indefinite" restart="never" nodeType="tmRoot"/>
-      </p:par>
-    </p:tnLst>
-  </p:timing>
-</p:sld>
-</file>
-
-<file path=ppt/slides/slide40.xml><?xml version="1.0" encoding="utf-8"?>
-<p:sld xmlns:a="http://schemas.openxmlformats.org/drawingml/2006/main" xmlns:r="http://schemas.openxmlformats.org/officeDocument/2006/relationships" xmlns:p="http://schemas.openxmlformats.org/presentationml/2006/main">
-  <p:cSld>
-    <p:spTree>
-      <p:nvGrpSpPr>
-        <p:cNvPr id="1" name=""/>
-        <p:cNvGrpSpPr/>
-        <p:nvPr/>
-      </p:nvGrpSpPr>
-      <p:grpSpPr>
-        <a:xfrm>
-          <a:off x="0" y="0"/>
-          <a:ext cx="0" cy="0"/>
-          <a:chOff x="0" y="0"/>
-          <a:chExt cx="0" cy="0"/>
-        </a:xfrm>
-      </p:grpSpPr>
-      <p:sp>
-        <p:nvSpPr>
-          <p:cNvPr id="2" name="Title 1"/>
-          <p:cNvSpPr>
-            <a:spLocks noGrp="1"/>
-          </p:cNvSpPr>
-          <p:nvPr>
-            <p:ph type="title"/>
-          </p:nvPr>
-        </p:nvSpPr>
-        <p:spPr>
-          <a:xfrm>
-            <a:off x="457200" y="152400"/>
-            <a:ext cx="8229600" cy="1143000"/>
-          </a:xfrm>
-        </p:spPr>
-        <p:txBody>
-          <a:bodyPr>
-            <a:normAutofit/>
-          </a:bodyPr>
-          <a:lstStyle/>
-          <a:p>
-            <a:pPr algn="l"/>
-            <a:r>
-              <a:rPr lang="en-US" b="1" smtClean="0">
-                <a:solidFill>
-                  <a:srgbClr val="0070C0"/>
-                </a:solidFill>
-              </a:rPr>
-              <a:t>Code</a:t>
-            </a:r>
-            <a:endParaRPr lang="ar-EG" dirty="0"/>
-          </a:p>
-        </p:txBody>
-      </p:sp>
-      <p:sp>
-        <p:nvSpPr>
-          <p:cNvPr id="5" name="Footer Placeholder 4"/>
-          <p:cNvSpPr>
-            <a:spLocks noGrp="1"/>
-          </p:cNvSpPr>
-          <p:nvPr>
-            <p:ph type="ftr" sz="quarter" idx="11"/>
-          </p:nvPr>
-        </p:nvSpPr>
-        <p:spPr/>
-        <p:txBody>
-          <a:bodyPr/>
-          <a:lstStyle/>
-          <a:p>
-            <a:r>
-              <a:rPr lang="en-US" smtClean="0"/>
-              <a:t>By Eng. Ahmed Tarik</a:t>
-            </a:r>
-            <a:endParaRPr lang="en-US"/>
-          </a:p>
-        </p:txBody>
-      </p:sp>
-      <p:sp>
-        <p:nvSpPr>
-          <p:cNvPr id="6" name="Content Placeholder 5"/>
-          <p:cNvSpPr>
-            <a:spLocks noGrp="1"/>
-          </p:cNvSpPr>
-          <p:nvPr>
-            <p:ph idx="1"/>
-          </p:nvPr>
-        </p:nvSpPr>
-        <p:spPr/>
-        <p:txBody>
-          <a:bodyPr/>
-          <a:lstStyle/>
-          <a:p>
-            <a:r>
-              <a:rPr lang="en-US" dirty="0" smtClean="0"/>
-              <a:t>The complete code at</a:t>
-            </a:r>
-          </a:p>
-          <a:p>
-            <a:pPr lvl="1"/>
-            <a:r>
-              <a:rPr lang="en-US" dirty="0" smtClean="0">
-                <a:hlinkClick r:id="rId2"/>
-              </a:rPr>
-              <a:t>https://github.com/ahmed-elhelow/AI-class</a:t>
-            </a:r>
-            <a:endParaRPr lang="en-US" dirty="0" smtClean="0"/>
-          </a:p>
-          <a:p>
-            <a:r>
-              <a:rPr lang="en-US" dirty="0" smtClean="0"/>
-              <a:t>E-mail: </a:t>
-            </a:r>
-            <a:r>
-              <a:rPr lang="en-US" sz="2800" dirty="0" smtClean="0">
-                <a:hlinkClick r:id="rId2"/>
-              </a:rPr>
-              <a:t>Ahmed.elhelow@90daraga.com</a:t>
-            </a:r>
           </a:p>
         </p:txBody>
       </p:sp>
